--- a/fig/figs.pptx
+++ b/fig/figs.pptx
@@ -246,7 +246,7 @@
           <a:p>
             <a:fld id="{920EB18E-1134-4CD8-9A0C-0ED1BE90E7FD}" type="datetimeFigureOut">
               <a:rPr lang="cs-CZ" smtClean="0"/>
-              <a:t>5. 11. 2017</a:t>
+              <a:t>3. 12. 2017</a:t>
             </a:fld>
             <a:endParaRPr lang="cs-CZ"/>
           </a:p>
@@ -414,7 +414,7 @@
           <a:p>
             <a:fld id="{920EB18E-1134-4CD8-9A0C-0ED1BE90E7FD}" type="datetimeFigureOut">
               <a:rPr lang="cs-CZ" smtClean="0"/>
-              <a:t>5. 11. 2017</a:t>
+              <a:t>3. 12. 2017</a:t>
             </a:fld>
             <a:endParaRPr lang="cs-CZ"/>
           </a:p>
@@ -592,7 +592,7 @@
           <a:p>
             <a:fld id="{920EB18E-1134-4CD8-9A0C-0ED1BE90E7FD}" type="datetimeFigureOut">
               <a:rPr lang="cs-CZ" smtClean="0"/>
-              <a:t>5. 11. 2017</a:t>
+              <a:t>3. 12. 2017</a:t>
             </a:fld>
             <a:endParaRPr lang="cs-CZ"/>
           </a:p>
@@ -760,7 +760,7 @@
           <a:p>
             <a:fld id="{920EB18E-1134-4CD8-9A0C-0ED1BE90E7FD}" type="datetimeFigureOut">
               <a:rPr lang="cs-CZ" smtClean="0"/>
-              <a:t>5. 11. 2017</a:t>
+              <a:t>3. 12. 2017</a:t>
             </a:fld>
             <a:endParaRPr lang="cs-CZ"/>
           </a:p>
@@ -1005,7 +1005,7 @@
           <a:p>
             <a:fld id="{920EB18E-1134-4CD8-9A0C-0ED1BE90E7FD}" type="datetimeFigureOut">
               <a:rPr lang="cs-CZ" smtClean="0"/>
-              <a:t>5. 11. 2017</a:t>
+              <a:t>3. 12. 2017</a:t>
             </a:fld>
             <a:endParaRPr lang="cs-CZ"/>
           </a:p>
@@ -1234,7 +1234,7 @@
           <a:p>
             <a:fld id="{920EB18E-1134-4CD8-9A0C-0ED1BE90E7FD}" type="datetimeFigureOut">
               <a:rPr lang="cs-CZ" smtClean="0"/>
-              <a:t>5. 11. 2017</a:t>
+              <a:t>3. 12. 2017</a:t>
             </a:fld>
             <a:endParaRPr lang="cs-CZ"/>
           </a:p>
@@ -1598,7 +1598,7 @@
           <a:p>
             <a:fld id="{920EB18E-1134-4CD8-9A0C-0ED1BE90E7FD}" type="datetimeFigureOut">
               <a:rPr lang="cs-CZ" smtClean="0"/>
-              <a:t>5. 11. 2017</a:t>
+              <a:t>3. 12. 2017</a:t>
             </a:fld>
             <a:endParaRPr lang="cs-CZ"/>
           </a:p>
@@ -1715,7 +1715,7 @@
           <a:p>
             <a:fld id="{920EB18E-1134-4CD8-9A0C-0ED1BE90E7FD}" type="datetimeFigureOut">
               <a:rPr lang="cs-CZ" smtClean="0"/>
-              <a:t>5. 11. 2017</a:t>
+              <a:t>3. 12. 2017</a:t>
             </a:fld>
             <a:endParaRPr lang="cs-CZ"/>
           </a:p>
@@ -1810,7 +1810,7 @@
           <a:p>
             <a:fld id="{920EB18E-1134-4CD8-9A0C-0ED1BE90E7FD}" type="datetimeFigureOut">
               <a:rPr lang="cs-CZ" smtClean="0"/>
-              <a:t>5. 11. 2017</a:t>
+              <a:t>3. 12. 2017</a:t>
             </a:fld>
             <a:endParaRPr lang="cs-CZ"/>
           </a:p>
@@ -2085,7 +2085,7 @@
           <a:p>
             <a:fld id="{920EB18E-1134-4CD8-9A0C-0ED1BE90E7FD}" type="datetimeFigureOut">
               <a:rPr lang="cs-CZ" smtClean="0"/>
-              <a:t>5. 11. 2017</a:t>
+              <a:t>3. 12. 2017</a:t>
             </a:fld>
             <a:endParaRPr lang="cs-CZ"/>
           </a:p>
@@ -2337,7 +2337,7 @@
           <a:p>
             <a:fld id="{920EB18E-1134-4CD8-9A0C-0ED1BE90E7FD}" type="datetimeFigureOut">
               <a:rPr lang="cs-CZ" smtClean="0"/>
-              <a:t>5. 11. 2017</a:t>
+              <a:t>3. 12. 2017</a:t>
             </a:fld>
             <a:endParaRPr lang="cs-CZ"/>
           </a:p>
@@ -2548,7 +2548,7 @@
           <a:p>
             <a:fld id="{920EB18E-1134-4CD8-9A0C-0ED1BE90E7FD}" type="datetimeFigureOut">
               <a:rPr lang="cs-CZ" smtClean="0"/>
-              <a:t>5. 11. 2017</a:t>
+              <a:t>3. 12. 2017</a:t>
             </a:fld>
             <a:endParaRPr lang="cs-CZ"/>
           </a:p>
@@ -4637,8 +4637,8 @@
           </p:nvSpPr>
           <p:spPr>
             <a:xfrm>
-              <a:off x="6630915" y="3633365"/>
-              <a:ext cx="1255776" cy="484632"/>
+              <a:off x="6630914" y="3633365"/>
+              <a:ext cx="1370085" cy="484632"/>
             </a:xfrm>
             <a:prstGeom prst="roundRect">
               <a:avLst/>
@@ -4678,7 +4678,7 @@
                     <a:schemeClr val="tx1"/>
                   </a:solidFill>
                 </a:rPr>
-                <a:t>Model</a:t>
+                <a:t>Modelování</a:t>
               </a:r>
             </a:p>
           </p:txBody>

--- a/fig/figs.pptx
+++ b/fig/figs.pptx
@@ -7,6 +7,7 @@
   <p:sldIdLst>
     <p:sldId id="257" r:id="rId2"/>
     <p:sldId id="258" r:id="rId3"/>
+    <p:sldId id="259" r:id="rId4"/>
   </p:sldIdLst>
   <p:sldSz cx="12192000" cy="6858000"/>
   <p:notesSz cx="6858000" cy="9144000"/>
@@ -246,7 +247,7 @@
           <a:p>
             <a:fld id="{920EB18E-1134-4CD8-9A0C-0ED1BE90E7FD}" type="datetimeFigureOut">
               <a:rPr lang="cs-CZ" smtClean="0"/>
-              <a:t>3. 12. 2017</a:t>
+              <a:t>14. 4. 2018</a:t>
             </a:fld>
             <a:endParaRPr lang="cs-CZ"/>
           </a:p>
@@ -414,7 +415,7 @@
           <a:p>
             <a:fld id="{920EB18E-1134-4CD8-9A0C-0ED1BE90E7FD}" type="datetimeFigureOut">
               <a:rPr lang="cs-CZ" smtClean="0"/>
-              <a:t>3. 12. 2017</a:t>
+              <a:t>14. 4. 2018</a:t>
             </a:fld>
             <a:endParaRPr lang="cs-CZ"/>
           </a:p>
@@ -592,7 +593,7 @@
           <a:p>
             <a:fld id="{920EB18E-1134-4CD8-9A0C-0ED1BE90E7FD}" type="datetimeFigureOut">
               <a:rPr lang="cs-CZ" smtClean="0"/>
-              <a:t>3. 12. 2017</a:t>
+              <a:t>14. 4. 2018</a:t>
             </a:fld>
             <a:endParaRPr lang="cs-CZ"/>
           </a:p>
@@ -760,7 +761,7 @@
           <a:p>
             <a:fld id="{920EB18E-1134-4CD8-9A0C-0ED1BE90E7FD}" type="datetimeFigureOut">
               <a:rPr lang="cs-CZ" smtClean="0"/>
-              <a:t>3. 12. 2017</a:t>
+              <a:t>14. 4. 2018</a:t>
             </a:fld>
             <a:endParaRPr lang="cs-CZ"/>
           </a:p>
@@ -1005,7 +1006,7 @@
           <a:p>
             <a:fld id="{920EB18E-1134-4CD8-9A0C-0ED1BE90E7FD}" type="datetimeFigureOut">
               <a:rPr lang="cs-CZ" smtClean="0"/>
-              <a:t>3. 12. 2017</a:t>
+              <a:t>14. 4. 2018</a:t>
             </a:fld>
             <a:endParaRPr lang="cs-CZ"/>
           </a:p>
@@ -1234,7 +1235,7 @@
           <a:p>
             <a:fld id="{920EB18E-1134-4CD8-9A0C-0ED1BE90E7FD}" type="datetimeFigureOut">
               <a:rPr lang="cs-CZ" smtClean="0"/>
-              <a:t>3. 12. 2017</a:t>
+              <a:t>14. 4. 2018</a:t>
             </a:fld>
             <a:endParaRPr lang="cs-CZ"/>
           </a:p>
@@ -1598,7 +1599,7 @@
           <a:p>
             <a:fld id="{920EB18E-1134-4CD8-9A0C-0ED1BE90E7FD}" type="datetimeFigureOut">
               <a:rPr lang="cs-CZ" smtClean="0"/>
-              <a:t>3. 12. 2017</a:t>
+              <a:t>14. 4. 2018</a:t>
             </a:fld>
             <a:endParaRPr lang="cs-CZ"/>
           </a:p>
@@ -1715,7 +1716,7 @@
           <a:p>
             <a:fld id="{920EB18E-1134-4CD8-9A0C-0ED1BE90E7FD}" type="datetimeFigureOut">
               <a:rPr lang="cs-CZ" smtClean="0"/>
-              <a:t>3. 12. 2017</a:t>
+              <a:t>14. 4. 2018</a:t>
             </a:fld>
             <a:endParaRPr lang="cs-CZ"/>
           </a:p>
@@ -1810,7 +1811,7 @@
           <a:p>
             <a:fld id="{920EB18E-1134-4CD8-9A0C-0ED1BE90E7FD}" type="datetimeFigureOut">
               <a:rPr lang="cs-CZ" smtClean="0"/>
-              <a:t>3. 12. 2017</a:t>
+              <a:t>14. 4. 2018</a:t>
             </a:fld>
             <a:endParaRPr lang="cs-CZ"/>
           </a:p>
@@ -2085,7 +2086,7 @@
           <a:p>
             <a:fld id="{920EB18E-1134-4CD8-9A0C-0ED1BE90E7FD}" type="datetimeFigureOut">
               <a:rPr lang="cs-CZ" smtClean="0"/>
-              <a:t>3. 12. 2017</a:t>
+              <a:t>14. 4. 2018</a:t>
             </a:fld>
             <a:endParaRPr lang="cs-CZ"/>
           </a:p>
@@ -2337,7 +2338,7 @@
           <a:p>
             <a:fld id="{920EB18E-1134-4CD8-9A0C-0ED1BE90E7FD}" type="datetimeFigureOut">
               <a:rPr lang="cs-CZ" smtClean="0"/>
-              <a:t>3. 12. 2017</a:t>
+              <a:t>14. 4. 2018</a:t>
             </a:fld>
             <a:endParaRPr lang="cs-CZ"/>
           </a:p>
@@ -2548,7 +2549,7 @@
           <a:p>
             <a:fld id="{920EB18E-1134-4CD8-9A0C-0ED1BE90E7FD}" type="datetimeFigureOut">
               <a:rPr lang="cs-CZ" smtClean="0"/>
-              <a:t>3. 12. 2017</a:t>
+              <a:t>14. 4. 2018</a:t>
             </a:fld>
             <a:endParaRPr lang="cs-CZ"/>
           </a:p>
@@ -5072,6 +5073,1069 @@
 </p:sld>
 </file>
 
+<file path=ppt/slides/slide3.xml><?xml version="1.0" encoding="utf-8"?>
+<p:sld xmlns:a="http://schemas.openxmlformats.org/drawingml/2006/main" xmlns:r="http://schemas.openxmlformats.org/officeDocument/2006/relationships" xmlns:p="http://schemas.openxmlformats.org/presentationml/2006/main">
+  <p:cSld>
+    <p:spTree>
+      <p:nvGrpSpPr>
+        <p:cNvPr id="1" name=""/>
+        <p:cNvGrpSpPr/>
+        <p:nvPr/>
+      </p:nvGrpSpPr>
+      <p:grpSpPr>
+        <a:xfrm>
+          <a:off x="0" y="0"/>
+          <a:ext cx="0" cy="0"/>
+          <a:chOff x="0" y="0"/>
+          <a:chExt cx="0" cy="0"/>
+        </a:xfrm>
+      </p:grpSpPr>
+      <p:grpSp>
+        <p:nvGrpSpPr>
+          <p:cNvPr id="101" name="Skupina 100">
+            <a:extLst>
+              <a:ext uri="{FF2B5EF4-FFF2-40B4-BE49-F238E27FC236}">
+                <a16:creationId xmlns:a16="http://schemas.microsoft.com/office/drawing/2014/main" id="{F28D298A-594D-4C0D-BF9B-BD2635580F88}"/>
+              </a:ext>
+            </a:extLst>
+          </p:cNvPr>
+          <p:cNvGrpSpPr/>
+          <p:nvPr/>
+        </p:nvGrpSpPr>
+        <p:grpSpPr>
+          <a:xfrm>
+            <a:off x="1907458" y="673777"/>
+            <a:ext cx="8833607" cy="5769329"/>
+            <a:chOff x="1907458" y="673777"/>
+            <a:chExt cx="8833607" cy="5769329"/>
+          </a:xfrm>
+        </p:grpSpPr>
+        <p:sp>
+          <p:nvSpPr>
+            <p:cNvPr id="48" name="Obdélník: se zakulacenými rohy 47">
+              <a:extLst>
+                <a:ext uri="{FF2B5EF4-FFF2-40B4-BE49-F238E27FC236}">
+                  <a16:creationId xmlns:a16="http://schemas.microsoft.com/office/drawing/2014/main" id="{8B07B593-44A2-49CF-AA1A-6C68CD0BA46D}"/>
+                </a:ext>
+              </a:extLst>
+            </p:cNvPr>
+            <p:cNvSpPr/>
+            <p:nvPr/>
+          </p:nvSpPr>
+          <p:spPr>
+            <a:xfrm>
+              <a:off x="1907458" y="1023818"/>
+              <a:ext cx="8833607" cy="5419288"/>
+            </a:xfrm>
+            <a:prstGeom prst="roundRect">
+              <a:avLst/>
+            </a:prstGeom>
+            <a:solidFill>
+              <a:schemeClr val="bg1">
+                <a:lumMod val="95000"/>
+              </a:schemeClr>
+            </a:solidFill>
+            <a:ln>
+              <a:solidFill>
+                <a:schemeClr val="tx1"/>
+              </a:solidFill>
+            </a:ln>
+          </p:spPr>
+          <p:style>
+            <a:lnRef idx="2">
+              <a:schemeClr val="accent1">
+                <a:shade val="50000"/>
+              </a:schemeClr>
+            </a:lnRef>
+            <a:fillRef idx="1">
+              <a:schemeClr val="accent1"/>
+            </a:fillRef>
+            <a:effectRef idx="0">
+              <a:schemeClr val="accent1"/>
+            </a:effectRef>
+            <a:fontRef idx="minor">
+              <a:schemeClr val="lt1"/>
+            </a:fontRef>
+          </p:style>
+          <p:txBody>
+            <a:bodyPr rtlCol="0" anchor="ctr"/>
+            <a:lstStyle/>
+            <a:p>
+              <a:pPr algn="ctr"/>
+              <a:endParaRPr lang="cs-CZ"/>
+            </a:p>
+          </p:txBody>
+        </p:sp>
+        <p:sp>
+          <p:nvSpPr>
+            <p:cNvPr id="31" name="Obdélník: se zakulacenými rohy 30">
+              <a:extLst>
+                <a:ext uri="{FF2B5EF4-FFF2-40B4-BE49-F238E27FC236}">
+                  <a16:creationId xmlns:a16="http://schemas.microsoft.com/office/drawing/2014/main" id="{290B326F-77C5-453C-973B-2F3076E4ED70}"/>
+                </a:ext>
+              </a:extLst>
+            </p:cNvPr>
+            <p:cNvSpPr/>
+            <p:nvPr/>
+          </p:nvSpPr>
+          <p:spPr>
+            <a:xfrm>
+              <a:off x="2077336" y="1371961"/>
+              <a:ext cx="2248249" cy="4697834"/>
+            </a:xfrm>
+            <a:prstGeom prst="roundRect">
+              <a:avLst/>
+            </a:prstGeom>
+            <a:solidFill>
+              <a:schemeClr val="bg1"/>
+            </a:solidFill>
+            <a:ln>
+              <a:solidFill>
+                <a:schemeClr val="tx1"/>
+              </a:solidFill>
+            </a:ln>
+          </p:spPr>
+          <p:style>
+            <a:lnRef idx="2">
+              <a:schemeClr val="accent1">
+                <a:shade val="50000"/>
+              </a:schemeClr>
+            </a:lnRef>
+            <a:fillRef idx="1">
+              <a:schemeClr val="accent1"/>
+            </a:fillRef>
+            <a:effectRef idx="0">
+              <a:schemeClr val="accent1"/>
+            </a:effectRef>
+            <a:fontRef idx="minor">
+              <a:schemeClr val="lt1"/>
+            </a:fontRef>
+          </p:style>
+          <p:txBody>
+            <a:bodyPr rtlCol="0" anchor="ctr"/>
+            <a:lstStyle/>
+            <a:p>
+              <a:pPr algn="ctr"/>
+              <a:endParaRPr lang="cs-CZ"/>
+            </a:p>
+          </p:txBody>
+        </p:sp>
+        <p:pic>
+          <p:nvPicPr>
+            <p:cNvPr id="30" name="Obrázek 29">
+              <a:extLst>
+                <a:ext uri="{FF2B5EF4-FFF2-40B4-BE49-F238E27FC236}">
+                  <a16:creationId xmlns:a16="http://schemas.microsoft.com/office/drawing/2014/main" id="{E0EABC18-F272-4D3A-9228-ECB53B30DC9B}"/>
+                </a:ext>
+              </a:extLst>
+            </p:cNvPr>
+            <p:cNvPicPr>
+              <a:picLocks noChangeAspect="1"/>
+            </p:cNvPicPr>
+            <p:nvPr/>
+          </p:nvPicPr>
+          <p:blipFill>
+            <a:blip r:embed="rId2"/>
+            <a:stretch>
+              <a:fillRect/>
+            </a:stretch>
+          </p:blipFill>
+          <p:spPr>
+            <a:xfrm>
+              <a:off x="2377388" y="4455441"/>
+              <a:ext cx="1653703" cy="1052794"/>
+            </a:xfrm>
+            <a:prstGeom prst="rect">
+              <a:avLst/>
+            </a:prstGeom>
+            <a:solidFill>
+              <a:schemeClr val="bg1"/>
+            </a:solidFill>
+          </p:spPr>
+        </p:pic>
+        <p:sp>
+          <p:nvSpPr>
+            <p:cNvPr id="32" name="Obdélník: se zakulacenými rohy 31">
+              <a:extLst>
+                <a:ext uri="{FF2B5EF4-FFF2-40B4-BE49-F238E27FC236}">
+                  <a16:creationId xmlns:a16="http://schemas.microsoft.com/office/drawing/2014/main" id="{FA517552-4D33-479A-991A-78C9F05B29DB}"/>
+                </a:ext>
+              </a:extLst>
+            </p:cNvPr>
+            <p:cNvSpPr/>
+            <p:nvPr/>
+          </p:nvSpPr>
+          <p:spPr>
+            <a:xfrm>
+              <a:off x="2382118" y="4455441"/>
+              <a:ext cx="1653703" cy="1052794"/>
+            </a:xfrm>
+            <a:prstGeom prst="roundRect">
+              <a:avLst/>
+            </a:prstGeom>
+            <a:noFill/>
+            <a:ln>
+              <a:solidFill>
+                <a:schemeClr val="tx1"/>
+              </a:solidFill>
+            </a:ln>
+          </p:spPr>
+          <p:style>
+            <a:lnRef idx="2">
+              <a:schemeClr val="accent1">
+                <a:shade val="50000"/>
+              </a:schemeClr>
+            </a:lnRef>
+            <a:fillRef idx="1">
+              <a:schemeClr val="accent1"/>
+            </a:fillRef>
+            <a:effectRef idx="0">
+              <a:schemeClr val="accent1"/>
+            </a:effectRef>
+            <a:fontRef idx="minor">
+              <a:schemeClr val="lt1"/>
+            </a:fontRef>
+          </p:style>
+          <p:txBody>
+            <a:bodyPr rtlCol="0" anchor="ctr"/>
+            <a:lstStyle/>
+            <a:p>
+              <a:pPr algn="r"/>
+              <a:r>
+                <a:rPr lang="cs-CZ" dirty="0">
+                  <a:solidFill>
+                    <a:schemeClr val="accent2">
+                      <a:lumMod val="60000"/>
+                      <a:lumOff val="40000"/>
+                    </a:schemeClr>
+                  </a:solidFill>
+                </a:rPr>
+                <a:t>input$3</a:t>
+              </a:r>
+            </a:p>
+          </p:txBody>
+        </p:sp>
+        <p:pic>
+          <p:nvPicPr>
+            <p:cNvPr id="37" name="Obrázek 36">
+              <a:extLst>
+                <a:ext uri="{FF2B5EF4-FFF2-40B4-BE49-F238E27FC236}">
+                  <a16:creationId xmlns:a16="http://schemas.microsoft.com/office/drawing/2014/main" id="{69F4B9A2-AE81-4954-B193-30FD05D847F8}"/>
+                </a:ext>
+              </a:extLst>
+            </p:cNvPr>
+            <p:cNvPicPr>
+              <a:picLocks noChangeAspect="1"/>
+            </p:cNvPicPr>
+            <p:nvPr/>
+          </p:nvPicPr>
+          <p:blipFill>
+            <a:blip r:embed="rId3"/>
+            <a:stretch>
+              <a:fillRect/>
+            </a:stretch>
+          </p:blipFill>
+          <p:spPr>
+            <a:xfrm>
+              <a:off x="2326155" y="1897307"/>
+              <a:ext cx="1765294" cy="684405"/>
+            </a:xfrm>
+            <a:prstGeom prst="rect">
+              <a:avLst/>
+            </a:prstGeom>
+          </p:spPr>
+        </p:pic>
+        <p:sp>
+          <p:nvSpPr>
+            <p:cNvPr id="34" name="Obdélník: se zakulacenými rohy 33">
+              <a:extLst>
+                <a:ext uri="{FF2B5EF4-FFF2-40B4-BE49-F238E27FC236}">
+                  <a16:creationId xmlns:a16="http://schemas.microsoft.com/office/drawing/2014/main" id="{875B063A-303E-4D6A-AAD3-080D910D79C1}"/>
+                </a:ext>
+              </a:extLst>
+            </p:cNvPr>
+            <p:cNvSpPr/>
+            <p:nvPr/>
+          </p:nvSpPr>
+          <p:spPr>
+            <a:xfrm>
+              <a:off x="2311470" y="1869843"/>
+              <a:ext cx="1779979" cy="739331"/>
+            </a:xfrm>
+            <a:prstGeom prst="roundRect">
+              <a:avLst/>
+            </a:prstGeom>
+            <a:noFill/>
+            <a:ln>
+              <a:solidFill>
+                <a:schemeClr val="tx1"/>
+              </a:solidFill>
+            </a:ln>
+          </p:spPr>
+          <p:style>
+            <a:lnRef idx="2">
+              <a:schemeClr val="accent1">
+                <a:shade val="50000"/>
+              </a:schemeClr>
+            </a:lnRef>
+            <a:fillRef idx="1">
+              <a:schemeClr val="accent1"/>
+            </a:fillRef>
+            <a:effectRef idx="0">
+              <a:schemeClr val="accent1"/>
+            </a:effectRef>
+            <a:fontRef idx="minor">
+              <a:schemeClr val="lt1"/>
+            </a:fontRef>
+          </p:style>
+          <p:txBody>
+            <a:bodyPr rtlCol="0" anchor="b"/>
+            <a:lstStyle/>
+            <a:p>
+              <a:pPr algn="r"/>
+              <a:r>
+                <a:rPr lang="cs-CZ" dirty="0">
+                  <a:solidFill>
+                    <a:schemeClr val="accent2">
+                      <a:lumMod val="60000"/>
+                      <a:lumOff val="40000"/>
+                    </a:schemeClr>
+                  </a:solidFill>
+                </a:rPr>
+                <a:t>input$1</a:t>
+              </a:r>
+            </a:p>
+          </p:txBody>
+        </p:sp>
+        <p:pic>
+          <p:nvPicPr>
+            <p:cNvPr id="38" name="Obrázek 37">
+              <a:extLst>
+                <a:ext uri="{FF2B5EF4-FFF2-40B4-BE49-F238E27FC236}">
+                  <a16:creationId xmlns:a16="http://schemas.microsoft.com/office/drawing/2014/main" id="{2A4486D1-D0B5-486B-A82A-0B98F3FA6917}"/>
+                </a:ext>
+              </a:extLst>
+            </p:cNvPr>
+            <p:cNvPicPr>
+              <a:picLocks noChangeAspect="1"/>
+            </p:cNvPicPr>
+            <p:nvPr/>
+          </p:nvPicPr>
+          <p:blipFill>
+            <a:blip r:embed="rId4"/>
+            <a:stretch>
+              <a:fillRect/>
+            </a:stretch>
+          </p:blipFill>
+          <p:spPr>
+            <a:xfrm>
+              <a:off x="2348428" y="3122678"/>
+              <a:ext cx="1706062" cy="859288"/>
+            </a:xfrm>
+            <a:prstGeom prst="rect">
+              <a:avLst/>
+            </a:prstGeom>
+          </p:spPr>
+        </p:pic>
+        <p:sp>
+          <p:nvSpPr>
+            <p:cNvPr id="35" name="Obdélník: se zakulacenými rohy 34">
+              <a:extLst>
+                <a:ext uri="{FF2B5EF4-FFF2-40B4-BE49-F238E27FC236}">
+                  <a16:creationId xmlns:a16="http://schemas.microsoft.com/office/drawing/2014/main" id="{9D90DD5A-824F-468A-95DD-574B9AC7149A}"/>
+                </a:ext>
+              </a:extLst>
+            </p:cNvPr>
+            <p:cNvSpPr/>
+            <p:nvPr/>
+          </p:nvSpPr>
+          <p:spPr>
+            <a:xfrm>
+              <a:off x="2367266" y="3122678"/>
+              <a:ext cx="1687224" cy="859288"/>
+            </a:xfrm>
+            <a:prstGeom prst="roundRect">
+              <a:avLst/>
+            </a:prstGeom>
+            <a:noFill/>
+            <a:ln>
+              <a:solidFill>
+                <a:schemeClr val="tx1"/>
+              </a:solidFill>
+            </a:ln>
+          </p:spPr>
+          <p:style>
+            <a:lnRef idx="2">
+              <a:schemeClr val="accent1">
+                <a:shade val="50000"/>
+              </a:schemeClr>
+            </a:lnRef>
+            <a:fillRef idx="1">
+              <a:schemeClr val="accent1"/>
+            </a:fillRef>
+            <a:effectRef idx="0">
+              <a:schemeClr val="accent1"/>
+            </a:effectRef>
+            <a:fontRef idx="minor">
+              <a:schemeClr val="lt1"/>
+            </a:fontRef>
+          </p:style>
+          <p:txBody>
+            <a:bodyPr rtlCol="0" anchor="t"/>
+            <a:lstStyle/>
+            <a:p>
+              <a:pPr algn="r"/>
+              <a:r>
+                <a:rPr lang="cs-CZ" dirty="0">
+                  <a:solidFill>
+                    <a:schemeClr val="accent2">
+                      <a:lumMod val="60000"/>
+                      <a:lumOff val="40000"/>
+                    </a:schemeClr>
+                  </a:solidFill>
+                </a:rPr>
+                <a:t>input$2</a:t>
+              </a:r>
+            </a:p>
+          </p:txBody>
+        </p:sp>
+        <p:sp>
+          <p:nvSpPr>
+            <p:cNvPr id="42" name="Obdélník: se zakulacenými rohy 41">
+              <a:extLst>
+                <a:ext uri="{FF2B5EF4-FFF2-40B4-BE49-F238E27FC236}">
+                  <a16:creationId xmlns:a16="http://schemas.microsoft.com/office/drawing/2014/main" id="{5035CFE8-4C24-4703-A66A-80D65AB5CEB5}"/>
+                </a:ext>
+              </a:extLst>
+            </p:cNvPr>
+            <p:cNvSpPr/>
+            <p:nvPr/>
+          </p:nvSpPr>
+          <p:spPr>
+            <a:xfrm>
+              <a:off x="4784882" y="1371961"/>
+              <a:ext cx="5687736" cy="4697834"/>
+            </a:xfrm>
+            <a:prstGeom prst="roundRect">
+              <a:avLst/>
+            </a:prstGeom>
+            <a:solidFill>
+              <a:schemeClr val="bg1"/>
+            </a:solidFill>
+            <a:ln>
+              <a:solidFill>
+                <a:schemeClr val="tx1"/>
+              </a:solidFill>
+            </a:ln>
+          </p:spPr>
+          <p:style>
+            <a:lnRef idx="2">
+              <a:schemeClr val="accent1">
+                <a:shade val="50000"/>
+              </a:schemeClr>
+            </a:lnRef>
+            <a:fillRef idx="1">
+              <a:schemeClr val="accent1"/>
+            </a:fillRef>
+            <a:effectRef idx="0">
+              <a:schemeClr val="accent1"/>
+            </a:effectRef>
+            <a:fontRef idx="minor">
+              <a:schemeClr val="lt1"/>
+            </a:fontRef>
+          </p:style>
+          <p:txBody>
+            <a:bodyPr rtlCol="0" anchor="ctr"/>
+            <a:lstStyle/>
+            <a:p>
+              <a:pPr algn="ctr"/>
+              <a:endParaRPr lang="cs-CZ"/>
+            </a:p>
+          </p:txBody>
+        </p:sp>
+        <p:sp>
+          <p:nvSpPr>
+            <p:cNvPr id="44" name="Obdélník: se zakulacenými rohy 43">
+              <a:extLst>
+                <a:ext uri="{FF2B5EF4-FFF2-40B4-BE49-F238E27FC236}">
+                  <a16:creationId xmlns:a16="http://schemas.microsoft.com/office/drawing/2014/main" id="{A1DAD10D-0A95-4008-AB41-7D7B60CF4FA6}"/>
+                </a:ext>
+              </a:extLst>
+            </p:cNvPr>
+            <p:cNvSpPr/>
+            <p:nvPr/>
+          </p:nvSpPr>
+          <p:spPr>
+            <a:xfrm>
+              <a:off x="5239285" y="3139457"/>
+              <a:ext cx="2028737" cy="1178070"/>
+            </a:xfrm>
+            <a:prstGeom prst="roundRect">
+              <a:avLst/>
+            </a:prstGeom>
+            <a:solidFill>
+              <a:schemeClr val="accent5">
+                <a:alpha val="50000"/>
+              </a:schemeClr>
+            </a:solidFill>
+            <a:ln>
+              <a:solidFill>
+                <a:schemeClr val="tx1"/>
+              </a:solidFill>
+            </a:ln>
+          </p:spPr>
+          <p:style>
+            <a:lnRef idx="0">
+              <a:scrgbClr r="0" g="0" b="0"/>
+            </a:lnRef>
+            <a:fillRef idx="0">
+              <a:scrgbClr r="0" g="0" b="0"/>
+            </a:fillRef>
+            <a:effectRef idx="0">
+              <a:scrgbClr r="0" g="0" b="0"/>
+            </a:effectRef>
+            <a:fontRef idx="minor">
+              <a:schemeClr val="lt1"/>
+            </a:fontRef>
+          </p:style>
+          <p:txBody>
+            <a:bodyPr rtlCol="0" anchor="ctr"/>
+            <a:lstStyle/>
+            <a:p>
+              <a:pPr algn="ctr"/>
+              <a:r>
+                <a:rPr lang="cs-CZ" dirty="0"/>
+                <a:t>A</a:t>
+              </a:r>
+            </a:p>
+          </p:txBody>
+        </p:sp>
+        <p:sp>
+          <p:nvSpPr>
+            <p:cNvPr id="46" name="Obdélník: se zakulacenými rohy 45">
+              <a:extLst>
+                <a:ext uri="{FF2B5EF4-FFF2-40B4-BE49-F238E27FC236}">
+                  <a16:creationId xmlns:a16="http://schemas.microsoft.com/office/drawing/2014/main" id="{38601C39-C602-40DB-912D-C8714D419E4E}"/>
+                </a:ext>
+              </a:extLst>
+            </p:cNvPr>
+            <p:cNvSpPr/>
+            <p:nvPr/>
+          </p:nvSpPr>
+          <p:spPr>
+            <a:xfrm>
+              <a:off x="6947226" y="1650473"/>
+              <a:ext cx="2028737" cy="1178070"/>
+            </a:xfrm>
+            <a:prstGeom prst="roundRect">
+              <a:avLst/>
+            </a:prstGeom>
+            <a:solidFill>
+              <a:schemeClr val="accent6">
+                <a:alpha val="50000"/>
+              </a:schemeClr>
+            </a:solidFill>
+            <a:ln>
+              <a:solidFill>
+                <a:schemeClr val="tx1"/>
+              </a:solidFill>
+            </a:ln>
+          </p:spPr>
+          <p:style>
+            <a:lnRef idx="0">
+              <a:scrgbClr r="0" g="0" b="0"/>
+            </a:lnRef>
+            <a:fillRef idx="0">
+              <a:scrgbClr r="0" g="0" b="0"/>
+            </a:fillRef>
+            <a:effectRef idx="0">
+              <a:scrgbClr r="0" g="0" b="0"/>
+            </a:effectRef>
+            <a:fontRef idx="minor">
+              <a:schemeClr val="lt1"/>
+            </a:fontRef>
+          </p:style>
+          <p:txBody>
+            <a:bodyPr rtlCol="0" anchor="ctr"/>
+            <a:lstStyle/>
+            <a:p>
+              <a:pPr algn="ctr"/>
+              <a:endParaRPr lang="cs-CZ"/>
+            </a:p>
+          </p:txBody>
+        </p:sp>
+        <p:sp>
+          <p:nvSpPr>
+            <p:cNvPr id="47" name="Obdélník: se zakulacenými rohy 46">
+              <a:extLst>
+                <a:ext uri="{FF2B5EF4-FFF2-40B4-BE49-F238E27FC236}">
+                  <a16:creationId xmlns:a16="http://schemas.microsoft.com/office/drawing/2014/main" id="{A6501F32-CA98-4430-BAC7-8F91686D5AAD}"/>
+                </a:ext>
+              </a:extLst>
+            </p:cNvPr>
+            <p:cNvSpPr/>
+            <p:nvPr/>
+          </p:nvSpPr>
+          <p:spPr>
+            <a:xfrm>
+              <a:off x="7807714" y="4223035"/>
+              <a:ext cx="2028737" cy="1178070"/>
+            </a:xfrm>
+            <a:prstGeom prst="roundRect">
+              <a:avLst/>
+            </a:prstGeom>
+            <a:solidFill>
+              <a:schemeClr val="accent5">
+                <a:alpha val="50000"/>
+              </a:schemeClr>
+            </a:solidFill>
+            <a:ln>
+              <a:solidFill>
+                <a:schemeClr val="tx1"/>
+              </a:solidFill>
+            </a:ln>
+          </p:spPr>
+          <p:style>
+            <a:lnRef idx="0">
+              <a:scrgbClr r="0" g="0" b="0"/>
+            </a:lnRef>
+            <a:fillRef idx="0">
+              <a:scrgbClr r="0" g="0" b="0"/>
+            </a:fillRef>
+            <a:effectRef idx="0">
+              <a:scrgbClr r="0" g="0" b="0"/>
+            </a:effectRef>
+            <a:fontRef idx="minor">
+              <a:schemeClr val="lt1"/>
+            </a:fontRef>
+          </p:style>
+          <p:txBody>
+            <a:bodyPr rtlCol="0" anchor="ctr"/>
+            <a:lstStyle/>
+            <a:p>
+              <a:pPr algn="ctr"/>
+              <a:r>
+                <a:rPr lang="cs-CZ" dirty="0"/>
+                <a:t>B</a:t>
+              </a:r>
+            </a:p>
+          </p:txBody>
+        </p:sp>
+        <p:pic>
+          <p:nvPicPr>
+            <p:cNvPr id="49" name="Obrázek 48">
+              <a:extLst>
+                <a:ext uri="{FF2B5EF4-FFF2-40B4-BE49-F238E27FC236}">
+                  <a16:creationId xmlns:a16="http://schemas.microsoft.com/office/drawing/2014/main" id="{F314EB44-46BE-488E-8853-6D280140728D}"/>
+                </a:ext>
+              </a:extLst>
+            </p:cNvPr>
+            <p:cNvPicPr>
+              <a:picLocks noChangeAspect="1"/>
+            </p:cNvPicPr>
+            <p:nvPr/>
+          </p:nvPicPr>
+          <p:blipFill rotWithShape="1">
+            <a:blip r:embed="rId5"/>
+            <a:srcRect t="-13839" b="13839"/>
+            <a:stretch/>
+          </p:blipFill>
+          <p:spPr>
+            <a:xfrm>
+              <a:off x="2785258" y="673777"/>
+              <a:ext cx="1066800" cy="314325"/>
+            </a:xfrm>
+            <a:prstGeom prst="rect">
+              <a:avLst/>
+            </a:prstGeom>
+          </p:spPr>
+        </p:pic>
+        <p:pic>
+          <p:nvPicPr>
+            <p:cNvPr id="51" name="Obrázek 50">
+              <a:extLst>
+                <a:ext uri="{FF2B5EF4-FFF2-40B4-BE49-F238E27FC236}">
+                  <a16:creationId xmlns:a16="http://schemas.microsoft.com/office/drawing/2014/main" id="{447DF372-9E62-4143-959B-3FB87361B55D}"/>
+                </a:ext>
+              </a:extLst>
+            </p:cNvPr>
+            <p:cNvPicPr>
+              <a:picLocks noChangeAspect="1"/>
+            </p:cNvPicPr>
+            <p:nvPr/>
+          </p:nvPicPr>
+          <p:blipFill>
+            <a:blip r:embed="rId6"/>
+            <a:stretch>
+              <a:fillRect/>
+            </a:stretch>
+          </p:blipFill>
+          <p:spPr>
+            <a:xfrm>
+              <a:off x="5556277" y="1144553"/>
+              <a:ext cx="733425" cy="209550"/>
+            </a:xfrm>
+            <a:prstGeom prst="rect">
+              <a:avLst/>
+            </a:prstGeom>
+          </p:spPr>
+        </p:pic>
+        <p:pic>
+          <p:nvPicPr>
+            <p:cNvPr id="52" name="Obrázek 51">
+              <a:extLst>
+                <a:ext uri="{FF2B5EF4-FFF2-40B4-BE49-F238E27FC236}">
+                  <a16:creationId xmlns:a16="http://schemas.microsoft.com/office/drawing/2014/main" id="{78E14B5C-EC61-4345-95D9-59D81FCE4A84}"/>
+                </a:ext>
+              </a:extLst>
+            </p:cNvPr>
+            <p:cNvPicPr>
+              <a:picLocks noChangeAspect="1"/>
+            </p:cNvPicPr>
+            <p:nvPr/>
+          </p:nvPicPr>
+          <p:blipFill>
+            <a:blip r:embed="rId7"/>
+            <a:stretch>
+              <a:fillRect/>
+            </a:stretch>
+          </p:blipFill>
+          <p:spPr>
+            <a:xfrm>
+              <a:off x="2628095" y="1130634"/>
+              <a:ext cx="314325" cy="247650"/>
+            </a:xfrm>
+            <a:prstGeom prst="rect">
+              <a:avLst/>
+            </a:prstGeom>
+          </p:spPr>
+        </p:pic>
+        <p:pic>
+          <p:nvPicPr>
+            <p:cNvPr id="53" name="Obrázek 52">
+              <a:extLst>
+                <a:ext uri="{FF2B5EF4-FFF2-40B4-BE49-F238E27FC236}">
+                  <a16:creationId xmlns:a16="http://schemas.microsoft.com/office/drawing/2014/main" id="{8F32F500-C96C-456B-8A26-59F0312DC41F}"/>
+                </a:ext>
+              </a:extLst>
+            </p:cNvPr>
+            <p:cNvPicPr>
+              <a:picLocks noChangeAspect="1"/>
+            </p:cNvPicPr>
+            <p:nvPr/>
+          </p:nvPicPr>
+          <p:blipFill rotWithShape="1">
+            <a:blip r:embed="rId8"/>
+            <a:srcRect t="-21697" b="21697"/>
+            <a:stretch/>
+          </p:blipFill>
+          <p:spPr>
+            <a:xfrm>
+              <a:off x="5417574" y="2799623"/>
+              <a:ext cx="1070354" cy="331526"/>
+            </a:xfrm>
+            <a:prstGeom prst="rect">
+              <a:avLst/>
+            </a:prstGeom>
+          </p:spPr>
+        </p:pic>
+        <p:pic>
+          <p:nvPicPr>
+            <p:cNvPr id="54" name="Obrázek 53">
+              <a:extLst>
+                <a:ext uri="{FF2B5EF4-FFF2-40B4-BE49-F238E27FC236}">
+                  <a16:creationId xmlns:a16="http://schemas.microsoft.com/office/drawing/2014/main" id="{DCE66E71-07A6-454A-ABC4-58D615F77A1F}"/>
+                </a:ext>
+              </a:extLst>
+            </p:cNvPr>
+            <p:cNvPicPr>
+              <a:picLocks noChangeAspect="1"/>
+            </p:cNvPicPr>
+            <p:nvPr/>
+          </p:nvPicPr>
+          <p:blipFill rotWithShape="1">
+            <a:blip r:embed="rId8"/>
+            <a:srcRect t="-21697" b="21697"/>
+            <a:stretch/>
+          </p:blipFill>
+          <p:spPr>
+            <a:xfrm>
+              <a:off x="7976959" y="3888919"/>
+              <a:ext cx="1070354" cy="331526"/>
+            </a:xfrm>
+            <a:prstGeom prst="rect">
+              <a:avLst/>
+            </a:prstGeom>
+          </p:spPr>
+        </p:pic>
+        <p:cxnSp>
+          <p:nvCxnSpPr>
+            <p:cNvPr id="56" name="Přímá spojnice se šipkou 55">
+              <a:extLst>
+                <a:ext uri="{FF2B5EF4-FFF2-40B4-BE49-F238E27FC236}">
+                  <a16:creationId xmlns:a16="http://schemas.microsoft.com/office/drawing/2014/main" id="{6FE539E2-5943-4552-BBA8-9A42B3B0AF13}"/>
+                </a:ext>
+              </a:extLst>
+            </p:cNvPr>
+            <p:cNvCxnSpPr>
+              <a:cxnSpLocks/>
+              <a:stCxn id="34" idx="3"/>
+              <a:endCxn id="46" idx="1"/>
+            </p:cNvCxnSpPr>
+            <p:nvPr/>
+          </p:nvCxnSpPr>
+          <p:spPr>
+            <a:xfrm flipV="1">
+              <a:off x="4091449" y="2239508"/>
+              <a:ext cx="2855777" cy="1"/>
+            </a:xfrm>
+            <a:prstGeom prst="straightConnector1">
+              <a:avLst/>
+            </a:prstGeom>
+            <a:ln w="12700">
+              <a:solidFill>
+                <a:schemeClr val="tx1"/>
+              </a:solidFill>
+              <a:tailEnd type="arrow" w="med" len="med"/>
+            </a:ln>
+          </p:spPr>
+          <p:style>
+            <a:lnRef idx="1">
+              <a:schemeClr val="accent1"/>
+            </a:lnRef>
+            <a:fillRef idx="0">
+              <a:schemeClr val="accent1"/>
+            </a:fillRef>
+            <a:effectRef idx="0">
+              <a:schemeClr val="accent1"/>
+            </a:effectRef>
+            <a:fontRef idx="minor">
+              <a:schemeClr val="tx1"/>
+            </a:fontRef>
+          </p:style>
+        </p:cxnSp>
+        <p:pic>
+          <p:nvPicPr>
+            <p:cNvPr id="62" name="Obrázek 61">
+              <a:extLst>
+                <a:ext uri="{FF2B5EF4-FFF2-40B4-BE49-F238E27FC236}">
+                  <a16:creationId xmlns:a16="http://schemas.microsoft.com/office/drawing/2014/main" id="{643A360E-9CF6-4B2B-8DD0-198B9EC66676}"/>
+                </a:ext>
+              </a:extLst>
+            </p:cNvPr>
+            <p:cNvPicPr>
+              <a:picLocks noChangeAspect="1"/>
+            </p:cNvPicPr>
+            <p:nvPr/>
+          </p:nvPicPr>
+          <p:blipFill>
+            <a:blip r:embed="rId9"/>
+            <a:stretch>
+              <a:fillRect/>
+            </a:stretch>
+          </p:blipFill>
+          <p:spPr>
+            <a:xfrm>
+              <a:off x="7033438" y="1409473"/>
+              <a:ext cx="1190625" cy="228600"/>
+            </a:xfrm>
+            <a:prstGeom prst="rect">
+              <a:avLst/>
+            </a:prstGeom>
+          </p:spPr>
+        </p:pic>
+        <p:cxnSp>
+          <p:nvCxnSpPr>
+            <p:cNvPr id="68" name="Spojnice: pravoúhlá 67">
+              <a:extLst>
+                <a:ext uri="{FF2B5EF4-FFF2-40B4-BE49-F238E27FC236}">
+                  <a16:creationId xmlns:a16="http://schemas.microsoft.com/office/drawing/2014/main" id="{971223C7-6850-456B-A869-7E3275BD61A2}"/>
+                </a:ext>
+              </a:extLst>
+            </p:cNvPr>
+            <p:cNvCxnSpPr>
+              <a:cxnSpLocks/>
+            </p:cNvCxnSpPr>
+            <p:nvPr/>
+          </p:nvCxnSpPr>
+          <p:spPr>
+            <a:xfrm rot="16200000" flipH="1">
+              <a:off x="8018152" y="3013964"/>
+              <a:ext cx="1391903" cy="1045862"/>
+            </a:xfrm>
+            <a:prstGeom prst="bentConnector3">
+              <a:avLst>
+                <a:gd name="adj1" fmla="val 50000"/>
+              </a:avLst>
+            </a:prstGeom>
+            <a:ln w="12700">
+              <a:solidFill>
+                <a:schemeClr val="tx1"/>
+              </a:solidFill>
+              <a:tailEnd type="arrow" w="med" len="med"/>
+            </a:ln>
+          </p:spPr>
+          <p:style>
+            <a:lnRef idx="1">
+              <a:schemeClr val="accent1"/>
+            </a:lnRef>
+            <a:fillRef idx="0">
+              <a:schemeClr val="accent1"/>
+            </a:fillRef>
+            <a:effectRef idx="0">
+              <a:schemeClr val="accent1"/>
+            </a:effectRef>
+            <a:fontRef idx="minor">
+              <a:schemeClr val="tx1"/>
+            </a:fontRef>
+          </p:style>
+        </p:cxnSp>
+        <p:cxnSp>
+          <p:nvCxnSpPr>
+            <p:cNvPr id="83" name="Spojnice: pravoúhlá 82">
+              <a:extLst>
+                <a:ext uri="{FF2B5EF4-FFF2-40B4-BE49-F238E27FC236}">
+                  <a16:creationId xmlns:a16="http://schemas.microsoft.com/office/drawing/2014/main" id="{F6AA970D-60EA-4752-8B76-CB4BE6A3AA94}"/>
+                </a:ext>
+              </a:extLst>
+            </p:cNvPr>
+            <p:cNvCxnSpPr>
+              <a:cxnSpLocks/>
+            </p:cNvCxnSpPr>
+            <p:nvPr/>
+          </p:nvCxnSpPr>
+          <p:spPr>
+            <a:xfrm rot="5400000">
+              <a:off x="7152742" y="2940375"/>
+              <a:ext cx="864233" cy="657186"/>
+            </a:xfrm>
+            <a:prstGeom prst="bentConnector2">
+              <a:avLst/>
+            </a:prstGeom>
+            <a:ln w="12700">
+              <a:solidFill>
+                <a:schemeClr val="tx1"/>
+              </a:solidFill>
+              <a:tailEnd type="arrow"/>
+            </a:ln>
+          </p:spPr>
+          <p:style>
+            <a:lnRef idx="1">
+              <a:schemeClr val="accent1"/>
+            </a:lnRef>
+            <a:fillRef idx="0">
+              <a:schemeClr val="accent1"/>
+            </a:fillRef>
+            <a:effectRef idx="0">
+              <a:schemeClr val="accent1"/>
+            </a:effectRef>
+            <a:fontRef idx="minor">
+              <a:schemeClr val="tx1"/>
+            </a:fontRef>
+          </p:style>
+        </p:cxnSp>
+        <p:cxnSp>
+          <p:nvCxnSpPr>
+            <p:cNvPr id="94" name="Přímá spojnice se šipkou 93">
+              <a:extLst>
+                <a:ext uri="{FF2B5EF4-FFF2-40B4-BE49-F238E27FC236}">
+                  <a16:creationId xmlns:a16="http://schemas.microsoft.com/office/drawing/2014/main" id="{613644E9-B80D-477D-87B2-A4D1C425A9DC}"/>
+                </a:ext>
+              </a:extLst>
+            </p:cNvPr>
+            <p:cNvCxnSpPr>
+              <a:cxnSpLocks/>
+            </p:cNvCxnSpPr>
+            <p:nvPr/>
+          </p:nvCxnSpPr>
+          <p:spPr>
+            <a:xfrm>
+              <a:off x="4038266" y="5025621"/>
+              <a:ext cx="3769448" cy="259"/>
+            </a:xfrm>
+            <a:prstGeom prst="straightConnector1">
+              <a:avLst/>
+            </a:prstGeom>
+            <a:ln w="12700">
+              <a:solidFill>
+                <a:schemeClr val="tx1"/>
+              </a:solidFill>
+              <a:tailEnd type="arrow" w="med" len="med"/>
+            </a:ln>
+          </p:spPr>
+          <p:style>
+            <a:lnRef idx="1">
+              <a:schemeClr val="accent1"/>
+            </a:lnRef>
+            <a:fillRef idx="0">
+              <a:schemeClr val="accent1"/>
+            </a:fillRef>
+            <a:effectRef idx="0">
+              <a:schemeClr val="accent1"/>
+            </a:effectRef>
+            <a:fontRef idx="minor">
+              <a:schemeClr val="tx1"/>
+            </a:fontRef>
+          </p:style>
+        </p:cxnSp>
+        <p:cxnSp>
+          <p:nvCxnSpPr>
+            <p:cNvPr id="96" name="Přímá spojnice se šipkou 95">
+              <a:extLst>
+                <a:ext uri="{FF2B5EF4-FFF2-40B4-BE49-F238E27FC236}">
+                  <a16:creationId xmlns:a16="http://schemas.microsoft.com/office/drawing/2014/main" id="{90D3B0FA-CAB3-49FA-954F-46CD8E8934FA}"/>
+                </a:ext>
+              </a:extLst>
+            </p:cNvPr>
+            <p:cNvCxnSpPr>
+              <a:cxnSpLocks/>
+            </p:cNvCxnSpPr>
+            <p:nvPr/>
+          </p:nvCxnSpPr>
+          <p:spPr>
+            <a:xfrm flipV="1">
+              <a:off x="4038266" y="3566842"/>
+              <a:ext cx="1201019" cy="1"/>
+            </a:xfrm>
+            <a:prstGeom prst="straightConnector1">
+              <a:avLst/>
+            </a:prstGeom>
+            <a:ln w="12700">
+              <a:solidFill>
+                <a:schemeClr val="tx1"/>
+              </a:solidFill>
+              <a:tailEnd type="arrow" w="med" len="med"/>
+            </a:ln>
+          </p:spPr>
+          <p:style>
+            <a:lnRef idx="1">
+              <a:schemeClr val="accent1"/>
+            </a:lnRef>
+            <a:fillRef idx="0">
+              <a:schemeClr val="accent1"/>
+            </a:fillRef>
+            <a:effectRef idx="0">
+              <a:schemeClr val="accent1"/>
+            </a:effectRef>
+            <a:fontRef idx="minor">
+              <a:schemeClr val="tx1"/>
+            </a:fontRef>
+          </p:style>
+        </p:cxnSp>
+      </p:grpSp>
+    </p:spTree>
+    <p:extLst>
+      <p:ext uri="{BB962C8B-B14F-4D97-AF65-F5344CB8AC3E}">
+        <p14:creationId xmlns:p14="http://schemas.microsoft.com/office/powerpoint/2010/main" val="3282957325"/>
+      </p:ext>
+    </p:extLst>
+  </p:cSld>
+  <p:clrMapOvr>
+    <a:masterClrMapping/>
+  </p:clrMapOvr>
+</p:sld>
+</file>
+
 <file path=ppt/theme/theme1.xml><?xml version="1.0" encoding="utf-8"?>
 <a:theme xmlns:a="http://schemas.openxmlformats.org/drawingml/2006/main" name="Motiv Office">
   <a:themeElements>

--- a/fig/figs.pptx
+++ b/fig/figs.pptx
@@ -8,6 +8,10 @@
     <p:sldId id="257" r:id="rId2"/>
     <p:sldId id="258" r:id="rId3"/>
     <p:sldId id="259" r:id="rId4"/>
+    <p:sldId id="260" r:id="rId5"/>
+    <p:sldId id="261" r:id="rId6"/>
+    <p:sldId id="262" r:id="rId7"/>
+    <p:sldId id="263" r:id="rId8"/>
   </p:sldIdLst>
   <p:sldSz cx="12192000" cy="6858000"/>
   <p:notesSz cx="6858000" cy="9144000"/>
@@ -247,7 +251,7 @@
           <a:p>
             <a:fld id="{920EB18E-1134-4CD8-9A0C-0ED1BE90E7FD}" type="datetimeFigureOut">
               <a:rPr lang="cs-CZ" smtClean="0"/>
-              <a:t>14. 4. 2018</a:t>
+              <a:t>20. 4. 2018</a:t>
             </a:fld>
             <a:endParaRPr lang="cs-CZ"/>
           </a:p>
@@ -415,7 +419,7 @@
           <a:p>
             <a:fld id="{920EB18E-1134-4CD8-9A0C-0ED1BE90E7FD}" type="datetimeFigureOut">
               <a:rPr lang="cs-CZ" smtClean="0"/>
-              <a:t>14. 4. 2018</a:t>
+              <a:t>20. 4. 2018</a:t>
             </a:fld>
             <a:endParaRPr lang="cs-CZ"/>
           </a:p>
@@ -593,7 +597,7 @@
           <a:p>
             <a:fld id="{920EB18E-1134-4CD8-9A0C-0ED1BE90E7FD}" type="datetimeFigureOut">
               <a:rPr lang="cs-CZ" smtClean="0"/>
-              <a:t>14. 4. 2018</a:t>
+              <a:t>20. 4. 2018</a:t>
             </a:fld>
             <a:endParaRPr lang="cs-CZ"/>
           </a:p>
@@ -761,7 +765,7 @@
           <a:p>
             <a:fld id="{920EB18E-1134-4CD8-9A0C-0ED1BE90E7FD}" type="datetimeFigureOut">
               <a:rPr lang="cs-CZ" smtClean="0"/>
-              <a:t>14. 4. 2018</a:t>
+              <a:t>20. 4. 2018</a:t>
             </a:fld>
             <a:endParaRPr lang="cs-CZ"/>
           </a:p>
@@ -1006,7 +1010,7 @@
           <a:p>
             <a:fld id="{920EB18E-1134-4CD8-9A0C-0ED1BE90E7FD}" type="datetimeFigureOut">
               <a:rPr lang="cs-CZ" smtClean="0"/>
-              <a:t>14. 4. 2018</a:t>
+              <a:t>20. 4. 2018</a:t>
             </a:fld>
             <a:endParaRPr lang="cs-CZ"/>
           </a:p>
@@ -1235,7 +1239,7 @@
           <a:p>
             <a:fld id="{920EB18E-1134-4CD8-9A0C-0ED1BE90E7FD}" type="datetimeFigureOut">
               <a:rPr lang="cs-CZ" smtClean="0"/>
-              <a:t>14. 4. 2018</a:t>
+              <a:t>20. 4. 2018</a:t>
             </a:fld>
             <a:endParaRPr lang="cs-CZ"/>
           </a:p>
@@ -1599,7 +1603,7 @@
           <a:p>
             <a:fld id="{920EB18E-1134-4CD8-9A0C-0ED1BE90E7FD}" type="datetimeFigureOut">
               <a:rPr lang="cs-CZ" smtClean="0"/>
-              <a:t>14. 4. 2018</a:t>
+              <a:t>20. 4. 2018</a:t>
             </a:fld>
             <a:endParaRPr lang="cs-CZ"/>
           </a:p>
@@ -1716,7 +1720,7 @@
           <a:p>
             <a:fld id="{920EB18E-1134-4CD8-9A0C-0ED1BE90E7FD}" type="datetimeFigureOut">
               <a:rPr lang="cs-CZ" smtClean="0"/>
-              <a:t>14. 4. 2018</a:t>
+              <a:t>20. 4. 2018</a:t>
             </a:fld>
             <a:endParaRPr lang="cs-CZ"/>
           </a:p>
@@ -1811,7 +1815,7 @@
           <a:p>
             <a:fld id="{920EB18E-1134-4CD8-9A0C-0ED1BE90E7FD}" type="datetimeFigureOut">
               <a:rPr lang="cs-CZ" smtClean="0"/>
-              <a:t>14. 4. 2018</a:t>
+              <a:t>20. 4. 2018</a:t>
             </a:fld>
             <a:endParaRPr lang="cs-CZ"/>
           </a:p>
@@ -2086,7 +2090,7 @@
           <a:p>
             <a:fld id="{920EB18E-1134-4CD8-9A0C-0ED1BE90E7FD}" type="datetimeFigureOut">
               <a:rPr lang="cs-CZ" smtClean="0"/>
-              <a:t>14. 4. 2018</a:t>
+              <a:t>20. 4. 2018</a:t>
             </a:fld>
             <a:endParaRPr lang="cs-CZ"/>
           </a:p>
@@ -2338,7 +2342,7 @@
           <a:p>
             <a:fld id="{920EB18E-1134-4CD8-9A0C-0ED1BE90E7FD}" type="datetimeFigureOut">
               <a:rPr lang="cs-CZ" smtClean="0"/>
-              <a:t>14. 4. 2018</a:t>
+              <a:t>20. 4. 2018</a:t>
             </a:fld>
             <a:endParaRPr lang="cs-CZ"/>
           </a:p>
@@ -2549,7 +2553,7 @@
           <a:p>
             <a:fld id="{920EB18E-1134-4CD8-9A0C-0ED1BE90E7FD}" type="datetimeFigureOut">
               <a:rPr lang="cs-CZ" smtClean="0"/>
-              <a:t>14. 4. 2018</a:t>
+              <a:t>20. 4. 2018</a:t>
             </a:fld>
             <a:endParaRPr lang="cs-CZ"/>
           </a:p>
@@ -6136,6 +6140,5998 @@
 </p:sld>
 </file>
 
+<file path=ppt/slides/slide4.xml><?xml version="1.0" encoding="utf-8"?>
+<p:sld xmlns:a="http://schemas.openxmlformats.org/drawingml/2006/main" xmlns:r="http://schemas.openxmlformats.org/officeDocument/2006/relationships" xmlns:p="http://schemas.openxmlformats.org/presentationml/2006/main">
+  <p:cSld>
+    <p:spTree>
+      <p:nvGrpSpPr>
+        <p:cNvPr id="1" name=""/>
+        <p:cNvGrpSpPr/>
+        <p:nvPr/>
+      </p:nvGrpSpPr>
+      <p:grpSpPr>
+        <a:xfrm>
+          <a:off x="0" y="0"/>
+          <a:ext cx="0" cy="0"/>
+          <a:chOff x="0" y="0"/>
+          <a:chExt cx="0" cy="0"/>
+        </a:xfrm>
+      </p:grpSpPr>
+      <p:grpSp>
+        <p:nvGrpSpPr>
+          <p:cNvPr id="2" name="Skupina 1">
+            <a:extLst>
+              <a:ext uri="{FF2B5EF4-FFF2-40B4-BE49-F238E27FC236}">
+                <a16:creationId xmlns:a16="http://schemas.microsoft.com/office/drawing/2014/main" id="{0BA708EA-0619-4066-8EDC-8C4F600C51B7}"/>
+              </a:ext>
+            </a:extLst>
+          </p:cNvPr>
+          <p:cNvGrpSpPr/>
+          <p:nvPr/>
+        </p:nvGrpSpPr>
+        <p:grpSpPr>
+          <a:xfrm>
+            <a:off x="1489583" y="539796"/>
+            <a:ext cx="8881446" cy="2728782"/>
+            <a:chOff x="1489583" y="539796"/>
+            <a:chExt cx="8881446" cy="2728782"/>
+          </a:xfrm>
+        </p:grpSpPr>
+        <p:pic>
+          <p:nvPicPr>
+            <p:cNvPr id="13" name="Obrázek 12">
+              <a:extLst>
+                <a:ext uri="{FF2B5EF4-FFF2-40B4-BE49-F238E27FC236}">
+                  <a16:creationId xmlns:a16="http://schemas.microsoft.com/office/drawing/2014/main" id="{DFAAF910-4BA2-4C4C-BF45-5054DBBF6B69}"/>
+                </a:ext>
+              </a:extLst>
+            </p:cNvPr>
+            <p:cNvPicPr>
+              <a:picLocks noChangeAspect="1"/>
+            </p:cNvPicPr>
+            <p:nvPr/>
+          </p:nvPicPr>
+          <p:blipFill>
+            <a:blip r:embed="rId2"/>
+            <a:stretch>
+              <a:fillRect/>
+            </a:stretch>
+          </p:blipFill>
+          <p:spPr>
+            <a:xfrm>
+              <a:off x="1489583" y="542889"/>
+              <a:ext cx="2691792" cy="2291757"/>
+            </a:xfrm>
+            <a:prstGeom prst="rect">
+              <a:avLst/>
+            </a:prstGeom>
+            <a:effectLst>
+              <a:innerShdw dist="2527300" dir="15540000">
+                <a:schemeClr val="bg1">
+                  <a:alpha val="64000"/>
+                </a:schemeClr>
+              </a:innerShdw>
+            </a:effectLst>
+          </p:spPr>
+        </p:pic>
+        <p:pic>
+          <p:nvPicPr>
+            <p:cNvPr id="14" name="Obrázek 13">
+              <a:extLst>
+                <a:ext uri="{FF2B5EF4-FFF2-40B4-BE49-F238E27FC236}">
+                  <a16:creationId xmlns:a16="http://schemas.microsoft.com/office/drawing/2014/main" id="{3A3DF3DB-3CA8-4E8A-90CB-04874522A99B}"/>
+                </a:ext>
+              </a:extLst>
+            </p:cNvPr>
+            <p:cNvPicPr>
+              <a:picLocks noChangeAspect="1"/>
+            </p:cNvPicPr>
+            <p:nvPr/>
+          </p:nvPicPr>
+          <p:blipFill>
+            <a:blip r:embed="rId2"/>
+            <a:stretch>
+              <a:fillRect/>
+            </a:stretch>
+          </p:blipFill>
+          <p:spPr>
+            <a:xfrm>
+              <a:off x="4582594" y="542889"/>
+              <a:ext cx="2691792" cy="2291757"/>
+            </a:xfrm>
+            <a:prstGeom prst="rect">
+              <a:avLst/>
+            </a:prstGeom>
+            <a:effectLst>
+              <a:innerShdw dist="2527300" dir="15540000">
+                <a:schemeClr val="bg1">
+                  <a:alpha val="64000"/>
+                </a:schemeClr>
+              </a:innerShdw>
+            </a:effectLst>
+          </p:spPr>
+        </p:pic>
+        <p:pic>
+          <p:nvPicPr>
+            <p:cNvPr id="15" name="Obrázek 14">
+              <a:extLst>
+                <a:ext uri="{FF2B5EF4-FFF2-40B4-BE49-F238E27FC236}">
+                  <a16:creationId xmlns:a16="http://schemas.microsoft.com/office/drawing/2014/main" id="{22B26D35-8D1D-4004-8351-21174BCCDA6C}"/>
+                </a:ext>
+              </a:extLst>
+            </p:cNvPr>
+            <p:cNvPicPr>
+              <a:picLocks noChangeAspect="1"/>
+            </p:cNvPicPr>
+            <p:nvPr/>
+          </p:nvPicPr>
+          <p:blipFill>
+            <a:blip r:embed="rId2"/>
+            <a:stretch>
+              <a:fillRect/>
+            </a:stretch>
+          </p:blipFill>
+          <p:spPr>
+            <a:xfrm>
+              <a:off x="7675605" y="539796"/>
+              <a:ext cx="2695424" cy="2294850"/>
+            </a:xfrm>
+            <a:prstGeom prst="rect">
+              <a:avLst/>
+            </a:prstGeom>
+            <a:effectLst>
+              <a:innerShdw dist="2527300" dir="15540000">
+                <a:schemeClr val="bg1">
+                  <a:alpha val="64000"/>
+                </a:schemeClr>
+              </a:innerShdw>
+            </a:effectLst>
+          </p:spPr>
+        </p:pic>
+        <p:cxnSp>
+          <p:nvCxnSpPr>
+            <p:cNvPr id="20" name="Přímá spojnice se šipkou 19">
+              <a:extLst>
+                <a:ext uri="{FF2B5EF4-FFF2-40B4-BE49-F238E27FC236}">
+                  <a16:creationId xmlns:a16="http://schemas.microsoft.com/office/drawing/2014/main" id="{7531F6EF-EB81-4C47-B444-B2B6A3A127EE}"/>
+                </a:ext>
+              </a:extLst>
+            </p:cNvPr>
+            <p:cNvCxnSpPr>
+              <a:cxnSpLocks/>
+            </p:cNvCxnSpPr>
+            <p:nvPr/>
+          </p:nvCxnSpPr>
+          <p:spPr>
+            <a:xfrm>
+              <a:off x="3843747" y="835289"/>
+              <a:ext cx="0" cy="1889222"/>
+            </a:xfrm>
+            <a:prstGeom prst="straightConnector1">
+              <a:avLst/>
+            </a:prstGeom>
+            <a:ln w="25400">
+              <a:solidFill>
+                <a:schemeClr val="accent1"/>
+              </a:solidFill>
+              <a:headEnd type="stealth" w="lg" len="lg"/>
+              <a:tailEnd type="stealth" w="lg" len="lg"/>
+            </a:ln>
+          </p:spPr>
+          <p:style>
+            <a:lnRef idx="1">
+              <a:schemeClr val="accent1"/>
+            </a:lnRef>
+            <a:fillRef idx="0">
+              <a:schemeClr val="accent1"/>
+            </a:fillRef>
+            <a:effectRef idx="0">
+              <a:schemeClr val="accent1"/>
+            </a:effectRef>
+            <a:fontRef idx="minor">
+              <a:schemeClr val="tx1"/>
+            </a:fontRef>
+          </p:style>
+        </p:cxnSp>
+        <p:cxnSp>
+          <p:nvCxnSpPr>
+            <p:cNvPr id="43" name="Přímá spojnice se šipkou 42">
+              <a:extLst>
+                <a:ext uri="{FF2B5EF4-FFF2-40B4-BE49-F238E27FC236}">
+                  <a16:creationId xmlns:a16="http://schemas.microsoft.com/office/drawing/2014/main" id="{C53CF8AD-6D67-4C1B-AF6D-39E246C92D8E}"/>
+                </a:ext>
+              </a:extLst>
+            </p:cNvPr>
+            <p:cNvCxnSpPr>
+              <a:cxnSpLocks/>
+            </p:cNvCxnSpPr>
+            <p:nvPr/>
+          </p:nvCxnSpPr>
+          <p:spPr>
+            <a:xfrm>
+              <a:off x="3244507" y="835289"/>
+              <a:ext cx="0" cy="1889222"/>
+            </a:xfrm>
+            <a:prstGeom prst="straightConnector1">
+              <a:avLst/>
+            </a:prstGeom>
+            <a:ln w="25400">
+              <a:solidFill>
+                <a:schemeClr val="accent1"/>
+              </a:solidFill>
+              <a:headEnd type="stealth" w="lg" len="lg"/>
+              <a:tailEnd type="stealth" w="lg" len="lg"/>
+            </a:ln>
+          </p:spPr>
+          <p:style>
+            <a:lnRef idx="1">
+              <a:schemeClr val="accent1"/>
+            </a:lnRef>
+            <a:fillRef idx="0">
+              <a:schemeClr val="accent1"/>
+            </a:fillRef>
+            <a:effectRef idx="0">
+              <a:schemeClr val="accent1"/>
+            </a:effectRef>
+            <a:fontRef idx="minor">
+              <a:schemeClr val="tx1"/>
+            </a:fontRef>
+          </p:style>
+        </p:cxnSp>
+        <p:cxnSp>
+          <p:nvCxnSpPr>
+            <p:cNvPr id="44" name="Přímá spojnice se šipkou 43">
+              <a:extLst>
+                <a:ext uri="{FF2B5EF4-FFF2-40B4-BE49-F238E27FC236}">
+                  <a16:creationId xmlns:a16="http://schemas.microsoft.com/office/drawing/2014/main" id="{EB88CE57-C7DB-4DCE-B5E1-ABDC13A32ADE}"/>
+                </a:ext>
+              </a:extLst>
+            </p:cNvPr>
+            <p:cNvCxnSpPr>
+              <a:cxnSpLocks/>
+            </p:cNvCxnSpPr>
+            <p:nvPr/>
+          </p:nvCxnSpPr>
+          <p:spPr>
+            <a:xfrm>
+              <a:off x="2562206" y="835289"/>
+              <a:ext cx="0" cy="1889222"/>
+            </a:xfrm>
+            <a:prstGeom prst="straightConnector1">
+              <a:avLst/>
+            </a:prstGeom>
+            <a:ln w="25400">
+              <a:solidFill>
+                <a:schemeClr val="accent1"/>
+              </a:solidFill>
+              <a:headEnd type="stealth" w="lg" len="lg"/>
+              <a:tailEnd type="stealth" w="lg" len="lg"/>
+            </a:ln>
+          </p:spPr>
+          <p:style>
+            <a:lnRef idx="1">
+              <a:schemeClr val="accent1"/>
+            </a:lnRef>
+            <a:fillRef idx="0">
+              <a:schemeClr val="accent1"/>
+            </a:fillRef>
+            <a:effectRef idx="0">
+              <a:schemeClr val="accent1"/>
+            </a:effectRef>
+            <a:fontRef idx="minor">
+              <a:schemeClr val="tx1"/>
+            </a:fontRef>
+          </p:style>
+        </p:cxnSp>
+        <p:cxnSp>
+          <p:nvCxnSpPr>
+            <p:cNvPr id="45" name="Přímá spojnice se šipkou 44">
+              <a:extLst>
+                <a:ext uri="{FF2B5EF4-FFF2-40B4-BE49-F238E27FC236}">
+                  <a16:creationId xmlns:a16="http://schemas.microsoft.com/office/drawing/2014/main" id="{9BF0C922-C754-4206-8A69-88C9FD725A7D}"/>
+                </a:ext>
+              </a:extLst>
+            </p:cNvPr>
+            <p:cNvCxnSpPr>
+              <a:cxnSpLocks/>
+            </p:cNvCxnSpPr>
+            <p:nvPr/>
+          </p:nvCxnSpPr>
+          <p:spPr>
+            <a:xfrm>
+              <a:off x="1832441" y="835289"/>
+              <a:ext cx="0" cy="1889222"/>
+            </a:xfrm>
+            <a:prstGeom prst="straightConnector1">
+              <a:avLst/>
+            </a:prstGeom>
+            <a:ln w="25400">
+              <a:solidFill>
+                <a:schemeClr val="accent1"/>
+              </a:solidFill>
+              <a:headEnd type="stealth" w="lg" len="lg"/>
+              <a:tailEnd type="stealth" w="lg" len="lg"/>
+            </a:ln>
+          </p:spPr>
+          <p:style>
+            <a:lnRef idx="1">
+              <a:schemeClr val="accent1"/>
+            </a:lnRef>
+            <a:fillRef idx="0">
+              <a:schemeClr val="accent1"/>
+            </a:fillRef>
+            <a:effectRef idx="0">
+              <a:schemeClr val="accent1"/>
+            </a:effectRef>
+            <a:fontRef idx="minor">
+              <a:schemeClr val="tx1"/>
+            </a:fontRef>
+          </p:style>
+        </p:cxnSp>
+        <p:cxnSp>
+          <p:nvCxnSpPr>
+            <p:cNvPr id="46" name="Přímá spojnice se šipkou 45">
+              <a:extLst>
+                <a:ext uri="{FF2B5EF4-FFF2-40B4-BE49-F238E27FC236}">
+                  <a16:creationId xmlns:a16="http://schemas.microsoft.com/office/drawing/2014/main" id="{ACA5AA9E-3937-4E51-A640-1AC6057CA2B0}"/>
+                </a:ext>
+              </a:extLst>
+            </p:cNvPr>
+            <p:cNvCxnSpPr>
+              <a:cxnSpLocks/>
+            </p:cNvCxnSpPr>
+            <p:nvPr/>
+          </p:nvCxnSpPr>
+          <p:spPr>
+            <a:xfrm>
+              <a:off x="4677522" y="970740"/>
+              <a:ext cx="2506717" cy="0"/>
+            </a:xfrm>
+            <a:prstGeom prst="straightConnector1">
+              <a:avLst/>
+            </a:prstGeom>
+            <a:ln w="25400">
+              <a:solidFill>
+                <a:schemeClr val="accent1"/>
+              </a:solidFill>
+              <a:headEnd type="stealth" w="lg" len="lg"/>
+              <a:tailEnd type="stealth" w="lg" len="lg"/>
+            </a:ln>
+          </p:spPr>
+          <p:style>
+            <a:lnRef idx="1">
+              <a:schemeClr val="accent1"/>
+            </a:lnRef>
+            <a:fillRef idx="0">
+              <a:schemeClr val="accent1"/>
+            </a:fillRef>
+            <a:effectRef idx="0">
+              <a:schemeClr val="accent1"/>
+            </a:effectRef>
+            <a:fontRef idx="minor">
+              <a:schemeClr val="tx1"/>
+            </a:fontRef>
+          </p:style>
+        </p:cxnSp>
+        <p:cxnSp>
+          <p:nvCxnSpPr>
+            <p:cNvPr id="50" name="Přímá spojnice se šipkou 49">
+              <a:extLst>
+                <a:ext uri="{FF2B5EF4-FFF2-40B4-BE49-F238E27FC236}">
+                  <a16:creationId xmlns:a16="http://schemas.microsoft.com/office/drawing/2014/main" id="{497E065A-B33E-48DC-BB08-0CBB59A202A4}"/>
+                </a:ext>
+              </a:extLst>
+            </p:cNvPr>
+            <p:cNvCxnSpPr>
+              <a:cxnSpLocks/>
+            </p:cNvCxnSpPr>
+            <p:nvPr/>
+          </p:nvCxnSpPr>
+          <p:spPr>
+            <a:xfrm>
+              <a:off x="4677522" y="1185242"/>
+              <a:ext cx="2506717" cy="0"/>
+            </a:xfrm>
+            <a:prstGeom prst="straightConnector1">
+              <a:avLst/>
+            </a:prstGeom>
+            <a:ln w="25400">
+              <a:solidFill>
+                <a:schemeClr val="accent1"/>
+              </a:solidFill>
+              <a:headEnd type="stealth" w="lg" len="lg"/>
+              <a:tailEnd type="stealth" w="lg" len="lg"/>
+            </a:ln>
+          </p:spPr>
+          <p:style>
+            <a:lnRef idx="1">
+              <a:schemeClr val="accent1"/>
+            </a:lnRef>
+            <a:fillRef idx="0">
+              <a:schemeClr val="accent1"/>
+            </a:fillRef>
+            <a:effectRef idx="0">
+              <a:schemeClr val="accent1"/>
+            </a:effectRef>
+            <a:fontRef idx="minor">
+              <a:schemeClr val="tx1"/>
+            </a:fontRef>
+          </p:style>
+        </p:cxnSp>
+        <p:cxnSp>
+          <p:nvCxnSpPr>
+            <p:cNvPr id="51" name="Přímá spojnice se šipkou 50">
+              <a:extLst>
+                <a:ext uri="{FF2B5EF4-FFF2-40B4-BE49-F238E27FC236}">
+                  <a16:creationId xmlns:a16="http://schemas.microsoft.com/office/drawing/2014/main" id="{B930D4CC-018C-4F03-B002-697D647A242C}"/>
+                </a:ext>
+              </a:extLst>
+            </p:cNvPr>
+            <p:cNvCxnSpPr>
+              <a:cxnSpLocks/>
+            </p:cNvCxnSpPr>
+            <p:nvPr/>
+          </p:nvCxnSpPr>
+          <p:spPr>
+            <a:xfrm>
+              <a:off x="4677522" y="1442644"/>
+              <a:ext cx="2506717" cy="0"/>
+            </a:xfrm>
+            <a:prstGeom prst="straightConnector1">
+              <a:avLst/>
+            </a:prstGeom>
+            <a:ln w="25400">
+              <a:solidFill>
+                <a:schemeClr val="accent1"/>
+              </a:solidFill>
+              <a:headEnd type="stealth" w="lg" len="lg"/>
+              <a:tailEnd type="stealth" w="lg" len="lg"/>
+            </a:ln>
+          </p:spPr>
+          <p:style>
+            <a:lnRef idx="1">
+              <a:schemeClr val="accent1"/>
+            </a:lnRef>
+            <a:fillRef idx="0">
+              <a:schemeClr val="accent1"/>
+            </a:fillRef>
+            <a:effectRef idx="0">
+              <a:schemeClr val="accent1"/>
+            </a:effectRef>
+            <a:fontRef idx="minor">
+              <a:schemeClr val="tx1"/>
+            </a:fontRef>
+          </p:style>
+        </p:cxnSp>
+        <p:cxnSp>
+          <p:nvCxnSpPr>
+            <p:cNvPr id="52" name="Přímá spojnice se šipkou 51">
+              <a:extLst>
+                <a:ext uri="{FF2B5EF4-FFF2-40B4-BE49-F238E27FC236}">
+                  <a16:creationId xmlns:a16="http://schemas.microsoft.com/office/drawing/2014/main" id="{E088D6EF-980D-49D9-B098-C9EC24495AFB}"/>
+                </a:ext>
+              </a:extLst>
+            </p:cNvPr>
+            <p:cNvCxnSpPr>
+              <a:cxnSpLocks/>
+            </p:cNvCxnSpPr>
+            <p:nvPr/>
+          </p:nvCxnSpPr>
+          <p:spPr>
+            <a:xfrm>
+              <a:off x="4677522" y="1687789"/>
+              <a:ext cx="2506717" cy="0"/>
+            </a:xfrm>
+            <a:prstGeom prst="straightConnector1">
+              <a:avLst/>
+            </a:prstGeom>
+            <a:ln w="25400">
+              <a:solidFill>
+                <a:schemeClr val="accent1"/>
+              </a:solidFill>
+              <a:headEnd type="stealth" w="lg" len="lg"/>
+              <a:tailEnd type="stealth" w="lg" len="lg"/>
+            </a:ln>
+          </p:spPr>
+          <p:style>
+            <a:lnRef idx="1">
+              <a:schemeClr val="accent1"/>
+            </a:lnRef>
+            <a:fillRef idx="0">
+              <a:schemeClr val="accent1"/>
+            </a:fillRef>
+            <a:effectRef idx="0">
+              <a:schemeClr val="accent1"/>
+            </a:effectRef>
+            <a:fontRef idx="minor">
+              <a:schemeClr val="tx1"/>
+            </a:fontRef>
+          </p:style>
+        </p:cxnSp>
+        <p:cxnSp>
+          <p:nvCxnSpPr>
+            <p:cNvPr id="53" name="Přímá spojnice se šipkou 52">
+              <a:extLst>
+                <a:ext uri="{FF2B5EF4-FFF2-40B4-BE49-F238E27FC236}">
+                  <a16:creationId xmlns:a16="http://schemas.microsoft.com/office/drawing/2014/main" id="{3100F191-DE57-4D56-930B-D35D073819F4}"/>
+                </a:ext>
+              </a:extLst>
+            </p:cNvPr>
+            <p:cNvCxnSpPr>
+              <a:cxnSpLocks/>
+            </p:cNvCxnSpPr>
+            <p:nvPr/>
+          </p:nvCxnSpPr>
+          <p:spPr>
+            <a:xfrm>
+              <a:off x="4677522" y="1932935"/>
+              <a:ext cx="2506717" cy="0"/>
+            </a:xfrm>
+            <a:prstGeom prst="straightConnector1">
+              <a:avLst/>
+            </a:prstGeom>
+            <a:ln w="25400">
+              <a:solidFill>
+                <a:schemeClr val="accent1"/>
+              </a:solidFill>
+              <a:headEnd type="stealth" w="lg" len="lg"/>
+              <a:tailEnd type="stealth" w="lg" len="lg"/>
+            </a:ln>
+          </p:spPr>
+          <p:style>
+            <a:lnRef idx="1">
+              <a:schemeClr val="accent1"/>
+            </a:lnRef>
+            <a:fillRef idx="0">
+              <a:schemeClr val="accent1"/>
+            </a:fillRef>
+            <a:effectRef idx="0">
+              <a:schemeClr val="accent1"/>
+            </a:effectRef>
+            <a:fontRef idx="minor">
+              <a:schemeClr val="tx1"/>
+            </a:fontRef>
+          </p:style>
+        </p:cxnSp>
+        <p:cxnSp>
+          <p:nvCxnSpPr>
+            <p:cNvPr id="54" name="Přímá spojnice se šipkou 53">
+              <a:extLst>
+                <a:ext uri="{FF2B5EF4-FFF2-40B4-BE49-F238E27FC236}">
+                  <a16:creationId xmlns:a16="http://schemas.microsoft.com/office/drawing/2014/main" id="{F5C5D5C5-9C53-4C49-80CD-6DBE174AE590}"/>
+                </a:ext>
+              </a:extLst>
+            </p:cNvPr>
+            <p:cNvCxnSpPr>
+              <a:cxnSpLocks/>
+            </p:cNvCxnSpPr>
+            <p:nvPr/>
+          </p:nvCxnSpPr>
+          <p:spPr>
+            <a:xfrm>
+              <a:off x="4677522" y="2178079"/>
+              <a:ext cx="2506717" cy="0"/>
+            </a:xfrm>
+            <a:prstGeom prst="straightConnector1">
+              <a:avLst/>
+            </a:prstGeom>
+            <a:ln w="25400">
+              <a:solidFill>
+                <a:schemeClr val="accent1"/>
+              </a:solidFill>
+              <a:headEnd type="stealth" w="lg" len="lg"/>
+              <a:tailEnd type="stealth" w="lg" len="lg"/>
+            </a:ln>
+          </p:spPr>
+          <p:style>
+            <a:lnRef idx="1">
+              <a:schemeClr val="accent1"/>
+            </a:lnRef>
+            <a:fillRef idx="0">
+              <a:schemeClr val="accent1"/>
+            </a:fillRef>
+            <a:effectRef idx="0">
+              <a:schemeClr val="accent1"/>
+            </a:effectRef>
+            <a:fontRef idx="minor">
+              <a:schemeClr val="tx1"/>
+            </a:fontRef>
+          </p:style>
+        </p:cxnSp>
+        <p:cxnSp>
+          <p:nvCxnSpPr>
+            <p:cNvPr id="55" name="Přímá spojnice se šipkou 54">
+              <a:extLst>
+                <a:ext uri="{FF2B5EF4-FFF2-40B4-BE49-F238E27FC236}">
+                  <a16:creationId xmlns:a16="http://schemas.microsoft.com/office/drawing/2014/main" id="{E54A5646-71F4-4C82-9E54-57F06E576163}"/>
+                </a:ext>
+              </a:extLst>
+            </p:cNvPr>
+            <p:cNvCxnSpPr>
+              <a:cxnSpLocks/>
+            </p:cNvCxnSpPr>
+            <p:nvPr/>
+          </p:nvCxnSpPr>
+          <p:spPr>
+            <a:xfrm>
+              <a:off x="4677522" y="2435481"/>
+              <a:ext cx="2506717" cy="0"/>
+            </a:xfrm>
+            <a:prstGeom prst="straightConnector1">
+              <a:avLst/>
+            </a:prstGeom>
+            <a:ln w="25400">
+              <a:solidFill>
+                <a:schemeClr val="accent1"/>
+              </a:solidFill>
+              <a:headEnd type="stealth" w="lg" len="lg"/>
+              <a:tailEnd type="stealth" w="lg" len="lg"/>
+            </a:ln>
+          </p:spPr>
+          <p:style>
+            <a:lnRef idx="1">
+              <a:schemeClr val="accent1"/>
+            </a:lnRef>
+            <a:fillRef idx="0">
+              <a:schemeClr val="accent1"/>
+            </a:fillRef>
+            <a:effectRef idx="0">
+              <a:schemeClr val="accent1"/>
+            </a:effectRef>
+            <a:fontRef idx="minor">
+              <a:schemeClr val="tx1"/>
+            </a:fontRef>
+          </p:style>
+        </p:cxnSp>
+        <p:cxnSp>
+          <p:nvCxnSpPr>
+            <p:cNvPr id="56" name="Přímá spojnice se šipkou 55">
+              <a:extLst>
+                <a:ext uri="{FF2B5EF4-FFF2-40B4-BE49-F238E27FC236}">
+                  <a16:creationId xmlns:a16="http://schemas.microsoft.com/office/drawing/2014/main" id="{AEA4C071-1AC2-4C3A-9686-4C2BBBB5CE63}"/>
+                </a:ext>
+              </a:extLst>
+            </p:cNvPr>
+            <p:cNvCxnSpPr>
+              <a:cxnSpLocks/>
+            </p:cNvCxnSpPr>
+            <p:nvPr/>
+          </p:nvCxnSpPr>
+          <p:spPr>
+            <a:xfrm>
+              <a:off x="4677522" y="2706846"/>
+              <a:ext cx="2506717" cy="0"/>
+            </a:xfrm>
+            <a:prstGeom prst="straightConnector1">
+              <a:avLst/>
+            </a:prstGeom>
+            <a:ln w="25400">
+              <a:solidFill>
+                <a:schemeClr val="accent1"/>
+              </a:solidFill>
+              <a:headEnd type="stealth" w="lg" len="lg"/>
+              <a:tailEnd type="stealth" w="lg" len="lg"/>
+            </a:ln>
+          </p:spPr>
+          <p:style>
+            <a:lnRef idx="1">
+              <a:schemeClr val="accent1"/>
+            </a:lnRef>
+            <a:fillRef idx="0">
+              <a:schemeClr val="accent1"/>
+            </a:fillRef>
+            <a:effectRef idx="0">
+              <a:schemeClr val="accent1"/>
+            </a:effectRef>
+            <a:fontRef idx="minor">
+              <a:schemeClr val="tx1"/>
+            </a:fontRef>
+          </p:style>
+        </p:cxnSp>
+        <p:sp>
+          <p:nvSpPr>
+            <p:cNvPr id="57" name="Vývojový diagram: spojnice 56">
+              <a:extLst>
+                <a:ext uri="{FF2B5EF4-FFF2-40B4-BE49-F238E27FC236}">
+                  <a16:creationId xmlns:a16="http://schemas.microsoft.com/office/drawing/2014/main" id="{17F5803D-BC5C-47D5-9EE9-ED3DF5B0A52E}"/>
+                </a:ext>
+              </a:extLst>
+            </p:cNvPr>
+            <p:cNvSpPr/>
+            <p:nvPr/>
+          </p:nvSpPr>
+          <p:spPr>
+            <a:xfrm>
+              <a:off x="7950343" y="837948"/>
+              <a:ext cx="189858" cy="196117"/>
+            </a:xfrm>
+            <a:prstGeom prst="flowChartConnector">
+              <a:avLst/>
+            </a:prstGeom>
+            <a:noFill/>
+            <a:ln w="28575">
+              <a:solidFill>
+                <a:schemeClr val="accent1"/>
+              </a:solidFill>
+            </a:ln>
+          </p:spPr>
+          <p:style>
+            <a:lnRef idx="2">
+              <a:schemeClr val="accent1">
+                <a:shade val="50000"/>
+              </a:schemeClr>
+            </a:lnRef>
+            <a:fillRef idx="1">
+              <a:schemeClr val="accent1"/>
+            </a:fillRef>
+            <a:effectRef idx="0">
+              <a:schemeClr val="accent1"/>
+            </a:effectRef>
+            <a:fontRef idx="minor">
+              <a:schemeClr val="lt1"/>
+            </a:fontRef>
+          </p:style>
+          <p:txBody>
+            <a:bodyPr rtlCol="0" anchor="ctr"/>
+            <a:lstStyle/>
+            <a:p>
+              <a:pPr algn="ctr"/>
+              <a:endParaRPr lang="cs-CZ"/>
+            </a:p>
+          </p:txBody>
+        </p:sp>
+        <p:sp>
+          <p:nvSpPr>
+            <p:cNvPr id="61" name="Vývojový diagram: spojnice 60">
+              <a:extLst>
+                <a:ext uri="{FF2B5EF4-FFF2-40B4-BE49-F238E27FC236}">
+                  <a16:creationId xmlns:a16="http://schemas.microsoft.com/office/drawing/2014/main" id="{7EA5BBDD-957C-4EEA-8A36-A80F591CBA73}"/>
+                </a:ext>
+              </a:extLst>
+            </p:cNvPr>
+            <p:cNvSpPr/>
+            <p:nvPr/>
+          </p:nvSpPr>
+          <p:spPr>
+            <a:xfrm>
+              <a:off x="7950343" y="1068796"/>
+              <a:ext cx="189858" cy="196117"/>
+            </a:xfrm>
+            <a:prstGeom prst="flowChartConnector">
+              <a:avLst/>
+            </a:prstGeom>
+            <a:noFill/>
+            <a:ln w="28575">
+              <a:solidFill>
+                <a:schemeClr val="accent1"/>
+              </a:solidFill>
+            </a:ln>
+          </p:spPr>
+          <p:style>
+            <a:lnRef idx="2">
+              <a:schemeClr val="accent1">
+                <a:shade val="50000"/>
+              </a:schemeClr>
+            </a:lnRef>
+            <a:fillRef idx="1">
+              <a:schemeClr val="accent1"/>
+            </a:fillRef>
+            <a:effectRef idx="0">
+              <a:schemeClr val="accent1"/>
+            </a:effectRef>
+            <a:fontRef idx="minor">
+              <a:schemeClr val="lt1"/>
+            </a:fontRef>
+          </p:style>
+          <p:txBody>
+            <a:bodyPr rtlCol="0" anchor="ctr"/>
+            <a:lstStyle/>
+            <a:p>
+              <a:pPr algn="ctr"/>
+              <a:endParaRPr lang="cs-CZ"/>
+            </a:p>
+          </p:txBody>
+        </p:sp>
+        <p:sp>
+          <p:nvSpPr>
+            <p:cNvPr id="62" name="Vývojový diagram: spojnice 61">
+              <a:extLst>
+                <a:ext uri="{FF2B5EF4-FFF2-40B4-BE49-F238E27FC236}">
+                  <a16:creationId xmlns:a16="http://schemas.microsoft.com/office/drawing/2014/main" id="{949C907C-4D91-46DA-83BF-9B80A2CB86B5}"/>
+                </a:ext>
+              </a:extLst>
+            </p:cNvPr>
+            <p:cNvSpPr/>
+            <p:nvPr/>
+          </p:nvSpPr>
+          <p:spPr>
+            <a:xfrm>
+              <a:off x="7950343" y="1344585"/>
+              <a:ext cx="189858" cy="196117"/>
+            </a:xfrm>
+            <a:prstGeom prst="flowChartConnector">
+              <a:avLst/>
+            </a:prstGeom>
+            <a:noFill/>
+            <a:ln w="28575">
+              <a:solidFill>
+                <a:schemeClr val="accent1"/>
+              </a:solidFill>
+            </a:ln>
+          </p:spPr>
+          <p:style>
+            <a:lnRef idx="2">
+              <a:schemeClr val="accent1">
+                <a:shade val="50000"/>
+              </a:schemeClr>
+            </a:lnRef>
+            <a:fillRef idx="1">
+              <a:schemeClr val="accent1"/>
+            </a:fillRef>
+            <a:effectRef idx="0">
+              <a:schemeClr val="accent1"/>
+            </a:effectRef>
+            <a:fontRef idx="minor">
+              <a:schemeClr val="lt1"/>
+            </a:fontRef>
+          </p:style>
+          <p:txBody>
+            <a:bodyPr rtlCol="0" anchor="ctr"/>
+            <a:lstStyle/>
+            <a:p>
+              <a:pPr algn="ctr"/>
+              <a:endParaRPr lang="cs-CZ"/>
+            </a:p>
+          </p:txBody>
+        </p:sp>
+        <p:sp>
+          <p:nvSpPr>
+            <p:cNvPr id="63" name="Vývojový diagram: spojnice 62">
+              <a:extLst>
+                <a:ext uri="{FF2B5EF4-FFF2-40B4-BE49-F238E27FC236}">
+                  <a16:creationId xmlns:a16="http://schemas.microsoft.com/office/drawing/2014/main" id="{70A54068-711E-40E8-868A-DA5F40DD9C2D}"/>
+                </a:ext>
+              </a:extLst>
+            </p:cNvPr>
+            <p:cNvSpPr/>
+            <p:nvPr/>
+          </p:nvSpPr>
+          <p:spPr>
+            <a:xfrm>
+              <a:off x="7950343" y="1582978"/>
+              <a:ext cx="189858" cy="196117"/>
+            </a:xfrm>
+            <a:prstGeom prst="flowChartConnector">
+              <a:avLst/>
+            </a:prstGeom>
+            <a:noFill/>
+            <a:ln w="28575">
+              <a:solidFill>
+                <a:schemeClr val="accent1"/>
+              </a:solidFill>
+            </a:ln>
+          </p:spPr>
+          <p:style>
+            <a:lnRef idx="2">
+              <a:schemeClr val="accent1">
+                <a:shade val="50000"/>
+              </a:schemeClr>
+            </a:lnRef>
+            <a:fillRef idx="1">
+              <a:schemeClr val="accent1"/>
+            </a:fillRef>
+            <a:effectRef idx="0">
+              <a:schemeClr val="accent1"/>
+            </a:effectRef>
+            <a:fontRef idx="minor">
+              <a:schemeClr val="lt1"/>
+            </a:fontRef>
+          </p:style>
+          <p:txBody>
+            <a:bodyPr rtlCol="0" anchor="ctr"/>
+            <a:lstStyle/>
+            <a:p>
+              <a:pPr algn="ctr"/>
+              <a:endParaRPr lang="cs-CZ"/>
+            </a:p>
+          </p:txBody>
+        </p:sp>
+        <p:sp>
+          <p:nvSpPr>
+            <p:cNvPr id="66" name="Vývojový diagram: spojnice 65">
+              <a:extLst>
+                <a:ext uri="{FF2B5EF4-FFF2-40B4-BE49-F238E27FC236}">
+                  <a16:creationId xmlns:a16="http://schemas.microsoft.com/office/drawing/2014/main" id="{85874B0A-61AA-4208-9AF6-2C58F619A134}"/>
+                </a:ext>
+              </a:extLst>
+            </p:cNvPr>
+            <p:cNvSpPr/>
+            <p:nvPr/>
+          </p:nvSpPr>
+          <p:spPr>
+            <a:xfrm>
+              <a:off x="7950343" y="1834876"/>
+              <a:ext cx="189858" cy="196117"/>
+            </a:xfrm>
+            <a:prstGeom prst="flowChartConnector">
+              <a:avLst/>
+            </a:prstGeom>
+            <a:noFill/>
+            <a:ln w="28575">
+              <a:solidFill>
+                <a:schemeClr val="accent1"/>
+              </a:solidFill>
+            </a:ln>
+          </p:spPr>
+          <p:style>
+            <a:lnRef idx="2">
+              <a:schemeClr val="accent1">
+                <a:shade val="50000"/>
+              </a:schemeClr>
+            </a:lnRef>
+            <a:fillRef idx="1">
+              <a:schemeClr val="accent1"/>
+            </a:fillRef>
+            <a:effectRef idx="0">
+              <a:schemeClr val="accent1"/>
+            </a:effectRef>
+            <a:fontRef idx="minor">
+              <a:schemeClr val="lt1"/>
+            </a:fontRef>
+          </p:style>
+          <p:txBody>
+            <a:bodyPr rtlCol="0" anchor="ctr"/>
+            <a:lstStyle/>
+            <a:p>
+              <a:pPr algn="ctr"/>
+              <a:endParaRPr lang="cs-CZ"/>
+            </a:p>
+          </p:txBody>
+        </p:sp>
+        <p:sp>
+          <p:nvSpPr>
+            <p:cNvPr id="67" name="Vývojový diagram: spojnice 66">
+              <a:extLst>
+                <a:ext uri="{FF2B5EF4-FFF2-40B4-BE49-F238E27FC236}">
+                  <a16:creationId xmlns:a16="http://schemas.microsoft.com/office/drawing/2014/main" id="{A526B290-CBAE-42CD-AA43-220A726F5CA1}"/>
+                </a:ext>
+              </a:extLst>
+            </p:cNvPr>
+            <p:cNvSpPr/>
+            <p:nvPr/>
+          </p:nvSpPr>
+          <p:spPr>
+            <a:xfrm>
+              <a:off x="7949851" y="2082863"/>
+              <a:ext cx="189858" cy="196117"/>
+            </a:xfrm>
+            <a:prstGeom prst="flowChartConnector">
+              <a:avLst/>
+            </a:prstGeom>
+            <a:noFill/>
+            <a:ln w="28575">
+              <a:solidFill>
+                <a:schemeClr val="accent1"/>
+              </a:solidFill>
+            </a:ln>
+          </p:spPr>
+          <p:style>
+            <a:lnRef idx="2">
+              <a:schemeClr val="accent1">
+                <a:shade val="50000"/>
+              </a:schemeClr>
+            </a:lnRef>
+            <a:fillRef idx="1">
+              <a:schemeClr val="accent1"/>
+            </a:fillRef>
+            <a:effectRef idx="0">
+              <a:schemeClr val="accent1"/>
+            </a:effectRef>
+            <a:fontRef idx="minor">
+              <a:schemeClr val="lt1"/>
+            </a:fontRef>
+          </p:style>
+          <p:txBody>
+            <a:bodyPr rtlCol="0" anchor="ctr"/>
+            <a:lstStyle/>
+            <a:p>
+              <a:pPr algn="ctr"/>
+              <a:endParaRPr lang="cs-CZ"/>
+            </a:p>
+          </p:txBody>
+        </p:sp>
+        <p:sp>
+          <p:nvSpPr>
+            <p:cNvPr id="68" name="Vývojový diagram: spojnice 67">
+              <a:extLst>
+                <a:ext uri="{FF2B5EF4-FFF2-40B4-BE49-F238E27FC236}">
+                  <a16:creationId xmlns:a16="http://schemas.microsoft.com/office/drawing/2014/main" id="{5A0602E6-B101-4B08-B1BE-A8FFC12101D2}"/>
+                </a:ext>
+              </a:extLst>
+            </p:cNvPr>
+            <p:cNvSpPr/>
+            <p:nvPr/>
+          </p:nvSpPr>
+          <p:spPr>
+            <a:xfrm>
+              <a:off x="7949851" y="2347906"/>
+              <a:ext cx="189858" cy="196117"/>
+            </a:xfrm>
+            <a:prstGeom prst="flowChartConnector">
+              <a:avLst/>
+            </a:prstGeom>
+            <a:noFill/>
+            <a:ln w="28575">
+              <a:solidFill>
+                <a:schemeClr val="accent1"/>
+              </a:solidFill>
+            </a:ln>
+          </p:spPr>
+          <p:style>
+            <a:lnRef idx="2">
+              <a:schemeClr val="accent1">
+                <a:shade val="50000"/>
+              </a:schemeClr>
+            </a:lnRef>
+            <a:fillRef idx="1">
+              <a:schemeClr val="accent1"/>
+            </a:fillRef>
+            <a:effectRef idx="0">
+              <a:schemeClr val="accent1"/>
+            </a:effectRef>
+            <a:fontRef idx="minor">
+              <a:schemeClr val="lt1"/>
+            </a:fontRef>
+          </p:style>
+          <p:txBody>
+            <a:bodyPr rtlCol="0" anchor="ctr"/>
+            <a:lstStyle/>
+            <a:p>
+              <a:pPr algn="ctr"/>
+              <a:endParaRPr lang="cs-CZ"/>
+            </a:p>
+          </p:txBody>
+        </p:sp>
+        <p:sp>
+          <p:nvSpPr>
+            <p:cNvPr id="69" name="Vývojový diagram: spojnice 68">
+              <a:extLst>
+                <a:ext uri="{FF2B5EF4-FFF2-40B4-BE49-F238E27FC236}">
+                  <a16:creationId xmlns:a16="http://schemas.microsoft.com/office/drawing/2014/main" id="{8E83C241-AF25-4FA7-8A21-A305EA623C8A}"/>
+                </a:ext>
+              </a:extLst>
+            </p:cNvPr>
+            <p:cNvSpPr/>
+            <p:nvPr/>
+          </p:nvSpPr>
+          <p:spPr>
+            <a:xfrm>
+              <a:off x="7949851" y="2582748"/>
+              <a:ext cx="189858" cy="196117"/>
+            </a:xfrm>
+            <a:prstGeom prst="flowChartConnector">
+              <a:avLst/>
+            </a:prstGeom>
+            <a:noFill/>
+            <a:ln w="28575">
+              <a:solidFill>
+                <a:schemeClr val="accent1"/>
+              </a:solidFill>
+            </a:ln>
+          </p:spPr>
+          <p:style>
+            <a:lnRef idx="2">
+              <a:schemeClr val="accent1">
+                <a:shade val="50000"/>
+              </a:schemeClr>
+            </a:lnRef>
+            <a:fillRef idx="1">
+              <a:schemeClr val="accent1"/>
+            </a:fillRef>
+            <a:effectRef idx="0">
+              <a:schemeClr val="accent1"/>
+            </a:effectRef>
+            <a:fontRef idx="minor">
+              <a:schemeClr val="lt1"/>
+            </a:fontRef>
+          </p:style>
+          <p:txBody>
+            <a:bodyPr rtlCol="0" anchor="ctr"/>
+            <a:lstStyle/>
+            <a:p>
+              <a:pPr algn="ctr"/>
+              <a:endParaRPr lang="cs-CZ"/>
+            </a:p>
+          </p:txBody>
+        </p:sp>
+        <p:sp>
+          <p:nvSpPr>
+            <p:cNvPr id="70" name="Vývojový diagram: spojnice 69">
+              <a:extLst>
+                <a:ext uri="{FF2B5EF4-FFF2-40B4-BE49-F238E27FC236}">
+                  <a16:creationId xmlns:a16="http://schemas.microsoft.com/office/drawing/2014/main" id="{1EFB2D14-4310-44D6-AAD7-6B97FD92BDCB}"/>
+                </a:ext>
+              </a:extLst>
+            </p:cNvPr>
+            <p:cNvSpPr/>
+            <p:nvPr/>
+          </p:nvSpPr>
+          <p:spPr>
+            <a:xfrm>
+              <a:off x="8751305" y="835289"/>
+              <a:ext cx="189858" cy="196117"/>
+            </a:xfrm>
+            <a:prstGeom prst="flowChartConnector">
+              <a:avLst/>
+            </a:prstGeom>
+            <a:noFill/>
+            <a:ln w="28575">
+              <a:solidFill>
+                <a:schemeClr val="accent1"/>
+              </a:solidFill>
+            </a:ln>
+          </p:spPr>
+          <p:style>
+            <a:lnRef idx="2">
+              <a:schemeClr val="accent1">
+                <a:shade val="50000"/>
+              </a:schemeClr>
+            </a:lnRef>
+            <a:fillRef idx="1">
+              <a:schemeClr val="accent1"/>
+            </a:fillRef>
+            <a:effectRef idx="0">
+              <a:schemeClr val="accent1"/>
+            </a:effectRef>
+            <a:fontRef idx="minor">
+              <a:schemeClr val="lt1"/>
+            </a:fontRef>
+          </p:style>
+          <p:txBody>
+            <a:bodyPr rtlCol="0" anchor="ctr"/>
+            <a:lstStyle/>
+            <a:p>
+              <a:pPr algn="ctr"/>
+              <a:endParaRPr lang="cs-CZ"/>
+            </a:p>
+          </p:txBody>
+        </p:sp>
+        <p:sp>
+          <p:nvSpPr>
+            <p:cNvPr id="71" name="Vývojový diagram: spojnice 70">
+              <a:extLst>
+                <a:ext uri="{FF2B5EF4-FFF2-40B4-BE49-F238E27FC236}">
+                  <a16:creationId xmlns:a16="http://schemas.microsoft.com/office/drawing/2014/main" id="{C16E3B7A-BD25-47E9-A645-7B2B167C3A2B}"/>
+                </a:ext>
+              </a:extLst>
+            </p:cNvPr>
+            <p:cNvSpPr/>
+            <p:nvPr/>
+          </p:nvSpPr>
+          <p:spPr>
+            <a:xfrm>
+              <a:off x="8751305" y="1066137"/>
+              <a:ext cx="189858" cy="196117"/>
+            </a:xfrm>
+            <a:prstGeom prst="flowChartConnector">
+              <a:avLst/>
+            </a:prstGeom>
+            <a:noFill/>
+            <a:ln w="28575">
+              <a:solidFill>
+                <a:schemeClr val="accent1"/>
+              </a:solidFill>
+            </a:ln>
+          </p:spPr>
+          <p:style>
+            <a:lnRef idx="2">
+              <a:schemeClr val="accent1">
+                <a:shade val="50000"/>
+              </a:schemeClr>
+            </a:lnRef>
+            <a:fillRef idx="1">
+              <a:schemeClr val="accent1"/>
+            </a:fillRef>
+            <a:effectRef idx="0">
+              <a:schemeClr val="accent1"/>
+            </a:effectRef>
+            <a:fontRef idx="minor">
+              <a:schemeClr val="lt1"/>
+            </a:fontRef>
+          </p:style>
+          <p:txBody>
+            <a:bodyPr rtlCol="0" anchor="ctr"/>
+            <a:lstStyle/>
+            <a:p>
+              <a:pPr algn="ctr"/>
+              <a:endParaRPr lang="cs-CZ"/>
+            </a:p>
+          </p:txBody>
+        </p:sp>
+        <p:sp>
+          <p:nvSpPr>
+            <p:cNvPr id="72" name="Vývojový diagram: spojnice 71">
+              <a:extLst>
+                <a:ext uri="{FF2B5EF4-FFF2-40B4-BE49-F238E27FC236}">
+                  <a16:creationId xmlns:a16="http://schemas.microsoft.com/office/drawing/2014/main" id="{EB50D608-189E-4A8A-9708-4256D3A00330}"/>
+                </a:ext>
+              </a:extLst>
+            </p:cNvPr>
+            <p:cNvSpPr/>
+            <p:nvPr/>
+          </p:nvSpPr>
+          <p:spPr>
+            <a:xfrm>
+              <a:off x="8751305" y="1341926"/>
+              <a:ext cx="189858" cy="196117"/>
+            </a:xfrm>
+            <a:prstGeom prst="flowChartConnector">
+              <a:avLst/>
+            </a:prstGeom>
+            <a:noFill/>
+            <a:ln w="28575">
+              <a:solidFill>
+                <a:schemeClr val="accent1"/>
+              </a:solidFill>
+            </a:ln>
+          </p:spPr>
+          <p:style>
+            <a:lnRef idx="2">
+              <a:schemeClr val="accent1">
+                <a:shade val="50000"/>
+              </a:schemeClr>
+            </a:lnRef>
+            <a:fillRef idx="1">
+              <a:schemeClr val="accent1"/>
+            </a:fillRef>
+            <a:effectRef idx="0">
+              <a:schemeClr val="accent1"/>
+            </a:effectRef>
+            <a:fontRef idx="minor">
+              <a:schemeClr val="lt1"/>
+            </a:fontRef>
+          </p:style>
+          <p:txBody>
+            <a:bodyPr rtlCol="0" anchor="ctr"/>
+            <a:lstStyle/>
+            <a:p>
+              <a:pPr algn="ctr"/>
+              <a:endParaRPr lang="cs-CZ"/>
+            </a:p>
+          </p:txBody>
+        </p:sp>
+        <p:sp>
+          <p:nvSpPr>
+            <p:cNvPr id="73" name="Vývojový diagram: spojnice 72">
+              <a:extLst>
+                <a:ext uri="{FF2B5EF4-FFF2-40B4-BE49-F238E27FC236}">
+                  <a16:creationId xmlns:a16="http://schemas.microsoft.com/office/drawing/2014/main" id="{5501F065-0D3B-430C-BEE9-62BFC2C11E84}"/>
+                </a:ext>
+              </a:extLst>
+            </p:cNvPr>
+            <p:cNvSpPr/>
+            <p:nvPr/>
+          </p:nvSpPr>
+          <p:spPr>
+            <a:xfrm>
+              <a:off x="8751305" y="1580319"/>
+              <a:ext cx="189858" cy="196117"/>
+            </a:xfrm>
+            <a:prstGeom prst="flowChartConnector">
+              <a:avLst/>
+            </a:prstGeom>
+            <a:noFill/>
+            <a:ln w="28575">
+              <a:solidFill>
+                <a:schemeClr val="accent1"/>
+              </a:solidFill>
+            </a:ln>
+          </p:spPr>
+          <p:style>
+            <a:lnRef idx="2">
+              <a:schemeClr val="accent1">
+                <a:shade val="50000"/>
+              </a:schemeClr>
+            </a:lnRef>
+            <a:fillRef idx="1">
+              <a:schemeClr val="accent1"/>
+            </a:fillRef>
+            <a:effectRef idx="0">
+              <a:schemeClr val="accent1"/>
+            </a:effectRef>
+            <a:fontRef idx="minor">
+              <a:schemeClr val="lt1"/>
+            </a:fontRef>
+          </p:style>
+          <p:txBody>
+            <a:bodyPr rtlCol="0" anchor="ctr"/>
+            <a:lstStyle/>
+            <a:p>
+              <a:pPr algn="ctr"/>
+              <a:endParaRPr lang="cs-CZ"/>
+            </a:p>
+          </p:txBody>
+        </p:sp>
+        <p:sp>
+          <p:nvSpPr>
+            <p:cNvPr id="74" name="Vývojový diagram: spojnice 73">
+              <a:extLst>
+                <a:ext uri="{FF2B5EF4-FFF2-40B4-BE49-F238E27FC236}">
+                  <a16:creationId xmlns:a16="http://schemas.microsoft.com/office/drawing/2014/main" id="{C69684CA-3295-47E7-9C2C-AA26BA1069FC}"/>
+                </a:ext>
+              </a:extLst>
+            </p:cNvPr>
+            <p:cNvSpPr/>
+            <p:nvPr/>
+          </p:nvSpPr>
+          <p:spPr>
+            <a:xfrm>
+              <a:off x="8751305" y="1832217"/>
+              <a:ext cx="189858" cy="196117"/>
+            </a:xfrm>
+            <a:prstGeom prst="flowChartConnector">
+              <a:avLst/>
+            </a:prstGeom>
+            <a:noFill/>
+            <a:ln w="28575">
+              <a:solidFill>
+                <a:schemeClr val="accent1"/>
+              </a:solidFill>
+            </a:ln>
+          </p:spPr>
+          <p:style>
+            <a:lnRef idx="2">
+              <a:schemeClr val="accent1">
+                <a:shade val="50000"/>
+              </a:schemeClr>
+            </a:lnRef>
+            <a:fillRef idx="1">
+              <a:schemeClr val="accent1"/>
+            </a:fillRef>
+            <a:effectRef idx="0">
+              <a:schemeClr val="accent1"/>
+            </a:effectRef>
+            <a:fontRef idx="minor">
+              <a:schemeClr val="lt1"/>
+            </a:fontRef>
+          </p:style>
+          <p:txBody>
+            <a:bodyPr rtlCol="0" anchor="ctr"/>
+            <a:lstStyle/>
+            <a:p>
+              <a:pPr algn="ctr"/>
+              <a:endParaRPr lang="cs-CZ"/>
+            </a:p>
+          </p:txBody>
+        </p:sp>
+        <p:sp>
+          <p:nvSpPr>
+            <p:cNvPr id="75" name="Vývojový diagram: spojnice 74">
+              <a:extLst>
+                <a:ext uri="{FF2B5EF4-FFF2-40B4-BE49-F238E27FC236}">
+                  <a16:creationId xmlns:a16="http://schemas.microsoft.com/office/drawing/2014/main" id="{02981358-5BBC-41D7-830B-E3E74F799592}"/>
+                </a:ext>
+              </a:extLst>
+            </p:cNvPr>
+            <p:cNvSpPr/>
+            <p:nvPr/>
+          </p:nvSpPr>
+          <p:spPr>
+            <a:xfrm>
+              <a:off x="8750813" y="2080204"/>
+              <a:ext cx="189858" cy="196117"/>
+            </a:xfrm>
+            <a:prstGeom prst="flowChartConnector">
+              <a:avLst/>
+            </a:prstGeom>
+            <a:noFill/>
+            <a:ln w="28575">
+              <a:solidFill>
+                <a:schemeClr val="accent1"/>
+              </a:solidFill>
+            </a:ln>
+          </p:spPr>
+          <p:style>
+            <a:lnRef idx="2">
+              <a:schemeClr val="accent1">
+                <a:shade val="50000"/>
+              </a:schemeClr>
+            </a:lnRef>
+            <a:fillRef idx="1">
+              <a:schemeClr val="accent1"/>
+            </a:fillRef>
+            <a:effectRef idx="0">
+              <a:schemeClr val="accent1"/>
+            </a:effectRef>
+            <a:fontRef idx="minor">
+              <a:schemeClr val="lt1"/>
+            </a:fontRef>
+          </p:style>
+          <p:txBody>
+            <a:bodyPr rtlCol="0" anchor="ctr"/>
+            <a:lstStyle/>
+            <a:p>
+              <a:pPr algn="ctr"/>
+              <a:endParaRPr lang="cs-CZ"/>
+            </a:p>
+          </p:txBody>
+        </p:sp>
+        <p:sp>
+          <p:nvSpPr>
+            <p:cNvPr id="76" name="Vývojový diagram: spojnice 75">
+              <a:extLst>
+                <a:ext uri="{FF2B5EF4-FFF2-40B4-BE49-F238E27FC236}">
+                  <a16:creationId xmlns:a16="http://schemas.microsoft.com/office/drawing/2014/main" id="{9978F524-F177-48C6-8A39-14233947E539}"/>
+                </a:ext>
+              </a:extLst>
+            </p:cNvPr>
+            <p:cNvSpPr/>
+            <p:nvPr/>
+          </p:nvSpPr>
+          <p:spPr>
+            <a:xfrm>
+              <a:off x="8750813" y="2345246"/>
+              <a:ext cx="189858" cy="196117"/>
+            </a:xfrm>
+            <a:prstGeom prst="flowChartConnector">
+              <a:avLst/>
+            </a:prstGeom>
+            <a:noFill/>
+            <a:ln w="28575">
+              <a:solidFill>
+                <a:schemeClr val="accent1"/>
+              </a:solidFill>
+            </a:ln>
+          </p:spPr>
+          <p:style>
+            <a:lnRef idx="2">
+              <a:schemeClr val="accent1">
+                <a:shade val="50000"/>
+              </a:schemeClr>
+            </a:lnRef>
+            <a:fillRef idx="1">
+              <a:schemeClr val="accent1"/>
+            </a:fillRef>
+            <a:effectRef idx="0">
+              <a:schemeClr val="accent1"/>
+            </a:effectRef>
+            <a:fontRef idx="minor">
+              <a:schemeClr val="lt1"/>
+            </a:fontRef>
+          </p:style>
+          <p:txBody>
+            <a:bodyPr rtlCol="0" anchor="ctr"/>
+            <a:lstStyle/>
+            <a:p>
+              <a:pPr algn="ctr"/>
+              <a:endParaRPr lang="cs-CZ"/>
+            </a:p>
+          </p:txBody>
+        </p:sp>
+        <p:sp>
+          <p:nvSpPr>
+            <p:cNvPr id="77" name="Vývojový diagram: spojnice 76">
+              <a:extLst>
+                <a:ext uri="{FF2B5EF4-FFF2-40B4-BE49-F238E27FC236}">
+                  <a16:creationId xmlns:a16="http://schemas.microsoft.com/office/drawing/2014/main" id="{DD4099FC-4BFF-4528-9196-E404E5F52133}"/>
+                </a:ext>
+              </a:extLst>
+            </p:cNvPr>
+            <p:cNvSpPr/>
+            <p:nvPr/>
+          </p:nvSpPr>
+          <p:spPr>
+            <a:xfrm>
+              <a:off x="8750813" y="2580089"/>
+              <a:ext cx="189858" cy="196117"/>
+            </a:xfrm>
+            <a:prstGeom prst="flowChartConnector">
+              <a:avLst/>
+            </a:prstGeom>
+            <a:noFill/>
+            <a:ln w="28575">
+              <a:solidFill>
+                <a:schemeClr val="accent1"/>
+              </a:solidFill>
+            </a:ln>
+          </p:spPr>
+          <p:style>
+            <a:lnRef idx="2">
+              <a:schemeClr val="accent1">
+                <a:shade val="50000"/>
+              </a:schemeClr>
+            </a:lnRef>
+            <a:fillRef idx="1">
+              <a:schemeClr val="accent1"/>
+            </a:fillRef>
+            <a:effectRef idx="0">
+              <a:schemeClr val="accent1"/>
+            </a:effectRef>
+            <a:fontRef idx="minor">
+              <a:schemeClr val="lt1"/>
+            </a:fontRef>
+          </p:style>
+          <p:txBody>
+            <a:bodyPr rtlCol="0" anchor="ctr"/>
+            <a:lstStyle/>
+            <a:p>
+              <a:pPr algn="ctr"/>
+              <a:endParaRPr lang="cs-CZ"/>
+            </a:p>
+          </p:txBody>
+        </p:sp>
+        <p:sp>
+          <p:nvSpPr>
+            <p:cNvPr id="78" name="Vývojový diagram: spojnice 77">
+              <a:extLst>
+                <a:ext uri="{FF2B5EF4-FFF2-40B4-BE49-F238E27FC236}">
+                  <a16:creationId xmlns:a16="http://schemas.microsoft.com/office/drawing/2014/main" id="{578FDD2C-9866-44C6-A536-B353CC28A606}"/>
+                </a:ext>
+              </a:extLst>
+            </p:cNvPr>
+            <p:cNvSpPr/>
+            <p:nvPr/>
+          </p:nvSpPr>
+          <p:spPr>
+            <a:xfrm>
+              <a:off x="9410505" y="863986"/>
+              <a:ext cx="189858" cy="196117"/>
+            </a:xfrm>
+            <a:prstGeom prst="flowChartConnector">
+              <a:avLst/>
+            </a:prstGeom>
+            <a:noFill/>
+            <a:ln w="28575">
+              <a:solidFill>
+                <a:schemeClr val="accent1"/>
+              </a:solidFill>
+            </a:ln>
+          </p:spPr>
+          <p:style>
+            <a:lnRef idx="2">
+              <a:schemeClr val="accent1">
+                <a:shade val="50000"/>
+              </a:schemeClr>
+            </a:lnRef>
+            <a:fillRef idx="1">
+              <a:schemeClr val="accent1"/>
+            </a:fillRef>
+            <a:effectRef idx="0">
+              <a:schemeClr val="accent1"/>
+            </a:effectRef>
+            <a:fontRef idx="minor">
+              <a:schemeClr val="lt1"/>
+            </a:fontRef>
+          </p:style>
+          <p:txBody>
+            <a:bodyPr rtlCol="0" anchor="ctr"/>
+            <a:lstStyle/>
+            <a:p>
+              <a:pPr algn="ctr"/>
+              <a:endParaRPr lang="cs-CZ"/>
+            </a:p>
+          </p:txBody>
+        </p:sp>
+        <p:sp>
+          <p:nvSpPr>
+            <p:cNvPr id="79" name="Vývojový diagram: spojnice 78">
+              <a:extLst>
+                <a:ext uri="{FF2B5EF4-FFF2-40B4-BE49-F238E27FC236}">
+                  <a16:creationId xmlns:a16="http://schemas.microsoft.com/office/drawing/2014/main" id="{7A39D2E1-3B3C-475E-8035-502C9337FD65}"/>
+                </a:ext>
+              </a:extLst>
+            </p:cNvPr>
+            <p:cNvSpPr/>
+            <p:nvPr/>
+          </p:nvSpPr>
+          <p:spPr>
+            <a:xfrm>
+              <a:off x="9410505" y="1094835"/>
+              <a:ext cx="189858" cy="196117"/>
+            </a:xfrm>
+            <a:prstGeom prst="flowChartConnector">
+              <a:avLst/>
+            </a:prstGeom>
+            <a:noFill/>
+            <a:ln w="28575">
+              <a:solidFill>
+                <a:schemeClr val="accent1"/>
+              </a:solidFill>
+            </a:ln>
+          </p:spPr>
+          <p:style>
+            <a:lnRef idx="2">
+              <a:schemeClr val="accent1">
+                <a:shade val="50000"/>
+              </a:schemeClr>
+            </a:lnRef>
+            <a:fillRef idx="1">
+              <a:schemeClr val="accent1"/>
+            </a:fillRef>
+            <a:effectRef idx="0">
+              <a:schemeClr val="accent1"/>
+            </a:effectRef>
+            <a:fontRef idx="minor">
+              <a:schemeClr val="lt1"/>
+            </a:fontRef>
+          </p:style>
+          <p:txBody>
+            <a:bodyPr rtlCol="0" anchor="ctr"/>
+            <a:lstStyle/>
+            <a:p>
+              <a:pPr algn="ctr"/>
+              <a:endParaRPr lang="cs-CZ"/>
+            </a:p>
+          </p:txBody>
+        </p:sp>
+        <p:sp>
+          <p:nvSpPr>
+            <p:cNvPr id="80" name="Vývojový diagram: spojnice 79">
+              <a:extLst>
+                <a:ext uri="{FF2B5EF4-FFF2-40B4-BE49-F238E27FC236}">
+                  <a16:creationId xmlns:a16="http://schemas.microsoft.com/office/drawing/2014/main" id="{56966E12-1EF5-4A16-9574-FECE8CA5FD34}"/>
+                </a:ext>
+              </a:extLst>
+            </p:cNvPr>
+            <p:cNvSpPr/>
+            <p:nvPr/>
+          </p:nvSpPr>
+          <p:spPr>
+            <a:xfrm>
+              <a:off x="9410505" y="1370623"/>
+              <a:ext cx="189858" cy="196117"/>
+            </a:xfrm>
+            <a:prstGeom prst="flowChartConnector">
+              <a:avLst/>
+            </a:prstGeom>
+            <a:noFill/>
+            <a:ln w="28575">
+              <a:solidFill>
+                <a:schemeClr val="accent1"/>
+              </a:solidFill>
+            </a:ln>
+          </p:spPr>
+          <p:style>
+            <a:lnRef idx="2">
+              <a:schemeClr val="accent1">
+                <a:shade val="50000"/>
+              </a:schemeClr>
+            </a:lnRef>
+            <a:fillRef idx="1">
+              <a:schemeClr val="accent1"/>
+            </a:fillRef>
+            <a:effectRef idx="0">
+              <a:schemeClr val="accent1"/>
+            </a:effectRef>
+            <a:fontRef idx="minor">
+              <a:schemeClr val="lt1"/>
+            </a:fontRef>
+          </p:style>
+          <p:txBody>
+            <a:bodyPr rtlCol="0" anchor="ctr"/>
+            <a:lstStyle/>
+            <a:p>
+              <a:pPr algn="ctr"/>
+              <a:endParaRPr lang="cs-CZ"/>
+            </a:p>
+          </p:txBody>
+        </p:sp>
+        <p:sp>
+          <p:nvSpPr>
+            <p:cNvPr id="81" name="Vývojový diagram: spojnice 80">
+              <a:extLst>
+                <a:ext uri="{FF2B5EF4-FFF2-40B4-BE49-F238E27FC236}">
+                  <a16:creationId xmlns:a16="http://schemas.microsoft.com/office/drawing/2014/main" id="{F80AAA8F-E2B0-4895-A9AC-96422D57ED62}"/>
+                </a:ext>
+              </a:extLst>
+            </p:cNvPr>
+            <p:cNvSpPr/>
+            <p:nvPr/>
+          </p:nvSpPr>
+          <p:spPr>
+            <a:xfrm>
+              <a:off x="9410505" y="1609016"/>
+              <a:ext cx="189858" cy="196117"/>
+            </a:xfrm>
+            <a:prstGeom prst="flowChartConnector">
+              <a:avLst/>
+            </a:prstGeom>
+            <a:noFill/>
+            <a:ln w="28575">
+              <a:solidFill>
+                <a:schemeClr val="accent1"/>
+              </a:solidFill>
+            </a:ln>
+          </p:spPr>
+          <p:style>
+            <a:lnRef idx="2">
+              <a:schemeClr val="accent1">
+                <a:shade val="50000"/>
+              </a:schemeClr>
+            </a:lnRef>
+            <a:fillRef idx="1">
+              <a:schemeClr val="accent1"/>
+            </a:fillRef>
+            <a:effectRef idx="0">
+              <a:schemeClr val="accent1"/>
+            </a:effectRef>
+            <a:fontRef idx="minor">
+              <a:schemeClr val="lt1"/>
+            </a:fontRef>
+          </p:style>
+          <p:txBody>
+            <a:bodyPr rtlCol="0" anchor="ctr"/>
+            <a:lstStyle/>
+            <a:p>
+              <a:pPr algn="ctr"/>
+              <a:endParaRPr lang="cs-CZ"/>
+            </a:p>
+          </p:txBody>
+        </p:sp>
+        <p:sp>
+          <p:nvSpPr>
+            <p:cNvPr id="82" name="Vývojový diagram: spojnice 81">
+              <a:extLst>
+                <a:ext uri="{FF2B5EF4-FFF2-40B4-BE49-F238E27FC236}">
+                  <a16:creationId xmlns:a16="http://schemas.microsoft.com/office/drawing/2014/main" id="{F2318844-D4AF-4D23-8946-0C4BCA45A6DA}"/>
+                </a:ext>
+              </a:extLst>
+            </p:cNvPr>
+            <p:cNvSpPr/>
+            <p:nvPr/>
+          </p:nvSpPr>
+          <p:spPr>
+            <a:xfrm>
+              <a:off x="9410505" y="1860914"/>
+              <a:ext cx="189858" cy="196117"/>
+            </a:xfrm>
+            <a:prstGeom prst="flowChartConnector">
+              <a:avLst/>
+            </a:prstGeom>
+            <a:noFill/>
+            <a:ln w="28575">
+              <a:solidFill>
+                <a:schemeClr val="accent1"/>
+              </a:solidFill>
+            </a:ln>
+          </p:spPr>
+          <p:style>
+            <a:lnRef idx="2">
+              <a:schemeClr val="accent1">
+                <a:shade val="50000"/>
+              </a:schemeClr>
+            </a:lnRef>
+            <a:fillRef idx="1">
+              <a:schemeClr val="accent1"/>
+            </a:fillRef>
+            <a:effectRef idx="0">
+              <a:schemeClr val="accent1"/>
+            </a:effectRef>
+            <a:fontRef idx="minor">
+              <a:schemeClr val="lt1"/>
+            </a:fontRef>
+          </p:style>
+          <p:txBody>
+            <a:bodyPr rtlCol="0" anchor="ctr"/>
+            <a:lstStyle/>
+            <a:p>
+              <a:pPr algn="ctr"/>
+              <a:endParaRPr lang="cs-CZ"/>
+            </a:p>
+          </p:txBody>
+        </p:sp>
+        <p:sp>
+          <p:nvSpPr>
+            <p:cNvPr id="83" name="Vývojový diagram: spojnice 82">
+              <a:extLst>
+                <a:ext uri="{FF2B5EF4-FFF2-40B4-BE49-F238E27FC236}">
+                  <a16:creationId xmlns:a16="http://schemas.microsoft.com/office/drawing/2014/main" id="{9F92EFCF-730C-40C8-BD55-DA5FAD15C2FC}"/>
+                </a:ext>
+              </a:extLst>
+            </p:cNvPr>
+            <p:cNvSpPr/>
+            <p:nvPr/>
+          </p:nvSpPr>
+          <p:spPr>
+            <a:xfrm>
+              <a:off x="9410013" y="2108902"/>
+              <a:ext cx="189858" cy="196117"/>
+            </a:xfrm>
+            <a:prstGeom prst="flowChartConnector">
+              <a:avLst/>
+            </a:prstGeom>
+            <a:noFill/>
+            <a:ln w="28575">
+              <a:solidFill>
+                <a:schemeClr val="accent1"/>
+              </a:solidFill>
+            </a:ln>
+          </p:spPr>
+          <p:style>
+            <a:lnRef idx="2">
+              <a:schemeClr val="accent1">
+                <a:shade val="50000"/>
+              </a:schemeClr>
+            </a:lnRef>
+            <a:fillRef idx="1">
+              <a:schemeClr val="accent1"/>
+            </a:fillRef>
+            <a:effectRef idx="0">
+              <a:schemeClr val="accent1"/>
+            </a:effectRef>
+            <a:fontRef idx="minor">
+              <a:schemeClr val="lt1"/>
+            </a:fontRef>
+          </p:style>
+          <p:txBody>
+            <a:bodyPr rtlCol="0" anchor="ctr"/>
+            <a:lstStyle/>
+            <a:p>
+              <a:pPr algn="ctr"/>
+              <a:endParaRPr lang="cs-CZ"/>
+            </a:p>
+          </p:txBody>
+        </p:sp>
+        <p:sp>
+          <p:nvSpPr>
+            <p:cNvPr id="84" name="Vývojový diagram: spojnice 83">
+              <a:extLst>
+                <a:ext uri="{FF2B5EF4-FFF2-40B4-BE49-F238E27FC236}">
+                  <a16:creationId xmlns:a16="http://schemas.microsoft.com/office/drawing/2014/main" id="{C1547E88-A374-4BBB-BD70-28E89D32AFEA}"/>
+                </a:ext>
+              </a:extLst>
+            </p:cNvPr>
+            <p:cNvSpPr/>
+            <p:nvPr/>
+          </p:nvSpPr>
+          <p:spPr>
+            <a:xfrm>
+              <a:off x="9410013" y="2373944"/>
+              <a:ext cx="189858" cy="196117"/>
+            </a:xfrm>
+            <a:prstGeom prst="flowChartConnector">
+              <a:avLst/>
+            </a:prstGeom>
+            <a:noFill/>
+            <a:ln w="28575">
+              <a:solidFill>
+                <a:schemeClr val="accent1"/>
+              </a:solidFill>
+            </a:ln>
+          </p:spPr>
+          <p:style>
+            <a:lnRef idx="2">
+              <a:schemeClr val="accent1">
+                <a:shade val="50000"/>
+              </a:schemeClr>
+            </a:lnRef>
+            <a:fillRef idx="1">
+              <a:schemeClr val="accent1"/>
+            </a:fillRef>
+            <a:effectRef idx="0">
+              <a:schemeClr val="accent1"/>
+            </a:effectRef>
+            <a:fontRef idx="minor">
+              <a:schemeClr val="lt1"/>
+            </a:fontRef>
+          </p:style>
+          <p:txBody>
+            <a:bodyPr rtlCol="0" anchor="ctr"/>
+            <a:lstStyle/>
+            <a:p>
+              <a:pPr algn="ctr"/>
+              <a:endParaRPr lang="cs-CZ"/>
+            </a:p>
+          </p:txBody>
+        </p:sp>
+        <p:sp>
+          <p:nvSpPr>
+            <p:cNvPr id="85" name="Vývojový diagram: spojnice 84">
+              <a:extLst>
+                <a:ext uri="{FF2B5EF4-FFF2-40B4-BE49-F238E27FC236}">
+                  <a16:creationId xmlns:a16="http://schemas.microsoft.com/office/drawing/2014/main" id="{1A37EAE3-1C91-4600-AB84-1A2F14CEA8A4}"/>
+                </a:ext>
+              </a:extLst>
+            </p:cNvPr>
+            <p:cNvSpPr/>
+            <p:nvPr/>
+          </p:nvSpPr>
+          <p:spPr>
+            <a:xfrm>
+              <a:off x="9410013" y="2608787"/>
+              <a:ext cx="189858" cy="196117"/>
+            </a:xfrm>
+            <a:prstGeom prst="flowChartConnector">
+              <a:avLst/>
+            </a:prstGeom>
+            <a:noFill/>
+            <a:ln w="28575">
+              <a:solidFill>
+                <a:schemeClr val="accent1"/>
+              </a:solidFill>
+            </a:ln>
+          </p:spPr>
+          <p:style>
+            <a:lnRef idx="2">
+              <a:schemeClr val="accent1">
+                <a:shade val="50000"/>
+              </a:schemeClr>
+            </a:lnRef>
+            <a:fillRef idx="1">
+              <a:schemeClr val="accent1"/>
+            </a:fillRef>
+            <a:effectRef idx="0">
+              <a:schemeClr val="accent1"/>
+            </a:effectRef>
+            <a:fontRef idx="minor">
+              <a:schemeClr val="lt1"/>
+            </a:fontRef>
+          </p:style>
+          <p:txBody>
+            <a:bodyPr rtlCol="0" anchor="ctr"/>
+            <a:lstStyle/>
+            <a:p>
+              <a:pPr algn="ctr"/>
+              <a:endParaRPr lang="cs-CZ"/>
+            </a:p>
+          </p:txBody>
+        </p:sp>
+        <p:sp>
+          <p:nvSpPr>
+            <p:cNvPr id="86" name="Vývojový diagram: spojnice 85">
+              <a:extLst>
+                <a:ext uri="{FF2B5EF4-FFF2-40B4-BE49-F238E27FC236}">
+                  <a16:creationId xmlns:a16="http://schemas.microsoft.com/office/drawing/2014/main" id="{4008E1F9-50E9-4099-84C0-3FB05BFB1448}"/>
+                </a:ext>
+              </a:extLst>
+            </p:cNvPr>
+            <p:cNvSpPr/>
+            <p:nvPr/>
+          </p:nvSpPr>
+          <p:spPr>
+            <a:xfrm>
+              <a:off x="10001582" y="835289"/>
+              <a:ext cx="189858" cy="196117"/>
+            </a:xfrm>
+            <a:prstGeom prst="flowChartConnector">
+              <a:avLst/>
+            </a:prstGeom>
+            <a:noFill/>
+            <a:ln w="28575">
+              <a:solidFill>
+                <a:schemeClr val="accent1"/>
+              </a:solidFill>
+            </a:ln>
+          </p:spPr>
+          <p:style>
+            <a:lnRef idx="2">
+              <a:schemeClr val="accent1">
+                <a:shade val="50000"/>
+              </a:schemeClr>
+            </a:lnRef>
+            <a:fillRef idx="1">
+              <a:schemeClr val="accent1"/>
+            </a:fillRef>
+            <a:effectRef idx="0">
+              <a:schemeClr val="accent1"/>
+            </a:effectRef>
+            <a:fontRef idx="minor">
+              <a:schemeClr val="lt1"/>
+            </a:fontRef>
+          </p:style>
+          <p:txBody>
+            <a:bodyPr rtlCol="0" anchor="ctr"/>
+            <a:lstStyle/>
+            <a:p>
+              <a:pPr algn="ctr"/>
+              <a:endParaRPr lang="cs-CZ"/>
+            </a:p>
+          </p:txBody>
+        </p:sp>
+        <p:sp>
+          <p:nvSpPr>
+            <p:cNvPr id="87" name="Vývojový diagram: spojnice 86">
+              <a:extLst>
+                <a:ext uri="{FF2B5EF4-FFF2-40B4-BE49-F238E27FC236}">
+                  <a16:creationId xmlns:a16="http://schemas.microsoft.com/office/drawing/2014/main" id="{BFC4CF14-5298-408E-BC4A-4D7D435765C8}"/>
+                </a:ext>
+              </a:extLst>
+            </p:cNvPr>
+            <p:cNvSpPr/>
+            <p:nvPr/>
+          </p:nvSpPr>
+          <p:spPr>
+            <a:xfrm>
+              <a:off x="10001582" y="1066137"/>
+              <a:ext cx="189858" cy="196117"/>
+            </a:xfrm>
+            <a:prstGeom prst="flowChartConnector">
+              <a:avLst/>
+            </a:prstGeom>
+            <a:noFill/>
+            <a:ln w="28575">
+              <a:solidFill>
+                <a:schemeClr val="accent1"/>
+              </a:solidFill>
+            </a:ln>
+          </p:spPr>
+          <p:style>
+            <a:lnRef idx="2">
+              <a:schemeClr val="accent1">
+                <a:shade val="50000"/>
+              </a:schemeClr>
+            </a:lnRef>
+            <a:fillRef idx="1">
+              <a:schemeClr val="accent1"/>
+            </a:fillRef>
+            <a:effectRef idx="0">
+              <a:schemeClr val="accent1"/>
+            </a:effectRef>
+            <a:fontRef idx="minor">
+              <a:schemeClr val="lt1"/>
+            </a:fontRef>
+          </p:style>
+          <p:txBody>
+            <a:bodyPr rtlCol="0" anchor="ctr"/>
+            <a:lstStyle/>
+            <a:p>
+              <a:pPr algn="ctr"/>
+              <a:endParaRPr lang="cs-CZ"/>
+            </a:p>
+          </p:txBody>
+        </p:sp>
+        <p:sp>
+          <p:nvSpPr>
+            <p:cNvPr id="88" name="Vývojový diagram: spojnice 87">
+              <a:extLst>
+                <a:ext uri="{FF2B5EF4-FFF2-40B4-BE49-F238E27FC236}">
+                  <a16:creationId xmlns:a16="http://schemas.microsoft.com/office/drawing/2014/main" id="{E2E6E598-5D18-4FE5-921B-DDDEBC6FEB2E}"/>
+                </a:ext>
+              </a:extLst>
+            </p:cNvPr>
+            <p:cNvSpPr/>
+            <p:nvPr/>
+          </p:nvSpPr>
+          <p:spPr>
+            <a:xfrm>
+              <a:off x="10001582" y="1341926"/>
+              <a:ext cx="189858" cy="196117"/>
+            </a:xfrm>
+            <a:prstGeom prst="flowChartConnector">
+              <a:avLst/>
+            </a:prstGeom>
+            <a:noFill/>
+            <a:ln w="28575">
+              <a:solidFill>
+                <a:schemeClr val="accent1"/>
+              </a:solidFill>
+            </a:ln>
+          </p:spPr>
+          <p:style>
+            <a:lnRef idx="2">
+              <a:schemeClr val="accent1">
+                <a:shade val="50000"/>
+              </a:schemeClr>
+            </a:lnRef>
+            <a:fillRef idx="1">
+              <a:schemeClr val="accent1"/>
+            </a:fillRef>
+            <a:effectRef idx="0">
+              <a:schemeClr val="accent1"/>
+            </a:effectRef>
+            <a:fontRef idx="minor">
+              <a:schemeClr val="lt1"/>
+            </a:fontRef>
+          </p:style>
+          <p:txBody>
+            <a:bodyPr rtlCol="0" anchor="ctr"/>
+            <a:lstStyle/>
+            <a:p>
+              <a:pPr algn="ctr"/>
+              <a:endParaRPr lang="cs-CZ"/>
+            </a:p>
+          </p:txBody>
+        </p:sp>
+        <p:sp>
+          <p:nvSpPr>
+            <p:cNvPr id="89" name="Vývojový diagram: spojnice 88">
+              <a:extLst>
+                <a:ext uri="{FF2B5EF4-FFF2-40B4-BE49-F238E27FC236}">
+                  <a16:creationId xmlns:a16="http://schemas.microsoft.com/office/drawing/2014/main" id="{E541DF48-E8C6-4372-9494-82A5D9DD0036}"/>
+                </a:ext>
+              </a:extLst>
+            </p:cNvPr>
+            <p:cNvSpPr/>
+            <p:nvPr/>
+          </p:nvSpPr>
+          <p:spPr>
+            <a:xfrm>
+              <a:off x="10001582" y="1580319"/>
+              <a:ext cx="189858" cy="196117"/>
+            </a:xfrm>
+            <a:prstGeom prst="flowChartConnector">
+              <a:avLst/>
+            </a:prstGeom>
+            <a:noFill/>
+            <a:ln w="28575">
+              <a:solidFill>
+                <a:schemeClr val="accent1"/>
+              </a:solidFill>
+            </a:ln>
+          </p:spPr>
+          <p:style>
+            <a:lnRef idx="2">
+              <a:schemeClr val="accent1">
+                <a:shade val="50000"/>
+              </a:schemeClr>
+            </a:lnRef>
+            <a:fillRef idx="1">
+              <a:schemeClr val="accent1"/>
+            </a:fillRef>
+            <a:effectRef idx="0">
+              <a:schemeClr val="accent1"/>
+            </a:effectRef>
+            <a:fontRef idx="minor">
+              <a:schemeClr val="lt1"/>
+            </a:fontRef>
+          </p:style>
+          <p:txBody>
+            <a:bodyPr rtlCol="0" anchor="ctr"/>
+            <a:lstStyle/>
+            <a:p>
+              <a:pPr algn="ctr"/>
+              <a:endParaRPr lang="cs-CZ"/>
+            </a:p>
+          </p:txBody>
+        </p:sp>
+        <p:sp>
+          <p:nvSpPr>
+            <p:cNvPr id="90" name="Vývojový diagram: spojnice 89">
+              <a:extLst>
+                <a:ext uri="{FF2B5EF4-FFF2-40B4-BE49-F238E27FC236}">
+                  <a16:creationId xmlns:a16="http://schemas.microsoft.com/office/drawing/2014/main" id="{B2E6473D-98CA-4FEF-87AA-B94A8A06CC94}"/>
+                </a:ext>
+              </a:extLst>
+            </p:cNvPr>
+            <p:cNvSpPr/>
+            <p:nvPr/>
+          </p:nvSpPr>
+          <p:spPr>
+            <a:xfrm>
+              <a:off x="10001582" y="1832217"/>
+              <a:ext cx="189858" cy="196117"/>
+            </a:xfrm>
+            <a:prstGeom prst="flowChartConnector">
+              <a:avLst/>
+            </a:prstGeom>
+            <a:noFill/>
+            <a:ln w="28575">
+              <a:solidFill>
+                <a:schemeClr val="accent1"/>
+              </a:solidFill>
+            </a:ln>
+          </p:spPr>
+          <p:style>
+            <a:lnRef idx="2">
+              <a:schemeClr val="accent1">
+                <a:shade val="50000"/>
+              </a:schemeClr>
+            </a:lnRef>
+            <a:fillRef idx="1">
+              <a:schemeClr val="accent1"/>
+            </a:fillRef>
+            <a:effectRef idx="0">
+              <a:schemeClr val="accent1"/>
+            </a:effectRef>
+            <a:fontRef idx="minor">
+              <a:schemeClr val="lt1"/>
+            </a:fontRef>
+          </p:style>
+          <p:txBody>
+            <a:bodyPr rtlCol="0" anchor="ctr"/>
+            <a:lstStyle/>
+            <a:p>
+              <a:pPr algn="ctr"/>
+              <a:endParaRPr lang="cs-CZ"/>
+            </a:p>
+          </p:txBody>
+        </p:sp>
+        <p:sp>
+          <p:nvSpPr>
+            <p:cNvPr id="91" name="Vývojový diagram: spojnice 90">
+              <a:extLst>
+                <a:ext uri="{FF2B5EF4-FFF2-40B4-BE49-F238E27FC236}">
+                  <a16:creationId xmlns:a16="http://schemas.microsoft.com/office/drawing/2014/main" id="{3EFFF200-0856-447E-B3FB-A3BA82C9A31D}"/>
+                </a:ext>
+              </a:extLst>
+            </p:cNvPr>
+            <p:cNvSpPr/>
+            <p:nvPr/>
+          </p:nvSpPr>
+          <p:spPr>
+            <a:xfrm>
+              <a:off x="10001089" y="2080204"/>
+              <a:ext cx="189858" cy="196117"/>
+            </a:xfrm>
+            <a:prstGeom prst="flowChartConnector">
+              <a:avLst/>
+            </a:prstGeom>
+            <a:noFill/>
+            <a:ln w="28575">
+              <a:solidFill>
+                <a:schemeClr val="accent1"/>
+              </a:solidFill>
+            </a:ln>
+          </p:spPr>
+          <p:style>
+            <a:lnRef idx="2">
+              <a:schemeClr val="accent1">
+                <a:shade val="50000"/>
+              </a:schemeClr>
+            </a:lnRef>
+            <a:fillRef idx="1">
+              <a:schemeClr val="accent1"/>
+            </a:fillRef>
+            <a:effectRef idx="0">
+              <a:schemeClr val="accent1"/>
+            </a:effectRef>
+            <a:fontRef idx="minor">
+              <a:schemeClr val="lt1"/>
+            </a:fontRef>
+          </p:style>
+          <p:txBody>
+            <a:bodyPr rtlCol="0" anchor="ctr"/>
+            <a:lstStyle/>
+            <a:p>
+              <a:pPr algn="ctr"/>
+              <a:endParaRPr lang="cs-CZ"/>
+            </a:p>
+          </p:txBody>
+        </p:sp>
+        <p:sp>
+          <p:nvSpPr>
+            <p:cNvPr id="92" name="Vývojový diagram: spojnice 91">
+              <a:extLst>
+                <a:ext uri="{FF2B5EF4-FFF2-40B4-BE49-F238E27FC236}">
+                  <a16:creationId xmlns:a16="http://schemas.microsoft.com/office/drawing/2014/main" id="{17752CD6-C278-4F29-8062-9DA1F17C693E}"/>
+                </a:ext>
+              </a:extLst>
+            </p:cNvPr>
+            <p:cNvSpPr/>
+            <p:nvPr/>
+          </p:nvSpPr>
+          <p:spPr>
+            <a:xfrm>
+              <a:off x="10001089" y="2345246"/>
+              <a:ext cx="189858" cy="196117"/>
+            </a:xfrm>
+            <a:prstGeom prst="flowChartConnector">
+              <a:avLst/>
+            </a:prstGeom>
+            <a:noFill/>
+            <a:ln w="28575">
+              <a:solidFill>
+                <a:schemeClr val="accent1"/>
+              </a:solidFill>
+            </a:ln>
+          </p:spPr>
+          <p:style>
+            <a:lnRef idx="2">
+              <a:schemeClr val="accent1">
+                <a:shade val="50000"/>
+              </a:schemeClr>
+            </a:lnRef>
+            <a:fillRef idx="1">
+              <a:schemeClr val="accent1"/>
+            </a:fillRef>
+            <a:effectRef idx="0">
+              <a:schemeClr val="accent1"/>
+            </a:effectRef>
+            <a:fontRef idx="minor">
+              <a:schemeClr val="lt1"/>
+            </a:fontRef>
+          </p:style>
+          <p:txBody>
+            <a:bodyPr rtlCol="0" anchor="ctr"/>
+            <a:lstStyle/>
+            <a:p>
+              <a:pPr algn="ctr"/>
+              <a:endParaRPr lang="cs-CZ"/>
+            </a:p>
+          </p:txBody>
+        </p:sp>
+        <p:sp>
+          <p:nvSpPr>
+            <p:cNvPr id="93" name="Vývojový diagram: spojnice 92">
+              <a:extLst>
+                <a:ext uri="{FF2B5EF4-FFF2-40B4-BE49-F238E27FC236}">
+                  <a16:creationId xmlns:a16="http://schemas.microsoft.com/office/drawing/2014/main" id="{CD7FFBAD-D747-4EAC-A029-A8D6FDD2C8CF}"/>
+                </a:ext>
+              </a:extLst>
+            </p:cNvPr>
+            <p:cNvSpPr/>
+            <p:nvPr/>
+          </p:nvSpPr>
+          <p:spPr>
+            <a:xfrm>
+              <a:off x="10001089" y="2580089"/>
+              <a:ext cx="189858" cy="196117"/>
+            </a:xfrm>
+            <a:prstGeom prst="flowChartConnector">
+              <a:avLst/>
+            </a:prstGeom>
+            <a:noFill/>
+            <a:ln w="28575">
+              <a:solidFill>
+                <a:schemeClr val="accent1"/>
+              </a:solidFill>
+            </a:ln>
+          </p:spPr>
+          <p:style>
+            <a:lnRef idx="2">
+              <a:schemeClr val="accent1">
+                <a:shade val="50000"/>
+              </a:schemeClr>
+            </a:lnRef>
+            <a:fillRef idx="1">
+              <a:schemeClr val="accent1"/>
+            </a:fillRef>
+            <a:effectRef idx="0">
+              <a:schemeClr val="accent1"/>
+            </a:effectRef>
+            <a:fontRef idx="minor">
+              <a:schemeClr val="lt1"/>
+            </a:fontRef>
+          </p:style>
+          <p:txBody>
+            <a:bodyPr rtlCol="0" anchor="ctr"/>
+            <a:lstStyle/>
+            <a:p>
+              <a:pPr algn="ctr"/>
+              <a:endParaRPr lang="cs-CZ"/>
+            </a:p>
+          </p:txBody>
+        </p:sp>
+        <p:sp>
+          <p:nvSpPr>
+            <p:cNvPr id="94" name="TextovéPole 93">
+              <a:extLst>
+                <a:ext uri="{FF2B5EF4-FFF2-40B4-BE49-F238E27FC236}">
+                  <a16:creationId xmlns:a16="http://schemas.microsoft.com/office/drawing/2014/main" id="{AC8038E9-21AB-4930-AE78-EBD9211D6B56}"/>
+                </a:ext>
+              </a:extLst>
+            </p:cNvPr>
+            <p:cNvSpPr txBox="1"/>
+            <p:nvPr/>
+          </p:nvSpPr>
+          <p:spPr>
+            <a:xfrm>
+              <a:off x="2345481" y="2930023"/>
+              <a:ext cx="1106368" cy="338554"/>
+            </a:xfrm>
+            <a:prstGeom prst="rect">
+              <a:avLst/>
+            </a:prstGeom>
+            <a:noFill/>
+          </p:spPr>
+          <p:txBody>
+            <a:bodyPr wrap="square" rtlCol="0">
+              <a:spAutoFit/>
+            </a:bodyPr>
+            <a:lstStyle/>
+            <a:p>
+              <a:r>
+                <a:rPr lang="cs-CZ" sz="1600" dirty="0">
+                  <a:latin typeface="Times New Roman" panose="02020603050405020304" pitchFamily="18" charset="0"/>
+                  <a:cs typeface="Times New Roman" panose="02020603050405020304" pitchFamily="18" charset="0"/>
+                </a:rPr>
+                <a:t>proměnné</a:t>
+              </a:r>
+            </a:p>
+          </p:txBody>
+        </p:sp>
+        <p:sp>
+          <p:nvSpPr>
+            <p:cNvPr id="103" name="TextovéPole 102">
+              <a:extLst>
+                <a:ext uri="{FF2B5EF4-FFF2-40B4-BE49-F238E27FC236}">
+                  <a16:creationId xmlns:a16="http://schemas.microsoft.com/office/drawing/2014/main" id="{BD72A63A-DE4B-44BB-873C-36AF1A074D93}"/>
+                </a:ext>
+              </a:extLst>
+            </p:cNvPr>
+            <p:cNvSpPr txBox="1"/>
+            <p:nvPr/>
+          </p:nvSpPr>
+          <p:spPr>
+            <a:xfrm>
+              <a:off x="5400671" y="2914473"/>
+              <a:ext cx="1191766" cy="338554"/>
+            </a:xfrm>
+            <a:prstGeom prst="rect">
+              <a:avLst/>
+            </a:prstGeom>
+            <a:noFill/>
+          </p:spPr>
+          <p:txBody>
+            <a:bodyPr wrap="square" rtlCol="0">
+              <a:spAutoFit/>
+            </a:bodyPr>
+            <a:lstStyle/>
+            <a:p>
+              <a:r>
+                <a:rPr lang="cs-CZ" sz="1600" dirty="0">
+                  <a:latin typeface="Times New Roman" panose="02020603050405020304" pitchFamily="18" charset="0"/>
+                  <a:cs typeface="Times New Roman" panose="02020603050405020304" pitchFamily="18" charset="0"/>
+                </a:rPr>
+                <a:t>pozorování</a:t>
+              </a:r>
+            </a:p>
+          </p:txBody>
+        </p:sp>
+        <p:sp>
+          <p:nvSpPr>
+            <p:cNvPr id="104" name="TextovéPole 103">
+              <a:extLst>
+                <a:ext uri="{FF2B5EF4-FFF2-40B4-BE49-F238E27FC236}">
+                  <a16:creationId xmlns:a16="http://schemas.microsoft.com/office/drawing/2014/main" id="{0853ED1E-9C1F-4D75-B7F8-F1147A18978C}"/>
+                </a:ext>
+              </a:extLst>
+            </p:cNvPr>
+            <p:cNvSpPr txBox="1"/>
+            <p:nvPr/>
+          </p:nvSpPr>
+          <p:spPr>
+            <a:xfrm>
+              <a:off x="8750813" y="2930024"/>
+              <a:ext cx="873210" cy="338554"/>
+            </a:xfrm>
+            <a:prstGeom prst="rect">
+              <a:avLst/>
+            </a:prstGeom>
+            <a:noFill/>
+          </p:spPr>
+          <p:txBody>
+            <a:bodyPr wrap="square" rtlCol="0">
+              <a:spAutoFit/>
+            </a:bodyPr>
+            <a:lstStyle/>
+            <a:p>
+              <a:r>
+                <a:rPr lang="cs-CZ" sz="1600" dirty="0">
+                  <a:latin typeface="Times New Roman" panose="02020603050405020304" pitchFamily="18" charset="0"/>
+                  <a:cs typeface="Times New Roman" panose="02020603050405020304" pitchFamily="18" charset="0"/>
+                </a:rPr>
+                <a:t>hodnoty</a:t>
+              </a:r>
+            </a:p>
+          </p:txBody>
+        </p:sp>
+      </p:grpSp>
+    </p:spTree>
+    <p:extLst>
+      <p:ext uri="{BB962C8B-B14F-4D97-AF65-F5344CB8AC3E}">
+        <p14:creationId xmlns:p14="http://schemas.microsoft.com/office/powerpoint/2010/main" val="3718223214"/>
+      </p:ext>
+    </p:extLst>
+  </p:cSld>
+  <p:clrMapOvr>
+    <a:masterClrMapping/>
+  </p:clrMapOvr>
+</p:sld>
+</file>
+
+<file path=ppt/slides/slide5.xml><?xml version="1.0" encoding="utf-8"?>
+<p:sld xmlns:a="http://schemas.openxmlformats.org/drawingml/2006/main" xmlns:r="http://schemas.openxmlformats.org/officeDocument/2006/relationships" xmlns:p="http://schemas.openxmlformats.org/presentationml/2006/main">
+  <p:cSld>
+    <p:spTree>
+      <p:nvGrpSpPr>
+        <p:cNvPr id="1" name=""/>
+        <p:cNvGrpSpPr/>
+        <p:nvPr/>
+      </p:nvGrpSpPr>
+      <p:grpSpPr>
+        <a:xfrm>
+          <a:off x="0" y="0"/>
+          <a:ext cx="0" cy="0"/>
+          <a:chOff x="0" y="0"/>
+          <a:chExt cx="0" cy="0"/>
+        </a:xfrm>
+      </p:grpSpPr>
+      <p:grpSp>
+        <p:nvGrpSpPr>
+          <p:cNvPr id="3" name="Skupina 2">
+            <a:extLst>
+              <a:ext uri="{FF2B5EF4-FFF2-40B4-BE49-F238E27FC236}">
+                <a16:creationId xmlns:a16="http://schemas.microsoft.com/office/drawing/2014/main" id="{21A2B4C6-B3CD-4725-836E-D405100E4B0F}"/>
+              </a:ext>
+            </a:extLst>
+          </p:cNvPr>
+          <p:cNvGrpSpPr/>
+          <p:nvPr/>
+        </p:nvGrpSpPr>
+        <p:grpSpPr>
+          <a:xfrm>
+            <a:off x="305080" y="348552"/>
+            <a:ext cx="11397466" cy="5859177"/>
+            <a:chOff x="305080" y="348552"/>
+            <a:chExt cx="11397466" cy="5859177"/>
+          </a:xfrm>
+        </p:grpSpPr>
+        <p:pic>
+          <p:nvPicPr>
+            <p:cNvPr id="6" name="Obrázek 5">
+              <a:extLst>
+                <a:ext uri="{FF2B5EF4-FFF2-40B4-BE49-F238E27FC236}">
+                  <a16:creationId xmlns:a16="http://schemas.microsoft.com/office/drawing/2014/main" id="{089D3B5B-7D91-450E-A676-F7B02C0DA18D}"/>
+                </a:ext>
+              </a:extLst>
+            </p:cNvPr>
+            <p:cNvPicPr>
+              <a:picLocks noChangeAspect="1"/>
+            </p:cNvPicPr>
+            <p:nvPr/>
+          </p:nvPicPr>
+          <p:blipFill>
+            <a:blip r:embed="rId2">
+              <a:extLst>
+                <a:ext uri="{28A0092B-C50C-407E-A947-70E740481C1C}">
+                  <a14:useLocalDpi xmlns:a14="http://schemas.microsoft.com/office/drawing/2010/main" val="0"/>
+                </a:ext>
+              </a:extLst>
+            </a:blip>
+            <a:stretch>
+              <a:fillRect/>
+            </a:stretch>
+          </p:blipFill>
+          <p:spPr>
+            <a:xfrm>
+              <a:off x="305080" y="348552"/>
+              <a:ext cx="11397466" cy="5859177"/>
+            </a:xfrm>
+            <a:prstGeom prst="rect">
+              <a:avLst/>
+            </a:prstGeom>
+          </p:spPr>
+        </p:pic>
+        <p:sp>
+          <p:nvSpPr>
+            <p:cNvPr id="5" name="Obdélník 4">
+              <a:extLst>
+                <a:ext uri="{FF2B5EF4-FFF2-40B4-BE49-F238E27FC236}">
+                  <a16:creationId xmlns:a16="http://schemas.microsoft.com/office/drawing/2014/main" id="{40EC6683-FCAB-458E-BB85-49BC181C4EFA}"/>
+                </a:ext>
+              </a:extLst>
+            </p:cNvPr>
+            <p:cNvSpPr/>
+            <p:nvPr/>
+          </p:nvSpPr>
+          <p:spPr>
+            <a:xfrm>
+              <a:off x="305080" y="657225"/>
+              <a:ext cx="2349629" cy="5550503"/>
+            </a:xfrm>
+            <a:prstGeom prst="rect">
+              <a:avLst/>
+            </a:prstGeom>
+            <a:solidFill>
+              <a:schemeClr val="bg1">
+                <a:alpha val="67000"/>
+              </a:schemeClr>
+            </a:solidFill>
+            <a:ln w="28575">
+              <a:solidFill>
+                <a:schemeClr val="tx1"/>
+              </a:solidFill>
+            </a:ln>
+          </p:spPr>
+          <p:style>
+            <a:lnRef idx="2">
+              <a:schemeClr val="accent1">
+                <a:shade val="50000"/>
+              </a:schemeClr>
+            </a:lnRef>
+            <a:fillRef idx="1">
+              <a:schemeClr val="accent1"/>
+            </a:fillRef>
+            <a:effectRef idx="0">
+              <a:schemeClr val="accent1"/>
+            </a:effectRef>
+            <a:fontRef idx="minor">
+              <a:schemeClr val="lt1"/>
+            </a:fontRef>
+          </p:style>
+          <p:txBody>
+            <a:bodyPr rtlCol="0" anchor="ctr"/>
+            <a:lstStyle/>
+            <a:p>
+              <a:pPr algn="ctr"/>
+              <a:endParaRPr lang="cs-CZ" dirty="0">
+                <a:solidFill>
+                  <a:srgbClr val="002060"/>
+                </a:solidFill>
+              </a:endParaRPr>
+            </a:p>
+            <a:p>
+              <a:pPr algn="ctr"/>
+              <a:endParaRPr lang="cs-CZ" dirty="0">
+                <a:solidFill>
+                  <a:srgbClr val="002060"/>
+                </a:solidFill>
+              </a:endParaRPr>
+            </a:p>
+            <a:p>
+              <a:pPr algn="ctr"/>
+              <a:endParaRPr lang="cs-CZ" dirty="0">
+                <a:solidFill>
+                  <a:srgbClr val="002060"/>
+                </a:solidFill>
+              </a:endParaRPr>
+            </a:p>
+            <a:p>
+              <a:pPr algn="ctr"/>
+              <a:endParaRPr lang="cs-CZ" dirty="0">
+                <a:solidFill>
+                  <a:srgbClr val="002060"/>
+                </a:solidFill>
+              </a:endParaRPr>
+            </a:p>
+            <a:p>
+              <a:pPr algn="ctr"/>
+              <a:endParaRPr lang="cs-CZ" dirty="0">
+                <a:solidFill>
+                  <a:srgbClr val="002060"/>
+                </a:solidFill>
+              </a:endParaRPr>
+            </a:p>
+            <a:p>
+              <a:pPr algn="ctr"/>
+              <a:endParaRPr lang="cs-CZ" dirty="0">
+                <a:solidFill>
+                  <a:srgbClr val="002060"/>
+                </a:solidFill>
+              </a:endParaRPr>
+            </a:p>
+            <a:p>
+              <a:pPr algn="ctr"/>
+              <a:endParaRPr lang="cs-CZ" dirty="0">
+                <a:solidFill>
+                  <a:srgbClr val="002060"/>
+                </a:solidFill>
+              </a:endParaRPr>
+            </a:p>
+            <a:p>
+              <a:pPr algn="ctr"/>
+              <a:endParaRPr lang="cs-CZ" dirty="0">
+                <a:solidFill>
+                  <a:srgbClr val="002060"/>
+                </a:solidFill>
+              </a:endParaRPr>
+            </a:p>
+            <a:p>
+              <a:pPr algn="ctr"/>
+              <a:r>
+                <a:rPr lang="cs-CZ" dirty="0">
+                  <a:solidFill>
+                    <a:srgbClr val="002060"/>
+                  </a:solidFill>
+                </a:rPr>
+                <a:t>Boční panel</a:t>
+              </a:r>
+            </a:p>
+          </p:txBody>
+        </p:sp>
+        <p:sp>
+          <p:nvSpPr>
+            <p:cNvPr id="8" name="Obdélník 7">
+              <a:extLst>
+                <a:ext uri="{FF2B5EF4-FFF2-40B4-BE49-F238E27FC236}">
+                  <a16:creationId xmlns:a16="http://schemas.microsoft.com/office/drawing/2014/main" id="{A199D44F-9260-4CC3-B2EB-62D96B9B3D82}"/>
+                </a:ext>
+              </a:extLst>
+            </p:cNvPr>
+            <p:cNvSpPr/>
+            <p:nvPr/>
+          </p:nvSpPr>
+          <p:spPr>
+            <a:xfrm>
+              <a:off x="2696636" y="657225"/>
+              <a:ext cx="9005910" cy="2448794"/>
+            </a:xfrm>
+            <a:prstGeom prst="rect">
+              <a:avLst/>
+            </a:prstGeom>
+            <a:solidFill>
+              <a:schemeClr val="bg1">
+                <a:alpha val="67000"/>
+              </a:schemeClr>
+            </a:solidFill>
+            <a:ln w="28575">
+              <a:solidFill>
+                <a:schemeClr val="tx1"/>
+              </a:solidFill>
+            </a:ln>
+          </p:spPr>
+          <p:style>
+            <a:lnRef idx="2">
+              <a:schemeClr val="accent1">
+                <a:shade val="50000"/>
+              </a:schemeClr>
+            </a:lnRef>
+            <a:fillRef idx="1">
+              <a:schemeClr val="accent1"/>
+            </a:fillRef>
+            <a:effectRef idx="0">
+              <a:schemeClr val="accent1"/>
+            </a:effectRef>
+            <a:fontRef idx="minor">
+              <a:schemeClr val="lt1"/>
+            </a:fontRef>
+          </p:style>
+          <p:txBody>
+            <a:bodyPr rtlCol="0" anchor="t"/>
+            <a:lstStyle/>
+            <a:p>
+              <a:r>
+                <a:rPr lang="cs-CZ" dirty="0">
+                  <a:solidFill>
+                    <a:srgbClr val="002060"/>
+                  </a:solidFill>
+                </a:rPr>
+                <a:t>		</a:t>
+              </a:r>
+            </a:p>
+            <a:p>
+              <a:r>
+                <a:rPr lang="cs-CZ" dirty="0">
+                  <a:solidFill>
+                    <a:srgbClr val="002060"/>
+                  </a:solidFill>
+                </a:rPr>
+                <a:t>       Panel s mapovým výstupem</a:t>
+              </a:r>
+            </a:p>
+          </p:txBody>
+        </p:sp>
+        <p:sp>
+          <p:nvSpPr>
+            <p:cNvPr id="9" name="Obdélník 8">
+              <a:extLst>
+                <a:ext uri="{FF2B5EF4-FFF2-40B4-BE49-F238E27FC236}">
+                  <a16:creationId xmlns:a16="http://schemas.microsoft.com/office/drawing/2014/main" id="{F51BC808-A980-4438-B69B-2946A57315B9}"/>
+                </a:ext>
+              </a:extLst>
+            </p:cNvPr>
+            <p:cNvSpPr/>
+            <p:nvPr/>
+          </p:nvSpPr>
+          <p:spPr>
+            <a:xfrm>
+              <a:off x="2696636" y="3305815"/>
+              <a:ext cx="9005910" cy="2901913"/>
+            </a:xfrm>
+            <a:prstGeom prst="rect">
+              <a:avLst/>
+            </a:prstGeom>
+            <a:solidFill>
+              <a:schemeClr val="bg1">
+                <a:alpha val="67000"/>
+              </a:schemeClr>
+            </a:solidFill>
+            <a:ln w="28575">
+              <a:solidFill>
+                <a:schemeClr val="tx1"/>
+              </a:solidFill>
+            </a:ln>
+          </p:spPr>
+          <p:style>
+            <a:lnRef idx="2">
+              <a:schemeClr val="accent1">
+                <a:shade val="50000"/>
+              </a:schemeClr>
+            </a:lnRef>
+            <a:fillRef idx="1">
+              <a:schemeClr val="accent1"/>
+            </a:fillRef>
+            <a:effectRef idx="0">
+              <a:schemeClr val="accent1"/>
+            </a:effectRef>
+            <a:fontRef idx="minor">
+              <a:schemeClr val="lt1"/>
+            </a:fontRef>
+          </p:style>
+          <p:txBody>
+            <a:bodyPr rtlCol="0" anchor="t"/>
+            <a:lstStyle/>
+            <a:p>
+              <a:pPr algn="ctr"/>
+              <a:endParaRPr lang="cs-CZ" dirty="0">
+                <a:solidFill>
+                  <a:srgbClr val="002060"/>
+                </a:solidFill>
+              </a:endParaRPr>
+            </a:p>
+            <a:p>
+              <a:pPr algn="ctr"/>
+              <a:endParaRPr lang="cs-CZ" dirty="0">
+                <a:solidFill>
+                  <a:srgbClr val="002060"/>
+                </a:solidFill>
+              </a:endParaRPr>
+            </a:p>
+            <a:p>
+              <a:pPr algn="ctr"/>
+              <a:r>
+                <a:rPr lang="cs-CZ" dirty="0">
+                  <a:solidFill>
+                    <a:srgbClr val="002060"/>
+                  </a:solidFill>
+                </a:rPr>
+                <a:t>Panel s grafickými výstupy</a:t>
+              </a:r>
+            </a:p>
+          </p:txBody>
+        </p:sp>
+        <p:sp>
+          <p:nvSpPr>
+            <p:cNvPr id="2" name="Obdélník 1">
+              <a:extLst>
+                <a:ext uri="{FF2B5EF4-FFF2-40B4-BE49-F238E27FC236}">
+                  <a16:creationId xmlns:a16="http://schemas.microsoft.com/office/drawing/2014/main" id="{F59BC219-49DB-4FC1-B5F1-B3EC09A213DF}"/>
+                </a:ext>
+              </a:extLst>
+            </p:cNvPr>
+            <p:cNvSpPr/>
+            <p:nvPr/>
+          </p:nvSpPr>
+          <p:spPr>
+            <a:xfrm>
+              <a:off x="2696636" y="361443"/>
+              <a:ext cx="3635338" cy="254508"/>
+            </a:xfrm>
+            <a:prstGeom prst="rect">
+              <a:avLst/>
+            </a:prstGeom>
+            <a:solidFill>
+              <a:schemeClr val="bg1">
+                <a:alpha val="67000"/>
+              </a:schemeClr>
+            </a:solidFill>
+            <a:ln w="28575">
+              <a:solidFill>
+                <a:schemeClr val="tx1"/>
+              </a:solidFill>
+            </a:ln>
+          </p:spPr>
+          <p:style>
+            <a:lnRef idx="2">
+              <a:schemeClr val="accent3">
+                <a:shade val="50000"/>
+              </a:schemeClr>
+            </a:lnRef>
+            <a:fillRef idx="1">
+              <a:schemeClr val="accent3"/>
+            </a:fillRef>
+            <a:effectRef idx="0">
+              <a:schemeClr val="accent3"/>
+            </a:effectRef>
+            <a:fontRef idx="minor">
+              <a:schemeClr val="lt1"/>
+            </a:fontRef>
+          </p:style>
+          <p:txBody>
+            <a:bodyPr rtlCol="0" anchor="ctr"/>
+            <a:lstStyle/>
+            <a:p>
+              <a:pPr algn="ctr"/>
+              <a:r>
+                <a:rPr lang="cs-CZ" dirty="0">
+                  <a:solidFill>
+                    <a:srgbClr val="002060"/>
+                  </a:solidFill>
+                </a:rPr>
+                <a:t>Záložky</a:t>
+              </a:r>
+            </a:p>
+          </p:txBody>
+        </p:sp>
+        <p:sp>
+          <p:nvSpPr>
+            <p:cNvPr id="15" name="Obdélník 14">
+              <a:extLst>
+                <a:ext uri="{FF2B5EF4-FFF2-40B4-BE49-F238E27FC236}">
+                  <a16:creationId xmlns:a16="http://schemas.microsoft.com/office/drawing/2014/main" id="{74D9400F-1CA9-44E5-BA12-A0156DC17CF9}"/>
+                </a:ext>
+              </a:extLst>
+            </p:cNvPr>
+            <p:cNvSpPr/>
+            <p:nvPr/>
+          </p:nvSpPr>
+          <p:spPr>
+            <a:xfrm>
+              <a:off x="9944100" y="3434613"/>
+              <a:ext cx="1687461" cy="188035"/>
+            </a:xfrm>
+            <a:prstGeom prst="rect">
+              <a:avLst/>
+            </a:prstGeom>
+            <a:solidFill>
+              <a:schemeClr val="bg1">
+                <a:alpha val="0"/>
+              </a:schemeClr>
+            </a:solidFill>
+            <a:ln w="28575">
+              <a:solidFill>
+                <a:schemeClr val="tx1"/>
+              </a:solidFill>
+            </a:ln>
+          </p:spPr>
+          <p:style>
+            <a:lnRef idx="2">
+              <a:schemeClr val="accent1">
+                <a:shade val="50000"/>
+              </a:schemeClr>
+            </a:lnRef>
+            <a:fillRef idx="1">
+              <a:schemeClr val="accent1"/>
+            </a:fillRef>
+            <a:effectRef idx="0">
+              <a:schemeClr val="accent1"/>
+            </a:effectRef>
+            <a:fontRef idx="minor">
+              <a:schemeClr val="lt1"/>
+            </a:fontRef>
+          </p:style>
+          <p:txBody>
+            <a:bodyPr rtlCol="0" anchor="ctr"/>
+            <a:lstStyle/>
+            <a:p>
+              <a:pPr algn="ctr"/>
+              <a:endParaRPr lang="cs-CZ" dirty="0">
+                <a:solidFill>
+                  <a:srgbClr val="002060"/>
+                </a:solidFill>
+              </a:endParaRPr>
+            </a:p>
+          </p:txBody>
+        </p:sp>
+        <p:sp>
+          <p:nvSpPr>
+            <p:cNvPr id="16" name="Obdélník 15">
+              <a:extLst>
+                <a:ext uri="{FF2B5EF4-FFF2-40B4-BE49-F238E27FC236}">
+                  <a16:creationId xmlns:a16="http://schemas.microsoft.com/office/drawing/2014/main" id="{15BB68AF-31A6-401B-BF70-30BCE43B81BC}"/>
+                </a:ext>
+              </a:extLst>
+            </p:cNvPr>
+            <p:cNvSpPr/>
+            <p:nvPr/>
+          </p:nvSpPr>
+          <p:spPr>
+            <a:xfrm>
+              <a:off x="2734992" y="3434613"/>
+              <a:ext cx="3099071" cy="188035"/>
+            </a:xfrm>
+            <a:prstGeom prst="rect">
+              <a:avLst/>
+            </a:prstGeom>
+            <a:solidFill>
+              <a:schemeClr val="bg1">
+                <a:alpha val="0"/>
+              </a:schemeClr>
+            </a:solidFill>
+            <a:ln w="28575">
+              <a:solidFill>
+                <a:schemeClr val="tx1"/>
+              </a:solidFill>
+            </a:ln>
+          </p:spPr>
+          <p:style>
+            <a:lnRef idx="2">
+              <a:schemeClr val="accent1">
+                <a:shade val="50000"/>
+              </a:schemeClr>
+            </a:lnRef>
+            <a:fillRef idx="1">
+              <a:schemeClr val="accent1"/>
+            </a:fillRef>
+            <a:effectRef idx="0">
+              <a:schemeClr val="accent1"/>
+            </a:effectRef>
+            <a:fontRef idx="minor">
+              <a:schemeClr val="lt1"/>
+            </a:fontRef>
+          </p:style>
+          <p:txBody>
+            <a:bodyPr rtlCol="0" anchor="ctr"/>
+            <a:lstStyle/>
+            <a:p>
+              <a:pPr algn="ctr"/>
+              <a:endParaRPr lang="cs-CZ" dirty="0">
+                <a:solidFill>
+                  <a:srgbClr val="002060"/>
+                </a:solidFill>
+              </a:endParaRPr>
+            </a:p>
+          </p:txBody>
+        </p:sp>
+      </p:grpSp>
+    </p:spTree>
+    <p:extLst>
+      <p:ext uri="{BB962C8B-B14F-4D97-AF65-F5344CB8AC3E}">
+        <p14:creationId xmlns:p14="http://schemas.microsoft.com/office/powerpoint/2010/main" val="3933989920"/>
+      </p:ext>
+    </p:extLst>
+  </p:cSld>
+  <p:clrMapOvr>
+    <a:masterClrMapping/>
+  </p:clrMapOvr>
+</p:sld>
+</file>
+
+<file path=ppt/slides/slide6.xml><?xml version="1.0" encoding="utf-8"?>
+<p:sld xmlns:a="http://schemas.openxmlformats.org/drawingml/2006/main" xmlns:r="http://schemas.openxmlformats.org/officeDocument/2006/relationships" xmlns:p="http://schemas.openxmlformats.org/presentationml/2006/main">
+  <p:cSld>
+    <p:spTree>
+      <p:nvGrpSpPr>
+        <p:cNvPr id="1" name=""/>
+        <p:cNvGrpSpPr/>
+        <p:nvPr/>
+      </p:nvGrpSpPr>
+      <p:grpSpPr>
+        <a:xfrm>
+          <a:off x="0" y="0"/>
+          <a:ext cx="0" cy="0"/>
+          <a:chOff x="0" y="0"/>
+          <a:chExt cx="0" cy="0"/>
+        </a:xfrm>
+      </p:grpSpPr>
+      <p:grpSp>
+        <p:nvGrpSpPr>
+          <p:cNvPr id="100" name="Skupina 99">
+            <a:extLst>
+              <a:ext uri="{FF2B5EF4-FFF2-40B4-BE49-F238E27FC236}">
+                <a16:creationId xmlns:a16="http://schemas.microsoft.com/office/drawing/2014/main" id="{A54E11F4-8780-432E-8439-F3D32F62A510}"/>
+              </a:ext>
+            </a:extLst>
+          </p:cNvPr>
+          <p:cNvGrpSpPr/>
+          <p:nvPr/>
+        </p:nvGrpSpPr>
+        <p:grpSpPr>
+          <a:xfrm>
+            <a:off x="1927719" y="255111"/>
+            <a:ext cx="6379824" cy="6488325"/>
+            <a:chOff x="1927719" y="255111"/>
+            <a:chExt cx="6379824" cy="6488325"/>
+          </a:xfrm>
+        </p:grpSpPr>
+        <p:sp>
+          <p:nvSpPr>
+            <p:cNvPr id="90" name="Obdélník: se zakulacenými rohy 89">
+              <a:extLst>
+                <a:ext uri="{FF2B5EF4-FFF2-40B4-BE49-F238E27FC236}">
+                  <a16:creationId xmlns:a16="http://schemas.microsoft.com/office/drawing/2014/main" id="{6CD58F86-6B3F-4DDC-97CD-D144D1A4F606}"/>
+                </a:ext>
+              </a:extLst>
+            </p:cNvPr>
+            <p:cNvSpPr/>
+            <p:nvPr/>
+          </p:nvSpPr>
+          <p:spPr>
+            <a:xfrm>
+              <a:off x="4496815" y="5692718"/>
+              <a:ext cx="3769233" cy="875857"/>
+            </a:xfrm>
+            <a:prstGeom prst="roundRect">
+              <a:avLst/>
+            </a:prstGeom>
+            <a:solidFill>
+              <a:schemeClr val="tx1">
+                <a:lumMod val="65000"/>
+                <a:lumOff val="35000"/>
+                <a:alpha val="22000"/>
+              </a:schemeClr>
+            </a:solidFill>
+            <a:ln>
+              <a:noFill/>
+            </a:ln>
+          </p:spPr>
+          <p:style>
+            <a:lnRef idx="0">
+              <a:scrgbClr r="0" g="0" b="0"/>
+            </a:lnRef>
+            <a:fillRef idx="0">
+              <a:scrgbClr r="0" g="0" b="0"/>
+            </a:fillRef>
+            <a:effectRef idx="0">
+              <a:scrgbClr r="0" g="0" b="0"/>
+            </a:effectRef>
+            <a:fontRef idx="minor">
+              <a:schemeClr val="accent3"/>
+            </a:fontRef>
+          </p:style>
+          <p:txBody>
+            <a:bodyPr rtlCol="0" anchor="ctr"/>
+            <a:lstStyle/>
+            <a:p>
+              <a:pPr algn="ctr"/>
+              <a:endParaRPr lang="cs-CZ"/>
+            </a:p>
+          </p:txBody>
+        </p:sp>
+        <p:sp>
+          <p:nvSpPr>
+            <p:cNvPr id="89" name="Obdélník: se zakulacenými rohy 88">
+              <a:extLst>
+                <a:ext uri="{FF2B5EF4-FFF2-40B4-BE49-F238E27FC236}">
+                  <a16:creationId xmlns:a16="http://schemas.microsoft.com/office/drawing/2014/main" id="{3A5B66D0-0A10-4C62-B851-B6DDFDFA3ED7}"/>
+                </a:ext>
+              </a:extLst>
+            </p:cNvPr>
+            <p:cNvSpPr/>
+            <p:nvPr/>
+          </p:nvSpPr>
+          <p:spPr>
+            <a:xfrm>
+              <a:off x="3574023" y="3032895"/>
+              <a:ext cx="4692026" cy="1790272"/>
+            </a:xfrm>
+            <a:prstGeom prst="roundRect">
+              <a:avLst/>
+            </a:prstGeom>
+            <a:solidFill>
+              <a:schemeClr val="tx1">
+                <a:lumMod val="65000"/>
+                <a:lumOff val="35000"/>
+                <a:alpha val="22000"/>
+              </a:schemeClr>
+            </a:solidFill>
+            <a:ln>
+              <a:noFill/>
+            </a:ln>
+          </p:spPr>
+          <p:style>
+            <a:lnRef idx="0">
+              <a:scrgbClr r="0" g="0" b="0"/>
+            </a:lnRef>
+            <a:fillRef idx="0">
+              <a:scrgbClr r="0" g="0" b="0"/>
+            </a:fillRef>
+            <a:effectRef idx="0">
+              <a:scrgbClr r="0" g="0" b="0"/>
+            </a:effectRef>
+            <a:fontRef idx="minor">
+              <a:schemeClr val="accent3"/>
+            </a:fontRef>
+          </p:style>
+          <p:txBody>
+            <a:bodyPr rtlCol="0" anchor="ctr"/>
+            <a:lstStyle/>
+            <a:p>
+              <a:pPr algn="ctr"/>
+              <a:endParaRPr lang="cs-CZ"/>
+            </a:p>
+          </p:txBody>
+        </p:sp>
+        <p:sp>
+          <p:nvSpPr>
+            <p:cNvPr id="91" name="Obdélník: se zakulacenými rohy 90">
+              <a:extLst>
+                <a:ext uri="{FF2B5EF4-FFF2-40B4-BE49-F238E27FC236}">
+                  <a16:creationId xmlns:a16="http://schemas.microsoft.com/office/drawing/2014/main" id="{2BB73FD2-5ADD-4472-AD4C-3C0224218612}"/>
+                </a:ext>
+              </a:extLst>
+            </p:cNvPr>
+            <p:cNvSpPr/>
+            <p:nvPr/>
+          </p:nvSpPr>
+          <p:spPr>
+            <a:xfrm>
+              <a:off x="4507685" y="4897203"/>
+              <a:ext cx="3758363" cy="723418"/>
+            </a:xfrm>
+            <a:prstGeom prst="roundRect">
+              <a:avLst/>
+            </a:prstGeom>
+            <a:solidFill>
+              <a:schemeClr val="tx1">
+                <a:lumMod val="65000"/>
+                <a:lumOff val="35000"/>
+                <a:alpha val="22000"/>
+              </a:schemeClr>
+            </a:solidFill>
+            <a:ln>
+              <a:noFill/>
+            </a:ln>
+          </p:spPr>
+          <p:style>
+            <a:lnRef idx="0">
+              <a:scrgbClr r="0" g="0" b="0"/>
+            </a:lnRef>
+            <a:fillRef idx="0">
+              <a:scrgbClr r="0" g="0" b="0"/>
+            </a:fillRef>
+            <a:effectRef idx="0">
+              <a:scrgbClr r="0" g="0" b="0"/>
+            </a:effectRef>
+            <a:fontRef idx="minor">
+              <a:schemeClr val="accent3"/>
+            </a:fontRef>
+          </p:style>
+          <p:txBody>
+            <a:bodyPr rtlCol="0" anchor="ctr"/>
+            <a:lstStyle/>
+            <a:p>
+              <a:pPr algn="ctr"/>
+              <a:endParaRPr lang="cs-CZ" dirty="0"/>
+            </a:p>
+          </p:txBody>
+        </p:sp>
+        <p:sp>
+          <p:nvSpPr>
+            <p:cNvPr id="85" name="Obdélník: se zakulacenými rohy 84">
+              <a:extLst>
+                <a:ext uri="{FF2B5EF4-FFF2-40B4-BE49-F238E27FC236}">
+                  <a16:creationId xmlns:a16="http://schemas.microsoft.com/office/drawing/2014/main" id="{08ADAC20-D809-465B-A266-F562AD8D9270}"/>
+                </a:ext>
+              </a:extLst>
+            </p:cNvPr>
+            <p:cNvSpPr/>
+            <p:nvPr/>
+          </p:nvSpPr>
+          <p:spPr>
+            <a:xfrm>
+              <a:off x="3569110" y="1330081"/>
+              <a:ext cx="4696939" cy="1625805"/>
+            </a:xfrm>
+            <a:prstGeom prst="roundRect">
+              <a:avLst/>
+            </a:prstGeom>
+            <a:solidFill>
+              <a:schemeClr val="tx1">
+                <a:lumMod val="65000"/>
+                <a:lumOff val="35000"/>
+                <a:alpha val="22000"/>
+              </a:schemeClr>
+            </a:solidFill>
+            <a:ln>
+              <a:noFill/>
+            </a:ln>
+          </p:spPr>
+          <p:style>
+            <a:lnRef idx="0">
+              <a:scrgbClr r="0" g="0" b="0"/>
+            </a:lnRef>
+            <a:fillRef idx="0">
+              <a:scrgbClr r="0" g="0" b="0"/>
+            </a:fillRef>
+            <a:effectRef idx="0">
+              <a:scrgbClr r="0" g="0" b="0"/>
+            </a:effectRef>
+            <a:fontRef idx="minor">
+              <a:schemeClr val="accent3"/>
+            </a:fontRef>
+          </p:style>
+          <p:txBody>
+            <a:bodyPr rtlCol="0" anchor="ctr"/>
+            <a:lstStyle/>
+            <a:p>
+              <a:pPr algn="ctr"/>
+              <a:endParaRPr lang="cs-CZ"/>
+            </a:p>
+          </p:txBody>
+        </p:sp>
+        <p:sp>
+          <p:nvSpPr>
+            <p:cNvPr id="87" name="Obdélník: se zakulacenými rohy 86">
+              <a:extLst>
+                <a:ext uri="{FF2B5EF4-FFF2-40B4-BE49-F238E27FC236}">
+                  <a16:creationId xmlns:a16="http://schemas.microsoft.com/office/drawing/2014/main" id="{FF40D9E4-EB14-40D0-B9A6-20F3A4E95C32}"/>
+                </a:ext>
+              </a:extLst>
+            </p:cNvPr>
+            <p:cNvSpPr/>
+            <p:nvPr/>
+          </p:nvSpPr>
+          <p:spPr>
+            <a:xfrm>
+              <a:off x="3578942" y="393524"/>
+              <a:ext cx="4687107" cy="874837"/>
+            </a:xfrm>
+            <a:prstGeom prst="roundRect">
+              <a:avLst/>
+            </a:prstGeom>
+            <a:solidFill>
+              <a:schemeClr val="tx1">
+                <a:lumMod val="65000"/>
+                <a:lumOff val="35000"/>
+                <a:alpha val="22000"/>
+              </a:schemeClr>
+            </a:solidFill>
+            <a:ln>
+              <a:noFill/>
+            </a:ln>
+          </p:spPr>
+          <p:style>
+            <a:lnRef idx="0">
+              <a:scrgbClr r="0" g="0" b="0"/>
+            </a:lnRef>
+            <a:fillRef idx="0">
+              <a:scrgbClr r="0" g="0" b="0"/>
+            </a:fillRef>
+            <a:effectRef idx="0">
+              <a:scrgbClr r="0" g="0" b="0"/>
+            </a:effectRef>
+            <a:fontRef idx="minor">
+              <a:schemeClr val="accent3"/>
+            </a:fontRef>
+          </p:style>
+          <p:txBody>
+            <a:bodyPr rtlCol="0" anchor="ctr"/>
+            <a:lstStyle/>
+            <a:p>
+              <a:pPr algn="ctr"/>
+              <a:endParaRPr lang="cs-CZ"/>
+            </a:p>
+          </p:txBody>
+        </p:sp>
+        <p:grpSp>
+          <p:nvGrpSpPr>
+            <p:cNvPr id="93" name="Skupina 92">
+              <a:extLst>
+                <a:ext uri="{FF2B5EF4-FFF2-40B4-BE49-F238E27FC236}">
+                  <a16:creationId xmlns:a16="http://schemas.microsoft.com/office/drawing/2014/main" id="{B0E6A267-F2BF-46E7-A9CF-A581AB4825FE}"/>
+                </a:ext>
+              </a:extLst>
+            </p:cNvPr>
+            <p:cNvGrpSpPr/>
+            <p:nvPr/>
+          </p:nvGrpSpPr>
+          <p:grpSpPr>
+            <a:xfrm>
+              <a:off x="4521316" y="2999833"/>
+              <a:ext cx="1088568" cy="1088568"/>
+              <a:chOff x="4380412" y="157652"/>
+              <a:chExt cx="1088568" cy="1088568"/>
+            </a:xfrm>
+          </p:grpSpPr>
+          <p:pic>
+            <p:nvPicPr>
+              <p:cNvPr id="14" name="Grafický objekt 13" descr="Složka">
+                <a:extLst>
+                  <a:ext uri="{FF2B5EF4-FFF2-40B4-BE49-F238E27FC236}">
+                    <a16:creationId xmlns:a16="http://schemas.microsoft.com/office/drawing/2014/main" id="{9055F7E9-55ED-4CDB-9D85-5BC25B949F56}"/>
+                  </a:ext>
+                </a:extLst>
+              </p:cNvPr>
+              <p:cNvPicPr>
+                <a:picLocks noChangeAspect="1"/>
+              </p:cNvPicPr>
+              <p:nvPr/>
+            </p:nvPicPr>
+            <p:blipFill>
+              <a:blip r:embed="rId2">
+                <a:extLst>
+                  <a:ext uri="{28A0092B-C50C-407E-A947-70E740481C1C}">
+                    <a14:useLocalDpi xmlns:a14="http://schemas.microsoft.com/office/drawing/2010/main" val="0"/>
+                  </a:ext>
+                  <a:ext uri="{96DAC541-7B7A-43D3-8B79-37D633B846F1}">
+                    <asvg:svgBlip xmlns:asvg="http://schemas.microsoft.com/office/drawing/2016/SVG/main" r:embed="rId3"/>
+                  </a:ext>
+                </a:extLst>
+              </a:blip>
+              <a:stretch>
+                <a:fillRect/>
+              </a:stretch>
+            </p:blipFill>
+            <p:spPr>
+              <a:xfrm>
+                <a:off x="4380412" y="157652"/>
+                <a:ext cx="1088568" cy="1088568"/>
+              </a:xfrm>
+              <a:prstGeom prst="rect">
+                <a:avLst/>
+              </a:prstGeom>
+            </p:spPr>
+          </p:pic>
+          <p:sp>
+            <p:nvSpPr>
+              <p:cNvPr id="16" name="Obdélník 15">
+                <a:extLst>
+                  <a:ext uri="{FF2B5EF4-FFF2-40B4-BE49-F238E27FC236}">
+                    <a16:creationId xmlns:a16="http://schemas.microsoft.com/office/drawing/2014/main" id="{63A6B057-24FD-41C4-BE4F-E81E22D3E750}"/>
+                  </a:ext>
+                </a:extLst>
+              </p:cNvPr>
+              <p:cNvSpPr/>
+              <p:nvPr/>
+            </p:nvSpPr>
+            <p:spPr>
+              <a:xfrm>
+                <a:off x="4458003" y="600578"/>
+                <a:ext cx="933386" cy="400110"/>
+              </a:xfrm>
+              <a:prstGeom prst="rect">
+                <a:avLst/>
+              </a:prstGeom>
+            </p:spPr>
+            <p:txBody>
+              <a:bodyPr wrap="square">
+                <a:spAutoFit/>
+              </a:bodyPr>
+              <a:lstStyle/>
+              <a:p>
+                <a:pPr algn="ctr"/>
+                <a:r>
+                  <a:rPr lang="cs-CZ" sz="1000" dirty="0">
+                    <a:solidFill>
+                      <a:schemeClr val="tx1">
+                        <a:lumMod val="65000"/>
+                        <a:lumOff val="35000"/>
+                      </a:schemeClr>
+                    </a:solidFill>
+                  </a:rPr>
+                  <a:t>routed 0</a:t>
+                </a:r>
+              </a:p>
+              <a:p>
+                <a:pPr algn="ctr"/>
+                <a:r>
+                  <a:rPr lang="cs-CZ" sz="1000" dirty="0">
+                    <a:solidFill>
+                      <a:schemeClr val="tx1">
+                        <a:lumMod val="65000"/>
+                        <a:lumOff val="35000"/>
+                      </a:schemeClr>
+                    </a:solidFill>
+                  </a:rPr>
+                  <a:t>bilan bez VN</a:t>
+                </a:r>
+              </a:p>
+            </p:txBody>
+          </p:sp>
+        </p:grpSp>
+        <p:grpSp>
+          <p:nvGrpSpPr>
+            <p:cNvPr id="18" name="Skupina 17">
+              <a:extLst>
+                <a:ext uri="{FF2B5EF4-FFF2-40B4-BE49-F238E27FC236}">
+                  <a16:creationId xmlns:a16="http://schemas.microsoft.com/office/drawing/2014/main" id="{D29C369C-90E4-492B-8193-F07CBE841D86}"/>
+                </a:ext>
+              </a:extLst>
+            </p:cNvPr>
+            <p:cNvGrpSpPr/>
+            <p:nvPr/>
+          </p:nvGrpSpPr>
+          <p:grpSpPr>
+            <a:xfrm>
+              <a:off x="4536441" y="255111"/>
+              <a:ext cx="1088568" cy="1088568"/>
+              <a:chOff x="2386149" y="640084"/>
+              <a:chExt cx="1088568" cy="1088568"/>
+            </a:xfrm>
+          </p:grpSpPr>
+          <p:pic>
+            <p:nvPicPr>
+              <p:cNvPr id="19" name="Grafický objekt 18" descr="Složka">
+                <a:extLst>
+                  <a:ext uri="{FF2B5EF4-FFF2-40B4-BE49-F238E27FC236}">
+                    <a16:creationId xmlns:a16="http://schemas.microsoft.com/office/drawing/2014/main" id="{82DD2FB5-63CC-4358-B545-6447F2E3342F}"/>
+                  </a:ext>
+                </a:extLst>
+              </p:cNvPr>
+              <p:cNvPicPr>
+                <a:picLocks noChangeAspect="1"/>
+              </p:cNvPicPr>
+              <p:nvPr/>
+            </p:nvPicPr>
+            <p:blipFill>
+              <a:blip r:embed="rId2">
+                <a:extLst>
+                  <a:ext uri="{28A0092B-C50C-407E-A947-70E740481C1C}">
+                    <a14:useLocalDpi xmlns:a14="http://schemas.microsoft.com/office/drawing/2010/main" val="0"/>
+                  </a:ext>
+                  <a:ext uri="{96DAC541-7B7A-43D3-8B79-37D633B846F1}">
+                    <asvg:svgBlip xmlns:asvg="http://schemas.microsoft.com/office/drawing/2016/SVG/main" r:embed="rId3"/>
+                  </a:ext>
+                </a:extLst>
+              </a:blip>
+              <a:stretch>
+                <a:fillRect/>
+              </a:stretch>
+            </p:blipFill>
+            <p:spPr>
+              <a:xfrm>
+                <a:off x="2386149" y="640084"/>
+                <a:ext cx="1088568" cy="1088568"/>
+              </a:xfrm>
+              <a:prstGeom prst="rect">
+                <a:avLst/>
+              </a:prstGeom>
+            </p:spPr>
+          </p:pic>
+          <p:sp>
+            <p:nvSpPr>
+              <p:cNvPr id="20" name="Obdélník 19">
+                <a:extLst>
+                  <a:ext uri="{FF2B5EF4-FFF2-40B4-BE49-F238E27FC236}">
+                    <a16:creationId xmlns:a16="http://schemas.microsoft.com/office/drawing/2014/main" id="{C38F69B0-EFF1-437B-AD2F-64A026759B3E}"/>
+                  </a:ext>
+                </a:extLst>
+              </p:cNvPr>
+              <p:cNvSpPr/>
+              <p:nvPr/>
+            </p:nvSpPr>
+            <p:spPr>
+              <a:xfrm>
+                <a:off x="2463740" y="1133398"/>
+                <a:ext cx="933386" cy="253916"/>
+              </a:xfrm>
+              <a:prstGeom prst="rect">
+                <a:avLst/>
+              </a:prstGeom>
+            </p:spPr>
+            <p:txBody>
+              <a:bodyPr wrap="square">
+                <a:spAutoFit/>
+              </a:bodyPr>
+              <a:lstStyle/>
+              <a:p>
+                <a:pPr algn="ctr"/>
+                <a:r>
+                  <a:rPr lang="cs-CZ" sz="1050" dirty="0">
+                    <a:solidFill>
+                      <a:schemeClr val="tx1">
+                        <a:lumMod val="65000"/>
+                        <a:lumOff val="35000"/>
+                      </a:schemeClr>
+                    </a:solidFill>
+                  </a:rPr>
+                  <a:t>geo rds</a:t>
+                </a:r>
+              </a:p>
+            </p:txBody>
+          </p:sp>
+        </p:grpSp>
+        <p:grpSp>
+          <p:nvGrpSpPr>
+            <p:cNvPr id="21" name="Skupina 20">
+              <a:extLst>
+                <a:ext uri="{FF2B5EF4-FFF2-40B4-BE49-F238E27FC236}">
+                  <a16:creationId xmlns:a16="http://schemas.microsoft.com/office/drawing/2014/main" id="{37FA1DCC-F842-4128-B999-5D330FAB9A99}"/>
+                </a:ext>
+              </a:extLst>
+            </p:cNvPr>
+            <p:cNvGrpSpPr/>
+            <p:nvPr/>
+          </p:nvGrpSpPr>
+          <p:grpSpPr>
+            <a:xfrm>
+              <a:off x="4536441" y="1196522"/>
+              <a:ext cx="1088568" cy="1088568"/>
+              <a:chOff x="2386149" y="640084"/>
+              <a:chExt cx="1088568" cy="1088568"/>
+            </a:xfrm>
+          </p:grpSpPr>
+          <p:pic>
+            <p:nvPicPr>
+              <p:cNvPr id="22" name="Grafický objekt 21" descr="Složka">
+                <a:extLst>
+                  <a:ext uri="{FF2B5EF4-FFF2-40B4-BE49-F238E27FC236}">
+                    <a16:creationId xmlns:a16="http://schemas.microsoft.com/office/drawing/2014/main" id="{2FDDFCFF-2890-4C15-B7E0-AA6F1F707986}"/>
+                  </a:ext>
+                </a:extLst>
+              </p:cNvPr>
+              <p:cNvPicPr>
+                <a:picLocks noChangeAspect="1"/>
+              </p:cNvPicPr>
+              <p:nvPr/>
+            </p:nvPicPr>
+            <p:blipFill>
+              <a:blip r:embed="rId2">
+                <a:extLst>
+                  <a:ext uri="{28A0092B-C50C-407E-A947-70E740481C1C}">
+                    <a14:useLocalDpi xmlns:a14="http://schemas.microsoft.com/office/drawing/2010/main" val="0"/>
+                  </a:ext>
+                  <a:ext uri="{96DAC541-7B7A-43D3-8B79-37D633B846F1}">
+                    <asvg:svgBlip xmlns:asvg="http://schemas.microsoft.com/office/drawing/2016/SVG/main" r:embed="rId3"/>
+                  </a:ext>
+                </a:extLst>
+              </a:blip>
+              <a:stretch>
+                <a:fillRect/>
+              </a:stretch>
+            </p:blipFill>
+            <p:spPr>
+              <a:xfrm>
+                <a:off x="2386149" y="640084"/>
+                <a:ext cx="1088568" cy="1088568"/>
+              </a:xfrm>
+              <a:prstGeom prst="rect">
+                <a:avLst/>
+              </a:prstGeom>
+            </p:spPr>
+          </p:pic>
+          <p:sp>
+            <p:nvSpPr>
+              <p:cNvPr id="23" name="Obdélník 22">
+                <a:extLst>
+                  <a:ext uri="{FF2B5EF4-FFF2-40B4-BE49-F238E27FC236}">
+                    <a16:creationId xmlns:a16="http://schemas.microsoft.com/office/drawing/2014/main" id="{345000F2-4604-4A47-A4FC-609FF4A983BD}"/>
+                  </a:ext>
+                </a:extLst>
+              </p:cNvPr>
+              <p:cNvSpPr/>
+              <p:nvPr/>
+            </p:nvSpPr>
+            <p:spPr>
+              <a:xfrm>
+                <a:off x="2463740" y="1133398"/>
+                <a:ext cx="933386" cy="253916"/>
+              </a:xfrm>
+              <a:prstGeom prst="rect">
+                <a:avLst/>
+              </a:prstGeom>
+            </p:spPr>
+            <p:txBody>
+              <a:bodyPr wrap="square">
+                <a:spAutoFit/>
+              </a:bodyPr>
+              <a:lstStyle/>
+              <a:p>
+                <a:pPr algn="ctr"/>
+                <a:r>
+                  <a:rPr lang="cs-CZ" sz="1050" dirty="0">
+                    <a:solidFill>
+                      <a:schemeClr val="tx1">
+                        <a:lumMod val="65000"/>
+                        <a:lumOff val="35000"/>
+                      </a:schemeClr>
+                    </a:solidFill>
+                  </a:rPr>
+                  <a:t>mbilan</a:t>
+                </a:r>
+              </a:p>
+            </p:txBody>
+          </p:sp>
+        </p:grpSp>
+        <p:grpSp>
+          <p:nvGrpSpPr>
+            <p:cNvPr id="24" name="Skupina 23">
+              <a:extLst>
+                <a:ext uri="{FF2B5EF4-FFF2-40B4-BE49-F238E27FC236}">
+                  <a16:creationId xmlns:a16="http://schemas.microsoft.com/office/drawing/2014/main" id="{891B0CD3-FA43-4624-8C83-7F48F78C8890}"/>
+                </a:ext>
+              </a:extLst>
+            </p:cNvPr>
+            <p:cNvGrpSpPr/>
+            <p:nvPr/>
+          </p:nvGrpSpPr>
+          <p:grpSpPr>
+            <a:xfrm>
+              <a:off x="4536441" y="2020761"/>
+              <a:ext cx="1088568" cy="1088568"/>
+              <a:chOff x="2386149" y="640084"/>
+              <a:chExt cx="1088568" cy="1088568"/>
+            </a:xfrm>
+          </p:grpSpPr>
+          <p:pic>
+            <p:nvPicPr>
+              <p:cNvPr id="25" name="Grafický objekt 24" descr="Složka">
+                <a:extLst>
+                  <a:ext uri="{FF2B5EF4-FFF2-40B4-BE49-F238E27FC236}">
+                    <a16:creationId xmlns:a16="http://schemas.microsoft.com/office/drawing/2014/main" id="{73F4C058-D0F3-4A06-90AB-8BA61E2605AF}"/>
+                  </a:ext>
+                </a:extLst>
+              </p:cNvPr>
+              <p:cNvPicPr>
+                <a:picLocks noChangeAspect="1"/>
+              </p:cNvPicPr>
+              <p:nvPr/>
+            </p:nvPicPr>
+            <p:blipFill>
+              <a:blip r:embed="rId2">
+                <a:extLst>
+                  <a:ext uri="{28A0092B-C50C-407E-A947-70E740481C1C}">
+                    <a14:useLocalDpi xmlns:a14="http://schemas.microsoft.com/office/drawing/2010/main" val="0"/>
+                  </a:ext>
+                  <a:ext uri="{96DAC541-7B7A-43D3-8B79-37D633B846F1}">
+                    <asvg:svgBlip xmlns:asvg="http://schemas.microsoft.com/office/drawing/2016/SVG/main" r:embed="rId3"/>
+                  </a:ext>
+                </a:extLst>
+              </a:blip>
+              <a:stretch>
+                <a:fillRect/>
+              </a:stretch>
+            </p:blipFill>
+            <p:spPr>
+              <a:xfrm>
+                <a:off x="2386149" y="640084"/>
+                <a:ext cx="1088568" cy="1088568"/>
+              </a:xfrm>
+              <a:prstGeom prst="rect">
+                <a:avLst/>
+              </a:prstGeom>
+            </p:spPr>
+          </p:pic>
+          <p:sp>
+            <p:nvSpPr>
+              <p:cNvPr id="26" name="Obdélník 25">
+                <a:extLst>
+                  <a:ext uri="{FF2B5EF4-FFF2-40B4-BE49-F238E27FC236}">
+                    <a16:creationId xmlns:a16="http://schemas.microsoft.com/office/drawing/2014/main" id="{A1217913-B9B4-4513-9FED-8F3C2DFCCDD1}"/>
+                  </a:ext>
+                </a:extLst>
+              </p:cNvPr>
+              <p:cNvSpPr/>
+              <p:nvPr/>
+            </p:nvSpPr>
+            <p:spPr>
+              <a:xfrm>
+                <a:off x="2463740" y="1133398"/>
+                <a:ext cx="933386" cy="253916"/>
+              </a:xfrm>
+              <a:prstGeom prst="rect">
+                <a:avLst/>
+              </a:prstGeom>
+            </p:spPr>
+            <p:txBody>
+              <a:bodyPr wrap="square">
+                <a:spAutoFit/>
+              </a:bodyPr>
+              <a:lstStyle/>
+              <a:p>
+                <a:pPr algn="ctr"/>
+                <a:r>
+                  <a:rPr lang="cs-CZ" sz="1050" dirty="0">
+                    <a:solidFill>
+                      <a:schemeClr val="tx1">
+                        <a:lumMod val="65000"/>
+                        <a:lumOff val="35000"/>
+                      </a:schemeClr>
+                    </a:solidFill>
+                  </a:rPr>
+                  <a:t>res</a:t>
+                </a:r>
+              </a:p>
+            </p:txBody>
+          </p:sp>
+        </p:grpSp>
+        <p:grpSp>
+          <p:nvGrpSpPr>
+            <p:cNvPr id="27" name="Skupina 26">
+              <a:extLst>
+                <a:ext uri="{FF2B5EF4-FFF2-40B4-BE49-F238E27FC236}">
+                  <a16:creationId xmlns:a16="http://schemas.microsoft.com/office/drawing/2014/main" id="{7AA398E7-A3DF-440A-9545-0861EF591B4C}"/>
+                </a:ext>
+              </a:extLst>
+            </p:cNvPr>
+            <p:cNvGrpSpPr/>
+            <p:nvPr/>
+          </p:nvGrpSpPr>
+          <p:grpSpPr>
+            <a:xfrm>
+              <a:off x="4535062" y="3789058"/>
+              <a:ext cx="1088568" cy="1088568"/>
+              <a:chOff x="2384771" y="707339"/>
+              <a:chExt cx="1088568" cy="1088568"/>
+            </a:xfrm>
+          </p:grpSpPr>
+          <p:pic>
+            <p:nvPicPr>
+              <p:cNvPr id="28" name="Grafický objekt 27" descr="Složka">
+                <a:extLst>
+                  <a:ext uri="{FF2B5EF4-FFF2-40B4-BE49-F238E27FC236}">
+                    <a16:creationId xmlns:a16="http://schemas.microsoft.com/office/drawing/2014/main" id="{624AD535-9CA6-4982-9C7E-48E60D472EFE}"/>
+                  </a:ext>
+                </a:extLst>
+              </p:cNvPr>
+              <p:cNvPicPr>
+                <a:picLocks noChangeAspect="1"/>
+              </p:cNvPicPr>
+              <p:nvPr/>
+            </p:nvPicPr>
+            <p:blipFill>
+              <a:blip r:embed="rId2">
+                <a:extLst>
+                  <a:ext uri="{28A0092B-C50C-407E-A947-70E740481C1C}">
+                    <a14:useLocalDpi xmlns:a14="http://schemas.microsoft.com/office/drawing/2010/main" val="0"/>
+                  </a:ext>
+                  <a:ext uri="{96DAC541-7B7A-43D3-8B79-37D633B846F1}">
+                    <asvg:svgBlip xmlns:asvg="http://schemas.microsoft.com/office/drawing/2016/SVG/main" r:embed="rId3"/>
+                  </a:ext>
+                </a:extLst>
+              </a:blip>
+              <a:stretch>
+                <a:fillRect/>
+              </a:stretch>
+            </p:blipFill>
+            <p:spPr>
+              <a:xfrm>
+                <a:off x="2384771" y="707339"/>
+                <a:ext cx="1088568" cy="1088568"/>
+              </a:xfrm>
+              <a:prstGeom prst="rect">
+                <a:avLst/>
+              </a:prstGeom>
+            </p:spPr>
+          </p:pic>
+          <p:sp>
+            <p:nvSpPr>
+              <p:cNvPr id="29" name="Obdélník 28">
+                <a:extLst>
+                  <a:ext uri="{FF2B5EF4-FFF2-40B4-BE49-F238E27FC236}">
+                    <a16:creationId xmlns:a16="http://schemas.microsoft.com/office/drawing/2014/main" id="{1BA5B3FF-DD96-4210-A63B-B6D516638C8A}"/>
+                  </a:ext>
+                </a:extLst>
+              </p:cNvPr>
+              <p:cNvSpPr/>
+              <p:nvPr/>
+            </p:nvSpPr>
+            <p:spPr>
+              <a:xfrm>
+                <a:off x="2463740" y="1133398"/>
+                <a:ext cx="933386" cy="253916"/>
+              </a:xfrm>
+              <a:prstGeom prst="rect">
+                <a:avLst/>
+              </a:prstGeom>
+            </p:spPr>
+            <p:txBody>
+              <a:bodyPr wrap="square">
+                <a:spAutoFit/>
+              </a:bodyPr>
+              <a:lstStyle/>
+              <a:p>
+                <a:pPr algn="ctr"/>
+                <a:r>
+                  <a:rPr lang="cs-CZ" sz="1050" dirty="0">
+                    <a:solidFill>
+                      <a:schemeClr val="tx1">
+                        <a:lumMod val="65000"/>
+                        <a:lumOff val="35000"/>
+                      </a:schemeClr>
+                    </a:solidFill>
+                  </a:rPr>
+                  <a:t>chmu</a:t>
+                </a:r>
+              </a:p>
+            </p:txBody>
+          </p:sp>
+        </p:grpSp>
+        <p:grpSp>
+          <p:nvGrpSpPr>
+            <p:cNvPr id="37" name="Skupina 36">
+              <a:extLst>
+                <a:ext uri="{FF2B5EF4-FFF2-40B4-BE49-F238E27FC236}">
+                  <a16:creationId xmlns:a16="http://schemas.microsoft.com/office/drawing/2014/main" id="{635B19F6-36C2-498F-A3A0-7466495360C3}"/>
+                </a:ext>
+              </a:extLst>
+            </p:cNvPr>
+            <p:cNvGrpSpPr/>
+            <p:nvPr/>
+          </p:nvGrpSpPr>
+          <p:grpSpPr>
+            <a:xfrm>
+              <a:off x="4506308" y="4702086"/>
+              <a:ext cx="1088568" cy="1088568"/>
+              <a:chOff x="2386149" y="640084"/>
+              <a:chExt cx="1088568" cy="1088568"/>
+            </a:xfrm>
+          </p:grpSpPr>
+          <p:pic>
+            <p:nvPicPr>
+              <p:cNvPr id="38" name="Grafický objekt 37" descr="Složka">
+                <a:extLst>
+                  <a:ext uri="{FF2B5EF4-FFF2-40B4-BE49-F238E27FC236}">
+                    <a16:creationId xmlns:a16="http://schemas.microsoft.com/office/drawing/2014/main" id="{9A324B15-6EFE-46FA-9509-16C8271A740E}"/>
+                  </a:ext>
+                </a:extLst>
+              </p:cNvPr>
+              <p:cNvPicPr>
+                <a:picLocks noChangeAspect="1"/>
+              </p:cNvPicPr>
+              <p:nvPr/>
+            </p:nvPicPr>
+            <p:blipFill>
+              <a:blip r:embed="rId2">
+                <a:extLst>
+                  <a:ext uri="{28A0092B-C50C-407E-A947-70E740481C1C}">
+                    <a14:useLocalDpi xmlns:a14="http://schemas.microsoft.com/office/drawing/2010/main" val="0"/>
+                  </a:ext>
+                  <a:ext uri="{96DAC541-7B7A-43D3-8B79-37D633B846F1}">
+                    <asvg:svgBlip xmlns:asvg="http://schemas.microsoft.com/office/drawing/2016/SVG/main" r:embed="rId3"/>
+                  </a:ext>
+                </a:extLst>
+              </a:blip>
+              <a:stretch>
+                <a:fillRect/>
+              </a:stretch>
+            </p:blipFill>
+            <p:spPr>
+              <a:xfrm>
+                <a:off x="2386149" y="640084"/>
+                <a:ext cx="1088568" cy="1088568"/>
+              </a:xfrm>
+              <a:prstGeom prst="rect">
+                <a:avLst/>
+              </a:prstGeom>
+            </p:spPr>
+          </p:pic>
+          <p:sp>
+            <p:nvSpPr>
+              <p:cNvPr id="39" name="Obdélník 38">
+                <a:extLst>
+                  <a:ext uri="{FF2B5EF4-FFF2-40B4-BE49-F238E27FC236}">
+                    <a16:creationId xmlns:a16="http://schemas.microsoft.com/office/drawing/2014/main" id="{D6AC09F4-77F9-40C7-BA04-02341F46CC7B}"/>
+                  </a:ext>
+                </a:extLst>
+              </p:cNvPr>
+              <p:cNvSpPr/>
+              <p:nvPr/>
+            </p:nvSpPr>
+            <p:spPr>
+              <a:xfrm>
+                <a:off x="2463740" y="1133398"/>
+                <a:ext cx="933386" cy="253916"/>
+              </a:xfrm>
+              <a:prstGeom prst="rect">
+                <a:avLst/>
+              </a:prstGeom>
+            </p:spPr>
+            <p:txBody>
+              <a:bodyPr wrap="square">
+                <a:spAutoFit/>
+              </a:bodyPr>
+              <a:lstStyle/>
+              <a:p>
+                <a:pPr algn="ctr"/>
+                <a:r>
+                  <a:rPr lang="cs-CZ" sz="1050" dirty="0">
+                    <a:solidFill>
+                      <a:schemeClr val="tx1">
+                        <a:lumMod val="65000"/>
+                        <a:lumOff val="35000"/>
+                      </a:schemeClr>
+                    </a:solidFill>
+                  </a:rPr>
+                  <a:t>indikatory</a:t>
+                </a:r>
+              </a:p>
+            </p:txBody>
+          </p:sp>
+        </p:grpSp>
+        <p:grpSp>
+          <p:nvGrpSpPr>
+            <p:cNvPr id="51" name="Skupina 50">
+              <a:extLst>
+                <a:ext uri="{FF2B5EF4-FFF2-40B4-BE49-F238E27FC236}">
+                  <a16:creationId xmlns:a16="http://schemas.microsoft.com/office/drawing/2014/main" id="{AEB1095A-8CCC-48CE-A0FB-9D2A51BDAA4F}"/>
+                </a:ext>
+              </a:extLst>
+            </p:cNvPr>
+            <p:cNvGrpSpPr/>
+            <p:nvPr/>
+          </p:nvGrpSpPr>
+          <p:grpSpPr>
+            <a:xfrm>
+              <a:off x="1927719" y="2527142"/>
+              <a:ext cx="1149534" cy="1149534"/>
+              <a:chOff x="2424307" y="1711313"/>
+              <a:chExt cx="1149534" cy="1149534"/>
+            </a:xfrm>
+          </p:grpSpPr>
+          <p:pic>
+            <p:nvPicPr>
+              <p:cNvPr id="47" name="Grafický objekt 46" descr="Otevřít složku">
+                <a:extLst>
+                  <a:ext uri="{FF2B5EF4-FFF2-40B4-BE49-F238E27FC236}">
+                    <a16:creationId xmlns:a16="http://schemas.microsoft.com/office/drawing/2014/main" id="{B46EBFFD-4315-401D-8A55-75F0AD1A5ABF}"/>
+                  </a:ext>
+                </a:extLst>
+              </p:cNvPr>
+              <p:cNvPicPr>
+                <a:picLocks noChangeAspect="1"/>
+              </p:cNvPicPr>
+              <p:nvPr/>
+            </p:nvPicPr>
+            <p:blipFill>
+              <a:blip r:embed="rId4">
+                <a:extLst>
+                  <a:ext uri="{28A0092B-C50C-407E-A947-70E740481C1C}">
+                    <a14:useLocalDpi xmlns:a14="http://schemas.microsoft.com/office/drawing/2010/main" val="0"/>
+                  </a:ext>
+                  <a:ext uri="{96DAC541-7B7A-43D3-8B79-37D633B846F1}">
+                    <asvg:svgBlip xmlns:asvg="http://schemas.microsoft.com/office/drawing/2016/SVG/main" r:embed="rId5"/>
+                  </a:ext>
+                </a:extLst>
+              </a:blip>
+              <a:stretch>
+                <a:fillRect/>
+              </a:stretch>
+            </p:blipFill>
+            <p:spPr>
+              <a:xfrm>
+                <a:off x="2424307" y="1711313"/>
+                <a:ext cx="1149534" cy="1149534"/>
+              </a:xfrm>
+              <a:prstGeom prst="rect">
+                <a:avLst/>
+              </a:prstGeom>
+            </p:spPr>
+          </p:pic>
+          <p:sp>
+            <p:nvSpPr>
+              <p:cNvPr id="50" name="Obdélník 49">
+                <a:extLst>
+                  <a:ext uri="{FF2B5EF4-FFF2-40B4-BE49-F238E27FC236}">
+                    <a16:creationId xmlns:a16="http://schemas.microsoft.com/office/drawing/2014/main" id="{0A6EB139-A73F-41C3-BFF0-081B34460F0C}"/>
+                  </a:ext>
+                </a:extLst>
+              </p:cNvPr>
+              <p:cNvSpPr/>
+              <p:nvPr/>
+            </p:nvSpPr>
+            <p:spPr>
+              <a:xfrm>
+                <a:off x="2634131" y="2180181"/>
+                <a:ext cx="886781" cy="246221"/>
+              </a:xfrm>
+              <a:prstGeom prst="rect">
+                <a:avLst/>
+              </a:prstGeom>
+            </p:spPr>
+            <p:txBody>
+              <a:bodyPr wrap="none">
+                <a:spAutoFit/>
+              </a:bodyPr>
+              <a:lstStyle/>
+              <a:p>
+                <a:pPr algn="ctr"/>
+                <a:r>
+                  <a:rPr lang="cs-CZ" sz="1000" dirty="0">
+                    <a:solidFill>
+                      <a:schemeClr val="tx1">
+                        <a:lumMod val="65000"/>
+                        <a:lumOff val="35000"/>
+                      </a:schemeClr>
+                    </a:solidFill>
+                  </a:rPr>
+                  <a:t>webapp data</a:t>
+                </a:r>
+              </a:p>
+            </p:txBody>
+          </p:sp>
+        </p:grpSp>
+        <p:grpSp>
+          <p:nvGrpSpPr>
+            <p:cNvPr id="54" name="Skupina 53">
+              <a:extLst>
+                <a:ext uri="{FF2B5EF4-FFF2-40B4-BE49-F238E27FC236}">
+                  <a16:creationId xmlns:a16="http://schemas.microsoft.com/office/drawing/2014/main" id="{787DBA28-98AA-4520-A232-7FC226F2F82B}"/>
+                </a:ext>
+              </a:extLst>
+            </p:cNvPr>
+            <p:cNvGrpSpPr/>
+            <p:nvPr/>
+          </p:nvGrpSpPr>
+          <p:grpSpPr>
+            <a:xfrm>
+              <a:off x="3583793" y="365476"/>
+              <a:ext cx="933386" cy="914400"/>
+              <a:chOff x="1624562" y="3908731"/>
+              <a:chExt cx="933386" cy="914400"/>
+            </a:xfrm>
+          </p:grpSpPr>
+          <p:pic>
+            <p:nvPicPr>
+              <p:cNvPr id="55" name="Grafický objekt 54" descr="Papír">
+                <a:extLst>
+                  <a:ext uri="{FF2B5EF4-FFF2-40B4-BE49-F238E27FC236}">
+                    <a16:creationId xmlns:a16="http://schemas.microsoft.com/office/drawing/2014/main" id="{6E4D1624-4A91-48AD-A694-3CD930556029}"/>
+                  </a:ext>
+                </a:extLst>
+              </p:cNvPr>
+              <p:cNvPicPr>
+                <a:picLocks noChangeAspect="1"/>
+              </p:cNvPicPr>
+              <p:nvPr/>
+            </p:nvPicPr>
+            <p:blipFill>
+              <a:blip r:embed="rId6">
+                <a:extLst>
+                  <a:ext uri="{28A0092B-C50C-407E-A947-70E740481C1C}">
+                    <a14:useLocalDpi xmlns:a14="http://schemas.microsoft.com/office/drawing/2010/main" val="0"/>
+                  </a:ext>
+                  <a:ext uri="{96DAC541-7B7A-43D3-8B79-37D633B846F1}">
+                    <asvg:svgBlip xmlns:asvg="http://schemas.microsoft.com/office/drawing/2016/SVG/main" r:embed="rId7"/>
+                  </a:ext>
+                </a:extLst>
+              </a:blip>
+              <a:stretch>
+                <a:fillRect/>
+              </a:stretch>
+            </p:blipFill>
+            <p:spPr>
+              <a:xfrm>
+                <a:off x="1634055" y="3908731"/>
+                <a:ext cx="914400" cy="914400"/>
+              </a:xfrm>
+              <a:prstGeom prst="rect">
+                <a:avLst/>
+              </a:prstGeom>
+            </p:spPr>
+          </p:pic>
+          <p:sp>
+            <p:nvSpPr>
+              <p:cNvPr id="56" name="Obdélník 55">
+                <a:extLst>
+                  <a:ext uri="{FF2B5EF4-FFF2-40B4-BE49-F238E27FC236}">
+                    <a16:creationId xmlns:a16="http://schemas.microsoft.com/office/drawing/2014/main" id="{22ED41D6-8C45-4E15-8AAA-C1D5DCFA7227}"/>
+                  </a:ext>
+                </a:extLst>
+              </p:cNvPr>
+              <p:cNvSpPr/>
+              <p:nvPr/>
+            </p:nvSpPr>
+            <p:spPr>
+              <a:xfrm>
+                <a:off x="1624562" y="4365931"/>
+                <a:ext cx="933386" cy="253916"/>
+              </a:xfrm>
+              <a:prstGeom prst="rect">
+                <a:avLst/>
+              </a:prstGeom>
+            </p:spPr>
+            <p:txBody>
+              <a:bodyPr wrap="square">
+                <a:spAutoFit/>
+              </a:bodyPr>
+              <a:lstStyle/>
+              <a:p>
+                <a:pPr algn="ctr"/>
+                <a:r>
+                  <a:rPr lang="cs-CZ" sz="1000" dirty="0">
+                    <a:solidFill>
+                      <a:schemeClr val="tx1">
+                        <a:lumMod val="65000"/>
+                        <a:lumOff val="35000"/>
+                      </a:schemeClr>
+                    </a:solidFill>
+                  </a:rPr>
+                  <a:t>popis</a:t>
+                </a:r>
+              </a:p>
+            </p:txBody>
+          </p:sp>
+        </p:grpSp>
+        <p:grpSp>
+          <p:nvGrpSpPr>
+            <p:cNvPr id="57" name="Skupina 56">
+              <a:extLst>
+                <a:ext uri="{FF2B5EF4-FFF2-40B4-BE49-F238E27FC236}">
+                  <a16:creationId xmlns:a16="http://schemas.microsoft.com/office/drawing/2014/main" id="{6229B899-DB79-4334-85A7-FF15349679CA}"/>
+                </a:ext>
+              </a:extLst>
+            </p:cNvPr>
+            <p:cNvGrpSpPr/>
+            <p:nvPr/>
+          </p:nvGrpSpPr>
+          <p:grpSpPr>
+            <a:xfrm>
+              <a:off x="3564530" y="1599675"/>
+              <a:ext cx="933386" cy="914400"/>
+              <a:chOff x="1624562" y="3908731"/>
+              <a:chExt cx="933386" cy="914400"/>
+            </a:xfrm>
+          </p:grpSpPr>
+          <p:pic>
+            <p:nvPicPr>
+              <p:cNvPr id="58" name="Grafický objekt 57" descr="Papír">
+                <a:extLst>
+                  <a:ext uri="{FF2B5EF4-FFF2-40B4-BE49-F238E27FC236}">
+                    <a16:creationId xmlns:a16="http://schemas.microsoft.com/office/drawing/2014/main" id="{C0359F81-29DD-47C8-8A97-D90F144DDD32}"/>
+                  </a:ext>
+                </a:extLst>
+              </p:cNvPr>
+              <p:cNvPicPr>
+                <a:picLocks noChangeAspect="1"/>
+              </p:cNvPicPr>
+              <p:nvPr/>
+            </p:nvPicPr>
+            <p:blipFill>
+              <a:blip r:embed="rId6">
+                <a:extLst>
+                  <a:ext uri="{28A0092B-C50C-407E-A947-70E740481C1C}">
+                    <a14:useLocalDpi xmlns:a14="http://schemas.microsoft.com/office/drawing/2010/main" val="0"/>
+                  </a:ext>
+                  <a:ext uri="{96DAC541-7B7A-43D3-8B79-37D633B846F1}">
+                    <asvg:svgBlip xmlns:asvg="http://schemas.microsoft.com/office/drawing/2016/SVG/main" r:embed="rId7"/>
+                  </a:ext>
+                </a:extLst>
+              </a:blip>
+              <a:stretch>
+                <a:fillRect/>
+              </a:stretch>
+            </p:blipFill>
+            <p:spPr>
+              <a:xfrm>
+                <a:off x="1634055" y="3908731"/>
+                <a:ext cx="914400" cy="914400"/>
+              </a:xfrm>
+              <a:prstGeom prst="rect">
+                <a:avLst/>
+              </a:prstGeom>
+            </p:spPr>
+          </p:pic>
+          <p:sp>
+            <p:nvSpPr>
+              <p:cNvPr id="59" name="Obdélník 58">
+                <a:extLst>
+                  <a:ext uri="{FF2B5EF4-FFF2-40B4-BE49-F238E27FC236}">
+                    <a16:creationId xmlns:a16="http://schemas.microsoft.com/office/drawing/2014/main" id="{A90C5917-29C0-43BB-B838-ABA653E1AD27}"/>
+                  </a:ext>
+                </a:extLst>
+              </p:cNvPr>
+              <p:cNvSpPr/>
+              <p:nvPr/>
+            </p:nvSpPr>
+            <p:spPr>
+              <a:xfrm>
+                <a:off x="1624562" y="4365931"/>
+                <a:ext cx="933386" cy="253916"/>
+              </a:xfrm>
+              <a:prstGeom prst="rect">
+                <a:avLst/>
+              </a:prstGeom>
+            </p:spPr>
+            <p:txBody>
+              <a:bodyPr wrap="square">
+                <a:spAutoFit/>
+              </a:bodyPr>
+              <a:lstStyle/>
+              <a:p>
+                <a:pPr algn="ctr"/>
+                <a:r>
+                  <a:rPr lang="cs-CZ" sz="1050" dirty="0">
+                    <a:solidFill>
+                      <a:schemeClr val="tx1">
+                        <a:lumMod val="65000"/>
+                        <a:lumOff val="35000"/>
+                      </a:schemeClr>
+                    </a:solidFill>
+                  </a:rPr>
+                  <a:t>TABB</a:t>
+                </a:r>
+              </a:p>
+            </p:txBody>
+          </p:sp>
+        </p:grpSp>
+        <p:grpSp>
+          <p:nvGrpSpPr>
+            <p:cNvPr id="60" name="Skupina 59">
+              <a:extLst>
+                <a:ext uri="{FF2B5EF4-FFF2-40B4-BE49-F238E27FC236}">
+                  <a16:creationId xmlns:a16="http://schemas.microsoft.com/office/drawing/2014/main" id="{E82C34ED-C5AF-49D2-B360-E75A10B09182}"/>
+                </a:ext>
+              </a:extLst>
+            </p:cNvPr>
+            <p:cNvGrpSpPr/>
+            <p:nvPr/>
+          </p:nvGrpSpPr>
+          <p:grpSpPr>
+            <a:xfrm>
+              <a:off x="6502086" y="3895971"/>
+              <a:ext cx="933386" cy="914400"/>
+              <a:chOff x="1624562" y="3908731"/>
+              <a:chExt cx="933386" cy="914400"/>
+            </a:xfrm>
+          </p:grpSpPr>
+          <p:pic>
+            <p:nvPicPr>
+              <p:cNvPr id="61" name="Grafický objekt 60" descr="Papír">
+                <a:extLst>
+                  <a:ext uri="{FF2B5EF4-FFF2-40B4-BE49-F238E27FC236}">
+                    <a16:creationId xmlns:a16="http://schemas.microsoft.com/office/drawing/2014/main" id="{5E1FC082-6D6D-466B-BDE8-F51638F64286}"/>
+                  </a:ext>
+                </a:extLst>
+              </p:cNvPr>
+              <p:cNvPicPr>
+                <a:picLocks noChangeAspect="1"/>
+              </p:cNvPicPr>
+              <p:nvPr/>
+            </p:nvPicPr>
+            <p:blipFill>
+              <a:blip r:embed="rId6">
+                <a:extLst>
+                  <a:ext uri="{28A0092B-C50C-407E-A947-70E740481C1C}">
+                    <a14:useLocalDpi xmlns:a14="http://schemas.microsoft.com/office/drawing/2010/main" val="0"/>
+                  </a:ext>
+                  <a:ext uri="{96DAC541-7B7A-43D3-8B79-37D633B846F1}">
+                    <asvg:svgBlip xmlns:asvg="http://schemas.microsoft.com/office/drawing/2016/SVG/main" r:embed="rId7"/>
+                  </a:ext>
+                </a:extLst>
+              </a:blip>
+              <a:stretch>
+                <a:fillRect/>
+              </a:stretch>
+            </p:blipFill>
+            <p:spPr>
+              <a:xfrm>
+                <a:off x="1634055" y="3908731"/>
+                <a:ext cx="914400" cy="914400"/>
+              </a:xfrm>
+              <a:prstGeom prst="rect">
+                <a:avLst/>
+              </a:prstGeom>
+            </p:spPr>
+          </p:pic>
+          <p:sp>
+            <p:nvSpPr>
+              <p:cNvPr id="62" name="Obdélník 61">
+                <a:extLst>
+                  <a:ext uri="{FF2B5EF4-FFF2-40B4-BE49-F238E27FC236}">
+                    <a16:creationId xmlns:a16="http://schemas.microsoft.com/office/drawing/2014/main" id="{840BF1F8-04E1-45F8-96CE-B2C2526A229B}"/>
+                  </a:ext>
+                </a:extLst>
+              </p:cNvPr>
+              <p:cNvSpPr/>
+              <p:nvPr/>
+            </p:nvSpPr>
+            <p:spPr>
+              <a:xfrm>
+                <a:off x="1624562" y="4274656"/>
+                <a:ext cx="933386" cy="415498"/>
+              </a:xfrm>
+              <a:prstGeom prst="rect">
+                <a:avLst/>
+              </a:prstGeom>
+            </p:spPr>
+            <p:txBody>
+              <a:bodyPr wrap="square">
+                <a:spAutoFit/>
+              </a:bodyPr>
+              <a:lstStyle/>
+              <a:p>
+                <a:pPr algn="ctr"/>
+                <a:r>
+                  <a:rPr lang="cs-CZ" sz="1050" dirty="0">
+                    <a:solidFill>
+                      <a:schemeClr val="tx1">
+                        <a:lumMod val="65000"/>
+                        <a:lumOff val="35000"/>
+                      </a:schemeClr>
+                    </a:solidFill>
+                  </a:rPr>
+                  <a:t>chars</a:t>
+                </a:r>
+              </a:p>
+              <a:p>
+                <a:pPr algn="ctr"/>
+                <a:r>
+                  <a:rPr lang="cs-CZ" sz="1050" dirty="0">
+                    <a:solidFill>
+                      <a:schemeClr val="tx1">
+                        <a:lumMod val="65000"/>
+                        <a:lumOff val="35000"/>
+                      </a:schemeClr>
+                    </a:solidFill>
+                  </a:rPr>
+                  <a:t>mm</a:t>
+                </a:r>
+              </a:p>
+            </p:txBody>
+          </p:sp>
+        </p:grpSp>
+        <p:grpSp>
+          <p:nvGrpSpPr>
+            <p:cNvPr id="63" name="Skupina 62">
+              <a:extLst>
+                <a:ext uri="{FF2B5EF4-FFF2-40B4-BE49-F238E27FC236}">
+                  <a16:creationId xmlns:a16="http://schemas.microsoft.com/office/drawing/2014/main" id="{E13FD1A8-64AD-4F3D-B7A5-0065573CD69D}"/>
+                </a:ext>
+              </a:extLst>
+            </p:cNvPr>
+            <p:cNvGrpSpPr/>
+            <p:nvPr/>
+          </p:nvGrpSpPr>
+          <p:grpSpPr>
+            <a:xfrm>
+              <a:off x="7249537" y="3895971"/>
+              <a:ext cx="933386" cy="914400"/>
+              <a:chOff x="1624562" y="3908731"/>
+              <a:chExt cx="933386" cy="914400"/>
+            </a:xfrm>
+          </p:grpSpPr>
+          <p:pic>
+            <p:nvPicPr>
+              <p:cNvPr id="64" name="Grafický objekt 63" descr="Papír">
+                <a:extLst>
+                  <a:ext uri="{FF2B5EF4-FFF2-40B4-BE49-F238E27FC236}">
+                    <a16:creationId xmlns:a16="http://schemas.microsoft.com/office/drawing/2014/main" id="{25DC97E8-D43F-4E32-AF21-3FCDF581475D}"/>
+                  </a:ext>
+                </a:extLst>
+              </p:cNvPr>
+              <p:cNvPicPr>
+                <a:picLocks noChangeAspect="1"/>
+              </p:cNvPicPr>
+              <p:nvPr/>
+            </p:nvPicPr>
+            <p:blipFill>
+              <a:blip r:embed="rId6">
+                <a:extLst>
+                  <a:ext uri="{28A0092B-C50C-407E-A947-70E740481C1C}">
+                    <a14:useLocalDpi xmlns:a14="http://schemas.microsoft.com/office/drawing/2010/main" val="0"/>
+                  </a:ext>
+                  <a:ext uri="{96DAC541-7B7A-43D3-8B79-37D633B846F1}">
+                    <asvg:svgBlip xmlns:asvg="http://schemas.microsoft.com/office/drawing/2016/SVG/main" r:embed="rId7"/>
+                  </a:ext>
+                </a:extLst>
+              </a:blip>
+              <a:stretch>
+                <a:fillRect/>
+              </a:stretch>
+            </p:blipFill>
+            <p:spPr>
+              <a:xfrm>
+                <a:off x="1634055" y="3908731"/>
+                <a:ext cx="914400" cy="914400"/>
+              </a:xfrm>
+              <a:prstGeom prst="rect">
+                <a:avLst/>
+              </a:prstGeom>
+            </p:spPr>
+          </p:pic>
+          <p:sp>
+            <p:nvSpPr>
+              <p:cNvPr id="65" name="Obdélník 64">
+                <a:extLst>
+                  <a:ext uri="{FF2B5EF4-FFF2-40B4-BE49-F238E27FC236}">
+                    <a16:creationId xmlns:a16="http://schemas.microsoft.com/office/drawing/2014/main" id="{DFC88FAC-0040-4BB7-88FC-D040183EBB3B}"/>
+                  </a:ext>
+                </a:extLst>
+              </p:cNvPr>
+              <p:cNvSpPr/>
+              <p:nvPr/>
+            </p:nvSpPr>
+            <p:spPr>
+              <a:xfrm>
+                <a:off x="1624562" y="4365931"/>
+                <a:ext cx="933386" cy="253916"/>
+              </a:xfrm>
+              <a:prstGeom prst="rect">
+                <a:avLst/>
+              </a:prstGeom>
+            </p:spPr>
+            <p:txBody>
+              <a:bodyPr wrap="square">
+                <a:spAutoFit/>
+              </a:bodyPr>
+              <a:lstStyle/>
+              <a:p>
+                <a:pPr algn="ctr"/>
+                <a:r>
+                  <a:rPr lang="cs-CZ" sz="1000" dirty="0">
+                    <a:solidFill>
+                      <a:schemeClr val="tx1">
+                        <a:lumMod val="65000"/>
+                        <a:lumOff val="35000"/>
+                      </a:schemeClr>
+                    </a:solidFill>
+                  </a:rPr>
+                  <a:t>QD</a:t>
+                </a:r>
+              </a:p>
+            </p:txBody>
+          </p:sp>
+        </p:grpSp>
+        <p:grpSp>
+          <p:nvGrpSpPr>
+            <p:cNvPr id="66" name="Skupina 65">
+              <a:extLst>
+                <a:ext uri="{FF2B5EF4-FFF2-40B4-BE49-F238E27FC236}">
+                  <a16:creationId xmlns:a16="http://schemas.microsoft.com/office/drawing/2014/main" id="{0FA60C95-F173-4475-A69B-8144BFDEE8E2}"/>
+                </a:ext>
+              </a:extLst>
+            </p:cNvPr>
+            <p:cNvGrpSpPr/>
+            <p:nvPr/>
+          </p:nvGrpSpPr>
+          <p:grpSpPr>
+            <a:xfrm>
+              <a:off x="5764128" y="3895971"/>
+              <a:ext cx="933386" cy="914400"/>
+              <a:chOff x="1624562" y="3908731"/>
+              <a:chExt cx="933386" cy="914400"/>
+            </a:xfrm>
+          </p:grpSpPr>
+          <p:pic>
+            <p:nvPicPr>
+              <p:cNvPr id="67" name="Grafický objekt 66" descr="Papír">
+                <a:extLst>
+                  <a:ext uri="{FF2B5EF4-FFF2-40B4-BE49-F238E27FC236}">
+                    <a16:creationId xmlns:a16="http://schemas.microsoft.com/office/drawing/2014/main" id="{E8F54818-42A8-4389-A274-82DFD038C2F4}"/>
+                  </a:ext>
+                </a:extLst>
+              </p:cNvPr>
+              <p:cNvPicPr>
+                <a:picLocks noChangeAspect="1"/>
+              </p:cNvPicPr>
+              <p:nvPr/>
+            </p:nvPicPr>
+            <p:blipFill>
+              <a:blip r:embed="rId6">
+                <a:extLst>
+                  <a:ext uri="{28A0092B-C50C-407E-A947-70E740481C1C}">
+                    <a14:useLocalDpi xmlns:a14="http://schemas.microsoft.com/office/drawing/2010/main" val="0"/>
+                  </a:ext>
+                  <a:ext uri="{96DAC541-7B7A-43D3-8B79-37D633B846F1}">
+                    <asvg:svgBlip xmlns:asvg="http://schemas.microsoft.com/office/drawing/2016/SVG/main" r:embed="rId7"/>
+                  </a:ext>
+                </a:extLst>
+              </a:blip>
+              <a:stretch>
+                <a:fillRect/>
+              </a:stretch>
+            </p:blipFill>
+            <p:spPr>
+              <a:xfrm>
+                <a:off x="1634055" y="3908731"/>
+                <a:ext cx="914400" cy="914400"/>
+              </a:xfrm>
+              <a:prstGeom prst="rect">
+                <a:avLst/>
+              </a:prstGeom>
+            </p:spPr>
+          </p:pic>
+          <p:sp>
+            <p:nvSpPr>
+              <p:cNvPr id="68" name="Obdélník 67">
+                <a:extLst>
+                  <a:ext uri="{FF2B5EF4-FFF2-40B4-BE49-F238E27FC236}">
+                    <a16:creationId xmlns:a16="http://schemas.microsoft.com/office/drawing/2014/main" id="{A998AF3E-E9F5-4EC5-923D-AEA45F75A5D6}"/>
+                  </a:ext>
+                </a:extLst>
+              </p:cNvPr>
+              <p:cNvSpPr/>
+              <p:nvPr/>
+            </p:nvSpPr>
+            <p:spPr>
+              <a:xfrm>
+                <a:off x="1624562" y="4274044"/>
+                <a:ext cx="933386" cy="415498"/>
+              </a:xfrm>
+              <a:prstGeom prst="rect">
+                <a:avLst/>
+              </a:prstGeom>
+            </p:spPr>
+            <p:txBody>
+              <a:bodyPr wrap="square">
+                <a:spAutoFit/>
+              </a:bodyPr>
+              <a:lstStyle/>
+              <a:p>
+                <a:pPr algn="ctr"/>
+                <a:r>
+                  <a:rPr lang="cs-CZ" sz="1050" dirty="0">
+                    <a:solidFill>
+                      <a:schemeClr val="tx1">
+                        <a:lumMod val="65000"/>
+                        <a:lumOff val="35000"/>
+                      </a:schemeClr>
+                    </a:solidFill>
+                  </a:rPr>
+                  <a:t>data</a:t>
+                </a:r>
+              </a:p>
+              <a:p>
+                <a:pPr algn="ctr"/>
+                <a:r>
+                  <a:rPr lang="cs-CZ" sz="1050" dirty="0">
+                    <a:solidFill>
+                      <a:schemeClr val="tx1">
+                        <a:lumMod val="65000"/>
+                        <a:lumOff val="35000"/>
+                      </a:schemeClr>
+                    </a:solidFill>
+                  </a:rPr>
+                  <a:t>validace</a:t>
+                </a:r>
+              </a:p>
+            </p:txBody>
+          </p:sp>
+        </p:grpSp>
+        <p:grpSp>
+          <p:nvGrpSpPr>
+            <p:cNvPr id="69" name="Skupina 68">
+              <a:extLst>
+                <a:ext uri="{FF2B5EF4-FFF2-40B4-BE49-F238E27FC236}">
+                  <a16:creationId xmlns:a16="http://schemas.microsoft.com/office/drawing/2014/main" id="{30545B47-C463-452E-BB84-0A287316A9AA}"/>
+                </a:ext>
+              </a:extLst>
+            </p:cNvPr>
+            <p:cNvGrpSpPr/>
+            <p:nvPr/>
+          </p:nvGrpSpPr>
+          <p:grpSpPr>
+            <a:xfrm>
+              <a:off x="6480334" y="5675124"/>
+              <a:ext cx="933386" cy="914400"/>
+              <a:chOff x="1631564" y="3908731"/>
+              <a:chExt cx="933386" cy="914400"/>
+            </a:xfrm>
+          </p:grpSpPr>
+          <p:pic>
+            <p:nvPicPr>
+              <p:cNvPr id="70" name="Grafický objekt 69" descr="Papír">
+                <a:extLst>
+                  <a:ext uri="{FF2B5EF4-FFF2-40B4-BE49-F238E27FC236}">
+                    <a16:creationId xmlns:a16="http://schemas.microsoft.com/office/drawing/2014/main" id="{9B740D24-18B2-40D7-9EDA-8435C51EE89E}"/>
+                  </a:ext>
+                </a:extLst>
+              </p:cNvPr>
+              <p:cNvPicPr>
+                <a:picLocks noChangeAspect="1"/>
+              </p:cNvPicPr>
+              <p:nvPr/>
+            </p:nvPicPr>
+            <p:blipFill>
+              <a:blip r:embed="rId6">
+                <a:extLst>
+                  <a:ext uri="{28A0092B-C50C-407E-A947-70E740481C1C}">
+                    <a14:useLocalDpi xmlns:a14="http://schemas.microsoft.com/office/drawing/2010/main" val="0"/>
+                  </a:ext>
+                  <a:ext uri="{96DAC541-7B7A-43D3-8B79-37D633B846F1}">
+                    <asvg:svgBlip xmlns:asvg="http://schemas.microsoft.com/office/drawing/2016/SVG/main" r:embed="rId7"/>
+                  </a:ext>
+                </a:extLst>
+              </a:blip>
+              <a:stretch>
+                <a:fillRect/>
+              </a:stretch>
+            </p:blipFill>
+            <p:spPr>
+              <a:xfrm>
+                <a:off x="1634055" y="3908731"/>
+                <a:ext cx="914400" cy="914400"/>
+              </a:xfrm>
+              <a:prstGeom prst="rect">
+                <a:avLst/>
+              </a:prstGeom>
+            </p:spPr>
+          </p:pic>
+          <p:sp>
+            <p:nvSpPr>
+              <p:cNvPr id="71" name="Obdélník 70">
+                <a:extLst>
+                  <a:ext uri="{FF2B5EF4-FFF2-40B4-BE49-F238E27FC236}">
+                    <a16:creationId xmlns:a16="http://schemas.microsoft.com/office/drawing/2014/main" id="{C69FCB58-4B48-444A-90D9-1057ABBA7BF3}"/>
+                  </a:ext>
+                </a:extLst>
+              </p:cNvPr>
+              <p:cNvSpPr/>
+              <p:nvPr/>
+            </p:nvSpPr>
+            <p:spPr>
+              <a:xfrm>
+                <a:off x="1631564" y="4275636"/>
+                <a:ext cx="933386" cy="369332"/>
+              </a:xfrm>
+              <a:prstGeom prst="rect">
+                <a:avLst/>
+              </a:prstGeom>
+            </p:spPr>
+            <p:txBody>
+              <a:bodyPr wrap="square">
+                <a:spAutoFit/>
+              </a:bodyPr>
+              <a:lstStyle/>
+              <a:p>
+                <a:pPr algn="ctr"/>
+                <a:r>
+                  <a:rPr lang="cs-CZ" sz="900" dirty="0">
+                    <a:solidFill>
+                      <a:schemeClr val="tx1">
+                        <a:lumMod val="65000"/>
+                        <a:lumOff val="35000"/>
+                      </a:schemeClr>
+                    </a:solidFill>
+                  </a:rPr>
+                  <a:t>uzivani na nahraz dt</a:t>
+                </a:r>
+              </a:p>
+            </p:txBody>
+          </p:sp>
+        </p:grpSp>
+        <p:grpSp>
+          <p:nvGrpSpPr>
+            <p:cNvPr id="75" name="Skupina 74">
+              <a:extLst>
+                <a:ext uri="{FF2B5EF4-FFF2-40B4-BE49-F238E27FC236}">
+                  <a16:creationId xmlns:a16="http://schemas.microsoft.com/office/drawing/2014/main" id="{5FC75446-AD8D-4C35-8DE9-7FC24817F1A9}"/>
+                </a:ext>
+              </a:extLst>
+            </p:cNvPr>
+            <p:cNvGrpSpPr/>
+            <p:nvPr/>
+          </p:nvGrpSpPr>
+          <p:grpSpPr>
+            <a:xfrm>
+              <a:off x="5735374" y="5675124"/>
+              <a:ext cx="933386" cy="914400"/>
+              <a:chOff x="1624562" y="3908731"/>
+              <a:chExt cx="933386" cy="914400"/>
+            </a:xfrm>
+          </p:grpSpPr>
+          <p:pic>
+            <p:nvPicPr>
+              <p:cNvPr id="76" name="Grafický objekt 75" descr="Papír">
+                <a:extLst>
+                  <a:ext uri="{FF2B5EF4-FFF2-40B4-BE49-F238E27FC236}">
+                    <a16:creationId xmlns:a16="http://schemas.microsoft.com/office/drawing/2014/main" id="{AA41BC07-9C40-4137-8B63-0E3E7E84003C}"/>
+                  </a:ext>
+                </a:extLst>
+              </p:cNvPr>
+              <p:cNvPicPr>
+                <a:picLocks noChangeAspect="1"/>
+              </p:cNvPicPr>
+              <p:nvPr/>
+            </p:nvPicPr>
+            <p:blipFill>
+              <a:blip r:embed="rId6">
+                <a:extLst>
+                  <a:ext uri="{28A0092B-C50C-407E-A947-70E740481C1C}">
+                    <a14:useLocalDpi xmlns:a14="http://schemas.microsoft.com/office/drawing/2010/main" val="0"/>
+                  </a:ext>
+                  <a:ext uri="{96DAC541-7B7A-43D3-8B79-37D633B846F1}">
+                    <asvg:svgBlip xmlns:asvg="http://schemas.microsoft.com/office/drawing/2016/SVG/main" r:embed="rId7"/>
+                  </a:ext>
+                </a:extLst>
+              </a:blip>
+              <a:stretch>
+                <a:fillRect/>
+              </a:stretch>
+            </p:blipFill>
+            <p:spPr>
+              <a:xfrm>
+                <a:off x="1634055" y="3908731"/>
+                <a:ext cx="914400" cy="914400"/>
+              </a:xfrm>
+              <a:prstGeom prst="rect">
+                <a:avLst/>
+              </a:prstGeom>
+            </p:spPr>
+          </p:pic>
+          <p:sp>
+            <p:nvSpPr>
+              <p:cNvPr id="77" name="Obdélník 76">
+                <a:extLst>
+                  <a:ext uri="{FF2B5EF4-FFF2-40B4-BE49-F238E27FC236}">
+                    <a16:creationId xmlns:a16="http://schemas.microsoft.com/office/drawing/2014/main" id="{FA37AFE2-C35A-4426-9CE9-F512FFFDEF4F}"/>
+                  </a:ext>
+                </a:extLst>
+              </p:cNvPr>
+              <p:cNvSpPr/>
+              <p:nvPr/>
+            </p:nvSpPr>
+            <p:spPr>
+              <a:xfrm>
+                <a:off x="1624562" y="4365931"/>
+                <a:ext cx="933386" cy="253916"/>
+              </a:xfrm>
+              <a:prstGeom prst="rect">
+                <a:avLst/>
+              </a:prstGeom>
+            </p:spPr>
+            <p:txBody>
+              <a:bodyPr wrap="square">
+                <a:spAutoFit/>
+              </a:bodyPr>
+              <a:lstStyle/>
+              <a:p>
+                <a:pPr algn="ctr"/>
+                <a:r>
+                  <a:rPr lang="cs-CZ" sz="1050" dirty="0">
+                    <a:solidFill>
+                      <a:schemeClr val="tx1">
+                        <a:lumMod val="65000"/>
+                        <a:lumOff val="35000"/>
+                      </a:schemeClr>
+                    </a:solidFill>
+                  </a:rPr>
+                  <a:t>u leaflet</a:t>
+                </a:r>
+              </a:p>
+            </p:txBody>
+          </p:sp>
+        </p:grpSp>
+        <p:grpSp>
+          <p:nvGrpSpPr>
+            <p:cNvPr id="78" name="Skupina 77">
+              <a:extLst>
+                <a:ext uri="{FF2B5EF4-FFF2-40B4-BE49-F238E27FC236}">
+                  <a16:creationId xmlns:a16="http://schemas.microsoft.com/office/drawing/2014/main" id="{F3549B9B-8AC5-4C8F-AE92-F60DA88336FB}"/>
+                </a:ext>
+              </a:extLst>
+            </p:cNvPr>
+            <p:cNvGrpSpPr/>
+            <p:nvPr/>
+          </p:nvGrpSpPr>
+          <p:grpSpPr>
+            <a:xfrm>
+              <a:off x="6509089" y="1300881"/>
+              <a:ext cx="933386" cy="914400"/>
+              <a:chOff x="1624562" y="3908731"/>
+              <a:chExt cx="933386" cy="914400"/>
+            </a:xfrm>
+          </p:grpSpPr>
+          <p:pic>
+            <p:nvPicPr>
+              <p:cNvPr id="79" name="Grafický objekt 78" descr="Papír">
+                <a:extLst>
+                  <a:ext uri="{FF2B5EF4-FFF2-40B4-BE49-F238E27FC236}">
+                    <a16:creationId xmlns:a16="http://schemas.microsoft.com/office/drawing/2014/main" id="{23293210-4B9F-44CE-BE69-7BF1282802C6}"/>
+                  </a:ext>
+                </a:extLst>
+              </p:cNvPr>
+              <p:cNvPicPr>
+                <a:picLocks noChangeAspect="1"/>
+              </p:cNvPicPr>
+              <p:nvPr/>
+            </p:nvPicPr>
+            <p:blipFill>
+              <a:blip r:embed="rId6">
+                <a:extLst>
+                  <a:ext uri="{28A0092B-C50C-407E-A947-70E740481C1C}">
+                    <a14:useLocalDpi xmlns:a14="http://schemas.microsoft.com/office/drawing/2010/main" val="0"/>
+                  </a:ext>
+                  <a:ext uri="{96DAC541-7B7A-43D3-8B79-37D633B846F1}">
+                    <asvg:svgBlip xmlns:asvg="http://schemas.microsoft.com/office/drawing/2016/SVG/main" r:embed="rId7"/>
+                  </a:ext>
+                </a:extLst>
+              </a:blip>
+              <a:stretch>
+                <a:fillRect/>
+              </a:stretch>
+            </p:blipFill>
+            <p:spPr>
+              <a:xfrm>
+                <a:off x="1634055" y="3908731"/>
+                <a:ext cx="914400" cy="914400"/>
+              </a:xfrm>
+              <a:prstGeom prst="rect">
+                <a:avLst/>
+              </a:prstGeom>
+            </p:spPr>
+          </p:pic>
+          <p:sp>
+            <p:nvSpPr>
+              <p:cNvPr id="80" name="Obdélník 79">
+                <a:extLst>
+                  <a:ext uri="{FF2B5EF4-FFF2-40B4-BE49-F238E27FC236}">
+                    <a16:creationId xmlns:a16="http://schemas.microsoft.com/office/drawing/2014/main" id="{EB9FC174-E4C4-4A92-82F7-27755E2E48DB}"/>
+                  </a:ext>
+                </a:extLst>
+              </p:cNvPr>
+              <p:cNvSpPr/>
+              <p:nvPr/>
+            </p:nvSpPr>
+            <p:spPr>
+              <a:xfrm>
+                <a:off x="1624562" y="4264320"/>
+                <a:ext cx="933386" cy="338554"/>
+              </a:xfrm>
+              <a:prstGeom prst="rect">
+                <a:avLst/>
+              </a:prstGeom>
+            </p:spPr>
+            <p:txBody>
+              <a:bodyPr wrap="square">
+                <a:spAutoFit/>
+              </a:bodyPr>
+              <a:lstStyle/>
+              <a:p>
+                <a:pPr algn="ctr"/>
+                <a:r>
+                  <a:rPr lang="cs-CZ" sz="800" dirty="0">
+                    <a:solidFill>
+                      <a:schemeClr val="tx1">
+                        <a:lumMod val="65000"/>
+                        <a:lumOff val="35000"/>
+                      </a:schemeClr>
+                    </a:solidFill>
+                  </a:rPr>
+                  <a:t>cara</a:t>
+                </a:r>
+              </a:p>
+              <a:p>
+                <a:pPr algn="ctr"/>
+                <a:r>
+                  <a:rPr lang="cs-CZ" sz="800" dirty="0">
+                    <a:solidFill>
+                      <a:schemeClr val="tx1">
+                        <a:lumMod val="65000"/>
+                        <a:lumOff val="35000"/>
+                      </a:schemeClr>
+                    </a:solidFill>
+                  </a:rPr>
+                  <a:t>prekroceni</a:t>
+                </a:r>
+              </a:p>
+            </p:txBody>
+          </p:sp>
+        </p:grpSp>
+        <p:grpSp>
+          <p:nvGrpSpPr>
+            <p:cNvPr id="81" name="Skupina 80">
+              <a:extLst>
+                <a:ext uri="{FF2B5EF4-FFF2-40B4-BE49-F238E27FC236}">
+                  <a16:creationId xmlns:a16="http://schemas.microsoft.com/office/drawing/2014/main" id="{358CF174-C3D9-4187-9111-A738F78851BA}"/>
+                </a:ext>
+              </a:extLst>
+            </p:cNvPr>
+            <p:cNvGrpSpPr/>
+            <p:nvPr/>
+          </p:nvGrpSpPr>
+          <p:grpSpPr>
+            <a:xfrm>
+              <a:off x="5761638" y="1300881"/>
+              <a:ext cx="933386" cy="914400"/>
+              <a:chOff x="1615069" y="3908731"/>
+              <a:chExt cx="933386" cy="914400"/>
+            </a:xfrm>
+          </p:grpSpPr>
+          <p:pic>
+            <p:nvPicPr>
+              <p:cNvPr id="82" name="Grafický objekt 81" descr="Papír">
+                <a:extLst>
+                  <a:ext uri="{FF2B5EF4-FFF2-40B4-BE49-F238E27FC236}">
+                    <a16:creationId xmlns:a16="http://schemas.microsoft.com/office/drawing/2014/main" id="{6DD8C593-4EF5-44AC-AD35-5F9004DF180E}"/>
+                  </a:ext>
+                </a:extLst>
+              </p:cNvPr>
+              <p:cNvPicPr>
+                <a:picLocks noChangeAspect="1"/>
+              </p:cNvPicPr>
+              <p:nvPr/>
+            </p:nvPicPr>
+            <p:blipFill>
+              <a:blip r:embed="rId6">
+                <a:extLst>
+                  <a:ext uri="{28A0092B-C50C-407E-A947-70E740481C1C}">
+                    <a14:useLocalDpi xmlns:a14="http://schemas.microsoft.com/office/drawing/2010/main" val="0"/>
+                  </a:ext>
+                  <a:ext uri="{96DAC541-7B7A-43D3-8B79-37D633B846F1}">
+                    <asvg:svgBlip xmlns:asvg="http://schemas.microsoft.com/office/drawing/2016/SVG/main" r:embed="rId7"/>
+                  </a:ext>
+                </a:extLst>
+              </a:blip>
+              <a:stretch>
+                <a:fillRect/>
+              </a:stretch>
+            </p:blipFill>
+            <p:spPr>
+              <a:xfrm>
+                <a:off x="1634055" y="3908731"/>
+                <a:ext cx="914400" cy="914400"/>
+              </a:xfrm>
+              <a:prstGeom prst="rect">
+                <a:avLst/>
+              </a:prstGeom>
+            </p:spPr>
+          </p:pic>
+          <p:sp>
+            <p:nvSpPr>
+              <p:cNvPr id="83" name="Obdélník 82">
+                <a:extLst>
+                  <a:ext uri="{FF2B5EF4-FFF2-40B4-BE49-F238E27FC236}">
+                    <a16:creationId xmlns:a16="http://schemas.microsoft.com/office/drawing/2014/main" id="{EC556278-266A-488B-A866-56A734ADC327}"/>
+                  </a:ext>
+                </a:extLst>
+              </p:cNvPr>
+              <p:cNvSpPr/>
+              <p:nvPr/>
+            </p:nvSpPr>
+            <p:spPr>
+              <a:xfrm>
+                <a:off x="1615069" y="4179681"/>
+                <a:ext cx="933386" cy="507831"/>
+              </a:xfrm>
+              <a:prstGeom prst="rect">
+                <a:avLst/>
+              </a:prstGeom>
+            </p:spPr>
+            <p:txBody>
+              <a:bodyPr wrap="square">
+                <a:spAutoFit/>
+              </a:bodyPr>
+              <a:lstStyle/>
+              <a:p>
+                <a:pPr algn="ctr"/>
+                <a:r>
+                  <a:rPr lang="cs-CZ" sz="900" dirty="0">
+                    <a:solidFill>
+                      <a:schemeClr val="tx1">
+                        <a:lumMod val="65000"/>
+                        <a:lumOff val="35000"/>
+                      </a:schemeClr>
+                    </a:solidFill>
+                  </a:rPr>
+                  <a:t>bilan </a:t>
+                </a:r>
+              </a:p>
+              <a:p>
+                <a:pPr algn="ctr"/>
+                <a:r>
+                  <a:rPr lang="cs-CZ" sz="900" dirty="0">
+                    <a:solidFill>
+                      <a:schemeClr val="tx1">
+                        <a:lumMod val="65000"/>
+                        <a:lumOff val="35000"/>
+                      </a:schemeClr>
+                    </a:solidFill>
+                  </a:rPr>
+                  <a:t>month</a:t>
+                </a:r>
+              </a:p>
+              <a:p>
+                <a:pPr algn="ctr"/>
+                <a:r>
+                  <a:rPr lang="cs-CZ" sz="900" dirty="0">
+                    <a:solidFill>
+                      <a:schemeClr val="tx1">
+                        <a:lumMod val="65000"/>
+                        <a:lumOff val="35000"/>
+                      </a:schemeClr>
+                    </a:solidFill>
+                  </a:rPr>
+                  <a:t> data table</a:t>
+                </a:r>
+              </a:p>
+            </p:txBody>
+          </p:sp>
+        </p:grpSp>
+        <p:sp>
+          <p:nvSpPr>
+            <p:cNvPr id="84" name="TextovéPole 83">
+              <a:extLst>
+                <a:ext uri="{FF2B5EF4-FFF2-40B4-BE49-F238E27FC236}">
+                  <a16:creationId xmlns:a16="http://schemas.microsoft.com/office/drawing/2014/main" id="{78340FC4-7F52-4894-AE18-BB1C5BAE4C49}"/>
+                </a:ext>
+              </a:extLst>
+            </p:cNvPr>
+            <p:cNvSpPr txBox="1"/>
+            <p:nvPr/>
+          </p:nvSpPr>
+          <p:spPr>
+            <a:xfrm>
+              <a:off x="6985674" y="774552"/>
+              <a:ext cx="1105586" cy="253916"/>
+            </a:xfrm>
+            <a:prstGeom prst="rect">
+              <a:avLst/>
+            </a:prstGeom>
+            <a:noFill/>
+          </p:spPr>
+          <p:txBody>
+            <a:bodyPr wrap="square" rtlCol="0">
+              <a:spAutoFit/>
+            </a:bodyPr>
+            <a:lstStyle/>
+            <a:p>
+              <a:r>
+                <a:rPr lang="cs-CZ" sz="1050" dirty="0">
+                  <a:solidFill>
+                    <a:schemeClr val="tx2">
+                      <a:lumMod val="50000"/>
+                    </a:schemeClr>
+                  </a:solidFill>
+                </a:rPr>
+                <a:t>Prostorová data</a:t>
+              </a:r>
+            </a:p>
+          </p:txBody>
+        </p:sp>
+        <p:sp>
+          <p:nvSpPr>
+            <p:cNvPr id="88" name="TextovéPole 87">
+              <a:extLst>
+                <a:ext uri="{FF2B5EF4-FFF2-40B4-BE49-F238E27FC236}">
+                  <a16:creationId xmlns:a16="http://schemas.microsoft.com/office/drawing/2014/main" id="{E51D3151-8D6A-4D9E-A666-B66BBA063E14}"/>
+                </a:ext>
+              </a:extLst>
+            </p:cNvPr>
+            <p:cNvSpPr txBox="1"/>
+            <p:nvPr/>
+          </p:nvSpPr>
+          <p:spPr>
+            <a:xfrm>
+              <a:off x="6771675" y="2319393"/>
+              <a:ext cx="1431928" cy="415498"/>
+            </a:xfrm>
+            <a:prstGeom prst="rect">
+              <a:avLst/>
+            </a:prstGeom>
+            <a:noFill/>
+          </p:spPr>
+          <p:txBody>
+            <a:bodyPr wrap="square" rtlCol="0">
+              <a:spAutoFit/>
+            </a:bodyPr>
+            <a:lstStyle/>
+            <a:p>
+              <a:r>
+                <a:rPr lang="cs-CZ" sz="1050" dirty="0">
+                  <a:solidFill>
+                    <a:schemeClr val="tx2">
+                      <a:lumMod val="50000"/>
+                    </a:schemeClr>
+                  </a:solidFill>
+                </a:rPr>
+                <a:t>Data pro vyhodnocení hydrologické bilance</a:t>
+              </a:r>
+            </a:p>
+          </p:txBody>
+        </p:sp>
+        <p:sp>
+          <p:nvSpPr>
+            <p:cNvPr id="92" name="TextovéPole 91">
+              <a:extLst>
+                <a:ext uri="{FF2B5EF4-FFF2-40B4-BE49-F238E27FC236}">
+                  <a16:creationId xmlns:a16="http://schemas.microsoft.com/office/drawing/2014/main" id="{C66F023F-811E-4AC8-A697-01BF7625349A}"/>
+                </a:ext>
+              </a:extLst>
+            </p:cNvPr>
+            <p:cNvSpPr txBox="1"/>
+            <p:nvPr/>
+          </p:nvSpPr>
+          <p:spPr>
+            <a:xfrm>
+              <a:off x="6693675" y="5063443"/>
+              <a:ext cx="1246708" cy="415498"/>
+            </a:xfrm>
+            <a:prstGeom prst="rect">
+              <a:avLst/>
+            </a:prstGeom>
+            <a:noFill/>
+          </p:spPr>
+          <p:txBody>
+            <a:bodyPr wrap="square" rtlCol="0">
+              <a:spAutoFit/>
+            </a:bodyPr>
+            <a:lstStyle/>
+            <a:p>
+              <a:r>
+                <a:rPr lang="cs-CZ" sz="1050" dirty="0">
+                  <a:solidFill>
+                    <a:schemeClr val="tx2">
+                      <a:lumMod val="50000"/>
+                    </a:schemeClr>
+                  </a:solidFill>
+                </a:rPr>
+                <a:t>Data pro vykreslení indikátorů sucha</a:t>
+              </a:r>
+            </a:p>
+          </p:txBody>
+        </p:sp>
+        <p:grpSp>
+          <p:nvGrpSpPr>
+            <p:cNvPr id="53" name="Skupina 52">
+              <a:extLst>
+                <a:ext uri="{FF2B5EF4-FFF2-40B4-BE49-F238E27FC236}">
+                  <a16:creationId xmlns:a16="http://schemas.microsoft.com/office/drawing/2014/main" id="{36126AD2-F820-40B2-B194-151BA6A678A1}"/>
+                </a:ext>
+              </a:extLst>
+            </p:cNvPr>
+            <p:cNvGrpSpPr/>
+            <p:nvPr/>
+          </p:nvGrpSpPr>
+          <p:grpSpPr>
+            <a:xfrm>
+              <a:off x="3593308" y="3438227"/>
+              <a:ext cx="933386" cy="914400"/>
+              <a:chOff x="1624562" y="3908731"/>
+              <a:chExt cx="933386" cy="914400"/>
+            </a:xfrm>
+          </p:grpSpPr>
+          <p:pic>
+            <p:nvPicPr>
+              <p:cNvPr id="49" name="Grafický objekt 48" descr="Papír">
+                <a:extLst>
+                  <a:ext uri="{FF2B5EF4-FFF2-40B4-BE49-F238E27FC236}">
+                    <a16:creationId xmlns:a16="http://schemas.microsoft.com/office/drawing/2014/main" id="{964A464B-674C-4046-9E71-F6F4CCB8B19C}"/>
+                  </a:ext>
+                </a:extLst>
+              </p:cNvPr>
+              <p:cNvPicPr>
+                <a:picLocks noChangeAspect="1"/>
+              </p:cNvPicPr>
+              <p:nvPr/>
+            </p:nvPicPr>
+            <p:blipFill>
+              <a:blip r:embed="rId6">
+                <a:extLst>
+                  <a:ext uri="{28A0092B-C50C-407E-A947-70E740481C1C}">
+                    <a14:useLocalDpi xmlns:a14="http://schemas.microsoft.com/office/drawing/2010/main" val="0"/>
+                  </a:ext>
+                  <a:ext uri="{96DAC541-7B7A-43D3-8B79-37D633B846F1}">
+                    <asvg:svgBlip xmlns:asvg="http://schemas.microsoft.com/office/drawing/2016/SVG/main" r:embed="rId7"/>
+                  </a:ext>
+                </a:extLst>
+              </a:blip>
+              <a:stretch>
+                <a:fillRect/>
+              </a:stretch>
+            </p:blipFill>
+            <p:spPr>
+              <a:xfrm>
+                <a:off x="1634055" y="3908731"/>
+                <a:ext cx="914400" cy="914400"/>
+              </a:xfrm>
+              <a:prstGeom prst="rect">
+                <a:avLst/>
+              </a:prstGeom>
+            </p:spPr>
+          </p:pic>
+          <p:sp>
+            <p:nvSpPr>
+              <p:cNvPr id="52" name="Obdélník 51">
+                <a:extLst>
+                  <a:ext uri="{FF2B5EF4-FFF2-40B4-BE49-F238E27FC236}">
+                    <a16:creationId xmlns:a16="http://schemas.microsoft.com/office/drawing/2014/main" id="{667EA078-4E52-434F-92CE-DD1C8861A286}"/>
+                  </a:ext>
+                </a:extLst>
+              </p:cNvPr>
+              <p:cNvSpPr/>
+              <p:nvPr/>
+            </p:nvSpPr>
+            <p:spPr>
+              <a:xfrm>
+                <a:off x="1624562" y="4365931"/>
+                <a:ext cx="933386" cy="253916"/>
+              </a:xfrm>
+              <a:prstGeom prst="rect">
+                <a:avLst/>
+              </a:prstGeom>
+            </p:spPr>
+            <p:txBody>
+              <a:bodyPr wrap="square">
+                <a:spAutoFit/>
+              </a:bodyPr>
+              <a:lstStyle/>
+              <a:p>
+                <a:pPr algn="ctr"/>
+                <a:r>
+                  <a:rPr lang="cs-CZ" sz="1050" dirty="0">
+                    <a:solidFill>
+                      <a:schemeClr val="tx1">
+                        <a:lumMod val="65000"/>
+                        <a:lumOff val="35000"/>
+                      </a:schemeClr>
+                    </a:solidFill>
+                  </a:rPr>
+                  <a:t>pars</a:t>
+                </a:r>
+              </a:p>
+            </p:txBody>
+          </p:sp>
+        </p:grpSp>
+        <p:sp>
+          <p:nvSpPr>
+            <p:cNvPr id="94" name="TextovéPole 93">
+              <a:extLst>
+                <a:ext uri="{FF2B5EF4-FFF2-40B4-BE49-F238E27FC236}">
+                  <a16:creationId xmlns:a16="http://schemas.microsoft.com/office/drawing/2014/main" id="{02386FBC-FC35-4DFC-A708-01045103243B}"/>
+                </a:ext>
+              </a:extLst>
+            </p:cNvPr>
+            <p:cNvSpPr txBox="1"/>
+            <p:nvPr/>
+          </p:nvSpPr>
+          <p:spPr>
+            <a:xfrm>
+              <a:off x="6722429" y="3319597"/>
+              <a:ext cx="1093859" cy="253916"/>
+            </a:xfrm>
+            <a:prstGeom prst="rect">
+              <a:avLst/>
+            </a:prstGeom>
+            <a:noFill/>
+          </p:spPr>
+          <p:txBody>
+            <a:bodyPr wrap="square" rtlCol="0">
+              <a:spAutoFit/>
+            </a:bodyPr>
+            <a:lstStyle/>
+            <a:p>
+              <a:r>
+                <a:rPr lang="cs-CZ" sz="1050" dirty="0">
+                  <a:solidFill>
+                    <a:schemeClr val="tx2">
+                      <a:lumMod val="50000"/>
+                    </a:schemeClr>
+                  </a:solidFill>
+                </a:rPr>
+                <a:t>Data pro validaci</a:t>
+              </a:r>
+            </a:p>
+          </p:txBody>
+        </p:sp>
+        <p:sp>
+          <p:nvSpPr>
+            <p:cNvPr id="95" name="TextovéPole 94">
+              <a:extLst>
+                <a:ext uri="{FF2B5EF4-FFF2-40B4-BE49-F238E27FC236}">
+                  <a16:creationId xmlns:a16="http://schemas.microsoft.com/office/drawing/2014/main" id="{123298FF-831A-4156-9862-96D8FDF57FC1}"/>
+                </a:ext>
+              </a:extLst>
+            </p:cNvPr>
+            <p:cNvSpPr txBox="1"/>
+            <p:nvPr/>
+          </p:nvSpPr>
+          <p:spPr>
+            <a:xfrm>
+              <a:off x="7387278" y="5939448"/>
+              <a:ext cx="920265" cy="415498"/>
+            </a:xfrm>
+            <a:prstGeom prst="rect">
+              <a:avLst/>
+            </a:prstGeom>
+            <a:noFill/>
+          </p:spPr>
+          <p:txBody>
+            <a:bodyPr wrap="square" rtlCol="0">
+              <a:spAutoFit/>
+            </a:bodyPr>
+            <a:lstStyle/>
+            <a:p>
+              <a:r>
+                <a:rPr lang="cs-CZ" sz="1050" dirty="0">
+                  <a:solidFill>
+                    <a:schemeClr val="tx2">
+                      <a:lumMod val="50000"/>
+                    </a:schemeClr>
+                  </a:solidFill>
+                </a:rPr>
+                <a:t>Data pro užívání vod</a:t>
+              </a:r>
+            </a:p>
+          </p:txBody>
+        </p:sp>
+        <p:grpSp>
+          <p:nvGrpSpPr>
+            <p:cNvPr id="40" name="Skupina 39">
+              <a:extLst>
+                <a:ext uri="{FF2B5EF4-FFF2-40B4-BE49-F238E27FC236}">
+                  <a16:creationId xmlns:a16="http://schemas.microsoft.com/office/drawing/2014/main" id="{66E4F320-2D6E-459D-8B9E-69F67D56D665}"/>
+                </a:ext>
+              </a:extLst>
+            </p:cNvPr>
+            <p:cNvGrpSpPr/>
+            <p:nvPr/>
+          </p:nvGrpSpPr>
+          <p:grpSpPr>
+            <a:xfrm>
+              <a:off x="4526178" y="5654868"/>
+              <a:ext cx="1088568" cy="1088568"/>
+              <a:chOff x="2386149" y="640084"/>
+              <a:chExt cx="1088568" cy="1088568"/>
+            </a:xfrm>
+          </p:grpSpPr>
+          <p:pic>
+            <p:nvPicPr>
+              <p:cNvPr id="41" name="Grafický objekt 40" descr="Složka">
+                <a:extLst>
+                  <a:ext uri="{FF2B5EF4-FFF2-40B4-BE49-F238E27FC236}">
+                    <a16:creationId xmlns:a16="http://schemas.microsoft.com/office/drawing/2014/main" id="{E9ABA2A0-BDD7-4CA1-9DBA-7AD906D1F23D}"/>
+                  </a:ext>
+                </a:extLst>
+              </p:cNvPr>
+              <p:cNvPicPr>
+                <a:picLocks noChangeAspect="1"/>
+              </p:cNvPicPr>
+              <p:nvPr/>
+            </p:nvPicPr>
+            <p:blipFill>
+              <a:blip r:embed="rId2">
+                <a:extLst>
+                  <a:ext uri="{28A0092B-C50C-407E-A947-70E740481C1C}">
+                    <a14:useLocalDpi xmlns:a14="http://schemas.microsoft.com/office/drawing/2010/main" val="0"/>
+                  </a:ext>
+                  <a:ext uri="{96DAC541-7B7A-43D3-8B79-37D633B846F1}">
+                    <asvg:svgBlip xmlns:asvg="http://schemas.microsoft.com/office/drawing/2016/SVG/main" r:embed="rId3"/>
+                  </a:ext>
+                </a:extLst>
+              </a:blip>
+              <a:stretch>
+                <a:fillRect/>
+              </a:stretch>
+            </p:blipFill>
+            <p:spPr>
+              <a:xfrm>
+                <a:off x="2386149" y="640084"/>
+                <a:ext cx="1088568" cy="1088568"/>
+              </a:xfrm>
+              <a:prstGeom prst="rect">
+                <a:avLst/>
+              </a:prstGeom>
+            </p:spPr>
+          </p:pic>
+          <p:sp>
+            <p:nvSpPr>
+              <p:cNvPr id="42" name="Obdélník 41">
+                <a:extLst>
+                  <a:ext uri="{FF2B5EF4-FFF2-40B4-BE49-F238E27FC236}">
+                    <a16:creationId xmlns:a16="http://schemas.microsoft.com/office/drawing/2014/main" id="{A928922C-D1F6-409B-8504-7F44F9170846}"/>
+                  </a:ext>
+                </a:extLst>
+              </p:cNvPr>
+              <p:cNvSpPr/>
+              <p:nvPr/>
+            </p:nvSpPr>
+            <p:spPr>
+              <a:xfrm>
+                <a:off x="2463740" y="1133398"/>
+                <a:ext cx="933386" cy="253916"/>
+              </a:xfrm>
+              <a:prstGeom prst="rect">
+                <a:avLst/>
+              </a:prstGeom>
+            </p:spPr>
+            <p:txBody>
+              <a:bodyPr wrap="square">
+                <a:spAutoFit/>
+              </a:bodyPr>
+              <a:lstStyle/>
+              <a:p>
+                <a:pPr algn="ctr"/>
+                <a:r>
+                  <a:rPr lang="cs-CZ" sz="1050" dirty="0">
+                    <a:solidFill>
+                      <a:schemeClr val="tx1">
+                        <a:lumMod val="65000"/>
+                        <a:lumOff val="35000"/>
+                      </a:schemeClr>
+                    </a:solidFill>
+                  </a:rPr>
+                  <a:t>uzivani</a:t>
+                </a:r>
+              </a:p>
+            </p:txBody>
+          </p:sp>
+        </p:grpSp>
+      </p:grpSp>
+    </p:spTree>
+    <p:extLst>
+      <p:ext uri="{BB962C8B-B14F-4D97-AF65-F5344CB8AC3E}">
+        <p14:creationId xmlns:p14="http://schemas.microsoft.com/office/powerpoint/2010/main" val="3546947857"/>
+      </p:ext>
+    </p:extLst>
+  </p:cSld>
+  <p:clrMapOvr>
+    <a:masterClrMapping/>
+  </p:clrMapOvr>
+</p:sld>
+</file>
+
+<file path=ppt/slides/slide7.xml><?xml version="1.0" encoding="utf-8"?>
+<p:sld xmlns:a="http://schemas.openxmlformats.org/drawingml/2006/main" xmlns:r="http://schemas.openxmlformats.org/officeDocument/2006/relationships" xmlns:p="http://schemas.openxmlformats.org/presentationml/2006/main">
+  <p:cSld>
+    <p:spTree>
+      <p:nvGrpSpPr>
+        <p:cNvPr id="1" name=""/>
+        <p:cNvGrpSpPr/>
+        <p:nvPr/>
+      </p:nvGrpSpPr>
+      <p:grpSpPr>
+        <a:xfrm>
+          <a:off x="0" y="0"/>
+          <a:ext cx="0" cy="0"/>
+          <a:chOff x="0" y="0"/>
+          <a:chExt cx="0" cy="0"/>
+        </a:xfrm>
+      </p:grpSpPr>
+      <p:sp>
+        <p:nvSpPr>
+          <p:cNvPr id="2" name="Obdélník 1">
+            <a:extLst>
+              <a:ext uri="{FF2B5EF4-FFF2-40B4-BE49-F238E27FC236}">
+                <a16:creationId xmlns:a16="http://schemas.microsoft.com/office/drawing/2014/main" id="{420EFA1B-F3B1-4E94-9A98-E385D835FF6C}"/>
+              </a:ext>
+            </a:extLst>
+          </p:cNvPr>
+          <p:cNvSpPr/>
+          <p:nvPr/>
+        </p:nvSpPr>
+        <p:spPr>
+          <a:xfrm>
+            <a:off x="10267404" y="1471748"/>
+            <a:ext cx="1463040" cy="513806"/>
+          </a:xfrm>
+          <a:prstGeom prst="rect">
+            <a:avLst/>
+          </a:prstGeom>
+          <a:solidFill>
+            <a:schemeClr val="bg2"/>
+          </a:solidFill>
+          <a:ln>
+            <a:solidFill>
+              <a:schemeClr val="tx1"/>
+            </a:solidFill>
+          </a:ln>
+        </p:spPr>
+        <p:style>
+          <a:lnRef idx="2">
+            <a:schemeClr val="accent1">
+              <a:shade val="50000"/>
+            </a:schemeClr>
+          </a:lnRef>
+          <a:fillRef idx="1">
+            <a:schemeClr val="accent1"/>
+          </a:fillRef>
+          <a:effectRef idx="0">
+            <a:schemeClr val="accent1"/>
+          </a:effectRef>
+          <a:fontRef idx="minor">
+            <a:schemeClr val="lt1"/>
+          </a:fontRef>
+        </p:style>
+        <p:txBody>
+          <a:bodyPr rtlCol="0" anchor="ctr"/>
+          <a:lstStyle/>
+          <a:p>
+            <a:pPr algn="ctr"/>
+            <a:r>
+              <a:rPr lang="cs-CZ" sz="1200" dirty="0">
+                <a:solidFill>
+                  <a:schemeClr val="tx1"/>
+                </a:solidFill>
+              </a:rPr>
+              <a:t>geo_rds</a:t>
+            </a:r>
+          </a:p>
+        </p:txBody>
+      </p:sp>
+      <p:sp>
+        <p:nvSpPr>
+          <p:cNvPr id="3" name="Obdélník 2">
+            <a:extLst>
+              <a:ext uri="{FF2B5EF4-FFF2-40B4-BE49-F238E27FC236}">
+                <a16:creationId xmlns:a16="http://schemas.microsoft.com/office/drawing/2014/main" id="{A88D8071-D80B-4493-B37A-58087A807830}"/>
+              </a:ext>
+            </a:extLst>
+          </p:cNvPr>
+          <p:cNvSpPr/>
+          <p:nvPr/>
+        </p:nvSpPr>
+        <p:spPr>
+          <a:xfrm>
+            <a:off x="10267404" y="2231571"/>
+            <a:ext cx="1463040" cy="513806"/>
+          </a:xfrm>
+          <a:prstGeom prst="rect">
+            <a:avLst/>
+          </a:prstGeom>
+          <a:solidFill>
+            <a:schemeClr val="bg2"/>
+          </a:solidFill>
+          <a:ln>
+            <a:solidFill>
+              <a:schemeClr val="tx1"/>
+            </a:solidFill>
+          </a:ln>
+        </p:spPr>
+        <p:style>
+          <a:lnRef idx="2">
+            <a:schemeClr val="accent1">
+              <a:shade val="50000"/>
+            </a:schemeClr>
+          </a:lnRef>
+          <a:fillRef idx="1">
+            <a:schemeClr val="accent1"/>
+          </a:fillRef>
+          <a:effectRef idx="0">
+            <a:schemeClr val="accent1"/>
+          </a:effectRef>
+          <a:fontRef idx="minor">
+            <a:schemeClr val="lt1"/>
+          </a:fontRef>
+        </p:style>
+        <p:txBody>
+          <a:bodyPr rtlCol="0" anchor="ctr"/>
+          <a:lstStyle/>
+          <a:p>
+            <a:pPr algn="ctr"/>
+            <a:r>
+              <a:rPr lang="cs-CZ" sz="1200" dirty="0">
+                <a:solidFill>
+                  <a:schemeClr val="tx1"/>
+                </a:solidFill>
+              </a:rPr>
+              <a:t>mbilan</a:t>
+            </a:r>
+          </a:p>
+        </p:txBody>
+      </p:sp>
+      <p:sp>
+        <p:nvSpPr>
+          <p:cNvPr id="4" name="Obdélník 3">
+            <a:extLst>
+              <a:ext uri="{FF2B5EF4-FFF2-40B4-BE49-F238E27FC236}">
+                <a16:creationId xmlns:a16="http://schemas.microsoft.com/office/drawing/2014/main" id="{A9DDE101-DB9E-4698-AEDC-42028E0AC21C}"/>
+              </a:ext>
+            </a:extLst>
+          </p:cNvPr>
+          <p:cNvSpPr/>
+          <p:nvPr/>
+        </p:nvSpPr>
+        <p:spPr>
+          <a:xfrm>
+            <a:off x="10267404" y="2991394"/>
+            <a:ext cx="1463040" cy="513806"/>
+          </a:xfrm>
+          <a:prstGeom prst="rect">
+            <a:avLst/>
+          </a:prstGeom>
+          <a:solidFill>
+            <a:schemeClr val="bg2"/>
+          </a:solidFill>
+          <a:ln>
+            <a:solidFill>
+              <a:schemeClr val="tx1"/>
+            </a:solidFill>
+          </a:ln>
+        </p:spPr>
+        <p:style>
+          <a:lnRef idx="2">
+            <a:schemeClr val="accent1">
+              <a:shade val="50000"/>
+            </a:schemeClr>
+          </a:lnRef>
+          <a:fillRef idx="1">
+            <a:schemeClr val="accent1"/>
+          </a:fillRef>
+          <a:effectRef idx="0">
+            <a:schemeClr val="accent1"/>
+          </a:effectRef>
+          <a:fontRef idx="minor">
+            <a:schemeClr val="lt1"/>
+          </a:fontRef>
+        </p:style>
+        <p:txBody>
+          <a:bodyPr rtlCol="0" anchor="ctr"/>
+          <a:lstStyle/>
+          <a:p>
+            <a:pPr algn="ctr"/>
+            <a:r>
+              <a:rPr lang="cs-CZ" sz="1200" dirty="0">
+                <a:solidFill>
+                  <a:schemeClr val="tx1"/>
+                </a:solidFill>
+              </a:rPr>
+              <a:t>res</a:t>
+            </a:r>
+          </a:p>
+        </p:txBody>
+      </p:sp>
+      <p:sp>
+        <p:nvSpPr>
+          <p:cNvPr id="5" name="Obdélník 4">
+            <a:extLst>
+              <a:ext uri="{FF2B5EF4-FFF2-40B4-BE49-F238E27FC236}">
+                <a16:creationId xmlns:a16="http://schemas.microsoft.com/office/drawing/2014/main" id="{9A89AF96-1383-41BF-AD06-52A2CFE3CBF0}"/>
+              </a:ext>
+            </a:extLst>
+          </p:cNvPr>
+          <p:cNvSpPr/>
+          <p:nvPr/>
+        </p:nvSpPr>
+        <p:spPr>
+          <a:xfrm>
+            <a:off x="10267404" y="5270863"/>
+            <a:ext cx="1463040" cy="513806"/>
+          </a:xfrm>
+          <a:prstGeom prst="rect">
+            <a:avLst/>
+          </a:prstGeom>
+          <a:solidFill>
+            <a:schemeClr val="bg2"/>
+          </a:solidFill>
+          <a:ln>
+            <a:solidFill>
+              <a:schemeClr val="tx1"/>
+            </a:solidFill>
+          </a:ln>
+        </p:spPr>
+        <p:style>
+          <a:lnRef idx="2">
+            <a:schemeClr val="accent1">
+              <a:shade val="50000"/>
+            </a:schemeClr>
+          </a:lnRef>
+          <a:fillRef idx="1">
+            <a:schemeClr val="accent1"/>
+          </a:fillRef>
+          <a:effectRef idx="0">
+            <a:schemeClr val="accent1"/>
+          </a:effectRef>
+          <a:fontRef idx="minor">
+            <a:schemeClr val="lt1"/>
+          </a:fontRef>
+        </p:style>
+        <p:txBody>
+          <a:bodyPr rtlCol="0" anchor="ctr"/>
+          <a:lstStyle/>
+          <a:p>
+            <a:pPr algn="ctr"/>
+            <a:r>
+              <a:rPr lang="cs-CZ" sz="1200" dirty="0">
+                <a:solidFill>
+                  <a:schemeClr val="tx1"/>
+                </a:solidFill>
+              </a:rPr>
+              <a:t>pars</a:t>
+            </a:r>
+          </a:p>
+        </p:txBody>
+      </p:sp>
+      <p:sp>
+        <p:nvSpPr>
+          <p:cNvPr id="6" name="Obdélník 5">
+            <a:extLst>
+              <a:ext uri="{FF2B5EF4-FFF2-40B4-BE49-F238E27FC236}">
+                <a16:creationId xmlns:a16="http://schemas.microsoft.com/office/drawing/2014/main" id="{25B4E881-DA7B-4C26-9C4D-9ACA3A978CFB}"/>
+              </a:ext>
+            </a:extLst>
+          </p:cNvPr>
+          <p:cNvSpPr/>
+          <p:nvPr/>
+        </p:nvSpPr>
+        <p:spPr>
+          <a:xfrm>
+            <a:off x="10267404" y="4511040"/>
+            <a:ext cx="1463040" cy="513806"/>
+          </a:xfrm>
+          <a:prstGeom prst="rect">
+            <a:avLst/>
+          </a:prstGeom>
+          <a:solidFill>
+            <a:schemeClr val="bg2"/>
+          </a:solidFill>
+          <a:ln>
+            <a:solidFill>
+              <a:schemeClr val="tx1"/>
+            </a:solidFill>
+          </a:ln>
+        </p:spPr>
+        <p:style>
+          <a:lnRef idx="2">
+            <a:schemeClr val="accent1">
+              <a:shade val="50000"/>
+            </a:schemeClr>
+          </a:lnRef>
+          <a:fillRef idx="1">
+            <a:schemeClr val="accent1"/>
+          </a:fillRef>
+          <a:effectRef idx="0">
+            <a:schemeClr val="accent1"/>
+          </a:effectRef>
+          <a:fontRef idx="minor">
+            <a:schemeClr val="lt1"/>
+          </a:fontRef>
+        </p:style>
+        <p:txBody>
+          <a:bodyPr rtlCol="0" anchor="ctr"/>
+          <a:lstStyle/>
+          <a:p>
+            <a:pPr algn="ctr"/>
+            <a:r>
+              <a:rPr lang="cs-CZ" sz="1200" dirty="0">
+                <a:solidFill>
+                  <a:schemeClr val="tx1"/>
+                </a:solidFill>
+              </a:rPr>
+              <a:t>chmu</a:t>
+            </a:r>
+          </a:p>
+        </p:txBody>
+      </p:sp>
+      <p:sp>
+        <p:nvSpPr>
+          <p:cNvPr id="7" name="Obdélník 6">
+            <a:extLst>
+              <a:ext uri="{FF2B5EF4-FFF2-40B4-BE49-F238E27FC236}">
+                <a16:creationId xmlns:a16="http://schemas.microsoft.com/office/drawing/2014/main" id="{2F3D9E90-61E2-4D9A-B8C1-FF63C7E62FDB}"/>
+              </a:ext>
+            </a:extLst>
+          </p:cNvPr>
+          <p:cNvSpPr/>
+          <p:nvPr/>
+        </p:nvSpPr>
+        <p:spPr>
+          <a:xfrm>
+            <a:off x="10267404" y="3751217"/>
+            <a:ext cx="1463040" cy="513806"/>
+          </a:xfrm>
+          <a:prstGeom prst="rect">
+            <a:avLst/>
+          </a:prstGeom>
+          <a:solidFill>
+            <a:schemeClr val="bg2"/>
+          </a:solidFill>
+          <a:ln>
+            <a:solidFill>
+              <a:schemeClr val="tx1"/>
+            </a:solidFill>
+          </a:ln>
+        </p:spPr>
+        <p:style>
+          <a:lnRef idx="2">
+            <a:schemeClr val="accent1">
+              <a:shade val="50000"/>
+            </a:schemeClr>
+          </a:lnRef>
+          <a:fillRef idx="1">
+            <a:schemeClr val="accent1"/>
+          </a:fillRef>
+          <a:effectRef idx="0">
+            <a:schemeClr val="accent1"/>
+          </a:effectRef>
+          <a:fontRef idx="minor">
+            <a:schemeClr val="lt1"/>
+          </a:fontRef>
+        </p:style>
+        <p:txBody>
+          <a:bodyPr rtlCol="0" anchor="ctr"/>
+          <a:lstStyle/>
+          <a:p>
+            <a:pPr algn="ctr"/>
+            <a:r>
+              <a:rPr lang="cs-CZ" sz="1200" dirty="0">
+                <a:solidFill>
+                  <a:schemeClr val="tx1"/>
+                </a:solidFill>
+              </a:rPr>
+              <a:t>uzivani</a:t>
+            </a:r>
+          </a:p>
+        </p:txBody>
+      </p:sp>
+      <p:sp>
+        <p:nvSpPr>
+          <p:cNvPr id="8" name="Obdélník 7">
+            <a:extLst>
+              <a:ext uri="{FF2B5EF4-FFF2-40B4-BE49-F238E27FC236}">
+                <a16:creationId xmlns:a16="http://schemas.microsoft.com/office/drawing/2014/main" id="{0981A2C8-1FCB-4C3D-AA03-8F6F3202A424}"/>
+              </a:ext>
+            </a:extLst>
+          </p:cNvPr>
+          <p:cNvSpPr/>
+          <p:nvPr/>
+        </p:nvSpPr>
+        <p:spPr>
+          <a:xfrm>
+            <a:off x="10267404" y="711925"/>
+            <a:ext cx="1463040" cy="513806"/>
+          </a:xfrm>
+          <a:prstGeom prst="rect">
+            <a:avLst/>
+          </a:prstGeom>
+          <a:solidFill>
+            <a:schemeClr val="bg2"/>
+          </a:solidFill>
+          <a:ln>
+            <a:solidFill>
+              <a:schemeClr val="tx1"/>
+            </a:solidFill>
+          </a:ln>
+        </p:spPr>
+        <p:style>
+          <a:lnRef idx="2">
+            <a:schemeClr val="accent1">
+              <a:shade val="50000"/>
+            </a:schemeClr>
+          </a:lnRef>
+          <a:fillRef idx="1">
+            <a:schemeClr val="accent1"/>
+          </a:fillRef>
+          <a:effectRef idx="0">
+            <a:schemeClr val="accent1"/>
+          </a:effectRef>
+          <a:fontRef idx="minor">
+            <a:schemeClr val="lt1"/>
+          </a:fontRef>
+        </p:style>
+        <p:txBody>
+          <a:bodyPr rtlCol="0" anchor="ctr"/>
+          <a:lstStyle/>
+          <a:p>
+            <a:pPr algn="ctr"/>
+            <a:r>
+              <a:rPr lang="cs-CZ" sz="1000" dirty="0">
+                <a:solidFill>
+                  <a:schemeClr val="tx1"/>
+                </a:solidFill>
+              </a:rPr>
+              <a:t>routed-0_bilan_bez_VN</a:t>
+            </a:r>
+          </a:p>
+        </p:txBody>
+      </p:sp>
+      <p:sp>
+        <p:nvSpPr>
+          <p:cNvPr id="9" name="Obdélník 8">
+            <a:extLst>
+              <a:ext uri="{FF2B5EF4-FFF2-40B4-BE49-F238E27FC236}">
+                <a16:creationId xmlns:a16="http://schemas.microsoft.com/office/drawing/2014/main" id="{5837A924-3B9F-4EC4-A121-8553898F6E7A}"/>
+              </a:ext>
+            </a:extLst>
+          </p:cNvPr>
+          <p:cNvSpPr/>
+          <p:nvPr/>
+        </p:nvSpPr>
+        <p:spPr>
+          <a:xfrm>
+            <a:off x="2264227" y="2917371"/>
+            <a:ext cx="1132114" cy="513806"/>
+          </a:xfrm>
+          <a:prstGeom prst="rect">
+            <a:avLst/>
+          </a:prstGeom>
+          <a:solidFill>
+            <a:schemeClr val="bg2"/>
+          </a:solidFill>
+          <a:ln>
+            <a:solidFill>
+              <a:schemeClr val="tx1"/>
+            </a:solidFill>
+          </a:ln>
+        </p:spPr>
+        <p:style>
+          <a:lnRef idx="2">
+            <a:schemeClr val="accent1">
+              <a:shade val="50000"/>
+            </a:schemeClr>
+          </a:lnRef>
+          <a:fillRef idx="1">
+            <a:schemeClr val="accent1"/>
+          </a:fillRef>
+          <a:effectRef idx="0">
+            <a:schemeClr val="accent1"/>
+          </a:effectRef>
+          <a:fontRef idx="minor">
+            <a:schemeClr val="lt1"/>
+          </a:fontRef>
+        </p:style>
+        <p:txBody>
+          <a:bodyPr rtlCol="0" anchor="ctr"/>
+          <a:lstStyle/>
+          <a:p>
+            <a:pPr algn="ctr"/>
+            <a:r>
+              <a:rPr lang="cs-CZ" sz="1200" dirty="0">
+                <a:solidFill>
+                  <a:schemeClr val="tx1"/>
+                </a:solidFill>
+              </a:rPr>
+              <a:t>webapp_data</a:t>
+            </a:r>
+          </a:p>
+        </p:txBody>
+      </p:sp>
+    </p:spTree>
+    <p:extLst>
+      <p:ext uri="{BB962C8B-B14F-4D97-AF65-F5344CB8AC3E}">
+        <p14:creationId xmlns:p14="http://schemas.microsoft.com/office/powerpoint/2010/main" val="3179407501"/>
+      </p:ext>
+    </p:extLst>
+  </p:cSld>
+  <p:clrMapOvr>
+    <a:masterClrMapping/>
+  </p:clrMapOvr>
+</p:sld>
+</file>
+
 <file path=ppt/theme/theme1.xml><?xml version="1.0" encoding="utf-8"?>
 <a:theme xmlns:a="http://schemas.openxmlformats.org/drawingml/2006/main" name="Motiv Office">
   <a:themeElements>

--- a/fig/figs.pptx
+++ b/fig/figs.pptx
@@ -251,7 +251,7 @@
           <a:p>
             <a:fld id="{920EB18E-1134-4CD8-9A0C-0ED1BE90E7FD}" type="datetimeFigureOut">
               <a:rPr lang="cs-CZ" smtClean="0"/>
-              <a:t>20. 4. 2018</a:t>
+              <a:t>22. 4. 2018</a:t>
             </a:fld>
             <a:endParaRPr lang="cs-CZ"/>
           </a:p>
@@ -419,7 +419,7 @@
           <a:p>
             <a:fld id="{920EB18E-1134-4CD8-9A0C-0ED1BE90E7FD}" type="datetimeFigureOut">
               <a:rPr lang="cs-CZ" smtClean="0"/>
-              <a:t>20. 4. 2018</a:t>
+              <a:t>22. 4. 2018</a:t>
             </a:fld>
             <a:endParaRPr lang="cs-CZ"/>
           </a:p>
@@ -597,7 +597,7 @@
           <a:p>
             <a:fld id="{920EB18E-1134-4CD8-9A0C-0ED1BE90E7FD}" type="datetimeFigureOut">
               <a:rPr lang="cs-CZ" smtClean="0"/>
-              <a:t>20. 4. 2018</a:t>
+              <a:t>22. 4. 2018</a:t>
             </a:fld>
             <a:endParaRPr lang="cs-CZ"/>
           </a:p>
@@ -765,7 +765,7 @@
           <a:p>
             <a:fld id="{920EB18E-1134-4CD8-9A0C-0ED1BE90E7FD}" type="datetimeFigureOut">
               <a:rPr lang="cs-CZ" smtClean="0"/>
-              <a:t>20. 4. 2018</a:t>
+              <a:t>22. 4. 2018</a:t>
             </a:fld>
             <a:endParaRPr lang="cs-CZ"/>
           </a:p>
@@ -1010,7 +1010,7 @@
           <a:p>
             <a:fld id="{920EB18E-1134-4CD8-9A0C-0ED1BE90E7FD}" type="datetimeFigureOut">
               <a:rPr lang="cs-CZ" smtClean="0"/>
-              <a:t>20. 4. 2018</a:t>
+              <a:t>22. 4. 2018</a:t>
             </a:fld>
             <a:endParaRPr lang="cs-CZ"/>
           </a:p>
@@ -1239,7 +1239,7 @@
           <a:p>
             <a:fld id="{920EB18E-1134-4CD8-9A0C-0ED1BE90E7FD}" type="datetimeFigureOut">
               <a:rPr lang="cs-CZ" smtClean="0"/>
-              <a:t>20. 4. 2018</a:t>
+              <a:t>22. 4. 2018</a:t>
             </a:fld>
             <a:endParaRPr lang="cs-CZ"/>
           </a:p>
@@ -1603,7 +1603,7 @@
           <a:p>
             <a:fld id="{920EB18E-1134-4CD8-9A0C-0ED1BE90E7FD}" type="datetimeFigureOut">
               <a:rPr lang="cs-CZ" smtClean="0"/>
-              <a:t>20. 4. 2018</a:t>
+              <a:t>22. 4. 2018</a:t>
             </a:fld>
             <a:endParaRPr lang="cs-CZ"/>
           </a:p>
@@ -1720,7 +1720,7 @@
           <a:p>
             <a:fld id="{920EB18E-1134-4CD8-9A0C-0ED1BE90E7FD}" type="datetimeFigureOut">
               <a:rPr lang="cs-CZ" smtClean="0"/>
-              <a:t>20. 4. 2018</a:t>
+              <a:t>22. 4. 2018</a:t>
             </a:fld>
             <a:endParaRPr lang="cs-CZ"/>
           </a:p>
@@ -1815,7 +1815,7 @@
           <a:p>
             <a:fld id="{920EB18E-1134-4CD8-9A0C-0ED1BE90E7FD}" type="datetimeFigureOut">
               <a:rPr lang="cs-CZ" smtClean="0"/>
-              <a:t>20. 4. 2018</a:t>
+              <a:t>22. 4. 2018</a:t>
             </a:fld>
             <a:endParaRPr lang="cs-CZ"/>
           </a:p>
@@ -2090,7 +2090,7 @@
           <a:p>
             <a:fld id="{920EB18E-1134-4CD8-9A0C-0ED1BE90E7FD}" type="datetimeFigureOut">
               <a:rPr lang="cs-CZ" smtClean="0"/>
-              <a:t>20. 4. 2018</a:t>
+              <a:t>22. 4. 2018</a:t>
             </a:fld>
             <a:endParaRPr lang="cs-CZ"/>
           </a:p>
@@ -2342,7 +2342,7 @@
           <a:p>
             <a:fld id="{920EB18E-1134-4CD8-9A0C-0ED1BE90E7FD}" type="datetimeFigureOut">
               <a:rPr lang="cs-CZ" smtClean="0"/>
-              <a:t>20. 4. 2018</a:t>
+              <a:t>22. 4. 2018</a:t>
             </a:fld>
             <a:endParaRPr lang="cs-CZ"/>
           </a:p>
@@ -2553,7 +2553,7 @@
           <a:p>
             <a:fld id="{920EB18E-1134-4CD8-9A0C-0ED1BE90E7FD}" type="datetimeFigureOut">
               <a:rPr lang="cs-CZ" smtClean="0"/>
-              <a:t>20. 4. 2018</a:t>
+              <a:t>22. 4. 2018</a:t>
             </a:fld>
             <a:endParaRPr lang="cs-CZ"/>
           </a:p>
@@ -9187,10 +9187,10 @@
       </p:grpSpPr>
       <p:grpSp>
         <p:nvGrpSpPr>
-          <p:cNvPr id="100" name="Skupina 99">
+          <p:cNvPr id="2" name="Skupina 1">
             <a:extLst>
               <a:ext uri="{FF2B5EF4-FFF2-40B4-BE49-F238E27FC236}">
-                <a16:creationId xmlns:a16="http://schemas.microsoft.com/office/drawing/2014/main" id="{A54E11F4-8780-432E-8439-F3D32F62A510}"/>
+                <a16:creationId xmlns:a16="http://schemas.microsoft.com/office/drawing/2014/main" id="{91191205-BDA0-4B72-8AAB-7F82DA72F647}"/>
               </a:ext>
             </a:extLst>
           </p:cNvPr>
@@ -9199,18 +9199,2489 @@
         </p:nvGrpSpPr>
         <p:grpSpPr>
           <a:xfrm>
-            <a:off x="1927719" y="255111"/>
+            <a:off x="1904086" y="272528"/>
             <a:ext cx="6379824" cy="6488325"/>
-            <a:chOff x="1927719" y="255111"/>
+            <a:chOff x="1904086" y="272528"/>
             <a:chExt cx="6379824" cy="6488325"/>
           </a:xfrm>
         </p:grpSpPr>
+        <p:grpSp>
+          <p:nvGrpSpPr>
+            <p:cNvPr id="100" name="Skupina 99">
+              <a:extLst>
+                <a:ext uri="{FF2B5EF4-FFF2-40B4-BE49-F238E27FC236}">
+                  <a16:creationId xmlns:a16="http://schemas.microsoft.com/office/drawing/2014/main" id="{A54E11F4-8780-432E-8439-F3D32F62A510}"/>
+                </a:ext>
+              </a:extLst>
+            </p:cNvPr>
+            <p:cNvGrpSpPr/>
+            <p:nvPr/>
+          </p:nvGrpSpPr>
+          <p:grpSpPr>
+            <a:xfrm>
+              <a:off x="1904086" y="272528"/>
+              <a:ext cx="6379824" cy="6488325"/>
+              <a:chOff x="1927719" y="255111"/>
+              <a:chExt cx="6379824" cy="6488325"/>
+            </a:xfrm>
+          </p:grpSpPr>
+          <p:sp>
+            <p:nvSpPr>
+              <p:cNvPr id="90" name="Obdélník: se zakulacenými rohy 89">
+                <a:extLst>
+                  <a:ext uri="{FF2B5EF4-FFF2-40B4-BE49-F238E27FC236}">
+                    <a16:creationId xmlns:a16="http://schemas.microsoft.com/office/drawing/2014/main" id="{6CD58F86-6B3F-4DDC-97CD-D144D1A4F606}"/>
+                  </a:ext>
+                </a:extLst>
+              </p:cNvPr>
+              <p:cNvSpPr/>
+              <p:nvPr/>
+            </p:nvSpPr>
+            <p:spPr>
+              <a:xfrm>
+                <a:off x="4496815" y="5692718"/>
+                <a:ext cx="3769233" cy="875857"/>
+              </a:xfrm>
+              <a:prstGeom prst="roundRect">
+                <a:avLst/>
+              </a:prstGeom>
+              <a:solidFill>
+                <a:schemeClr val="tx1">
+                  <a:lumMod val="65000"/>
+                  <a:lumOff val="35000"/>
+                  <a:alpha val="22000"/>
+                </a:schemeClr>
+              </a:solidFill>
+              <a:ln>
+                <a:noFill/>
+              </a:ln>
+            </p:spPr>
+            <p:style>
+              <a:lnRef idx="0">
+                <a:scrgbClr r="0" g="0" b="0"/>
+              </a:lnRef>
+              <a:fillRef idx="0">
+                <a:scrgbClr r="0" g="0" b="0"/>
+              </a:fillRef>
+              <a:effectRef idx="0">
+                <a:scrgbClr r="0" g="0" b="0"/>
+              </a:effectRef>
+              <a:fontRef idx="minor">
+                <a:schemeClr val="accent3"/>
+              </a:fontRef>
+            </p:style>
+            <p:txBody>
+              <a:bodyPr rtlCol="0" anchor="ctr"/>
+              <a:lstStyle/>
+              <a:p>
+                <a:pPr algn="ctr"/>
+                <a:endParaRPr lang="cs-CZ"/>
+              </a:p>
+            </p:txBody>
+          </p:sp>
+          <p:sp>
+            <p:nvSpPr>
+              <p:cNvPr id="89" name="Obdélník: se zakulacenými rohy 88">
+                <a:extLst>
+                  <a:ext uri="{FF2B5EF4-FFF2-40B4-BE49-F238E27FC236}">
+                    <a16:creationId xmlns:a16="http://schemas.microsoft.com/office/drawing/2014/main" id="{3A5B66D0-0A10-4C62-B851-B6DDFDFA3ED7}"/>
+                  </a:ext>
+                </a:extLst>
+              </p:cNvPr>
+              <p:cNvSpPr/>
+              <p:nvPr/>
+            </p:nvSpPr>
+            <p:spPr>
+              <a:xfrm>
+                <a:off x="3574023" y="3032895"/>
+                <a:ext cx="4692026" cy="1790272"/>
+              </a:xfrm>
+              <a:prstGeom prst="roundRect">
+                <a:avLst/>
+              </a:prstGeom>
+              <a:solidFill>
+                <a:schemeClr val="tx1">
+                  <a:lumMod val="65000"/>
+                  <a:lumOff val="35000"/>
+                  <a:alpha val="22000"/>
+                </a:schemeClr>
+              </a:solidFill>
+              <a:ln>
+                <a:noFill/>
+              </a:ln>
+            </p:spPr>
+            <p:style>
+              <a:lnRef idx="0">
+                <a:scrgbClr r="0" g="0" b="0"/>
+              </a:lnRef>
+              <a:fillRef idx="0">
+                <a:scrgbClr r="0" g="0" b="0"/>
+              </a:fillRef>
+              <a:effectRef idx="0">
+                <a:scrgbClr r="0" g="0" b="0"/>
+              </a:effectRef>
+              <a:fontRef idx="minor">
+                <a:schemeClr val="accent3"/>
+              </a:fontRef>
+            </p:style>
+            <p:txBody>
+              <a:bodyPr rtlCol="0" anchor="ctr"/>
+              <a:lstStyle/>
+              <a:p>
+                <a:pPr algn="ctr"/>
+                <a:endParaRPr lang="cs-CZ"/>
+              </a:p>
+            </p:txBody>
+          </p:sp>
+          <p:sp>
+            <p:nvSpPr>
+              <p:cNvPr id="91" name="Obdélník: se zakulacenými rohy 90">
+                <a:extLst>
+                  <a:ext uri="{FF2B5EF4-FFF2-40B4-BE49-F238E27FC236}">
+                    <a16:creationId xmlns:a16="http://schemas.microsoft.com/office/drawing/2014/main" id="{2BB73FD2-5ADD-4472-AD4C-3C0224218612}"/>
+                  </a:ext>
+                </a:extLst>
+              </p:cNvPr>
+              <p:cNvSpPr/>
+              <p:nvPr/>
+            </p:nvSpPr>
+            <p:spPr>
+              <a:xfrm>
+                <a:off x="4507685" y="4897203"/>
+                <a:ext cx="3758363" cy="723418"/>
+              </a:xfrm>
+              <a:prstGeom prst="roundRect">
+                <a:avLst/>
+              </a:prstGeom>
+              <a:solidFill>
+                <a:schemeClr val="tx1">
+                  <a:lumMod val="65000"/>
+                  <a:lumOff val="35000"/>
+                  <a:alpha val="22000"/>
+                </a:schemeClr>
+              </a:solidFill>
+              <a:ln>
+                <a:noFill/>
+              </a:ln>
+            </p:spPr>
+            <p:style>
+              <a:lnRef idx="0">
+                <a:scrgbClr r="0" g="0" b="0"/>
+              </a:lnRef>
+              <a:fillRef idx="0">
+                <a:scrgbClr r="0" g="0" b="0"/>
+              </a:fillRef>
+              <a:effectRef idx="0">
+                <a:scrgbClr r="0" g="0" b="0"/>
+              </a:effectRef>
+              <a:fontRef idx="minor">
+                <a:schemeClr val="accent3"/>
+              </a:fontRef>
+            </p:style>
+            <p:txBody>
+              <a:bodyPr rtlCol="0" anchor="ctr"/>
+              <a:lstStyle/>
+              <a:p>
+                <a:pPr algn="ctr"/>
+                <a:endParaRPr lang="cs-CZ" dirty="0"/>
+              </a:p>
+            </p:txBody>
+          </p:sp>
+          <p:sp>
+            <p:nvSpPr>
+              <p:cNvPr id="85" name="Obdélník: se zakulacenými rohy 84">
+                <a:extLst>
+                  <a:ext uri="{FF2B5EF4-FFF2-40B4-BE49-F238E27FC236}">
+                    <a16:creationId xmlns:a16="http://schemas.microsoft.com/office/drawing/2014/main" id="{08ADAC20-D809-465B-A266-F562AD8D9270}"/>
+                  </a:ext>
+                </a:extLst>
+              </p:cNvPr>
+              <p:cNvSpPr/>
+              <p:nvPr/>
+            </p:nvSpPr>
+            <p:spPr>
+              <a:xfrm>
+                <a:off x="3569110" y="1330081"/>
+                <a:ext cx="4696939" cy="1625805"/>
+              </a:xfrm>
+              <a:prstGeom prst="roundRect">
+                <a:avLst/>
+              </a:prstGeom>
+              <a:solidFill>
+                <a:schemeClr val="tx1">
+                  <a:lumMod val="65000"/>
+                  <a:lumOff val="35000"/>
+                  <a:alpha val="22000"/>
+                </a:schemeClr>
+              </a:solidFill>
+              <a:ln>
+                <a:noFill/>
+              </a:ln>
+            </p:spPr>
+            <p:style>
+              <a:lnRef idx="0">
+                <a:scrgbClr r="0" g="0" b="0"/>
+              </a:lnRef>
+              <a:fillRef idx="0">
+                <a:scrgbClr r="0" g="0" b="0"/>
+              </a:fillRef>
+              <a:effectRef idx="0">
+                <a:scrgbClr r="0" g="0" b="0"/>
+              </a:effectRef>
+              <a:fontRef idx="minor">
+                <a:schemeClr val="accent3"/>
+              </a:fontRef>
+            </p:style>
+            <p:txBody>
+              <a:bodyPr rtlCol="0" anchor="ctr"/>
+              <a:lstStyle/>
+              <a:p>
+                <a:pPr algn="ctr"/>
+                <a:endParaRPr lang="cs-CZ"/>
+              </a:p>
+            </p:txBody>
+          </p:sp>
+          <p:sp>
+            <p:nvSpPr>
+              <p:cNvPr id="87" name="Obdélník: se zakulacenými rohy 86">
+                <a:extLst>
+                  <a:ext uri="{FF2B5EF4-FFF2-40B4-BE49-F238E27FC236}">
+                    <a16:creationId xmlns:a16="http://schemas.microsoft.com/office/drawing/2014/main" id="{FF40D9E4-EB14-40D0-B9A6-20F3A4E95C32}"/>
+                  </a:ext>
+                </a:extLst>
+              </p:cNvPr>
+              <p:cNvSpPr/>
+              <p:nvPr/>
+            </p:nvSpPr>
+            <p:spPr>
+              <a:xfrm>
+                <a:off x="3578942" y="393524"/>
+                <a:ext cx="4687107" cy="874837"/>
+              </a:xfrm>
+              <a:prstGeom prst="roundRect">
+                <a:avLst/>
+              </a:prstGeom>
+              <a:solidFill>
+                <a:schemeClr val="tx1">
+                  <a:lumMod val="65000"/>
+                  <a:lumOff val="35000"/>
+                  <a:alpha val="22000"/>
+                </a:schemeClr>
+              </a:solidFill>
+              <a:ln>
+                <a:noFill/>
+              </a:ln>
+            </p:spPr>
+            <p:style>
+              <a:lnRef idx="0">
+                <a:scrgbClr r="0" g="0" b="0"/>
+              </a:lnRef>
+              <a:fillRef idx="0">
+                <a:scrgbClr r="0" g="0" b="0"/>
+              </a:fillRef>
+              <a:effectRef idx="0">
+                <a:scrgbClr r="0" g="0" b="0"/>
+              </a:effectRef>
+              <a:fontRef idx="minor">
+                <a:schemeClr val="accent3"/>
+              </a:fontRef>
+            </p:style>
+            <p:txBody>
+              <a:bodyPr rtlCol="0" anchor="ctr"/>
+              <a:lstStyle/>
+              <a:p>
+                <a:pPr algn="ctr"/>
+                <a:endParaRPr lang="cs-CZ"/>
+              </a:p>
+            </p:txBody>
+          </p:sp>
+          <p:grpSp>
+            <p:nvGrpSpPr>
+              <p:cNvPr id="93" name="Skupina 92">
+                <a:extLst>
+                  <a:ext uri="{FF2B5EF4-FFF2-40B4-BE49-F238E27FC236}">
+                    <a16:creationId xmlns:a16="http://schemas.microsoft.com/office/drawing/2014/main" id="{B0E6A267-F2BF-46E7-A9CF-A581AB4825FE}"/>
+                  </a:ext>
+                </a:extLst>
+              </p:cNvPr>
+              <p:cNvGrpSpPr/>
+              <p:nvPr/>
+            </p:nvGrpSpPr>
+            <p:grpSpPr>
+              <a:xfrm>
+                <a:off x="4521316" y="2999833"/>
+                <a:ext cx="1088568" cy="1088568"/>
+                <a:chOff x="4380412" y="157652"/>
+                <a:chExt cx="1088568" cy="1088568"/>
+              </a:xfrm>
+            </p:grpSpPr>
+            <p:pic>
+              <p:nvPicPr>
+                <p:cNvPr id="14" name="Grafický objekt 13" descr="Složka">
+                  <a:extLst>
+                    <a:ext uri="{FF2B5EF4-FFF2-40B4-BE49-F238E27FC236}">
+                      <a16:creationId xmlns:a16="http://schemas.microsoft.com/office/drawing/2014/main" id="{9055F7E9-55ED-4CDB-9D85-5BC25B949F56}"/>
+                    </a:ext>
+                  </a:extLst>
+                </p:cNvPr>
+                <p:cNvPicPr>
+                  <a:picLocks noChangeAspect="1"/>
+                </p:cNvPicPr>
+                <p:nvPr/>
+              </p:nvPicPr>
+              <p:blipFill>
+                <a:blip r:embed="rId2">
+                  <a:extLst>
+                    <a:ext uri="{28A0092B-C50C-407E-A947-70E740481C1C}">
+                      <a14:useLocalDpi xmlns:a14="http://schemas.microsoft.com/office/drawing/2010/main" val="0"/>
+                    </a:ext>
+                    <a:ext uri="{96DAC541-7B7A-43D3-8B79-37D633B846F1}">
+                      <asvg:svgBlip xmlns:asvg="http://schemas.microsoft.com/office/drawing/2016/SVG/main" r:embed="rId3"/>
+                    </a:ext>
+                  </a:extLst>
+                </a:blip>
+                <a:stretch>
+                  <a:fillRect/>
+                </a:stretch>
+              </p:blipFill>
+              <p:spPr>
+                <a:xfrm>
+                  <a:off x="4380412" y="157652"/>
+                  <a:ext cx="1088568" cy="1088568"/>
+                </a:xfrm>
+                <a:prstGeom prst="rect">
+                  <a:avLst/>
+                </a:prstGeom>
+              </p:spPr>
+            </p:pic>
+            <p:sp>
+              <p:nvSpPr>
+                <p:cNvPr id="16" name="Obdélník 15">
+                  <a:extLst>
+                    <a:ext uri="{FF2B5EF4-FFF2-40B4-BE49-F238E27FC236}">
+                      <a16:creationId xmlns:a16="http://schemas.microsoft.com/office/drawing/2014/main" id="{63A6B057-24FD-41C4-BE4F-E81E22D3E750}"/>
+                    </a:ext>
+                  </a:extLst>
+                </p:cNvPr>
+                <p:cNvSpPr/>
+                <p:nvPr/>
+              </p:nvSpPr>
+              <p:spPr>
+                <a:xfrm>
+                  <a:off x="4458003" y="600578"/>
+                  <a:ext cx="933386" cy="400110"/>
+                </a:xfrm>
+                <a:prstGeom prst="rect">
+                  <a:avLst/>
+                </a:prstGeom>
+              </p:spPr>
+              <p:txBody>
+                <a:bodyPr wrap="square">
+                  <a:spAutoFit/>
+                </a:bodyPr>
+                <a:lstStyle/>
+                <a:p>
+                  <a:pPr algn="ctr"/>
+                  <a:r>
+                    <a:rPr lang="cs-CZ" sz="1000" dirty="0">
+                      <a:solidFill>
+                        <a:schemeClr val="tx1">
+                          <a:lumMod val="65000"/>
+                          <a:lumOff val="35000"/>
+                        </a:schemeClr>
+                      </a:solidFill>
+                    </a:rPr>
+                    <a:t>routed 0</a:t>
+                  </a:r>
+                </a:p>
+                <a:p>
+                  <a:pPr algn="ctr"/>
+                  <a:r>
+                    <a:rPr lang="cs-CZ" sz="1000" dirty="0">
+                      <a:solidFill>
+                        <a:schemeClr val="tx1">
+                          <a:lumMod val="65000"/>
+                          <a:lumOff val="35000"/>
+                        </a:schemeClr>
+                      </a:solidFill>
+                    </a:rPr>
+                    <a:t>bilan bez VN</a:t>
+                  </a:r>
+                </a:p>
+              </p:txBody>
+            </p:sp>
+          </p:grpSp>
+          <p:grpSp>
+            <p:nvGrpSpPr>
+              <p:cNvPr id="18" name="Skupina 17">
+                <a:extLst>
+                  <a:ext uri="{FF2B5EF4-FFF2-40B4-BE49-F238E27FC236}">
+                    <a16:creationId xmlns:a16="http://schemas.microsoft.com/office/drawing/2014/main" id="{D29C369C-90E4-492B-8193-F07CBE841D86}"/>
+                  </a:ext>
+                </a:extLst>
+              </p:cNvPr>
+              <p:cNvGrpSpPr/>
+              <p:nvPr/>
+            </p:nvGrpSpPr>
+            <p:grpSpPr>
+              <a:xfrm>
+                <a:off x="4536441" y="255111"/>
+                <a:ext cx="1088568" cy="1088568"/>
+                <a:chOff x="2386149" y="640084"/>
+                <a:chExt cx="1088568" cy="1088568"/>
+              </a:xfrm>
+            </p:grpSpPr>
+            <p:pic>
+              <p:nvPicPr>
+                <p:cNvPr id="19" name="Grafický objekt 18" descr="Složka">
+                  <a:extLst>
+                    <a:ext uri="{FF2B5EF4-FFF2-40B4-BE49-F238E27FC236}">
+                      <a16:creationId xmlns:a16="http://schemas.microsoft.com/office/drawing/2014/main" id="{82DD2FB5-63CC-4358-B545-6447F2E3342F}"/>
+                    </a:ext>
+                  </a:extLst>
+                </p:cNvPr>
+                <p:cNvPicPr>
+                  <a:picLocks noChangeAspect="1"/>
+                </p:cNvPicPr>
+                <p:nvPr/>
+              </p:nvPicPr>
+              <p:blipFill>
+                <a:blip r:embed="rId2">
+                  <a:extLst>
+                    <a:ext uri="{28A0092B-C50C-407E-A947-70E740481C1C}">
+                      <a14:useLocalDpi xmlns:a14="http://schemas.microsoft.com/office/drawing/2010/main" val="0"/>
+                    </a:ext>
+                    <a:ext uri="{96DAC541-7B7A-43D3-8B79-37D633B846F1}">
+                      <asvg:svgBlip xmlns:asvg="http://schemas.microsoft.com/office/drawing/2016/SVG/main" r:embed="rId3"/>
+                    </a:ext>
+                  </a:extLst>
+                </a:blip>
+                <a:stretch>
+                  <a:fillRect/>
+                </a:stretch>
+              </p:blipFill>
+              <p:spPr>
+                <a:xfrm>
+                  <a:off x="2386149" y="640084"/>
+                  <a:ext cx="1088568" cy="1088568"/>
+                </a:xfrm>
+                <a:prstGeom prst="rect">
+                  <a:avLst/>
+                </a:prstGeom>
+              </p:spPr>
+            </p:pic>
+            <p:sp>
+              <p:nvSpPr>
+                <p:cNvPr id="20" name="Obdélník 19">
+                  <a:extLst>
+                    <a:ext uri="{FF2B5EF4-FFF2-40B4-BE49-F238E27FC236}">
+                      <a16:creationId xmlns:a16="http://schemas.microsoft.com/office/drawing/2014/main" id="{C38F69B0-EFF1-437B-AD2F-64A026759B3E}"/>
+                    </a:ext>
+                  </a:extLst>
+                </p:cNvPr>
+                <p:cNvSpPr/>
+                <p:nvPr/>
+              </p:nvSpPr>
+              <p:spPr>
+                <a:xfrm>
+                  <a:off x="2463740" y="1133398"/>
+                  <a:ext cx="933386" cy="253916"/>
+                </a:xfrm>
+                <a:prstGeom prst="rect">
+                  <a:avLst/>
+                </a:prstGeom>
+              </p:spPr>
+              <p:txBody>
+                <a:bodyPr wrap="square">
+                  <a:spAutoFit/>
+                </a:bodyPr>
+                <a:lstStyle/>
+                <a:p>
+                  <a:pPr algn="ctr"/>
+                  <a:r>
+                    <a:rPr lang="cs-CZ" sz="1050" dirty="0">
+                      <a:solidFill>
+                        <a:schemeClr val="tx1">
+                          <a:lumMod val="65000"/>
+                          <a:lumOff val="35000"/>
+                        </a:schemeClr>
+                      </a:solidFill>
+                    </a:rPr>
+                    <a:t>geo rds</a:t>
+                  </a:r>
+                </a:p>
+              </p:txBody>
+            </p:sp>
+          </p:grpSp>
+          <p:grpSp>
+            <p:nvGrpSpPr>
+              <p:cNvPr id="21" name="Skupina 20">
+                <a:extLst>
+                  <a:ext uri="{FF2B5EF4-FFF2-40B4-BE49-F238E27FC236}">
+                    <a16:creationId xmlns:a16="http://schemas.microsoft.com/office/drawing/2014/main" id="{37FA1DCC-F842-4128-B999-5D330FAB9A99}"/>
+                  </a:ext>
+                </a:extLst>
+              </p:cNvPr>
+              <p:cNvGrpSpPr/>
+              <p:nvPr/>
+            </p:nvGrpSpPr>
+            <p:grpSpPr>
+              <a:xfrm>
+                <a:off x="4536441" y="1196522"/>
+                <a:ext cx="1088568" cy="1088568"/>
+                <a:chOff x="2386149" y="640084"/>
+                <a:chExt cx="1088568" cy="1088568"/>
+              </a:xfrm>
+            </p:grpSpPr>
+            <p:pic>
+              <p:nvPicPr>
+                <p:cNvPr id="22" name="Grafický objekt 21" descr="Složka">
+                  <a:extLst>
+                    <a:ext uri="{FF2B5EF4-FFF2-40B4-BE49-F238E27FC236}">
+                      <a16:creationId xmlns:a16="http://schemas.microsoft.com/office/drawing/2014/main" id="{2FDDFCFF-2890-4C15-B7E0-AA6F1F707986}"/>
+                    </a:ext>
+                  </a:extLst>
+                </p:cNvPr>
+                <p:cNvPicPr>
+                  <a:picLocks noChangeAspect="1"/>
+                </p:cNvPicPr>
+                <p:nvPr/>
+              </p:nvPicPr>
+              <p:blipFill>
+                <a:blip r:embed="rId2">
+                  <a:extLst>
+                    <a:ext uri="{28A0092B-C50C-407E-A947-70E740481C1C}">
+                      <a14:useLocalDpi xmlns:a14="http://schemas.microsoft.com/office/drawing/2010/main" val="0"/>
+                    </a:ext>
+                    <a:ext uri="{96DAC541-7B7A-43D3-8B79-37D633B846F1}">
+                      <asvg:svgBlip xmlns:asvg="http://schemas.microsoft.com/office/drawing/2016/SVG/main" r:embed="rId3"/>
+                    </a:ext>
+                  </a:extLst>
+                </a:blip>
+                <a:stretch>
+                  <a:fillRect/>
+                </a:stretch>
+              </p:blipFill>
+              <p:spPr>
+                <a:xfrm>
+                  <a:off x="2386149" y="640084"/>
+                  <a:ext cx="1088568" cy="1088568"/>
+                </a:xfrm>
+                <a:prstGeom prst="rect">
+                  <a:avLst/>
+                </a:prstGeom>
+              </p:spPr>
+            </p:pic>
+            <p:sp>
+              <p:nvSpPr>
+                <p:cNvPr id="23" name="Obdélník 22">
+                  <a:extLst>
+                    <a:ext uri="{FF2B5EF4-FFF2-40B4-BE49-F238E27FC236}">
+                      <a16:creationId xmlns:a16="http://schemas.microsoft.com/office/drawing/2014/main" id="{345000F2-4604-4A47-A4FC-609FF4A983BD}"/>
+                    </a:ext>
+                  </a:extLst>
+                </p:cNvPr>
+                <p:cNvSpPr/>
+                <p:nvPr/>
+              </p:nvSpPr>
+              <p:spPr>
+                <a:xfrm>
+                  <a:off x="2463740" y="1133398"/>
+                  <a:ext cx="933386" cy="253916"/>
+                </a:xfrm>
+                <a:prstGeom prst="rect">
+                  <a:avLst/>
+                </a:prstGeom>
+              </p:spPr>
+              <p:txBody>
+                <a:bodyPr wrap="square">
+                  <a:spAutoFit/>
+                </a:bodyPr>
+                <a:lstStyle/>
+                <a:p>
+                  <a:pPr algn="ctr"/>
+                  <a:r>
+                    <a:rPr lang="cs-CZ" sz="1050" dirty="0">
+                      <a:solidFill>
+                        <a:schemeClr val="tx1">
+                          <a:lumMod val="65000"/>
+                          <a:lumOff val="35000"/>
+                        </a:schemeClr>
+                      </a:solidFill>
+                    </a:rPr>
+                    <a:t>mbilan</a:t>
+                  </a:r>
+                </a:p>
+              </p:txBody>
+            </p:sp>
+          </p:grpSp>
+          <p:grpSp>
+            <p:nvGrpSpPr>
+              <p:cNvPr id="24" name="Skupina 23">
+                <a:extLst>
+                  <a:ext uri="{FF2B5EF4-FFF2-40B4-BE49-F238E27FC236}">
+                    <a16:creationId xmlns:a16="http://schemas.microsoft.com/office/drawing/2014/main" id="{891B0CD3-FA43-4624-8C83-7F48F78C8890}"/>
+                  </a:ext>
+                </a:extLst>
+              </p:cNvPr>
+              <p:cNvGrpSpPr/>
+              <p:nvPr/>
+            </p:nvGrpSpPr>
+            <p:grpSpPr>
+              <a:xfrm>
+                <a:off x="4536441" y="2020761"/>
+                <a:ext cx="1088568" cy="1088568"/>
+                <a:chOff x="2386149" y="640084"/>
+                <a:chExt cx="1088568" cy="1088568"/>
+              </a:xfrm>
+            </p:grpSpPr>
+            <p:pic>
+              <p:nvPicPr>
+                <p:cNvPr id="25" name="Grafický objekt 24" descr="Složka">
+                  <a:extLst>
+                    <a:ext uri="{FF2B5EF4-FFF2-40B4-BE49-F238E27FC236}">
+                      <a16:creationId xmlns:a16="http://schemas.microsoft.com/office/drawing/2014/main" id="{73F4C058-D0F3-4A06-90AB-8BA61E2605AF}"/>
+                    </a:ext>
+                  </a:extLst>
+                </p:cNvPr>
+                <p:cNvPicPr>
+                  <a:picLocks noChangeAspect="1"/>
+                </p:cNvPicPr>
+                <p:nvPr/>
+              </p:nvPicPr>
+              <p:blipFill>
+                <a:blip r:embed="rId2">
+                  <a:extLst>
+                    <a:ext uri="{28A0092B-C50C-407E-A947-70E740481C1C}">
+                      <a14:useLocalDpi xmlns:a14="http://schemas.microsoft.com/office/drawing/2010/main" val="0"/>
+                    </a:ext>
+                    <a:ext uri="{96DAC541-7B7A-43D3-8B79-37D633B846F1}">
+                      <asvg:svgBlip xmlns:asvg="http://schemas.microsoft.com/office/drawing/2016/SVG/main" r:embed="rId3"/>
+                    </a:ext>
+                  </a:extLst>
+                </a:blip>
+                <a:stretch>
+                  <a:fillRect/>
+                </a:stretch>
+              </p:blipFill>
+              <p:spPr>
+                <a:xfrm>
+                  <a:off x="2386149" y="640084"/>
+                  <a:ext cx="1088568" cy="1088568"/>
+                </a:xfrm>
+                <a:prstGeom prst="rect">
+                  <a:avLst/>
+                </a:prstGeom>
+              </p:spPr>
+            </p:pic>
+            <p:sp>
+              <p:nvSpPr>
+                <p:cNvPr id="26" name="Obdélník 25">
+                  <a:extLst>
+                    <a:ext uri="{FF2B5EF4-FFF2-40B4-BE49-F238E27FC236}">
+                      <a16:creationId xmlns:a16="http://schemas.microsoft.com/office/drawing/2014/main" id="{A1217913-B9B4-4513-9FED-8F3C2DFCCDD1}"/>
+                    </a:ext>
+                  </a:extLst>
+                </p:cNvPr>
+                <p:cNvSpPr/>
+                <p:nvPr/>
+              </p:nvSpPr>
+              <p:spPr>
+                <a:xfrm>
+                  <a:off x="2463740" y="1133398"/>
+                  <a:ext cx="933386" cy="253916"/>
+                </a:xfrm>
+                <a:prstGeom prst="rect">
+                  <a:avLst/>
+                </a:prstGeom>
+              </p:spPr>
+              <p:txBody>
+                <a:bodyPr wrap="square">
+                  <a:spAutoFit/>
+                </a:bodyPr>
+                <a:lstStyle/>
+                <a:p>
+                  <a:pPr algn="ctr"/>
+                  <a:r>
+                    <a:rPr lang="cs-CZ" sz="1050" dirty="0">
+                      <a:solidFill>
+                        <a:schemeClr val="tx1">
+                          <a:lumMod val="65000"/>
+                          <a:lumOff val="35000"/>
+                        </a:schemeClr>
+                      </a:solidFill>
+                    </a:rPr>
+                    <a:t>res</a:t>
+                  </a:r>
+                </a:p>
+              </p:txBody>
+            </p:sp>
+          </p:grpSp>
+          <p:grpSp>
+            <p:nvGrpSpPr>
+              <p:cNvPr id="27" name="Skupina 26">
+                <a:extLst>
+                  <a:ext uri="{FF2B5EF4-FFF2-40B4-BE49-F238E27FC236}">
+                    <a16:creationId xmlns:a16="http://schemas.microsoft.com/office/drawing/2014/main" id="{7AA398E7-A3DF-440A-9545-0861EF591B4C}"/>
+                  </a:ext>
+                </a:extLst>
+              </p:cNvPr>
+              <p:cNvGrpSpPr/>
+              <p:nvPr/>
+            </p:nvGrpSpPr>
+            <p:grpSpPr>
+              <a:xfrm>
+                <a:off x="4535062" y="3789058"/>
+                <a:ext cx="1088568" cy="1088568"/>
+                <a:chOff x="2384771" y="707339"/>
+                <a:chExt cx="1088568" cy="1088568"/>
+              </a:xfrm>
+            </p:grpSpPr>
+            <p:pic>
+              <p:nvPicPr>
+                <p:cNvPr id="28" name="Grafický objekt 27" descr="Složka">
+                  <a:extLst>
+                    <a:ext uri="{FF2B5EF4-FFF2-40B4-BE49-F238E27FC236}">
+                      <a16:creationId xmlns:a16="http://schemas.microsoft.com/office/drawing/2014/main" id="{624AD535-9CA6-4982-9C7E-48E60D472EFE}"/>
+                    </a:ext>
+                  </a:extLst>
+                </p:cNvPr>
+                <p:cNvPicPr>
+                  <a:picLocks noChangeAspect="1"/>
+                </p:cNvPicPr>
+                <p:nvPr/>
+              </p:nvPicPr>
+              <p:blipFill>
+                <a:blip r:embed="rId2">
+                  <a:extLst>
+                    <a:ext uri="{28A0092B-C50C-407E-A947-70E740481C1C}">
+                      <a14:useLocalDpi xmlns:a14="http://schemas.microsoft.com/office/drawing/2010/main" val="0"/>
+                    </a:ext>
+                    <a:ext uri="{96DAC541-7B7A-43D3-8B79-37D633B846F1}">
+                      <asvg:svgBlip xmlns:asvg="http://schemas.microsoft.com/office/drawing/2016/SVG/main" r:embed="rId3"/>
+                    </a:ext>
+                  </a:extLst>
+                </a:blip>
+                <a:stretch>
+                  <a:fillRect/>
+                </a:stretch>
+              </p:blipFill>
+              <p:spPr>
+                <a:xfrm>
+                  <a:off x="2384771" y="707339"/>
+                  <a:ext cx="1088568" cy="1088568"/>
+                </a:xfrm>
+                <a:prstGeom prst="rect">
+                  <a:avLst/>
+                </a:prstGeom>
+              </p:spPr>
+            </p:pic>
+            <p:sp>
+              <p:nvSpPr>
+                <p:cNvPr id="29" name="Obdélník 28">
+                  <a:extLst>
+                    <a:ext uri="{FF2B5EF4-FFF2-40B4-BE49-F238E27FC236}">
+                      <a16:creationId xmlns:a16="http://schemas.microsoft.com/office/drawing/2014/main" id="{1BA5B3FF-DD96-4210-A63B-B6D516638C8A}"/>
+                    </a:ext>
+                  </a:extLst>
+                </p:cNvPr>
+                <p:cNvSpPr/>
+                <p:nvPr/>
+              </p:nvSpPr>
+              <p:spPr>
+                <a:xfrm>
+                  <a:off x="2463740" y="1133398"/>
+                  <a:ext cx="933386" cy="253916"/>
+                </a:xfrm>
+                <a:prstGeom prst="rect">
+                  <a:avLst/>
+                </a:prstGeom>
+              </p:spPr>
+              <p:txBody>
+                <a:bodyPr wrap="square">
+                  <a:spAutoFit/>
+                </a:bodyPr>
+                <a:lstStyle/>
+                <a:p>
+                  <a:pPr algn="ctr"/>
+                  <a:r>
+                    <a:rPr lang="cs-CZ" sz="1050" dirty="0">
+                      <a:solidFill>
+                        <a:schemeClr val="tx1">
+                          <a:lumMod val="65000"/>
+                          <a:lumOff val="35000"/>
+                        </a:schemeClr>
+                      </a:solidFill>
+                    </a:rPr>
+                    <a:t>chmu</a:t>
+                  </a:r>
+                </a:p>
+              </p:txBody>
+            </p:sp>
+          </p:grpSp>
+          <p:grpSp>
+            <p:nvGrpSpPr>
+              <p:cNvPr id="37" name="Skupina 36">
+                <a:extLst>
+                  <a:ext uri="{FF2B5EF4-FFF2-40B4-BE49-F238E27FC236}">
+                    <a16:creationId xmlns:a16="http://schemas.microsoft.com/office/drawing/2014/main" id="{635B19F6-36C2-498F-A3A0-7466495360C3}"/>
+                  </a:ext>
+                </a:extLst>
+              </p:cNvPr>
+              <p:cNvGrpSpPr/>
+              <p:nvPr/>
+            </p:nvGrpSpPr>
+            <p:grpSpPr>
+              <a:xfrm>
+                <a:off x="4506308" y="4702086"/>
+                <a:ext cx="1088568" cy="1088568"/>
+                <a:chOff x="2386149" y="640084"/>
+                <a:chExt cx="1088568" cy="1088568"/>
+              </a:xfrm>
+            </p:grpSpPr>
+            <p:pic>
+              <p:nvPicPr>
+                <p:cNvPr id="38" name="Grafický objekt 37" descr="Složka">
+                  <a:extLst>
+                    <a:ext uri="{FF2B5EF4-FFF2-40B4-BE49-F238E27FC236}">
+                      <a16:creationId xmlns:a16="http://schemas.microsoft.com/office/drawing/2014/main" id="{9A324B15-6EFE-46FA-9509-16C8271A740E}"/>
+                    </a:ext>
+                  </a:extLst>
+                </p:cNvPr>
+                <p:cNvPicPr>
+                  <a:picLocks noChangeAspect="1"/>
+                </p:cNvPicPr>
+                <p:nvPr/>
+              </p:nvPicPr>
+              <p:blipFill>
+                <a:blip r:embed="rId2">
+                  <a:extLst>
+                    <a:ext uri="{28A0092B-C50C-407E-A947-70E740481C1C}">
+                      <a14:useLocalDpi xmlns:a14="http://schemas.microsoft.com/office/drawing/2010/main" val="0"/>
+                    </a:ext>
+                    <a:ext uri="{96DAC541-7B7A-43D3-8B79-37D633B846F1}">
+                      <asvg:svgBlip xmlns:asvg="http://schemas.microsoft.com/office/drawing/2016/SVG/main" r:embed="rId3"/>
+                    </a:ext>
+                  </a:extLst>
+                </a:blip>
+                <a:stretch>
+                  <a:fillRect/>
+                </a:stretch>
+              </p:blipFill>
+              <p:spPr>
+                <a:xfrm>
+                  <a:off x="2386149" y="640084"/>
+                  <a:ext cx="1088568" cy="1088568"/>
+                </a:xfrm>
+                <a:prstGeom prst="rect">
+                  <a:avLst/>
+                </a:prstGeom>
+              </p:spPr>
+            </p:pic>
+            <p:sp>
+              <p:nvSpPr>
+                <p:cNvPr id="39" name="Obdélník 38">
+                  <a:extLst>
+                    <a:ext uri="{FF2B5EF4-FFF2-40B4-BE49-F238E27FC236}">
+                      <a16:creationId xmlns:a16="http://schemas.microsoft.com/office/drawing/2014/main" id="{D6AC09F4-77F9-40C7-BA04-02341F46CC7B}"/>
+                    </a:ext>
+                  </a:extLst>
+                </p:cNvPr>
+                <p:cNvSpPr/>
+                <p:nvPr/>
+              </p:nvSpPr>
+              <p:spPr>
+                <a:xfrm>
+                  <a:off x="2463740" y="1133398"/>
+                  <a:ext cx="933386" cy="253916"/>
+                </a:xfrm>
+                <a:prstGeom prst="rect">
+                  <a:avLst/>
+                </a:prstGeom>
+              </p:spPr>
+              <p:txBody>
+                <a:bodyPr wrap="square">
+                  <a:spAutoFit/>
+                </a:bodyPr>
+                <a:lstStyle/>
+                <a:p>
+                  <a:pPr algn="ctr"/>
+                  <a:r>
+                    <a:rPr lang="cs-CZ" sz="1050" dirty="0">
+                      <a:solidFill>
+                        <a:schemeClr val="tx1">
+                          <a:lumMod val="65000"/>
+                          <a:lumOff val="35000"/>
+                        </a:schemeClr>
+                      </a:solidFill>
+                    </a:rPr>
+                    <a:t>indikatory</a:t>
+                  </a:r>
+                </a:p>
+              </p:txBody>
+            </p:sp>
+          </p:grpSp>
+          <p:grpSp>
+            <p:nvGrpSpPr>
+              <p:cNvPr id="51" name="Skupina 50">
+                <a:extLst>
+                  <a:ext uri="{FF2B5EF4-FFF2-40B4-BE49-F238E27FC236}">
+                    <a16:creationId xmlns:a16="http://schemas.microsoft.com/office/drawing/2014/main" id="{AEB1095A-8CCC-48CE-A0FB-9D2A51BDAA4F}"/>
+                  </a:ext>
+                </a:extLst>
+              </p:cNvPr>
+              <p:cNvGrpSpPr/>
+              <p:nvPr/>
+            </p:nvGrpSpPr>
+            <p:grpSpPr>
+              <a:xfrm>
+                <a:off x="1927719" y="2527142"/>
+                <a:ext cx="1149534" cy="1149534"/>
+                <a:chOff x="2424307" y="1711313"/>
+                <a:chExt cx="1149534" cy="1149534"/>
+              </a:xfrm>
+            </p:grpSpPr>
+            <p:pic>
+              <p:nvPicPr>
+                <p:cNvPr id="47" name="Grafický objekt 46" descr="Otevřít složku">
+                  <a:extLst>
+                    <a:ext uri="{FF2B5EF4-FFF2-40B4-BE49-F238E27FC236}">
+                      <a16:creationId xmlns:a16="http://schemas.microsoft.com/office/drawing/2014/main" id="{B46EBFFD-4315-401D-8A55-75F0AD1A5ABF}"/>
+                    </a:ext>
+                  </a:extLst>
+                </p:cNvPr>
+                <p:cNvPicPr>
+                  <a:picLocks noChangeAspect="1"/>
+                </p:cNvPicPr>
+                <p:nvPr/>
+              </p:nvPicPr>
+              <p:blipFill>
+                <a:blip r:embed="rId4">
+                  <a:extLst>
+                    <a:ext uri="{28A0092B-C50C-407E-A947-70E740481C1C}">
+                      <a14:useLocalDpi xmlns:a14="http://schemas.microsoft.com/office/drawing/2010/main" val="0"/>
+                    </a:ext>
+                    <a:ext uri="{96DAC541-7B7A-43D3-8B79-37D633B846F1}">
+                      <asvg:svgBlip xmlns:asvg="http://schemas.microsoft.com/office/drawing/2016/SVG/main" r:embed="rId5"/>
+                    </a:ext>
+                  </a:extLst>
+                </a:blip>
+                <a:stretch>
+                  <a:fillRect/>
+                </a:stretch>
+              </p:blipFill>
+              <p:spPr>
+                <a:xfrm>
+                  <a:off x="2424307" y="1711313"/>
+                  <a:ext cx="1149534" cy="1149534"/>
+                </a:xfrm>
+                <a:prstGeom prst="rect">
+                  <a:avLst/>
+                </a:prstGeom>
+              </p:spPr>
+            </p:pic>
+            <p:sp>
+              <p:nvSpPr>
+                <p:cNvPr id="50" name="Obdélník 49">
+                  <a:extLst>
+                    <a:ext uri="{FF2B5EF4-FFF2-40B4-BE49-F238E27FC236}">
+                      <a16:creationId xmlns:a16="http://schemas.microsoft.com/office/drawing/2014/main" id="{0A6EB139-A73F-41C3-BFF0-081B34460F0C}"/>
+                    </a:ext>
+                  </a:extLst>
+                </p:cNvPr>
+                <p:cNvSpPr/>
+                <p:nvPr/>
+              </p:nvSpPr>
+              <p:spPr>
+                <a:xfrm>
+                  <a:off x="2634131" y="2180181"/>
+                  <a:ext cx="886781" cy="246221"/>
+                </a:xfrm>
+                <a:prstGeom prst="rect">
+                  <a:avLst/>
+                </a:prstGeom>
+              </p:spPr>
+              <p:txBody>
+                <a:bodyPr wrap="none">
+                  <a:spAutoFit/>
+                </a:bodyPr>
+                <a:lstStyle/>
+                <a:p>
+                  <a:pPr algn="ctr"/>
+                  <a:r>
+                    <a:rPr lang="cs-CZ" sz="1000" dirty="0">
+                      <a:solidFill>
+                        <a:schemeClr val="tx1">
+                          <a:lumMod val="65000"/>
+                          <a:lumOff val="35000"/>
+                        </a:schemeClr>
+                      </a:solidFill>
+                    </a:rPr>
+                    <a:t>webapp data</a:t>
+                  </a:r>
+                </a:p>
+              </p:txBody>
+            </p:sp>
+          </p:grpSp>
+          <p:grpSp>
+            <p:nvGrpSpPr>
+              <p:cNvPr id="54" name="Skupina 53">
+                <a:extLst>
+                  <a:ext uri="{FF2B5EF4-FFF2-40B4-BE49-F238E27FC236}">
+                    <a16:creationId xmlns:a16="http://schemas.microsoft.com/office/drawing/2014/main" id="{787DBA28-98AA-4520-A232-7FC226F2F82B}"/>
+                  </a:ext>
+                </a:extLst>
+              </p:cNvPr>
+              <p:cNvGrpSpPr/>
+              <p:nvPr/>
+            </p:nvGrpSpPr>
+            <p:grpSpPr>
+              <a:xfrm>
+                <a:off x="3583793" y="365476"/>
+                <a:ext cx="933386" cy="914400"/>
+                <a:chOff x="1624562" y="3908731"/>
+                <a:chExt cx="933386" cy="914400"/>
+              </a:xfrm>
+            </p:grpSpPr>
+            <p:pic>
+              <p:nvPicPr>
+                <p:cNvPr id="55" name="Grafický objekt 54" descr="Papír">
+                  <a:extLst>
+                    <a:ext uri="{FF2B5EF4-FFF2-40B4-BE49-F238E27FC236}">
+                      <a16:creationId xmlns:a16="http://schemas.microsoft.com/office/drawing/2014/main" id="{6E4D1624-4A91-48AD-A694-3CD930556029}"/>
+                    </a:ext>
+                  </a:extLst>
+                </p:cNvPr>
+                <p:cNvPicPr>
+                  <a:picLocks noChangeAspect="1"/>
+                </p:cNvPicPr>
+                <p:nvPr/>
+              </p:nvPicPr>
+              <p:blipFill>
+                <a:blip r:embed="rId6">
+                  <a:extLst>
+                    <a:ext uri="{28A0092B-C50C-407E-A947-70E740481C1C}">
+                      <a14:useLocalDpi xmlns:a14="http://schemas.microsoft.com/office/drawing/2010/main" val="0"/>
+                    </a:ext>
+                    <a:ext uri="{96DAC541-7B7A-43D3-8B79-37D633B846F1}">
+                      <asvg:svgBlip xmlns:asvg="http://schemas.microsoft.com/office/drawing/2016/SVG/main" r:embed="rId7"/>
+                    </a:ext>
+                  </a:extLst>
+                </a:blip>
+                <a:stretch>
+                  <a:fillRect/>
+                </a:stretch>
+              </p:blipFill>
+              <p:spPr>
+                <a:xfrm>
+                  <a:off x="1634055" y="3908731"/>
+                  <a:ext cx="914400" cy="914400"/>
+                </a:xfrm>
+                <a:prstGeom prst="rect">
+                  <a:avLst/>
+                </a:prstGeom>
+              </p:spPr>
+            </p:pic>
+            <p:sp>
+              <p:nvSpPr>
+                <p:cNvPr id="56" name="Obdélník 55">
+                  <a:extLst>
+                    <a:ext uri="{FF2B5EF4-FFF2-40B4-BE49-F238E27FC236}">
+                      <a16:creationId xmlns:a16="http://schemas.microsoft.com/office/drawing/2014/main" id="{22ED41D6-8C45-4E15-8AAA-C1D5DCFA7227}"/>
+                    </a:ext>
+                  </a:extLst>
+                </p:cNvPr>
+                <p:cNvSpPr/>
+                <p:nvPr/>
+              </p:nvSpPr>
+              <p:spPr>
+                <a:xfrm>
+                  <a:off x="1624562" y="4365931"/>
+                  <a:ext cx="933386" cy="253916"/>
+                </a:xfrm>
+                <a:prstGeom prst="rect">
+                  <a:avLst/>
+                </a:prstGeom>
+              </p:spPr>
+              <p:txBody>
+                <a:bodyPr wrap="square">
+                  <a:spAutoFit/>
+                </a:bodyPr>
+                <a:lstStyle/>
+                <a:p>
+                  <a:pPr algn="ctr"/>
+                  <a:r>
+                    <a:rPr lang="cs-CZ" sz="1000" dirty="0">
+                      <a:solidFill>
+                        <a:schemeClr val="tx1">
+                          <a:lumMod val="65000"/>
+                          <a:lumOff val="35000"/>
+                        </a:schemeClr>
+                      </a:solidFill>
+                    </a:rPr>
+                    <a:t>popis</a:t>
+                  </a:r>
+                </a:p>
+              </p:txBody>
+            </p:sp>
+          </p:grpSp>
+          <p:grpSp>
+            <p:nvGrpSpPr>
+              <p:cNvPr id="57" name="Skupina 56">
+                <a:extLst>
+                  <a:ext uri="{FF2B5EF4-FFF2-40B4-BE49-F238E27FC236}">
+                    <a16:creationId xmlns:a16="http://schemas.microsoft.com/office/drawing/2014/main" id="{6229B899-DB79-4334-85A7-FF15349679CA}"/>
+                  </a:ext>
+                </a:extLst>
+              </p:cNvPr>
+              <p:cNvGrpSpPr/>
+              <p:nvPr/>
+            </p:nvGrpSpPr>
+            <p:grpSpPr>
+              <a:xfrm>
+                <a:off x="3564530" y="1599675"/>
+                <a:ext cx="933386" cy="914400"/>
+                <a:chOff x="1624562" y="3908731"/>
+                <a:chExt cx="933386" cy="914400"/>
+              </a:xfrm>
+            </p:grpSpPr>
+            <p:pic>
+              <p:nvPicPr>
+                <p:cNvPr id="58" name="Grafický objekt 57" descr="Papír">
+                  <a:extLst>
+                    <a:ext uri="{FF2B5EF4-FFF2-40B4-BE49-F238E27FC236}">
+                      <a16:creationId xmlns:a16="http://schemas.microsoft.com/office/drawing/2014/main" id="{C0359F81-29DD-47C8-8A97-D90F144DDD32}"/>
+                    </a:ext>
+                  </a:extLst>
+                </p:cNvPr>
+                <p:cNvPicPr>
+                  <a:picLocks noChangeAspect="1"/>
+                </p:cNvPicPr>
+                <p:nvPr/>
+              </p:nvPicPr>
+              <p:blipFill>
+                <a:blip r:embed="rId6">
+                  <a:extLst>
+                    <a:ext uri="{28A0092B-C50C-407E-A947-70E740481C1C}">
+                      <a14:useLocalDpi xmlns:a14="http://schemas.microsoft.com/office/drawing/2010/main" val="0"/>
+                    </a:ext>
+                    <a:ext uri="{96DAC541-7B7A-43D3-8B79-37D633B846F1}">
+                      <asvg:svgBlip xmlns:asvg="http://schemas.microsoft.com/office/drawing/2016/SVG/main" r:embed="rId7"/>
+                    </a:ext>
+                  </a:extLst>
+                </a:blip>
+                <a:stretch>
+                  <a:fillRect/>
+                </a:stretch>
+              </p:blipFill>
+              <p:spPr>
+                <a:xfrm>
+                  <a:off x="1634055" y="3908731"/>
+                  <a:ext cx="914400" cy="914400"/>
+                </a:xfrm>
+                <a:prstGeom prst="rect">
+                  <a:avLst/>
+                </a:prstGeom>
+              </p:spPr>
+            </p:pic>
+            <p:sp>
+              <p:nvSpPr>
+                <p:cNvPr id="59" name="Obdélník 58">
+                  <a:extLst>
+                    <a:ext uri="{FF2B5EF4-FFF2-40B4-BE49-F238E27FC236}">
+                      <a16:creationId xmlns:a16="http://schemas.microsoft.com/office/drawing/2014/main" id="{A90C5917-29C0-43BB-B838-ABA653E1AD27}"/>
+                    </a:ext>
+                  </a:extLst>
+                </p:cNvPr>
+                <p:cNvSpPr/>
+                <p:nvPr/>
+              </p:nvSpPr>
+              <p:spPr>
+                <a:xfrm>
+                  <a:off x="1624562" y="4365931"/>
+                  <a:ext cx="933386" cy="253916"/>
+                </a:xfrm>
+                <a:prstGeom prst="rect">
+                  <a:avLst/>
+                </a:prstGeom>
+              </p:spPr>
+              <p:txBody>
+                <a:bodyPr wrap="square">
+                  <a:spAutoFit/>
+                </a:bodyPr>
+                <a:lstStyle/>
+                <a:p>
+                  <a:pPr algn="ctr"/>
+                  <a:r>
+                    <a:rPr lang="cs-CZ" sz="1050" dirty="0">
+                      <a:solidFill>
+                        <a:schemeClr val="tx1">
+                          <a:lumMod val="65000"/>
+                          <a:lumOff val="35000"/>
+                        </a:schemeClr>
+                      </a:solidFill>
+                    </a:rPr>
+                    <a:t>TABB</a:t>
+                  </a:r>
+                </a:p>
+              </p:txBody>
+            </p:sp>
+          </p:grpSp>
+          <p:grpSp>
+            <p:nvGrpSpPr>
+              <p:cNvPr id="60" name="Skupina 59">
+                <a:extLst>
+                  <a:ext uri="{FF2B5EF4-FFF2-40B4-BE49-F238E27FC236}">
+                    <a16:creationId xmlns:a16="http://schemas.microsoft.com/office/drawing/2014/main" id="{E82C34ED-C5AF-49D2-B360-E75A10B09182}"/>
+                  </a:ext>
+                </a:extLst>
+              </p:cNvPr>
+              <p:cNvGrpSpPr/>
+              <p:nvPr/>
+            </p:nvGrpSpPr>
+            <p:grpSpPr>
+              <a:xfrm>
+                <a:off x="6175107" y="3973695"/>
+                <a:ext cx="810567" cy="810567"/>
+                <a:chOff x="1297583" y="3986455"/>
+                <a:chExt cx="810567" cy="810567"/>
+              </a:xfrm>
+            </p:grpSpPr>
+            <p:pic>
+              <p:nvPicPr>
+                <p:cNvPr id="61" name="Grafický objekt 60" descr="Papír">
+                  <a:extLst>
+                    <a:ext uri="{FF2B5EF4-FFF2-40B4-BE49-F238E27FC236}">
+                      <a16:creationId xmlns:a16="http://schemas.microsoft.com/office/drawing/2014/main" id="{5E1FC082-6D6D-466B-BDE8-F51638F64286}"/>
+                    </a:ext>
+                  </a:extLst>
+                </p:cNvPr>
+                <p:cNvPicPr>
+                  <a:picLocks noChangeAspect="1"/>
+                </p:cNvPicPr>
+                <p:nvPr/>
+              </p:nvPicPr>
+              <p:blipFill>
+                <a:blip r:embed="rId6">
+                  <a:extLst>
+                    <a:ext uri="{28A0092B-C50C-407E-A947-70E740481C1C}">
+                      <a14:useLocalDpi xmlns:a14="http://schemas.microsoft.com/office/drawing/2010/main" val="0"/>
+                    </a:ext>
+                    <a:ext uri="{96DAC541-7B7A-43D3-8B79-37D633B846F1}">
+                      <asvg:svgBlip xmlns:asvg="http://schemas.microsoft.com/office/drawing/2016/SVG/main" r:embed="rId7"/>
+                    </a:ext>
+                  </a:extLst>
+                </a:blip>
+                <a:stretch>
+                  <a:fillRect/>
+                </a:stretch>
+              </p:blipFill>
+              <p:spPr>
+                <a:xfrm>
+                  <a:off x="1297583" y="3986455"/>
+                  <a:ext cx="810567" cy="810567"/>
+                </a:xfrm>
+                <a:prstGeom prst="rect">
+                  <a:avLst/>
+                </a:prstGeom>
+              </p:spPr>
+            </p:pic>
+            <p:sp>
+              <p:nvSpPr>
+                <p:cNvPr id="62" name="Obdélník 61">
+                  <a:extLst>
+                    <a:ext uri="{FF2B5EF4-FFF2-40B4-BE49-F238E27FC236}">
+                      <a16:creationId xmlns:a16="http://schemas.microsoft.com/office/drawing/2014/main" id="{840BF1F8-04E1-45F8-96CE-B2C2526A229B}"/>
+                    </a:ext>
+                  </a:extLst>
+                </p:cNvPr>
+                <p:cNvSpPr/>
+                <p:nvPr/>
+              </p:nvSpPr>
+              <p:spPr>
+                <a:xfrm>
+                  <a:off x="1461072" y="4276928"/>
+                  <a:ext cx="483588" cy="415498"/>
+                </a:xfrm>
+                <a:prstGeom prst="rect">
+                  <a:avLst/>
+                </a:prstGeom>
+              </p:spPr>
+              <p:txBody>
+                <a:bodyPr wrap="square">
+                  <a:spAutoFit/>
+                </a:bodyPr>
+                <a:lstStyle/>
+                <a:p>
+                  <a:pPr algn="ctr"/>
+                  <a:r>
+                    <a:rPr lang="cs-CZ" sz="1050" dirty="0">
+                      <a:solidFill>
+                        <a:schemeClr val="tx1">
+                          <a:lumMod val="65000"/>
+                          <a:lumOff val="35000"/>
+                        </a:schemeClr>
+                      </a:solidFill>
+                    </a:rPr>
+                    <a:t>chars</a:t>
+                  </a:r>
+                </a:p>
+                <a:p>
+                  <a:pPr algn="ctr"/>
+                  <a:r>
+                    <a:rPr lang="cs-CZ" sz="1050" dirty="0">
+                      <a:solidFill>
+                        <a:schemeClr val="tx1">
+                          <a:lumMod val="65000"/>
+                          <a:lumOff val="35000"/>
+                        </a:schemeClr>
+                      </a:solidFill>
+                    </a:rPr>
+                    <a:t>mm</a:t>
+                  </a:r>
+                </a:p>
+              </p:txBody>
+            </p:sp>
+          </p:grpSp>
+          <p:grpSp>
+            <p:nvGrpSpPr>
+              <p:cNvPr id="63" name="Skupina 62">
+                <a:extLst>
+                  <a:ext uri="{FF2B5EF4-FFF2-40B4-BE49-F238E27FC236}">
+                    <a16:creationId xmlns:a16="http://schemas.microsoft.com/office/drawing/2014/main" id="{E13FD1A8-64AD-4F3D-B7A5-0065573CD69D}"/>
+                  </a:ext>
+                </a:extLst>
+              </p:cNvPr>
+              <p:cNvGrpSpPr/>
+              <p:nvPr/>
+            </p:nvGrpSpPr>
+            <p:grpSpPr>
+              <a:xfrm>
+                <a:off x="6769174" y="3963253"/>
+                <a:ext cx="809608" cy="809608"/>
+                <a:chOff x="1144199" y="3976013"/>
+                <a:chExt cx="809608" cy="809608"/>
+              </a:xfrm>
+            </p:grpSpPr>
+            <p:pic>
+              <p:nvPicPr>
+                <p:cNvPr id="64" name="Grafický objekt 63" descr="Papír">
+                  <a:extLst>
+                    <a:ext uri="{FF2B5EF4-FFF2-40B4-BE49-F238E27FC236}">
+                      <a16:creationId xmlns:a16="http://schemas.microsoft.com/office/drawing/2014/main" id="{25DC97E8-D43F-4E32-AF21-3FCDF581475D}"/>
+                    </a:ext>
+                  </a:extLst>
+                </p:cNvPr>
+                <p:cNvPicPr>
+                  <a:picLocks noChangeAspect="1"/>
+                </p:cNvPicPr>
+                <p:nvPr/>
+              </p:nvPicPr>
+              <p:blipFill>
+                <a:blip r:embed="rId6">
+                  <a:extLst>
+                    <a:ext uri="{28A0092B-C50C-407E-A947-70E740481C1C}">
+                      <a14:useLocalDpi xmlns:a14="http://schemas.microsoft.com/office/drawing/2010/main" val="0"/>
+                    </a:ext>
+                    <a:ext uri="{96DAC541-7B7A-43D3-8B79-37D633B846F1}">
+                      <asvg:svgBlip xmlns:asvg="http://schemas.microsoft.com/office/drawing/2016/SVG/main" r:embed="rId7"/>
+                    </a:ext>
+                  </a:extLst>
+                </a:blip>
+                <a:stretch>
+                  <a:fillRect/>
+                </a:stretch>
+              </p:blipFill>
+              <p:spPr>
+                <a:xfrm>
+                  <a:off x="1144199" y="3976013"/>
+                  <a:ext cx="809608" cy="809608"/>
+                </a:xfrm>
+                <a:prstGeom prst="rect">
+                  <a:avLst/>
+                </a:prstGeom>
+              </p:spPr>
+            </p:pic>
+            <p:sp>
+              <p:nvSpPr>
+                <p:cNvPr id="65" name="Obdélník 64">
+                  <a:extLst>
+                    <a:ext uri="{FF2B5EF4-FFF2-40B4-BE49-F238E27FC236}">
+                      <a16:creationId xmlns:a16="http://schemas.microsoft.com/office/drawing/2014/main" id="{DFC88FAC-0040-4BB7-88FC-D040183EBB3B}"/>
+                    </a:ext>
+                  </a:extLst>
+                </p:cNvPr>
+                <p:cNvSpPr/>
+                <p:nvPr/>
+              </p:nvSpPr>
+              <p:spPr>
+                <a:xfrm>
+                  <a:off x="1299048" y="4342499"/>
+                  <a:ext cx="483588" cy="246221"/>
+                </a:xfrm>
+                <a:prstGeom prst="rect">
+                  <a:avLst/>
+                </a:prstGeom>
+              </p:spPr>
+              <p:txBody>
+                <a:bodyPr wrap="square">
+                  <a:spAutoFit/>
+                </a:bodyPr>
+                <a:lstStyle/>
+                <a:p>
+                  <a:pPr algn="ctr"/>
+                  <a:r>
+                    <a:rPr lang="cs-CZ" sz="1000" dirty="0">
+                      <a:solidFill>
+                        <a:schemeClr val="tx1">
+                          <a:lumMod val="65000"/>
+                          <a:lumOff val="35000"/>
+                        </a:schemeClr>
+                      </a:solidFill>
+                    </a:rPr>
+                    <a:t>QD</a:t>
+                  </a:r>
+                </a:p>
+              </p:txBody>
+            </p:sp>
+          </p:grpSp>
+          <p:grpSp>
+            <p:nvGrpSpPr>
+              <p:cNvPr id="66" name="Skupina 65">
+                <a:extLst>
+                  <a:ext uri="{FF2B5EF4-FFF2-40B4-BE49-F238E27FC236}">
+                    <a16:creationId xmlns:a16="http://schemas.microsoft.com/office/drawing/2014/main" id="{0FA60C95-F173-4475-A69B-8144BFDEE8E2}"/>
+                  </a:ext>
+                </a:extLst>
+              </p:cNvPr>
+              <p:cNvGrpSpPr/>
+              <p:nvPr/>
+            </p:nvGrpSpPr>
+            <p:grpSpPr>
+              <a:xfrm>
+                <a:off x="5547417" y="3976321"/>
+                <a:ext cx="804356" cy="804356"/>
+                <a:chOff x="1407851" y="3989081"/>
+                <a:chExt cx="804356" cy="804356"/>
+              </a:xfrm>
+            </p:grpSpPr>
+            <p:pic>
+              <p:nvPicPr>
+                <p:cNvPr id="67" name="Grafický objekt 66" descr="Papír">
+                  <a:extLst>
+                    <a:ext uri="{FF2B5EF4-FFF2-40B4-BE49-F238E27FC236}">
+                      <a16:creationId xmlns:a16="http://schemas.microsoft.com/office/drawing/2014/main" id="{E8F54818-42A8-4389-A274-82DFD038C2F4}"/>
+                    </a:ext>
+                  </a:extLst>
+                </p:cNvPr>
+                <p:cNvPicPr>
+                  <a:picLocks noChangeAspect="1"/>
+                </p:cNvPicPr>
+                <p:nvPr/>
+              </p:nvPicPr>
+              <p:blipFill>
+                <a:blip r:embed="rId6">
+                  <a:extLst>
+                    <a:ext uri="{28A0092B-C50C-407E-A947-70E740481C1C}">
+                      <a14:useLocalDpi xmlns:a14="http://schemas.microsoft.com/office/drawing/2010/main" val="0"/>
+                    </a:ext>
+                    <a:ext uri="{96DAC541-7B7A-43D3-8B79-37D633B846F1}">
+                      <asvg:svgBlip xmlns:asvg="http://schemas.microsoft.com/office/drawing/2016/SVG/main" r:embed="rId7"/>
+                    </a:ext>
+                  </a:extLst>
+                </a:blip>
+                <a:stretch>
+                  <a:fillRect/>
+                </a:stretch>
+              </p:blipFill>
+              <p:spPr>
+                <a:xfrm>
+                  <a:off x="1407851" y="3989081"/>
+                  <a:ext cx="804356" cy="804356"/>
+                </a:xfrm>
+                <a:prstGeom prst="rect">
+                  <a:avLst/>
+                </a:prstGeom>
+              </p:spPr>
+            </p:pic>
+            <p:sp>
+              <p:nvSpPr>
+                <p:cNvPr id="68" name="Obdélník 67">
+                  <a:extLst>
+                    <a:ext uri="{FF2B5EF4-FFF2-40B4-BE49-F238E27FC236}">
+                      <a16:creationId xmlns:a16="http://schemas.microsoft.com/office/drawing/2014/main" id="{A998AF3E-E9F5-4EC5-923D-AEA45F75A5D6}"/>
+                    </a:ext>
+                  </a:extLst>
+                </p:cNvPr>
+                <p:cNvSpPr/>
+                <p:nvPr/>
+              </p:nvSpPr>
+              <p:spPr>
+                <a:xfrm>
+                  <a:off x="1501925" y="4271811"/>
+                  <a:ext cx="608112" cy="400110"/>
+                </a:xfrm>
+                <a:prstGeom prst="rect">
+                  <a:avLst/>
+                </a:prstGeom>
+              </p:spPr>
+              <p:txBody>
+                <a:bodyPr wrap="square">
+                  <a:spAutoFit/>
+                </a:bodyPr>
+                <a:lstStyle/>
+                <a:p>
+                  <a:pPr algn="ctr"/>
+                  <a:r>
+                    <a:rPr lang="cs-CZ" sz="1000" dirty="0">
+                      <a:solidFill>
+                        <a:schemeClr val="tx1">
+                          <a:lumMod val="65000"/>
+                          <a:lumOff val="35000"/>
+                        </a:schemeClr>
+                      </a:solidFill>
+                    </a:rPr>
+                    <a:t>data</a:t>
+                  </a:r>
+                  <a:endParaRPr lang="cs-CZ" sz="800" dirty="0">
+                    <a:solidFill>
+                      <a:schemeClr val="tx1">
+                        <a:lumMod val="65000"/>
+                        <a:lumOff val="35000"/>
+                      </a:schemeClr>
+                    </a:solidFill>
+                  </a:endParaRPr>
+                </a:p>
+                <a:p>
+                  <a:pPr algn="ctr"/>
+                  <a:r>
+                    <a:rPr lang="cs-CZ" sz="1000" dirty="0">
+                      <a:solidFill>
+                        <a:schemeClr val="tx1">
+                          <a:lumMod val="65000"/>
+                          <a:lumOff val="35000"/>
+                        </a:schemeClr>
+                      </a:solidFill>
+                    </a:rPr>
+                    <a:t>validace</a:t>
+                  </a:r>
+                  <a:endParaRPr lang="cs-CZ" sz="800" dirty="0">
+                    <a:solidFill>
+                      <a:schemeClr val="tx1">
+                        <a:lumMod val="65000"/>
+                        <a:lumOff val="35000"/>
+                      </a:schemeClr>
+                    </a:solidFill>
+                  </a:endParaRPr>
+                </a:p>
+              </p:txBody>
+            </p:sp>
+          </p:grpSp>
+          <p:grpSp>
+            <p:nvGrpSpPr>
+              <p:cNvPr id="69" name="Skupina 68">
+                <a:extLst>
+                  <a:ext uri="{FF2B5EF4-FFF2-40B4-BE49-F238E27FC236}">
+                    <a16:creationId xmlns:a16="http://schemas.microsoft.com/office/drawing/2014/main" id="{30545B47-C463-452E-BB84-0A287316A9AA}"/>
+                  </a:ext>
+                </a:extLst>
+              </p:cNvPr>
+              <p:cNvGrpSpPr/>
+              <p:nvPr/>
+            </p:nvGrpSpPr>
+            <p:grpSpPr>
+              <a:xfrm>
+                <a:off x="6480334" y="5675124"/>
+                <a:ext cx="933386" cy="914400"/>
+                <a:chOff x="1631564" y="3908731"/>
+                <a:chExt cx="933386" cy="914400"/>
+              </a:xfrm>
+            </p:grpSpPr>
+            <p:pic>
+              <p:nvPicPr>
+                <p:cNvPr id="70" name="Grafický objekt 69" descr="Papír">
+                  <a:extLst>
+                    <a:ext uri="{FF2B5EF4-FFF2-40B4-BE49-F238E27FC236}">
+                      <a16:creationId xmlns:a16="http://schemas.microsoft.com/office/drawing/2014/main" id="{9B740D24-18B2-40D7-9EDA-8435C51EE89E}"/>
+                    </a:ext>
+                  </a:extLst>
+                </p:cNvPr>
+                <p:cNvPicPr>
+                  <a:picLocks noChangeAspect="1"/>
+                </p:cNvPicPr>
+                <p:nvPr/>
+              </p:nvPicPr>
+              <p:blipFill>
+                <a:blip r:embed="rId6">
+                  <a:extLst>
+                    <a:ext uri="{28A0092B-C50C-407E-A947-70E740481C1C}">
+                      <a14:useLocalDpi xmlns:a14="http://schemas.microsoft.com/office/drawing/2010/main" val="0"/>
+                    </a:ext>
+                    <a:ext uri="{96DAC541-7B7A-43D3-8B79-37D633B846F1}">
+                      <asvg:svgBlip xmlns:asvg="http://schemas.microsoft.com/office/drawing/2016/SVG/main" r:embed="rId7"/>
+                    </a:ext>
+                  </a:extLst>
+                </a:blip>
+                <a:stretch>
+                  <a:fillRect/>
+                </a:stretch>
+              </p:blipFill>
+              <p:spPr>
+                <a:xfrm>
+                  <a:off x="1634055" y="3908731"/>
+                  <a:ext cx="914400" cy="914400"/>
+                </a:xfrm>
+                <a:prstGeom prst="rect">
+                  <a:avLst/>
+                </a:prstGeom>
+              </p:spPr>
+            </p:pic>
+            <p:sp>
+              <p:nvSpPr>
+                <p:cNvPr id="71" name="Obdélník 70">
+                  <a:extLst>
+                    <a:ext uri="{FF2B5EF4-FFF2-40B4-BE49-F238E27FC236}">
+                      <a16:creationId xmlns:a16="http://schemas.microsoft.com/office/drawing/2014/main" id="{C69FCB58-4B48-444A-90D9-1057ABBA7BF3}"/>
+                    </a:ext>
+                  </a:extLst>
+                </p:cNvPr>
+                <p:cNvSpPr/>
+                <p:nvPr/>
+              </p:nvSpPr>
+              <p:spPr>
+                <a:xfrm>
+                  <a:off x="1631564" y="4275636"/>
+                  <a:ext cx="933386" cy="369332"/>
+                </a:xfrm>
+                <a:prstGeom prst="rect">
+                  <a:avLst/>
+                </a:prstGeom>
+              </p:spPr>
+              <p:txBody>
+                <a:bodyPr wrap="square">
+                  <a:spAutoFit/>
+                </a:bodyPr>
+                <a:lstStyle/>
+                <a:p>
+                  <a:pPr algn="ctr"/>
+                  <a:r>
+                    <a:rPr lang="cs-CZ" sz="900" dirty="0">
+                      <a:solidFill>
+                        <a:schemeClr val="tx1">
+                          <a:lumMod val="65000"/>
+                          <a:lumOff val="35000"/>
+                        </a:schemeClr>
+                      </a:solidFill>
+                    </a:rPr>
+                    <a:t>uzivani na nahraz dt</a:t>
+                  </a:r>
+                </a:p>
+              </p:txBody>
+            </p:sp>
+          </p:grpSp>
+          <p:grpSp>
+            <p:nvGrpSpPr>
+              <p:cNvPr id="75" name="Skupina 74">
+                <a:extLst>
+                  <a:ext uri="{FF2B5EF4-FFF2-40B4-BE49-F238E27FC236}">
+                    <a16:creationId xmlns:a16="http://schemas.microsoft.com/office/drawing/2014/main" id="{5FC75446-AD8D-4C35-8DE9-7FC24817F1A9}"/>
+                  </a:ext>
+                </a:extLst>
+              </p:cNvPr>
+              <p:cNvGrpSpPr/>
+              <p:nvPr/>
+            </p:nvGrpSpPr>
+            <p:grpSpPr>
+              <a:xfrm>
+                <a:off x="5735374" y="5675124"/>
+                <a:ext cx="933386" cy="914400"/>
+                <a:chOff x="1624562" y="3908731"/>
+                <a:chExt cx="933386" cy="914400"/>
+              </a:xfrm>
+            </p:grpSpPr>
+            <p:pic>
+              <p:nvPicPr>
+                <p:cNvPr id="76" name="Grafický objekt 75" descr="Papír">
+                  <a:extLst>
+                    <a:ext uri="{FF2B5EF4-FFF2-40B4-BE49-F238E27FC236}">
+                      <a16:creationId xmlns:a16="http://schemas.microsoft.com/office/drawing/2014/main" id="{AA41BC07-9C40-4137-8B63-0E3E7E84003C}"/>
+                    </a:ext>
+                  </a:extLst>
+                </p:cNvPr>
+                <p:cNvPicPr>
+                  <a:picLocks noChangeAspect="1"/>
+                </p:cNvPicPr>
+                <p:nvPr/>
+              </p:nvPicPr>
+              <p:blipFill>
+                <a:blip r:embed="rId6">
+                  <a:extLst>
+                    <a:ext uri="{28A0092B-C50C-407E-A947-70E740481C1C}">
+                      <a14:useLocalDpi xmlns:a14="http://schemas.microsoft.com/office/drawing/2010/main" val="0"/>
+                    </a:ext>
+                    <a:ext uri="{96DAC541-7B7A-43D3-8B79-37D633B846F1}">
+                      <asvg:svgBlip xmlns:asvg="http://schemas.microsoft.com/office/drawing/2016/SVG/main" r:embed="rId7"/>
+                    </a:ext>
+                  </a:extLst>
+                </a:blip>
+                <a:stretch>
+                  <a:fillRect/>
+                </a:stretch>
+              </p:blipFill>
+              <p:spPr>
+                <a:xfrm>
+                  <a:off x="1634055" y="3908731"/>
+                  <a:ext cx="914400" cy="914400"/>
+                </a:xfrm>
+                <a:prstGeom prst="rect">
+                  <a:avLst/>
+                </a:prstGeom>
+              </p:spPr>
+            </p:pic>
+            <p:sp>
+              <p:nvSpPr>
+                <p:cNvPr id="77" name="Obdélník 76">
+                  <a:extLst>
+                    <a:ext uri="{FF2B5EF4-FFF2-40B4-BE49-F238E27FC236}">
+                      <a16:creationId xmlns:a16="http://schemas.microsoft.com/office/drawing/2014/main" id="{FA37AFE2-C35A-4426-9CE9-F512FFFDEF4F}"/>
+                    </a:ext>
+                  </a:extLst>
+                </p:cNvPr>
+                <p:cNvSpPr/>
+                <p:nvPr/>
+              </p:nvSpPr>
+              <p:spPr>
+                <a:xfrm>
+                  <a:off x="1624562" y="4365931"/>
+                  <a:ext cx="933386" cy="253916"/>
+                </a:xfrm>
+                <a:prstGeom prst="rect">
+                  <a:avLst/>
+                </a:prstGeom>
+              </p:spPr>
+              <p:txBody>
+                <a:bodyPr wrap="square">
+                  <a:spAutoFit/>
+                </a:bodyPr>
+                <a:lstStyle/>
+                <a:p>
+                  <a:pPr algn="ctr"/>
+                  <a:r>
+                    <a:rPr lang="cs-CZ" sz="1050" dirty="0">
+                      <a:solidFill>
+                        <a:schemeClr val="tx1">
+                          <a:lumMod val="65000"/>
+                          <a:lumOff val="35000"/>
+                        </a:schemeClr>
+                      </a:solidFill>
+                    </a:rPr>
+                    <a:t>u leaflet</a:t>
+                  </a:r>
+                </a:p>
+              </p:txBody>
+            </p:sp>
+          </p:grpSp>
+          <p:grpSp>
+            <p:nvGrpSpPr>
+              <p:cNvPr id="78" name="Skupina 77">
+                <a:extLst>
+                  <a:ext uri="{FF2B5EF4-FFF2-40B4-BE49-F238E27FC236}">
+                    <a16:creationId xmlns:a16="http://schemas.microsoft.com/office/drawing/2014/main" id="{F3549B9B-8AC5-4C8F-AE92-F60DA88336FB}"/>
+                  </a:ext>
+                </a:extLst>
+              </p:cNvPr>
+              <p:cNvGrpSpPr/>
+              <p:nvPr/>
+            </p:nvGrpSpPr>
+            <p:grpSpPr>
+              <a:xfrm>
+                <a:off x="6509089" y="1300881"/>
+                <a:ext cx="933386" cy="914400"/>
+                <a:chOff x="1624562" y="3908731"/>
+                <a:chExt cx="933386" cy="914400"/>
+              </a:xfrm>
+            </p:grpSpPr>
+            <p:pic>
+              <p:nvPicPr>
+                <p:cNvPr id="79" name="Grafický objekt 78" descr="Papír">
+                  <a:extLst>
+                    <a:ext uri="{FF2B5EF4-FFF2-40B4-BE49-F238E27FC236}">
+                      <a16:creationId xmlns:a16="http://schemas.microsoft.com/office/drawing/2014/main" id="{23293210-4B9F-44CE-BE69-7BF1282802C6}"/>
+                    </a:ext>
+                  </a:extLst>
+                </p:cNvPr>
+                <p:cNvPicPr>
+                  <a:picLocks noChangeAspect="1"/>
+                </p:cNvPicPr>
+                <p:nvPr/>
+              </p:nvPicPr>
+              <p:blipFill>
+                <a:blip r:embed="rId6">
+                  <a:extLst>
+                    <a:ext uri="{28A0092B-C50C-407E-A947-70E740481C1C}">
+                      <a14:useLocalDpi xmlns:a14="http://schemas.microsoft.com/office/drawing/2010/main" val="0"/>
+                    </a:ext>
+                    <a:ext uri="{96DAC541-7B7A-43D3-8B79-37D633B846F1}">
+                      <asvg:svgBlip xmlns:asvg="http://schemas.microsoft.com/office/drawing/2016/SVG/main" r:embed="rId7"/>
+                    </a:ext>
+                  </a:extLst>
+                </a:blip>
+                <a:stretch>
+                  <a:fillRect/>
+                </a:stretch>
+              </p:blipFill>
+              <p:spPr>
+                <a:xfrm>
+                  <a:off x="1634055" y="3908731"/>
+                  <a:ext cx="914400" cy="914400"/>
+                </a:xfrm>
+                <a:prstGeom prst="rect">
+                  <a:avLst/>
+                </a:prstGeom>
+              </p:spPr>
+            </p:pic>
+            <p:sp>
+              <p:nvSpPr>
+                <p:cNvPr id="80" name="Obdélník 79">
+                  <a:extLst>
+                    <a:ext uri="{FF2B5EF4-FFF2-40B4-BE49-F238E27FC236}">
+                      <a16:creationId xmlns:a16="http://schemas.microsoft.com/office/drawing/2014/main" id="{EB9FC174-E4C4-4A92-82F7-27755E2E48DB}"/>
+                    </a:ext>
+                  </a:extLst>
+                </p:cNvPr>
+                <p:cNvSpPr/>
+                <p:nvPr/>
+              </p:nvSpPr>
+              <p:spPr>
+                <a:xfrm>
+                  <a:off x="1624562" y="4264320"/>
+                  <a:ext cx="933386" cy="338554"/>
+                </a:xfrm>
+                <a:prstGeom prst="rect">
+                  <a:avLst/>
+                </a:prstGeom>
+              </p:spPr>
+              <p:txBody>
+                <a:bodyPr wrap="square">
+                  <a:spAutoFit/>
+                </a:bodyPr>
+                <a:lstStyle/>
+                <a:p>
+                  <a:pPr algn="ctr"/>
+                  <a:r>
+                    <a:rPr lang="cs-CZ" sz="800" dirty="0">
+                      <a:solidFill>
+                        <a:schemeClr val="tx1">
+                          <a:lumMod val="65000"/>
+                          <a:lumOff val="35000"/>
+                        </a:schemeClr>
+                      </a:solidFill>
+                    </a:rPr>
+                    <a:t>cara</a:t>
+                  </a:r>
+                </a:p>
+                <a:p>
+                  <a:pPr algn="ctr"/>
+                  <a:r>
+                    <a:rPr lang="cs-CZ" sz="800" dirty="0">
+                      <a:solidFill>
+                        <a:schemeClr val="tx1">
+                          <a:lumMod val="65000"/>
+                          <a:lumOff val="35000"/>
+                        </a:schemeClr>
+                      </a:solidFill>
+                    </a:rPr>
+                    <a:t>prekroceni</a:t>
+                  </a:r>
+                </a:p>
+              </p:txBody>
+            </p:sp>
+          </p:grpSp>
+          <p:grpSp>
+            <p:nvGrpSpPr>
+              <p:cNvPr id="81" name="Skupina 80">
+                <a:extLst>
+                  <a:ext uri="{FF2B5EF4-FFF2-40B4-BE49-F238E27FC236}">
+                    <a16:creationId xmlns:a16="http://schemas.microsoft.com/office/drawing/2014/main" id="{358CF174-C3D9-4187-9111-A738F78851BA}"/>
+                  </a:ext>
+                </a:extLst>
+              </p:cNvPr>
+              <p:cNvGrpSpPr/>
+              <p:nvPr/>
+            </p:nvGrpSpPr>
+            <p:grpSpPr>
+              <a:xfrm>
+                <a:off x="5761638" y="1300881"/>
+                <a:ext cx="933386" cy="914400"/>
+                <a:chOff x="1615069" y="3908731"/>
+                <a:chExt cx="933386" cy="914400"/>
+              </a:xfrm>
+            </p:grpSpPr>
+            <p:pic>
+              <p:nvPicPr>
+                <p:cNvPr id="82" name="Grafický objekt 81" descr="Papír">
+                  <a:extLst>
+                    <a:ext uri="{FF2B5EF4-FFF2-40B4-BE49-F238E27FC236}">
+                      <a16:creationId xmlns:a16="http://schemas.microsoft.com/office/drawing/2014/main" id="{6DD8C593-4EF5-44AC-AD35-5F9004DF180E}"/>
+                    </a:ext>
+                  </a:extLst>
+                </p:cNvPr>
+                <p:cNvPicPr>
+                  <a:picLocks noChangeAspect="1"/>
+                </p:cNvPicPr>
+                <p:nvPr/>
+              </p:nvPicPr>
+              <p:blipFill>
+                <a:blip r:embed="rId6">
+                  <a:extLst>
+                    <a:ext uri="{28A0092B-C50C-407E-A947-70E740481C1C}">
+                      <a14:useLocalDpi xmlns:a14="http://schemas.microsoft.com/office/drawing/2010/main" val="0"/>
+                    </a:ext>
+                    <a:ext uri="{96DAC541-7B7A-43D3-8B79-37D633B846F1}">
+                      <asvg:svgBlip xmlns:asvg="http://schemas.microsoft.com/office/drawing/2016/SVG/main" r:embed="rId7"/>
+                    </a:ext>
+                  </a:extLst>
+                </a:blip>
+                <a:stretch>
+                  <a:fillRect/>
+                </a:stretch>
+              </p:blipFill>
+              <p:spPr>
+                <a:xfrm>
+                  <a:off x="1634055" y="3908731"/>
+                  <a:ext cx="914400" cy="914400"/>
+                </a:xfrm>
+                <a:prstGeom prst="rect">
+                  <a:avLst/>
+                </a:prstGeom>
+              </p:spPr>
+            </p:pic>
+            <p:sp>
+              <p:nvSpPr>
+                <p:cNvPr id="83" name="Obdélník 82">
+                  <a:extLst>
+                    <a:ext uri="{FF2B5EF4-FFF2-40B4-BE49-F238E27FC236}">
+                      <a16:creationId xmlns:a16="http://schemas.microsoft.com/office/drawing/2014/main" id="{EC556278-266A-488B-A866-56A734ADC327}"/>
+                    </a:ext>
+                  </a:extLst>
+                </p:cNvPr>
+                <p:cNvSpPr/>
+                <p:nvPr/>
+              </p:nvSpPr>
+              <p:spPr>
+                <a:xfrm>
+                  <a:off x="1615069" y="4179681"/>
+                  <a:ext cx="933386" cy="507831"/>
+                </a:xfrm>
+                <a:prstGeom prst="rect">
+                  <a:avLst/>
+                </a:prstGeom>
+              </p:spPr>
+              <p:txBody>
+                <a:bodyPr wrap="square">
+                  <a:spAutoFit/>
+                </a:bodyPr>
+                <a:lstStyle/>
+                <a:p>
+                  <a:pPr algn="ctr"/>
+                  <a:r>
+                    <a:rPr lang="cs-CZ" sz="900" dirty="0">
+                      <a:solidFill>
+                        <a:schemeClr val="tx1">
+                          <a:lumMod val="65000"/>
+                          <a:lumOff val="35000"/>
+                        </a:schemeClr>
+                      </a:solidFill>
+                    </a:rPr>
+                    <a:t>bilan </a:t>
+                  </a:r>
+                </a:p>
+                <a:p>
+                  <a:pPr algn="ctr"/>
+                  <a:r>
+                    <a:rPr lang="cs-CZ" sz="900" dirty="0">
+                      <a:solidFill>
+                        <a:schemeClr val="tx1">
+                          <a:lumMod val="65000"/>
+                          <a:lumOff val="35000"/>
+                        </a:schemeClr>
+                      </a:solidFill>
+                    </a:rPr>
+                    <a:t>month</a:t>
+                  </a:r>
+                </a:p>
+                <a:p>
+                  <a:pPr algn="ctr"/>
+                  <a:r>
+                    <a:rPr lang="cs-CZ" sz="900" dirty="0">
+                      <a:solidFill>
+                        <a:schemeClr val="tx1">
+                          <a:lumMod val="65000"/>
+                          <a:lumOff val="35000"/>
+                        </a:schemeClr>
+                      </a:solidFill>
+                    </a:rPr>
+                    <a:t> data table</a:t>
+                  </a:r>
+                </a:p>
+              </p:txBody>
+            </p:sp>
+          </p:grpSp>
+          <p:sp>
+            <p:nvSpPr>
+              <p:cNvPr id="84" name="TextovéPole 83">
+                <a:extLst>
+                  <a:ext uri="{FF2B5EF4-FFF2-40B4-BE49-F238E27FC236}">
+                    <a16:creationId xmlns:a16="http://schemas.microsoft.com/office/drawing/2014/main" id="{78340FC4-7F52-4894-AE18-BB1C5BAE4C49}"/>
+                  </a:ext>
+                </a:extLst>
+              </p:cNvPr>
+              <p:cNvSpPr txBox="1"/>
+              <p:nvPr/>
+            </p:nvSpPr>
+            <p:spPr>
+              <a:xfrm>
+                <a:off x="6985674" y="774552"/>
+                <a:ext cx="1105586" cy="253916"/>
+              </a:xfrm>
+              <a:prstGeom prst="rect">
+                <a:avLst/>
+              </a:prstGeom>
+              <a:noFill/>
+            </p:spPr>
+            <p:txBody>
+              <a:bodyPr wrap="square" rtlCol="0">
+                <a:spAutoFit/>
+              </a:bodyPr>
+              <a:lstStyle/>
+              <a:p>
+                <a:r>
+                  <a:rPr lang="cs-CZ" sz="1050" dirty="0">
+                    <a:solidFill>
+                      <a:schemeClr val="tx2">
+                        <a:lumMod val="50000"/>
+                      </a:schemeClr>
+                    </a:solidFill>
+                  </a:rPr>
+                  <a:t>Prostorová data</a:t>
+                </a:r>
+              </a:p>
+            </p:txBody>
+          </p:sp>
+          <p:sp>
+            <p:nvSpPr>
+              <p:cNvPr id="88" name="TextovéPole 87">
+                <a:extLst>
+                  <a:ext uri="{FF2B5EF4-FFF2-40B4-BE49-F238E27FC236}">
+                    <a16:creationId xmlns:a16="http://schemas.microsoft.com/office/drawing/2014/main" id="{E51D3151-8D6A-4D9E-A666-B66BBA063E14}"/>
+                  </a:ext>
+                </a:extLst>
+              </p:cNvPr>
+              <p:cNvSpPr txBox="1"/>
+              <p:nvPr/>
+            </p:nvSpPr>
+            <p:spPr>
+              <a:xfrm>
+                <a:off x="6771675" y="2319393"/>
+                <a:ext cx="1431928" cy="415498"/>
+              </a:xfrm>
+              <a:prstGeom prst="rect">
+                <a:avLst/>
+              </a:prstGeom>
+              <a:noFill/>
+            </p:spPr>
+            <p:txBody>
+              <a:bodyPr wrap="square" rtlCol="0">
+                <a:spAutoFit/>
+              </a:bodyPr>
+              <a:lstStyle/>
+              <a:p>
+                <a:r>
+                  <a:rPr lang="cs-CZ" sz="1050" dirty="0">
+                    <a:solidFill>
+                      <a:schemeClr val="tx2">
+                        <a:lumMod val="50000"/>
+                      </a:schemeClr>
+                    </a:solidFill>
+                  </a:rPr>
+                  <a:t>Data pro vyhodnocení hydrologické bilance</a:t>
+                </a:r>
+              </a:p>
+            </p:txBody>
+          </p:sp>
+          <p:sp>
+            <p:nvSpPr>
+              <p:cNvPr id="92" name="TextovéPole 91">
+                <a:extLst>
+                  <a:ext uri="{FF2B5EF4-FFF2-40B4-BE49-F238E27FC236}">
+                    <a16:creationId xmlns:a16="http://schemas.microsoft.com/office/drawing/2014/main" id="{C66F023F-811E-4AC8-A697-01BF7625349A}"/>
+                  </a:ext>
+                </a:extLst>
+              </p:cNvPr>
+              <p:cNvSpPr txBox="1"/>
+              <p:nvPr/>
+            </p:nvSpPr>
+            <p:spPr>
+              <a:xfrm>
+                <a:off x="6693675" y="5063443"/>
+                <a:ext cx="1246708" cy="415498"/>
+              </a:xfrm>
+              <a:prstGeom prst="rect">
+                <a:avLst/>
+              </a:prstGeom>
+              <a:noFill/>
+            </p:spPr>
+            <p:txBody>
+              <a:bodyPr wrap="square" rtlCol="0">
+                <a:spAutoFit/>
+              </a:bodyPr>
+              <a:lstStyle/>
+              <a:p>
+                <a:r>
+                  <a:rPr lang="cs-CZ" sz="1050" dirty="0">
+                    <a:solidFill>
+                      <a:schemeClr val="tx2">
+                        <a:lumMod val="50000"/>
+                      </a:schemeClr>
+                    </a:solidFill>
+                  </a:rPr>
+                  <a:t>Data pro vykreslení indikátorů sucha</a:t>
+                </a:r>
+              </a:p>
+            </p:txBody>
+          </p:sp>
+          <p:grpSp>
+            <p:nvGrpSpPr>
+              <p:cNvPr id="53" name="Skupina 52">
+                <a:extLst>
+                  <a:ext uri="{FF2B5EF4-FFF2-40B4-BE49-F238E27FC236}">
+                    <a16:creationId xmlns:a16="http://schemas.microsoft.com/office/drawing/2014/main" id="{36126AD2-F820-40B2-B194-151BA6A678A1}"/>
+                  </a:ext>
+                </a:extLst>
+              </p:cNvPr>
+              <p:cNvGrpSpPr/>
+              <p:nvPr/>
+            </p:nvGrpSpPr>
+            <p:grpSpPr>
+              <a:xfrm>
+                <a:off x="3593308" y="3438227"/>
+                <a:ext cx="933386" cy="914400"/>
+                <a:chOff x="1624562" y="3908731"/>
+                <a:chExt cx="933386" cy="914400"/>
+              </a:xfrm>
+            </p:grpSpPr>
+            <p:pic>
+              <p:nvPicPr>
+                <p:cNvPr id="49" name="Grafický objekt 48" descr="Papír">
+                  <a:extLst>
+                    <a:ext uri="{FF2B5EF4-FFF2-40B4-BE49-F238E27FC236}">
+                      <a16:creationId xmlns:a16="http://schemas.microsoft.com/office/drawing/2014/main" id="{964A464B-674C-4046-9E71-F6F4CCB8B19C}"/>
+                    </a:ext>
+                  </a:extLst>
+                </p:cNvPr>
+                <p:cNvPicPr>
+                  <a:picLocks noChangeAspect="1"/>
+                </p:cNvPicPr>
+                <p:nvPr/>
+              </p:nvPicPr>
+              <p:blipFill>
+                <a:blip r:embed="rId6">
+                  <a:extLst>
+                    <a:ext uri="{28A0092B-C50C-407E-A947-70E740481C1C}">
+                      <a14:useLocalDpi xmlns:a14="http://schemas.microsoft.com/office/drawing/2010/main" val="0"/>
+                    </a:ext>
+                    <a:ext uri="{96DAC541-7B7A-43D3-8B79-37D633B846F1}">
+                      <asvg:svgBlip xmlns:asvg="http://schemas.microsoft.com/office/drawing/2016/SVG/main" r:embed="rId7"/>
+                    </a:ext>
+                  </a:extLst>
+                </a:blip>
+                <a:stretch>
+                  <a:fillRect/>
+                </a:stretch>
+              </p:blipFill>
+              <p:spPr>
+                <a:xfrm>
+                  <a:off x="1634055" y="3908731"/>
+                  <a:ext cx="914400" cy="914400"/>
+                </a:xfrm>
+                <a:prstGeom prst="rect">
+                  <a:avLst/>
+                </a:prstGeom>
+              </p:spPr>
+            </p:pic>
+            <p:sp>
+              <p:nvSpPr>
+                <p:cNvPr id="52" name="Obdélník 51">
+                  <a:extLst>
+                    <a:ext uri="{FF2B5EF4-FFF2-40B4-BE49-F238E27FC236}">
+                      <a16:creationId xmlns:a16="http://schemas.microsoft.com/office/drawing/2014/main" id="{667EA078-4E52-434F-92CE-DD1C8861A286}"/>
+                    </a:ext>
+                  </a:extLst>
+                </p:cNvPr>
+                <p:cNvSpPr/>
+                <p:nvPr/>
+              </p:nvSpPr>
+              <p:spPr>
+                <a:xfrm>
+                  <a:off x="1624562" y="4365931"/>
+                  <a:ext cx="933386" cy="253916"/>
+                </a:xfrm>
+                <a:prstGeom prst="rect">
+                  <a:avLst/>
+                </a:prstGeom>
+              </p:spPr>
+              <p:txBody>
+                <a:bodyPr wrap="square">
+                  <a:spAutoFit/>
+                </a:bodyPr>
+                <a:lstStyle/>
+                <a:p>
+                  <a:pPr algn="ctr"/>
+                  <a:r>
+                    <a:rPr lang="cs-CZ" sz="1050" dirty="0">
+                      <a:solidFill>
+                        <a:schemeClr val="tx1">
+                          <a:lumMod val="65000"/>
+                          <a:lumOff val="35000"/>
+                        </a:schemeClr>
+                      </a:solidFill>
+                    </a:rPr>
+                    <a:t>pars</a:t>
+                  </a:r>
+                </a:p>
+              </p:txBody>
+            </p:sp>
+          </p:grpSp>
+          <p:sp>
+            <p:nvSpPr>
+              <p:cNvPr id="94" name="TextovéPole 93">
+                <a:extLst>
+                  <a:ext uri="{FF2B5EF4-FFF2-40B4-BE49-F238E27FC236}">
+                    <a16:creationId xmlns:a16="http://schemas.microsoft.com/office/drawing/2014/main" id="{02386FBC-FC35-4DFC-A708-01045103243B}"/>
+                  </a:ext>
+                </a:extLst>
+              </p:cNvPr>
+              <p:cNvSpPr txBox="1"/>
+              <p:nvPr/>
+            </p:nvSpPr>
+            <p:spPr>
+              <a:xfrm>
+                <a:off x="6722429" y="3319597"/>
+                <a:ext cx="1093859" cy="253916"/>
+              </a:xfrm>
+              <a:prstGeom prst="rect">
+                <a:avLst/>
+              </a:prstGeom>
+              <a:noFill/>
+            </p:spPr>
+            <p:txBody>
+              <a:bodyPr wrap="square" rtlCol="0">
+                <a:spAutoFit/>
+              </a:bodyPr>
+              <a:lstStyle/>
+              <a:p>
+                <a:r>
+                  <a:rPr lang="cs-CZ" sz="1050" dirty="0">
+                    <a:solidFill>
+                      <a:schemeClr val="tx2">
+                        <a:lumMod val="50000"/>
+                      </a:schemeClr>
+                    </a:solidFill>
+                  </a:rPr>
+                  <a:t>Data pro validaci</a:t>
+                </a:r>
+              </a:p>
+            </p:txBody>
+          </p:sp>
+          <p:sp>
+            <p:nvSpPr>
+              <p:cNvPr id="95" name="TextovéPole 94">
+                <a:extLst>
+                  <a:ext uri="{FF2B5EF4-FFF2-40B4-BE49-F238E27FC236}">
+                    <a16:creationId xmlns:a16="http://schemas.microsoft.com/office/drawing/2014/main" id="{123298FF-831A-4156-9862-96D8FDF57FC1}"/>
+                  </a:ext>
+                </a:extLst>
+              </p:cNvPr>
+              <p:cNvSpPr txBox="1"/>
+              <p:nvPr/>
+            </p:nvSpPr>
+            <p:spPr>
+              <a:xfrm>
+                <a:off x="7387278" y="5939448"/>
+                <a:ext cx="920265" cy="415498"/>
+              </a:xfrm>
+              <a:prstGeom prst="rect">
+                <a:avLst/>
+              </a:prstGeom>
+              <a:noFill/>
+            </p:spPr>
+            <p:txBody>
+              <a:bodyPr wrap="square" rtlCol="0">
+                <a:spAutoFit/>
+              </a:bodyPr>
+              <a:lstStyle/>
+              <a:p>
+                <a:r>
+                  <a:rPr lang="cs-CZ" sz="1050" dirty="0">
+                    <a:solidFill>
+                      <a:schemeClr val="tx2">
+                        <a:lumMod val="50000"/>
+                      </a:schemeClr>
+                    </a:solidFill>
+                  </a:rPr>
+                  <a:t>Data pro užívání vod</a:t>
+                </a:r>
+              </a:p>
+            </p:txBody>
+          </p:sp>
+          <p:grpSp>
+            <p:nvGrpSpPr>
+              <p:cNvPr id="40" name="Skupina 39">
+                <a:extLst>
+                  <a:ext uri="{FF2B5EF4-FFF2-40B4-BE49-F238E27FC236}">
+                    <a16:creationId xmlns:a16="http://schemas.microsoft.com/office/drawing/2014/main" id="{66E4F320-2D6E-459D-8B9E-69F67D56D665}"/>
+                  </a:ext>
+                </a:extLst>
+              </p:cNvPr>
+              <p:cNvGrpSpPr/>
+              <p:nvPr/>
+            </p:nvGrpSpPr>
+            <p:grpSpPr>
+              <a:xfrm>
+                <a:off x="4526178" y="5654868"/>
+                <a:ext cx="1088568" cy="1088568"/>
+                <a:chOff x="2386149" y="640084"/>
+                <a:chExt cx="1088568" cy="1088568"/>
+              </a:xfrm>
+            </p:grpSpPr>
+            <p:pic>
+              <p:nvPicPr>
+                <p:cNvPr id="41" name="Grafický objekt 40" descr="Složka">
+                  <a:extLst>
+                    <a:ext uri="{FF2B5EF4-FFF2-40B4-BE49-F238E27FC236}">
+                      <a16:creationId xmlns:a16="http://schemas.microsoft.com/office/drawing/2014/main" id="{E9ABA2A0-BDD7-4CA1-9DBA-7AD906D1F23D}"/>
+                    </a:ext>
+                  </a:extLst>
+                </p:cNvPr>
+                <p:cNvPicPr>
+                  <a:picLocks noChangeAspect="1"/>
+                </p:cNvPicPr>
+                <p:nvPr/>
+              </p:nvPicPr>
+              <p:blipFill>
+                <a:blip r:embed="rId2">
+                  <a:extLst>
+                    <a:ext uri="{28A0092B-C50C-407E-A947-70E740481C1C}">
+                      <a14:useLocalDpi xmlns:a14="http://schemas.microsoft.com/office/drawing/2010/main" val="0"/>
+                    </a:ext>
+                    <a:ext uri="{96DAC541-7B7A-43D3-8B79-37D633B846F1}">
+                      <asvg:svgBlip xmlns:asvg="http://schemas.microsoft.com/office/drawing/2016/SVG/main" r:embed="rId3"/>
+                    </a:ext>
+                  </a:extLst>
+                </a:blip>
+                <a:stretch>
+                  <a:fillRect/>
+                </a:stretch>
+              </p:blipFill>
+              <p:spPr>
+                <a:xfrm>
+                  <a:off x="2386149" y="640084"/>
+                  <a:ext cx="1088568" cy="1088568"/>
+                </a:xfrm>
+                <a:prstGeom prst="rect">
+                  <a:avLst/>
+                </a:prstGeom>
+              </p:spPr>
+            </p:pic>
+            <p:sp>
+              <p:nvSpPr>
+                <p:cNvPr id="42" name="Obdélník 41">
+                  <a:extLst>
+                    <a:ext uri="{FF2B5EF4-FFF2-40B4-BE49-F238E27FC236}">
+                      <a16:creationId xmlns:a16="http://schemas.microsoft.com/office/drawing/2014/main" id="{A928922C-D1F6-409B-8504-7F44F9170846}"/>
+                    </a:ext>
+                  </a:extLst>
+                </p:cNvPr>
+                <p:cNvSpPr/>
+                <p:nvPr/>
+              </p:nvSpPr>
+              <p:spPr>
+                <a:xfrm>
+                  <a:off x="2463740" y="1133398"/>
+                  <a:ext cx="933386" cy="253916"/>
+                </a:xfrm>
+                <a:prstGeom prst="rect">
+                  <a:avLst/>
+                </a:prstGeom>
+              </p:spPr>
+              <p:txBody>
+                <a:bodyPr wrap="square">
+                  <a:spAutoFit/>
+                </a:bodyPr>
+                <a:lstStyle/>
+                <a:p>
+                  <a:pPr algn="ctr"/>
+                  <a:r>
+                    <a:rPr lang="cs-CZ" sz="1050" dirty="0">
+                      <a:solidFill>
+                        <a:schemeClr val="tx1">
+                          <a:lumMod val="65000"/>
+                          <a:lumOff val="35000"/>
+                        </a:schemeClr>
+                      </a:solidFill>
+                    </a:rPr>
+                    <a:t>uzivani</a:t>
+                  </a:r>
+                </a:p>
+              </p:txBody>
+            </p:sp>
+          </p:grpSp>
+        </p:grpSp>
+        <p:pic>
+          <p:nvPicPr>
+            <p:cNvPr id="74" name="Grafický objekt 73" descr="Papír">
+              <a:extLst>
+                <a:ext uri="{FF2B5EF4-FFF2-40B4-BE49-F238E27FC236}">
+                  <a16:creationId xmlns:a16="http://schemas.microsoft.com/office/drawing/2014/main" id="{970C5A45-D157-4327-8016-A5B02AF70478}"/>
+                </a:ext>
+              </a:extLst>
+            </p:cNvPr>
+            <p:cNvPicPr>
+              <a:picLocks noChangeAspect="1"/>
+            </p:cNvPicPr>
+            <p:nvPr/>
+          </p:nvPicPr>
+          <p:blipFill>
+            <a:blip r:embed="rId6">
+              <a:extLst>
+                <a:ext uri="{28A0092B-C50C-407E-A947-70E740481C1C}">
+                  <a14:useLocalDpi xmlns:a14="http://schemas.microsoft.com/office/drawing/2010/main" val="0"/>
+                </a:ext>
+                <a:ext uri="{96DAC541-7B7A-43D3-8B79-37D633B846F1}">
+                  <asvg:svgBlip xmlns:asvg="http://schemas.microsoft.com/office/drawing/2016/SVG/main" r:embed="rId7"/>
+                </a:ext>
+              </a:extLst>
+            </a:blip>
+            <a:stretch>
+              <a:fillRect/>
+            </a:stretch>
+          </p:blipFill>
+          <p:spPr>
+            <a:xfrm>
+              <a:off x="7359754" y="3979432"/>
+              <a:ext cx="809608" cy="809608"/>
+            </a:xfrm>
+            <a:prstGeom prst="rect">
+              <a:avLst/>
+            </a:prstGeom>
+          </p:spPr>
+        </p:pic>
         <p:sp>
           <p:nvSpPr>
-            <p:cNvPr id="90" name="Obdélník: se zakulacenými rohy 89">
+            <p:cNvPr id="73" name="Obdélník 72">
               <a:extLst>
                 <a:ext uri="{FF2B5EF4-FFF2-40B4-BE49-F238E27FC236}">
-                  <a16:creationId xmlns:a16="http://schemas.microsoft.com/office/drawing/2014/main" id="{6CD58F86-6B3F-4DDC-97CD-D144D1A4F606}"/>
+                  <a16:creationId xmlns:a16="http://schemas.microsoft.com/office/drawing/2014/main" id="{073A8E21-3E56-43AD-898F-857D63F86009}"/>
                 </a:ext>
               </a:extLst>
             </p:cNvPr>
@@ -9219,2387 +11690,62 @@
           </p:nvSpPr>
           <p:spPr>
             <a:xfrm>
-              <a:off x="4496815" y="5692718"/>
-              <a:ext cx="3769233" cy="875857"/>
-            </a:xfrm>
-            <a:prstGeom prst="roundRect">
-              <a:avLst/>
-            </a:prstGeom>
-            <a:solidFill>
-              <a:schemeClr val="tx1">
-                <a:lumMod val="65000"/>
-                <a:lumOff val="35000"/>
-                <a:alpha val="22000"/>
-              </a:schemeClr>
-            </a:solidFill>
-            <a:ln>
-              <a:noFill/>
-            </a:ln>
-          </p:spPr>
-          <p:style>
-            <a:lnRef idx="0">
-              <a:scrgbClr r="0" g="0" b="0"/>
-            </a:lnRef>
-            <a:fillRef idx="0">
-              <a:scrgbClr r="0" g="0" b="0"/>
-            </a:fillRef>
-            <a:effectRef idx="0">
-              <a:scrgbClr r="0" g="0" b="0"/>
-            </a:effectRef>
-            <a:fontRef idx="minor">
-              <a:schemeClr val="accent3"/>
-            </a:fontRef>
-          </p:style>
-          <p:txBody>
-            <a:bodyPr rtlCol="0" anchor="ctr"/>
-            <a:lstStyle/>
-            <a:p>
-              <a:pPr algn="ctr"/>
-              <a:endParaRPr lang="cs-CZ"/>
-            </a:p>
-          </p:txBody>
-        </p:sp>
-        <p:sp>
-          <p:nvSpPr>
-            <p:cNvPr id="89" name="Obdélník: se zakulacenými rohy 88">
-              <a:extLst>
-                <a:ext uri="{FF2B5EF4-FFF2-40B4-BE49-F238E27FC236}">
-                  <a16:creationId xmlns:a16="http://schemas.microsoft.com/office/drawing/2014/main" id="{3A5B66D0-0A10-4C62-B851-B6DDFDFA3ED7}"/>
-                </a:ext>
-              </a:extLst>
-            </p:cNvPr>
-            <p:cNvSpPr/>
-            <p:nvPr/>
-          </p:nvSpPr>
-          <p:spPr>
-            <a:xfrm>
-              <a:off x="3574023" y="3032895"/>
-              <a:ext cx="4692026" cy="1790272"/>
-            </a:xfrm>
-            <a:prstGeom prst="roundRect">
-              <a:avLst/>
-            </a:prstGeom>
-            <a:solidFill>
-              <a:schemeClr val="tx1">
-                <a:lumMod val="65000"/>
-                <a:lumOff val="35000"/>
-                <a:alpha val="22000"/>
-              </a:schemeClr>
-            </a:solidFill>
-            <a:ln>
-              <a:noFill/>
-            </a:ln>
-          </p:spPr>
-          <p:style>
-            <a:lnRef idx="0">
-              <a:scrgbClr r="0" g="0" b="0"/>
-            </a:lnRef>
-            <a:fillRef idx="0">
-              <a:scrgbClr r="0" g="0" b="0"/>
-            </a:fillRef>
-            <a:effectRef idx="0">
-              <a:scrgbClr r="0" g="0" b="0"/>
-            </a:effectRef>
-            <a:fontRef idx="minor">
-              <a:schemeClr val="accent3"/>
-            </a:fontRef>
-          </p:style>
-          <p:txBody>
-            <a:bodyPr rtlCol="0" anchor="ctr"/>
-            <a:lstStyle/>
-            <a:p>
-              <a:pPr algn="ctr"/>
-              <a:endParaRPr lang="cs-CZ"/>
-            </a:p>
-          </p:txBody>
-        </p:sp>
-        <p:sp>
-          <p:nvSpPr>
-            <p:cNvPr id="91" name="Obdélník: se zakulacenými rohy 90">
-              <a:extLst>
-                <a:ext uri="{FF2B5EF4-FFF2-40B4-BE49-F238E27FC236}">
-                  <a16:creationId xmlns:a16="http://schemas.microsoft.com/office/drawing/2014/main" id="{2BB73FD2-5ADD-4472-AD4C-3C0224218612}"/>
-                </a:ext>
-              </a:extLst>
-            </p:cNvPr>
-            <p:cNvSpPr/>
-            <p:nvPr/>
-          </p:nvSpPr>
-          <p:spPr>
-            <a:xfrm>
-              <a:off x="4507685" y="4897203"/>
-              <a:ext cx="3758363" cy="723418"/>
-            </a:xfrm>
-            <a:prstGeom prst="roundRect">
-              <a:avLst/>
-            </a:prstGeom>
-            <a:solidFill>
-              <a:schemeClr val="tx1">
-                <a:lumMod val="65000"/>
-                <a:lumOff val="35000"/>
-                <a:alpha val="22000"/>
-              </a:schemeClr>
-            </a:solidFill>
-            <a:ln>
-              <a:noFill/>
-            </a:ln>
-          </p:spPr>
-          <p:style>
-            <a:lnRef idx="0">
-              <a:scrgbClr r="0" g="0" b="0"/>
-            </a:lnRef>
-            <a:fillRef idx="0">
-              <a:scrgbClr r="0" g="0" b="0"/>
-            </a:fillRef>
-            <a:effectRef idx="0">
-              <a:scrgbClr r="0" g="0" b="0"/>
-            </a:effectRef>
-            <a:fontRef idx="minor">
-              <a:schemeClr val="accent3"/>
-            </a:fontRef>
-          </p:style>
-          <p:txBody>
-            <a:bodyPr rtlCol="0" anchor="ctr"/>
-            <a:lstStyle/>
-            <a:p>
-              <a:pPr algn="ctr"/>
-              <a:endParaRPr lang="cs-CZ" dirty="0"/>
-            </a:p>
-          </p:txBody>
-        </p:sp>
-        <p:sp>
-          <p:nvSpPr>
-            <p:cNvPr id="85" name="Obdélník: se zakulacenými rohy 84">
-              <a:extLst>
-                <a:ext uri="{FF2B5EF4-FFF2-40B4-BE49-F238E27FC236}">
-                  <a16:creationId xmlns:a16="http://schemas.microsoft.com/office/drawing/2014/main" id="{08ADAC20-D809-465B-A266-F562AD8D9270}"/>
-                </a:ext>
-              </a:extLst>
-            </p:cNvPr>
-            <p:cNvSpPr/>
-            <p:nvPr/>
-          </p:nvSpPr>
-          <p:spPr>
-            <a:xfrm>
-              <a:off x="3569110" y="1330081"/>
-              <a:ext cx="4696939" cy="1625805"/>
-            </a:xfrm>
-            <a:prstGeom prst="roundRect">
-              <a:avLst/>
-            </a:prstGeom>
-            <a:solidFill>
-              <a:schemeClr val="tx1">
-                <a:lumMod val="65000"/>
-                <a:lumOff val="35000"/>
-                <a:alpha val="22000"/>
-              </a:schemeClr>
-            </a:solidFill>
-            <a:ln>
-              <a:noFill/>
-            </a:ln>
-          </p:spPr>
-          <p:style>
-            <a:lnRef idx="0">
-              <a:scrgbClr r="0" g="0" b="0"/>
-            </a:lnRef>
-            <a:fillRef idx="0">
-              <a:scrgbClr r="0" g="0" b="0"/>
-            </a:fillRef>
-            <a:effectRef idx="0">
-              <a:scrgbClr r="0" g="0" b="0"/>
-            </a:effectRef>
-            <a:fontRef idx="minor">
-              <a:schemeClr val="accent3"/>
-            </a:fontRef>
-          </p:style>
-          <p:txBody>
-            <a:bodyPr rtlCol="0" anchor="ctr"/>
-            <a:lstStyle/>
-            <a:p>
-              <a:pPr algn="ctr"/>
-              <a:endParaRPr lang="cs-CZ"/>
-            </a:p>
-          </p:txBody>
-        </p:sp>
-        <p:sp>
-          <p:nvSpPr>
-            <p:cNvPr id="87" name="Obdélník: se zakulacenými rohy 86">
-              <a:extLst>
-                <a:ext uri="{FF2B5EF4-FFF2-40B4-BE49-F238E27FC236}">
-                  <a16:creationId xmlns:a16="http://schemas.microsoft.com/office/drawing/2014/main" id="{FF40D9E4-EB14-40D0-B9A6-20F3A4E95C32}"/>
-                </a:ext>
-              </a:extLst>
-            </p:cNvPr>
-            <p:cNvSpPr/>
-            <p:nvPr/>
-          </p:nvSpPr>
-          <p:spPr>
-            <a:xfrm>
-              <a:off x="3578942" y="393524"/>
-              <a:ext cx="4687107" cy="874837"/>
-            </a:xfrm>
-            <a:prstGeom prst="roundRect">
-              <a:avLst/>
-            </a:prstGeom>
-            <a:solidFill>
-              <a:schemeClr val="tx1">
-                <a:lumMod val="65000"/>
-                <a:lumOff val="35000"/>
-                <a:alpha val="22000"/>
-              </a:schemeClr>
-            </a:solidFill>
-            <a:ln>
-              <a:noFill/>
-            </a:ln>
-          </p:spPr>
-          <p:style>
-            <a:lnRef idx="0">
-              <a:scrgbClr r="0" g="0" b="0"/>
-            </a:lnRef>
-            <a:fillRef idx="0">
-              <a:scrgbClr r="0" g="0" b="0"/>
-            </a:fillRef>
-            <a:effectRef idx="0">
-              <a:scrgbClr r="0" g="0" b="0"/>
-            </a:effectRef>
-            <a:fontRef idx="minor">
-              <a:schemeClr val="accent3"/>
-            </a:fontRef>
-          </p:style>
-          <p:txBody>
-            <a:bodyPr rtlCol="0" anchor="ctr"/>
-            <a:lstStyle/>
-            <a:p>
-              <a:pPr algn="ctr"/>
-              <a:endParaRPr lang="cs-CZ"/>
-            </a:p>
-          </p:txBody>
-        </p:sp>
-        <p:grpSp>
-          <p:nvGrpSpPr>
-            <p:cNvPr id="93" name="Skupina 92">
-              <a:extLst>
-                <a:ext uri="{FF2B5EF4-FFF2-40B4-BE49-F238E27FC236}">
-                  <a16:creationId xmlns:a16="http://schemas.microsoft.com/office/drawing/2014/main" id="{B0E6A267-F2BF-46E7-A9CF-A581AB4825FE}"/>
-                </a:ext>
-              </a:extLst>
-            </p:cNvPr>
-            <p:cNvGrpSpPr/>
-            <p:nvPr/>
-          </p:nvGrpSpPr>
-          <p:grpSpPr>
-            <a:xfrm>
-              <a:off x="4521316" y="2999833"/>
-              <a:ext cx="1088568" cy="1088568"/>
-              <a:chOff x="4380412" y="157652"/>
-              <a:chExt cx="1088568" cy="1088568"/>
-            </a:xfrm>
-          </p:grpSpPr>
-          <p:pic>
-            <p:nvPicPr>
-              <p:cNvPr id="14" name="Grafický objekt 13" descr="Složka">
-                <a:extLst>
-                  <a:ext uri="{FF2B5EF4-FFF2-40B4-BE49-F238E27FC236}">
-                    <a16:creationId xmlns:a16="http://schemas.microsoft.com/office/drawing/2014/main" id="{9055F7E9-55ED-4CDB-9D85-5BC25B949F56}"/>
-                  </a:ext>
-                </a:extLst>
-              </p:cNvPr>
-              <p:cNvPicPr>
-                <a:picLocks noChangeAspect="1"/>
-              </p:cNvPicPr>
-              <p:nvPr/>
-            </p:nvPicPr>
-            <p:blipFill>
-              <a:blip r:embed="rId2">
-                <a:extLst>
-                  <a:ext uri="{28A0092B-C50C-407E-A947-70E740481C1C}">
-                    <a14:useLocalDpi xmlns:a14="http://schemas.microsoft.com/office/drawing/2010/main" val="0"/>
-                  </a:ext>
-                  <a:ext uri="{96DAC541-7B7A-43D3-8B79-37D633B846F1}">
-                    <asvg:svgBlip xmlns:asvg="http://schemas.microsoft.com/office/drawing/2016/SVG/main" r:embed="rId3"/>
-                  </a:ext>
-                </a:extLst>
-              </a:blip>
-              <a:stretch>
-                <a:fillRect/>
-              </a:stretch>
-            </p:blipFill>
-            <p:spPr>
-              <a:xfrm>
-                <a:off x="4380412" y="157652"/>
-                <a:ext cx="1088568" cy="1088568"/>
-              </a:xfrm>
-              <a:prstGeom prst="rect">
-                <a:avLst/>
-              </a:prstGeom>
-            </p:spPr>
-          </p:pic>
-          <p:sp>
-            <p:nvSpPr>
-              <p:cNvPr id="16" name="Obdélník 15">
-                <a:extLst>
-                  <a:ext uri="{FF2B5EF4-FFF2-40B4-BE49-F238E27FC236}">
-                    <a16:creationId xmlns:a16="http://schemas.microsoft.com/office/drawing/2014/main" id="{63A6B057-24FD-41C4-BE4F-E81E22D3E750}"/>
-                  </a:ext>
-                </a:extLst>
-              </p:cNvPr>
-              <p:cNvSpPr/>
-              <p:nvPr/>
-            </p:nvSpPr>
-            <p:spPr>
-              <a:xfrm>
-                <a:off x="4458003" y="600578"/>
-                <a:ext cx="933386" cy="400110"/>
-              </a:xfrm>
-              <a:prstGeom prst="rect">
-                <a:avLst/>
-              </a:prstGeom>
-            </p:spPr>
-            <p:txBody>
-              <a:bodyPr wrap="square">
-                <a:spAutoFit/>
-              </a:bodyPr>
-              <a:lstStyle/>
-              <a:p>
-                <a:pPr algn="ctr"/>
-                <a:r>
-                  <a:rPr lang="cs-CZ" sz="1000" dirty="0">
-                    <a:solidFill>
-                      <a:schemeClr val="tx1">
-                        <a:lumMod val="65000"/>
-                        <a:lumOff val="35000"/>
-                      </a:schemeClr>
-                    </a:solidFill>
-                  </a:rPr>
-                  <a:t>routed 0</a:t>
-                </a:r>
-              </a:p>
-              <a:p>
-                <a:pPr algn="ctr"/>
-                <a:r>
-                  <a:rPr lang="cs-CZ" sz="1000" dirty="0">
-                    <a:solidFill>
-                      <a:schemeClr val="tx1">
-                        <a:lumMod val="65000"/>
-                        <a:lumOff val="35000"/>
-                      </a:schemeClr>
-                    </a:solidFill>
-                  </a:rPr>
-                  <a:t>bilan bez VN</a:t>
-                </a:r>
-              </a:p>
-            </p:txBody>
-          </p:sp>
-        </p:grpSp>
-        <p:grpSp>
-          <p:nvGrpSpPr>
-            <p:cNvPr id="18" name="Skupina 17">
-              <a:extLst>
-                <a:ext uri="{FF2B5EF4-FFF2-40B4-BE49-F238E27FC236}">
-                  <a16:creationId xmlns:a16="http://schemas.microsoft.com/office/drawing/2014/main" id="{D29C369C-90E4-492B-8193-F07CBE841D86}"/>
-                </a:ext>
-              </a:extLst>
-            </p:cNvPr>
-            <p:cNvGrpSpPr/>
-            <p:nvPr/>
-          </p:nvGrpSpPr>
-          <p:grpSpPr>
-            <a:xfrm>
-              <a:off x="4536441" y="255111"/>
-              <a:ext cx="1088568" cy="1088568"/>
-              <a:chOff x="2386149" y="640084"/>
-              <a:chExt cx="1088568" cy="1088568"/>
-            </a:xfrm>
-          </p:grpSpPr>
-          <p:pic>
-            <p:nvPicPr>
-              <p:cNvPr id="19" name="Grafický objekt 18" descr="Složka">
-                <a:extLst>
-                  <a:ext uri="{FF2B5EF4-FFF2-40B4-BE49-F238E27FC236}">
-                    <a16:creationId xmlns:a16="http://schemas.microsoft.com/office/drawing/2014/main" id="{82DD2FB5-63CC-4358-B545-6447F2E3342F}"/>
-                  </a:ext>
-                </a:extLst>
-              </p:cNvPr>
-              <p:cNvPicPr>
-                <a:picLocks noChangeAspect="1"/>
-              </p:cNvPicPr>
-              <p:nvPr/>
-            </p:nvPicPr>
-            <p:blipFill>
-              <a:blip r:embed="rId2">
-                <a:extLst>
-                  <a:ext uri="{28A0092B-C50C-407E-A947-70E740481C1C}">
-                    <a14:useLocalDpi xmlns:a14="http://schemas.microsoft.com/office/drawing/2010/main" val="0"/>
-                  </a:ext>
-                  <a:ext uri="{96DAC541-7B7A-43D3-8B79-37D633B846F1}">
-                    <asvg:svgBlip xmlns:asvg="http://schemas.microsoft.com/office/drawing/2016/SVG/main" r:embed="rId3"/>
-                  </a:ext>
-                </a:extLst>
-              </a:blip>
-              <a:stretch>
-                <a:fillRect/>
-              </a:stretch>
-            </p:blipFill>
-            <p:spPr>
-              <a:xfrm>
-                <a:off x="2386149" y="640084"/>
-                <a:ext cx="1088568" cy="1088568"/>
-              </a:xfrm>
-              <a:prstGeom prst="rect">
-                <a:avLst/>
-              </a:prstGeom>
-            </p:spPr>
-          </p:pic>
-          <p:sp>
-            <p:nvSpPr>
-              <p:cNvPr id="20" name="Obdélník 19">
-                <a:extLst>
-                  <a:ext uri="{FF2B5EF4-FFF2-40B4-BE49-F238E27FC236}">
-                    <a16:creationId xmlns:a16="http://schemas.microsoft.com/office/drawing/2014/main" id="{C38F69B0-EFF1-437B-AD2F-64A026759B3E}"/>
-                  </a:ext>
-                </a:extLst>
-              </p:cNvPr>
-              <p:cNvSpPr/>
-              <p:nvPr/>
-            </p:nvSpPr>
-            <p:spPr>
-              <a:xfrm>
-                <a:off x="2463740" y="1133398"/>
-                <a:ext cx="933386" cy="253916"/>
-              </a:xfrm>
-              <a:prstGeom prst="rect">
-                <a:avLst/>
-              </a:prstGeom>
-            </p:spPr>
-            <p:txBody>
-              <a:bodyPr wrap="square">
-                <a:spAutoFit/>
-              </a:bodyPr>
-              <a:lstStyle/>
-              <a:p>
-                <a:pPr algn="ctr"/>
-                <a:r>
-                  <a:rPr lang="cs-CZ" sz="1050" dirty="0">
-                    <a:solidFill>
-                      <a:schemeClr val="tx1">
-                        <a:lumMod val="65000"/>
-                        <a:lumOff val="35000"/>
-                      </a:schemeClr>
-                    </a:solidFill>
-                  </a:rPr>
-                  <a:t>geo rds</a:t>
-                </a:r>
-              </a:p>
-            </p:txBody>
-          </p:sp>
-        </p:grpSp>
-        <p:grpSp>
-          <p:nvGrpSpPr>
-            <p:cNvPr id="21" name="Skupina 20">
-              <a:extLst>
-                <a:ext uri="{FF2B5EF4-FFF2-40B4-BE49-F238E27FC236}">
-                  <a16:creationId xmlns:a16="http://schemas.microsoft.com/office/drawing/2014/main" id="{37FA1DCC-F842-4128-B999-5D330FAB9A99}"/>
-                </a:ext>
-              </a:extLst>
-            </p:cNvPr>
-            <p:cNvGrpSpPr/>
-            <p:nvPr/>
-          </p:nvGrpSpPr>
-          <p:grpSpPr>
-            <a:xfrm>
-              <a:off x="4536441" y="1196522"/>
-              <a:ext cx="1088568" cy="1088568"/>
-              <a:chOff x="2386149" y="640084"/>
-              <a:chExt cx="1088568" cy="1088568"/>
-            </a:xfrm>
-          </p:grpSpPr>
-          <p:pic>
-            <p:nvPicPr>
-              <p:cNvPr id="22" name="Grafický objekt 21" descr="Složka">
-                <a:extLst>
-                  <a:ext uri="{FF2B5EF4-FFF2-40B4-BE49-F238E27FC236}">
-                    <a16:creationId xmlns:a16="http://schemas.microsoft.com/office/drawing/2014/main" id="{2FDDFCFF-2890-4C15-B7E0-AA6F1F707986}"/>
-                  </a:ext>
-                </a:extLst>
-              </p:cNvPr>
-              <p:cNvPicPr>
-                <a:picLocks noChangeAspect="1"/>
-              </p:cNvPicPr>
-              <p:nvPr/>
-            </p:nvPicPr>
-            <p:blipFill>
-              <a:blip r:embed="rId2">
-                <a:extLst>
-                  <a:ext uri="{28A0092B-C50C-407E-A947-70E740481C1C}">
-                    <a14:useLocalDpi xmlns:a14="http://schemas.microsoft.com/office/drawing/2010/main" val="0"/>
-                  </a:ext>
-                  <a:ext uri="{96DAC541-7B7A-43D3-8B79-37D633B846F1}">
-                    <asvg:svgBlip xmlns:asvg="http://schemas.microsoft.com/office/drawing/2016/SVG/main" r:embed="rId3"/>
-                  </a:ext>
-                </a:extLst>
-              </a:blip>
-              <a:stretch>
-                <a:fillRect/>
-              </a:stretch>
-            </p:blipFill>
-            <p:spPr>
-              <a:xfrm>
-                <a:off x="2386149" y="640084"/>
-                <a:ext cx="1088568" cy="1088568"/>
-              </a:xfrm>
-              <a:prstGeom prst="rect">
-                <a:avLst/>
-              </a:prstGeom>
-            </p:spPr>
-          </p:pic>
-          <p:sp>
-            <p:nvSpPr>
-              <p:cNvPr id="23" name="Obdélník 22">
-                <a:extLst>
-                  <a:ext uri="{FF2B5EF4-FFF2-40B4-BE49-F238E27FC236}">
-                    <a16:creationId xmlns:a16="http://schemas.microsoft.com/office/drawing/2014/main" id="{345000F2-4604-4A47-A4FC-609FF4A983BD}"/>
-                  </a:ext>
-                </a:extLst>
-              </p:cNvPr>
-              <p:cNvSpPr/>
-              <p:nvPr/>
-            </p:nvSpPr>
-            <p:spPr>
-              <a:xfrm>
-                <a:off x="2463740" y="1133398"/>
-                <a:ext cx="933386" cy="253916"/>
-              </a:xfrm>
-              <a:prstGeom prst="rect">
-                <a:avLst/>
-              </a:prstGeom>
-            </p:spPr>
-            <p:txBody>
-              <a:bodyPr wrap="square">
-                <a:spAutoFit/>
-              </a:bodyPr>
-              <a:lstStyle/>
-              <a:p>
-                <a:pPr algn="ctr"/>
-                <a:r>
-                  <a:rPr lang="cs-CZ" sz="1050" dirty="0">
-                    <a:solidFill>
-                      <a:schemeClr val="tx1">
-                        <a:lumMod val="65000"/>
-                        <a:lumOff val="35000"/>
-                      </a:schemeClr>
-                    </a:solidFill>
-                  </a:rPr>
-                  <a:t>mbilan</a:t>
-                </a:r>
-              </a:p>
-            </p:txBody>
-          </p:sp>
-        </p:grpSp>
-        <p:grpSp>
-          <p:nvGrpSpPr>
-            <p:cNvPr id="24" name="Skupina 23">
-              <a:extLst>
-                <a:ext uri="{FF2B5EF4-FFF2-40B4-BE49-F238E27FC236}">
-                  <a16:creationId xmlns:a16="http://schemas.microsoft.com/office/drawing/2014/main" id="{891B0CD3-FA43-4624-8C83-7F48F78C8890}"/>
-                </a:ext>
-              </a:extLst>
-            </p:cNvPr>
-            <p:cNvGrpSpPr/>
-            <p:nvPr/>
-          </p:nvGrpSpPr>
-          <p:grpSpPr>
-            <a:xfrm>
-              <a:off x="4536441" y="2020761"/>
-              <a:ext cx="1088568" cy="1088568"/>
-              <a:chOff x="2386149" y="640084"/>
-              <a:chExt cx="1088568" cy="1088568"/>
-            </a:xfrm>
-          </p:grpSpPr>
-          <p:pic>
-            <p:nvPicPr>
-              <p:cNvPr id="25" name="Grafický objekt 24" descr="Složka">
-                <a:extLst>
-                  <a:ext uri="{FF2B5EF4-FFF2-40B4-BE49-F238E27FC236}">
-                    <a16:creationId xmlns:a16="http://schemas.microsoft.com/office/drawing/2014/main" id="{73F4C058-D0F3-4A06-90AB-8BA61E2605AF}"/>
-                  </a:ext>
-                </a:extLst>
-              </p:cNvPr>
-              <p:cNvPicPr>
-                <a:picLocks noChangeAspect="1"/>
-              </p:cNvPicPr>
-              <p:nvPr/>
-            </p:nvPicPr>
-            <p:blipFill>
-              <a:blip r:embed="rId2">
-                <a:extLst>
-                  <a:ext uri="{28A0092B-C50C-407E-A947-70E740481C1C}">
-                    <a14:useLocalDpi xmlns:a14="http://schemas.microsoft.com/office/drawing/2010/main" val="0"/>
-                  </a:ext>
-                  <a:ext uri="{96DAC541-7B7A-43D3-8B79-37D633B846F1}">
-                    <asvg:svgBlip xmlns:asvg="http://schemas.microsoft.com/office/drawing/2016/SVG/main" r:embed="rId3"/>
-                  </a:ext>
-                </a:extLst>
-              </a:blip>
-              <a:stretch>
-                <a:fillRect/>
-              </a:stretch>
-            </p:blipFill>
-            <p:spPr>
-              <a:xfrm>
-                <a:off x="2386149" y="640084"/>
-                <a:ext cx="1088568" cy="1088568"/>
-              </a:xfrm>
-              <a:prstGeom prst="rect">
-                <a:avLst/>
-              </a:prstGeom>
-            </p:spPr>
-          </p:pic>
-          <p:sp>
-            <p:nvSpPr>
-              <p:cNvPr id="26" name="Obdélník 25">
-                <a:extLst>
-                  <a:ext uri="{FF2B5EF4-FFF2-40B4-BE49-F238E27FC236}">
-                    <a16:creationId xmlns:a16="http://schemas.microsoft.com/office/drawing/2014/main" id="{A1217913-B9B4-4513-9FED-8F3C2DFCCDD1}"/>
-                  </a:ext>
-                </a:extLst>
-              </p:cNvPr>
-              <p:cNvSpPr/>
-              <p:nvPr/>
-            </p:nvSpPr>
-            <p:spPr>
-              <a:xfrm>
-                <a:off x="2463740" y="1133398"/>
-                <a:ext cx="933386" cy="253916"/>
-              </a:xfrm>
-              <a:prstGeom prst="rect">
-                <a:avLst/>
-              </a:prstGeom>
-            </p:spPr>
-            <p:txBody>
-              <a:bodyPr wrap="square">
-                <a:spAutoFit/>
-              </a:bodyPr>
-              <a:lstStyle/>
-              <a:p>
-                <a:pPr algn="ctr"/>
-                <a:r>
-                  <a:rPr lang="cs-CZ" sz="1050" dirty="0">
-                    <a:solidFill>
-                      <a:schemeClr val="tx1">
-                        <a:lumMod val="65000"/>
-                        <a:lumOff val="35000"/>
-                      </a:schemeClr>
-                    </a:solidFill>
-                  </a:rPr>
-                  <a:t>res</a:t>
-                </a:r>
-              </a:p>
-            </p:txBody>
-          </p:sp>
-        </p:grpSp>
-        <p:grpSp>
-          <p:nvGrpSpPr>
-            <p:cNvPr id="27" name="Skupina 26">
-              <a:extLst>
-                <a:ext uri="{FF2B5EF4-FFF2-40B4-BE49-F238E27FC236}">
-                  <a16:creationId xmlns:a16="http://schemas.microsoft.com/office/drawing/2014/main" id="{7AA398E7-A3DF-440A-9545-0861EF591B4C}"/>
-                </a:ext>
-              </a:extLst>
-            </p:cNvPr>
-            <p:cNvGrpSpPr/>
-            <p:nvPr/>
-          </p:nvGrpSpPr>
-          <p:grpSpPr>
-            <a:xfrm>
-              <a:off x="4535062" y="3789058"/>
-              <a:ext cx="1088568" cy="1088568"/>
-              <a:chOff x="2384771" y="707339"/>
-              <a:chExt cx="1088568" cy="1088568"/>
-            </a:xfrm>
-          </p:grpSpPr>
-          <p:pic>
-            <p:nvPicPr>
-              <p:cNvPr id="28" name="Grafický objekt 27" descr="Složka">
-                <a:extLst>
-                  <a:ext uri="{FF2B5EF4-FFF2-40B4-BE49-F238E27FC236}">
-                    <a16:creationId xmlns:a16="http://schemas.microsoft.com/office/drawing/2014/main" id="{624AD535-9CA6-4982-9C7E-48E60D472EFE}"/>
-                  </a:ext>
-                </a:extLst>
-              </p:cNvPr>
-              <p:cNvPicPr>
-                <a:picLocks noChangeAspect="1"/>
-              </p:cNvPicPr>
-              <p:nvPr/>
-            </p:nvPicPr>
-            <p:blipFill>
-              <a:blip r:embed="rId2">
-                <a:extLst>
-                  <a:ext uri="{28A0092B-C50C-407E-A947-70E740481C1C}">
-                    <a14:useLocalDpi xmlns:a14="http://schemas.microsoft.com/office/drawing/2010/main" val="0"/>
-                  </a:ext>
-                  <a:ext uri="{96DAC541-7B7A-43D3-8B79-37D633B846F1}">
-                    <asvg:svgBlip xmlns:asvg="http://schemas.microsoft.com/office/drawing/2016/SVG/main" r:embed="rId3"/>
-                  </a:ext>
-                </a:extLst>
-              </a:blip>
-              <a:stretch>
-                <a:fillRect/>
-              </a:stretch>
-            </p:blipFill>
-            <p:spPr>
-              <a:xfrm>
-                <a:off x="2384771" y="707339"/>
-                <a:ext cx="1088568" cy="1088568"/>
-              </a:xfrm>
-              <a:prstGeom prst="rect">
-                <a:avLst/>
-              </a:prstGeom>
-            </p:spPr>
-          </p:pic>
-          <p:sp>
-            <p:nvSpPr>
-              <p:cNvPr id="29" name="Obdélník 28">
-                <a:extLst>
-                  <a:ext uri="{FF2B5EF4-FFF2-40B4-BE49-F238E27FC236}">
-                    <a16:creationId xmlns:a16="http://schemas.microsoft.com/office/drawing/2014/main" id="{1BA5B3FF-DD96-4210-A63B-B6D516638C8A}"/>
-                  </a:ext>
-                </a:extLst>
-              </p:cNvPr>
-              <p:cNvSpPr/>
-              <p:nvPr/>
-            </p:nvSpPr>
-            <p:spPr>
-              <a:xfrm>
-                <a:off x="2463740" y="1133398"/>
-                <a:ext cx="933386" cy="253916"/>
-              </a:xfrm>
-              <a:prstGeom prst="rect">
-                <a:avLst/>
-              </a:prstGeom>
-            </p:spPr>
-            <p:txBody>
-              <a:bodyPr wrap="square">
-                <a:spAutoFit/>
-              </a:bodyPr>
-              <a:lstStyle/>
-              <a:p>
-                <a:pPr algn="ctr"/>
-                <a:r>
-                  <a:rPr lang="cs-CZ" sz="1050" dirty="0">
-                    <a:solidFill>
-                      <a:schemeClr val="tx1">
-                        <a:lumMod val="65000"/>
-                        <a:lumOff val="35000"/>
-                      </a:schemeClr>
-                    </a:solidFill>
-                  </a:rPr>
-                  <a:t>chmu</a:t>
-                </a:r>
-              </a:p>
-            </p:txBody>
-          </p:sp>
-        </p:grpSp>
-        <p:grpSp>
-          <p:nvGrpSpPr>
-            <p:cNvPr id="37" name="Skupina 36">
-              <a:extLst>
-                <a:ext uri="{FF2B5EF4-FFF2-40B4-BE49-F238E27FC236}">
-                  <a16:creationId xmlns:a16="http://schemas.microsoft.com/office/drawing/2014/main" id="{635B19F6-36C2-498F-A3A0-7466495360C3}"/>
-                </a:ext>
-              </a:extLst>
-            </p:cNvPr>
-            <p:cNvGrpSpPr/>
-            <p:nvPr/>
-          </p:nvGrpSpPr>
-          <p:grpSpPr>
-            <a:xfrm>
-              <a:off x="4506308" y="4702086"/>
-              <a:ext cx="1088568" cy="1088568"/>
-              <a:chOff x="2386149" y="640084"/>
-              <a:chExt cx="1088568" cy="1088568"/>
-            </a:xfrm>
-          </p:grpSpPr>
-          <p:pic>
-            <p:nvPicPr>
-              <p:cNvPr id="38" name="Grafický objekt 37" descr="Složka">
-                <a:extLst>
-                  <a:ext uri="{FF2B5EF4-FFF2-40B4-BE49-F238E27FC236}">
-                    <a16:creationId xmlns:a16="http://schemas.microsoft.com/office/drawing/2014/main" id="{9A324B15-6EFE-46FA-9509-16C8271A740E}"/>
-                  </a:ext>
-                </a:extLst>
-              </p:cNvPr>
-              <p:cNvPicPr>
-                <a:picLocks noChangeAspect="1"/>
-              </p:cNvPicPr>
-              <p:nvPr/>
-            </p:nvPicPr>
-            <p:blipFill>
-              <a:blip r:embed="rId2">
-                <a:extLst>
-                  <a:ext uri="{28A0092B-C50C-407E-A947-70E740481C1C}">
-                    <a14:useLocalDpi xmlns:a14="http://schemas.microsoft.com/office/drawing/2010/main" val="0"/>
-                  </a:ext>
-                  <a:ext uri="{96DAC541-7B7A-43D3-8B79-37D633B846F1}">
-                    <asvg:svgBlip xmlns:asvg="http://schemas.microsoft.com/office/drawing/2016/SVG/main" r:embed="rId3"/>
-                  </a:ext>
-                </a:extLst>
-              </a:blip>
-              <a:stretch>
-                <a:fillRect/>
-              </a:stretch>
-            </p:blipFill>
-            <p:spPr>
-              <a:xfrm>
-                <a:off x="2386149" y="640084"/>
-                <a:ext cx="1088568" cy="1088568"/>
-              </a:xfrm>
-              <a:prstGeom prst="rect">
-                <a:avLst/>
-              </a:prstGeom>
-            </p:spPr>
-          </p:pic>
-          <p:sp>
-            <p:nvSpPr>
-              <p:cNvPr id="39" name="Obdélník 38">
-                <a:extLst>
-                  <a:ext uri="{FF2B5EF4-FFF2-40B4-BE49-F238E27FC236}">
-                    <a16:creationId xmlns:a16="http://schemas.microsoft.com/office/drawing/2014/main" id="{D6AC09F4-77F9-40C7-BA04-02341F46CC7B}"/>
-                  </a:ext>
-                </a:extLst>
-              </p:cNvPr>
-              <p:cNvSpPr/>
-              <p:nvPr/>
-            </p:nvSpPr>
-            <p:spPr>
-              <a:xfrm>
-                <a:off x="2463740" y="1133398"/>
-                <a:ext cx="933386" cy="253916"/>
-              </a:xfrm>
-              <a:prstGeom prst="rect">
-                <a:avLst/>
-              </a:prstGeom>
-            </p:spPr>
-            <p:txBody>
-              <a:bodyPr wrap="square">
-                <a:spAutoFit/>
-              </a:bodyPr>
-              <a:lstStyle/>
-              <a:p>
-                <a:pPr algn="ctr"/>
-                <a:r>
-                  <a:rPr lang="cs-CZ" sz="1050" dirty="0">
-                    <a:solidFill>
-                      <a:schemeClr val="tx1">
-                        <a:lumMod val="65000"/>
-                        <a:lumOff val="35000"/>
-                      </a:schemeClr>
-                    </a:solidFill>
-                  </a:rPr>
-                  <a:t>indikatory</a:t>
-                </a:r>
-              </a:p>
-            </p:txBody>
-          </p:sp>
-        </p:grpSp>
-        <p:grpSp>
-          <p:nvGrpSpPr>
-            <p:cNvPr id="51" name="Skupina 50">
-              <a:extLst>
-                <a:ext uri="{FF2B5EF4-FFF2-40B4-BE49-F238E27FC236}">
-                  <a16:creationId xmlns:a16="http://schemas.microsoft.com/office/drawing/2014/main" id="{AEB1095A-8CCC-48CE-A0FB-9D2A51BDAA4F}"/>
-                </a:ext>
-              </a:extLst>
-            </p:cNvPr>
-            <p:cNvGrpSpPr/>
-            <p:nvPr/>
-          </p:nvGrpSpPr>
-          <p:grpSpPr>
-            <a:xfrm>
-              <a:off x="1927719" y="2527142"/>
-              <a:ext cx="1149534" cy="1149534"/>
-              <a:chOff x="2424307" y="1711313"/>
-              <a:chExt cx="1149534" cy="1149534"/>
-            </a:xfrm>
-          </p:grpSpPr>
-          <p:pic>
-            <p:nvPicPr>
-              <p:cNvPr id="47" name="Grafický objekt 46" descr="Otevřít složku">
-                <a:extLst>
-                  <a:ext uri="{FF2B5EF4-FFF2-40B4-BE49-F238E27FC236}">
-                    <a16:creationId xmlns:a16="http://schemas.microsoft.com/office/drawing/2014/main" id="{B46EBFFD-4315-401D-8A55-75F0AD1A5ABF}"/>
-                  </a:ext>
-                </a:extLst>
-              </p:cNvPr>
-              <p:cNvPicPr>
-                <a:picLocks noChangeAspect="1"/>
-              </p:cNvPicPr>
-              <p:nvPr/>
-            </p:nvPicPr>
-            <p:blipFill>
-              <a:blip r:embed="rId4">
-                <a:extLst>
-                  <a:ext uri="{28A0092B-C50C-407E-A947-70E740481C1C}">
-                    <a14:useLocalDpi xmlns:a14="http://schemas.microsoft.com/office/drawing/2010/main" val="0"/>
-                  </a:ext>
-                  <a:ext uri="{96DAC541-7B7A-43D3-8B79-37D633B846F1}">
-                    <asvg:svgBlip xmlns:asvg="http://schemas.microsoft.com/office/drawing/2016/SVG/main" r:embed="rId5"/>
-                  </a:ext>
-                </a:extLst>
-              </a:blip>
-              <a:stretch>
-                <a:fillRect/>
-              </a:stretch>
-            </p:blipFill>
-            <p:spPr>
-              <a:xfrm>
-                <a:off x="2424307" y="1711313"/>
-                <a:ext cx="1149534" cy="1149534"/>
-              </a:xfrm>
-              <a:prstGeom prst="rect">
-                <a:avLst/>
-              </a:prstGeom>
-            </p:spPr>
-          </p:pic>
-          <p:sp>
-            <p:nvSpPr>
-              <p:cNvPr id="50" name="Obdélník 49">
-                <a:extLst>
-                  <a:ext uri="{FF2B5EF4-FFF2-40B4-BE49-F238E27FC236}">
-                    <a16:creationId xmlns:a16="http://schemas.microsoft.com/office/drawing/2014/main" id="{0A6EB139-A73F-41C3-BFF0-081B34460F0C}"/>
-                  </a:ext>
-                </a:extLst>
-              </p:cNvPr>
-              <p:cNvSpPr/>
-              <p:nvPr/>
-            </p:nvSpPr>
-            <p:spPr>
-              <a:xfrm>
-                <a:off x="2634131" y="2180181"/>
-                <a:ext cx="886781" cy="246221"/>
-              </a:xfrm>
-              <a:prstGeom prst="rect">
-                <a:avLst/>
-              </a:prstGeom>
-            </p:spPr>
-            <p:txBody>
-              <a:bodyPr wrap="none">
-                <a:spAutoFit/>
-              </a:bodyPr>
-              <a:lstStyle/>
-              <a:p>
-                <a:pPr algn="ctr"/>
-                <a:r>
-                  <a:rPr lang="cs-CZ" sz="1000" dirty="0">
-                    <a:solidFill>
-                      <a:schemeClr val="tx1">
-                        <a:lumMod val="65000"/>
-                        <a:lumOff val="35000"/>
-                      </a:schemeClr>
-                    </a:solidFill>
-                  </a:rPr>
-                  <a:t>webapp data</a:t>
-                </a:r>
-              </a:p>
-            </p:txBody>
-          </p:sp>
-        </p:grpSp>
-        <p:grpSp>
-          <p:nvGrpSpPr>
-            <p:cNvPr id="54" name="Skupina 53">
-              <a:extLst>
-                <a:ext uri="{FF2B5EF4-FFF2-40B4-BE49-F238E27FC236}">
-                  <a16:creationId xmlns:a16="http://schemas.microsoft.com/office/drawing/2014/main" id="{787DBA28-98AA-4520-A232-7FC226F2F82B}"/>
-                </a:ext>
-              </a:extLst>
-            </p:cNvPr>
-            <p:cNvGrpSpPr/>
-            <p:nvPr/>
-          </p:nvGrpSpPr>
-          <p:grpSpPr>
-            <a:xfrm>
-              <a:off x="3583793" y="365476"/>
-              <a:ext cx="933386" cy="914400"/>
-              <a:chOff x="1624562" y="3908731"/>
-              <a:chExt cx="933386" cy="914400"/>
-            </a:xfrm>
-          </p:grpSpPr>
-          <p:pic>
-            <p:nvPicPr>
-              <p:cNvPr id="55" name="Grafický objekt 54" descr="Papír">
-                <a:extLst>
-                  <a:ext uri="{FF2B5EF4-FFF2-40B4-BE49-F238E27FC236}">
-                    <a16:creationId xmlns:a16="http://schemas.microsoft.com/office/drawing/2014/main" id="{6E4D1624-4A91-48AD-A694-3CD930556029}"/>
-                  </a:ext>
-                </a:extLst>
-              </p:cNvPr>
-              <p:cNvPicPr>
-                <a:picLocks noChangeAspect="1"/>
-              </p:cNvPicPr>
-              <p:nvPr/>
-            </p:nvPicPr>
-            <p:blipFill>
-              <a:blip r:embed="rId6">
-                <a:extLst>
-                  <a:ext uri="{28A0092B-C50C-407E-A947-70E740481C1C}">
-                    <a14:useLocalDpi xmlns:a14="http://schemas.microsoft.com/office/drawing/2010/main" val="0"/>
-                  </a:ext>
-                  <a:ext uri="{96DAC541-7B7A-43D3-8B79-37D633B846F1}">
-                    <asvg:svgBlip xmlns:asvg="http://schemas.microsoft.com/office/drawing/2016/SVG/main" r:embed="rId7"/>
-                  </a:ext>
-                </a:extLst>
-              </a:blip>
-              <a:stretch>
-                <a:fillRect/>
-              </a:stretch>
-            </p:blipFill>
-            <p:spPr>
-              <a:xfrm>
-                <a:off x="1634055" y="3908731"/>
-                <a:ext cx="914400" cy="914400"/>
-              </a:xfrm>
-              <a:prstGeom prst="rect">
-                <a:avLst/>
-              </a:prstGeom>
-            </p:spPr>
-          </p:pic>
-          <p:sp>
-            <p:nvSpPr>
-              <p:cNvPr id="56" name="Obdélník 55">
-                <a:extLst>
-                  <a:ext uri="{FF2B5EF4-FFF2-40B4-BE49-F238E27FC236}">
-                    <a16:creationId xmlns:a16="http://schemas.microsoft.com/office/drawing/2014/main" id="{22ED41D6-8C45-4E15-8AAA-C1D5DCFA7227}"/>
-                  </a:ext>
-                </a:extLst>
-              </p:cNvPr>
-              <p:cNvSpPr/>
-              <p:nvPr/>
-            </p:nvSpPr>
-            <p:spPr>
-              <a:xfrm>
-                <a:off x="1624562" y="4365931"/>
-                <a:ext cx="933386" cy="253916"/>
-              </a:xfrm>
-              <a:prstGeom prst="rect">
-                <a:avLst/>
-              </a:prstGeom>
-            </p:spPr>
-            <p:txBody>
-              <a:bodyPr wrap="square">
-                <a:spAutoFit/>
-              </a:bodyPr>
-              <a:lstStyle/>
-              <a:p>
-                <a:pPr algn="ctr"/>
-                <a:r>
-                  <a:rPr lang="cs-CZ" sz="1000" dirty="0">
-                    <a:solidFill>
-                      <a:schemeClr val="tx1">
-                        <a:lumMod val="65000"/>
-                        <a:lumOff val="35000"/>
-                      </a:schemeClr>
-                    </a:solidFill>
-                  </a:rPr>
-                  <a:t>popis</a:t>
-                </a:r>
-              </a:p>
-            </p:txBody>
-          </p:sp>
-        </p:grpSp>
-        <p:grpSp>
-          <p:nvGrpSpPr>
-            <p:cNvPr id="57" name="Skupina 56">
-              <a:extLst>
-                <a:ext uri="{FF2B5EF4-FFF2-40B4-BE49-F238E27FC236}">
-                  <a16:creationId xmlns:a16="http://schemas.microsoft.com/office/drawing/2014/main" id="{6229B899-DB79-4334-85A7-FF15349679CA}"/>
-                </a:ext>
-              </a:extLst>
-            </p:cNvPr>
-            <p:cNvGrpSpPr/>
-            <p:nvPr/>
-          </p:nvGrpSpPr>
-          <p:grpSpPr>
-            <a:xfrm>
-              <a:off x="3564530" y="1599675"/>
-              <a:ext cx="933386" cy="914400"/>
-              <a:chOff x="1624562" y="3908731"/>
-              <a:chExt cx="933386" cy="914400"/>
-            </a:xfrm>
-          </p:grpSpPr>
-          <p:pic>
-            <p:nvPicPr>
-              <p:cNvPr id="58" name="Grafický objekt 57" descr="Papír">
-                <a:extLst>
-                  <a:ext uri="{FF2B5EF4-FFF2-40B4-BE49-F238E27FC236}">
-                    <a16:creationId xmlns:a16="http://schemas.microsoft.com/office/drawing/2014/main" id="{C0359F81-29DD-47C8-8A97-D90F144DDD32}"/>
-                  </a:ext>
-                </a:extLst>
-              </p:cNvPr>
-              <p:cNvPicPr>
-                <a:picLocks noChangeAspect="1"/>
-              </p:cNvPicPr>
-              <p:nvPr/>
-            </p:nvPicPr>
-            <p:blipFill>
-              <a:blip r:embed="rId6">
-                <a:extLst>
-                  <a:ext uri="{28A0092B-C50C-407E-A947-70E740481C1C}">
-                    <a14:useLocalDpi xmlns:a14="http://schemas.microsoft.com/office/drawing/2010/main" val="0"/>
-                  </a:ext>
-                  <a:ext uri="{96DAC541-7B7A-43D3-8B79-37D633B846F1}">
-                    <asvg:svgBlip xmlns:asvg="http://schemas.microsoft.com/office/drawing/2016/SVG/main" r:embed="rId7"/>
-                  </a:ext>
-                </a:extLst>
-              </a:blip>
-              <a:stretch>
-                <a:fillRect/>
-              </a:stretch>
-            </p:blipFill>
-            <p:spPr>
-              <a:xfrm>
-                <a:off x="1634055" y="3908731"/>
-                <a:ext cx="914400" cy="914400"/>
-              </a:xfrm>
-              <a:prstGeom prst="rect">
-                <a:avLst/>
-              </a:prstGeom>
-            </p:spPr>
-          </p:pic>
-          <p:sp>
-            <p:nvSpPr>
-              <p:cNvPr id="59" name="Obdélník 58">
-                <a:extLst>
-                  <a:ext uri="{FF2B5EF4-FFF2-40B4-BE49-F238E27FC236}">
-                    <a16:creationId xmlns:a16="http://schemas.microsoft.com/office/drawing/2014/main" id="{A90C5917-29C0-43BB-B838-ABA653E1AD27}"/>
-                  </a:ext>
-                </a:extLst>
-              </p:cNvPr>
-              <p:cNvSpPr/>
-              <p:nvPr/>
-            </p:nvSpPr>
-            <p:spPr>
-              <a:xfrm>
-                <a:off x="1624562" y="4365931"/>
-                <a:ext cx="933386" cy="253916"/>
-              </a:xfrm>
-              <a:prstGeom prst="rect">
-                <a:avLst/>
-              </a:prstGeom>
-            </p:spPr>
-            <p:txBody>
-              <a:bodyPr wrap="square">
-                <a:spAutoFit/>
-              </a:bodyPr>
-              <a:lstStyle/>
-              <a:p>
-                <a:pPr algn="ctr"/>
-                <a:r>
-                  <a:rPr lang="cs-CZ" sz="1050" dirty="0">
-                    <a:solidFill>
-                      <a:schemeClr val="tx1">
-                        <a:lumMod val="65000"/>
-                        <a:lumOff val="35000"/>
-                      </a:schemeClr>
-                    </a:solidFill>
-                  </a:rPr>
-                  <a:t>TABB</a:t>
-                </a:r>
-              </a:p>
-            </p:txBody>
-          </p:sp>
-        </p:grpSp>
-        <p:grpSp>
-          <p:nvGrpSpPr>
-            <p:cNvPr id="60" name="Skupina 59">
-              <a:extLst>
-                <a:ext uri="{FF2B5EF4-FFF2-40B4-BE49-F238E27FC236}">
-                  <a16:creationId xmlns:a16="http://schemas.microsoft.com/office/drawing/2014/main" id="{E82C34ED-C5AF-49D2-B360-E75A10B09182}"/>
-                </a:ext>
-              </a:extLst>
-            </p:cNvPr>
-            <p:cNvGrpSpPr/>
-            <p:nvPr/>
-          </p:nvGrpSpPr>
-          <p:grpSpPr>
-            <a:xfrm>
-              <a:off x="6502086" y="3895971"/>
-              <a:ext cx="933386" cy="914400"/>
-              <a:chOff x="1624562" y="3908731"/>
-              <a:chExt cx="933386" cy="914400"/>
-            </a:xfrm>
-          </p:grpSpPr>
-          <p:pic>
-            <p:nvPicPr>
-              <p:cNvPr id="61" name="Grafický objekt 60" descr="Papír">
-                <a:extLst>
-                  <a:ext uri="{FF2B5EF4-FFF2-40B4-BE49-F238E27FC236}">
-                    <a16:creationId xmlns:a16="http://schemas.microsoft.com/office/drawing/2014/main" id="{5E1FC082-6D6D-466B-BDE8-F51638F64286}"/>
-                  </a:ext>
-                </a:extLst>
-              </p:cNvPr>
-              <p:cNvPicPr>
-                <a:picLocks noChangeAspect="1"/>
-              </p:cNvPicPr>
-              <p:nvPr/>
-            </p:nvPicPr>
-            <p:blipFill>
-              <a:blip r:embed="rId6">
-                <a:extLst>
-                  <a:ext uri="{28A0092B-C50C-407E-A947-70E740481C1C}">
-                    <a14:useLocalDpi xmlns:a14="http://schemas.microsoft.com/office/drawing/2010/main" val="0"/>
-                  </a:ext>
-                  <a:ext uri="{96DAC541-7B7A-43D3-8B79-37D633B846F1}">
-                    <asvg:svgBlip xmlns:asvg="http://schemas.microsoft.com/office/drawing/2016/SVG/main" r:embed="rId7"/>
-                  </a:ext>
-                </a:extLst>
-              </a:blip>
-              <a:stretch>
-                <a:fillRect/>
-              </a:stretch>
-            </p:blipFill>
-            <p:spPr>
-              <a:xfrm>
-                <a:off x="1634055" y="3908731"/>
-                <a:ext cx="914400" cy="914400"/>
-              </a:xfrm>
-              <a:prstGeom prst="rect">
-                <a:avLst/>
-              </a:prstGeom>
-            </p:spPr>
-          </p:pic>
-          <p:sp>
-            <p:nvSpPr>
-              <p:cNvPr id="62" name="Obdélník 61">
-                <a:extLst>
-                  <a:ext uri="{FF2B5EF4-FFF2-40B4-BE49-F238E27FC236}">
-                    <a16:creationId xmlns:a16="http://schemas.microsoft.com/office/drawing/2014/main" id="{840BF1F8-04E1-45F8-96CE-B2C2526A229B}"/>
-                  </a:ext>
-                </a:extLst>
-              </p:cNvPr>
-              <p:cNvSpPr/>
-              <p:nvPr/>
-            </p:nvSpPr>
-            <p:spPr>
-              <a:xfrm>
-                <a:off x="1624562" y="4274656"/>
-                <a:ext cx="933386" cy="415498"/>
-              </a:xfrm>
-              <a:prstGeom prst="rect">
-                <a:avLst/>
-              </a:prstGeom>
-            </p:spPr>
-            <p:txBody>
-              <a:bodyPr wrap="square">
-                <a:spAutoFit/>
-              </a:bodyPr>
-              <a:lstStyle/>
-              <a:p>
-                <a:pPr algn="ctr"/>
-                <a:r>
-                  <a:rPr lang="cs-CZ" sz="1050" dirty="0">
-                    <a:solidFill>
-                      <a:schemeClr val="tx1">
-                        <a:lumMod val="65000"/>
-                        <a:lumOff val="35000"/>
-                      </a:schemeClr>
-                    </a:solidFill>
-                  </a:rPr>
-                  <a:t>chars</a:t>
-                </a:r>
-              </a:p>
-              <a:p>
-                <a:pPr algn="ctr"/>
-                <a:r>
-                  <a:rPr lang="cs-CZ" sz="1050" dirty="0">
-                    <a:solidFill>
-                      <a:schemeClr val="tx1">
-                        <a:lumMod val="65000"/>
-                        <a:lumOff val="35000"/>
-                      </a:schemeClr>
-                    </a:solidFill>
-                  </a:rPr>
-                  <a:t>mm</a:t>
-                </a:r>
-              </a:p>
-            </p:txBody>
-          </p:sp>
-        </p:grpSp>
-        <p:grpSp>
-          <p:nvGrpSpPr>
-            <p:cNvPr id="63" name="Skupina 62">
-              <a:extLst>
-                <a:ext uri="{FF2B5EF4-FFF2-40B4-BE49-F238E27FC236}">
-                  <a16:creationId xmlns:a16="http://schemas.microsoft.com/office/drawing/2014/main" id="{E13FD1A8-64AD-4F3D-B7A5-0065573CD69D}"/>
-                </a:ext>
-              </a:extLst>
-            </p:cNvPr>
-            <p:cNvGrpSpPr/>
-            <p:nvPr/>
-          </p:nvGrpSpPr>
-          <p:grpSpPr>
-            <a:xfrm>
-              <a:off x="7249537" y="3895971"/>
-              <a:ext cx="933386" cy="914400"/>
-              <a:chOff x="1624562" y="3908731"/>
-              <a:chExt cx="933386" cy="914400"/>
-            </a:xfrm>
-          </p:grpSpPr>
-          <p:pic>
-            <p:nvPicPr>
-              <p:cNvPr id="64" name="Grafický objekt 63" descr="Papír">
-                <a:extLst>
-                  <a:ext uri="{FF2B5EF4-FFF2-40B4-BE49-F238E27FC236}">
-                    <a16:creationId xmlns:a16="http://schemas.microsoft.com/office/drawing/2014/main" id="{25DC97E8-D43F-4E32-AF21-3FCDF581475D}"/>
-                  </a:ext>
-                </a:extLst>
-              </p:cNvPr>
-              <p:cNvPicPr>
-                <a:picLocks noChangeAspect="1"/>
-              </p:cNvPicPr>
-              <p:nvPr/>
-            </p:nvPicPr>
-            <p:blipFill>
-              <a:blip r:embed="rId6">
-                <a:extLst>
-                  <a:ext uri="{28A0092B-C50C-407E-A947-70E740481C1C}">
-                    <a14:useLocalDpi xmlns:a14="http://schemas.microsoft.com/office/drawing/2010/main" val="0"/>
-                  </a:ext>
-                  <a:ext uri="{96DAC541-7B7A-43D3-8B79-37D633B846F1}">
-                    <asvg:svgBlip xmlns:asvg="http://schemas.microsoft.com/office/drawing/2016/SVG/main" r:embed="rId7"/>
-                  </a:ext>
-                </a:extLst>
-              </a:blip>
-              <a:stretch>
-                <a:fillRect/>
-              </a:stretch>
-            </p:blipFill>
-            <p:spPr>
-              <a:xfrm>
-                <a:off x="1634055" y="3908731"/>
-                <a:ext cx="914400" cy="914400"/>
-              </a:xfrm>
-              <a:prstGeom prst="rect">
-                <a:avLst/>
-              </a:prstGeom>
-            </p:spPr>
-          </p:pic>
-          <p:sp>
-            <p:nvSpPr>
-              <p:cNvPr id="65" name="Obdélník 64">
-                <a:extLst>
-                  <a:ext uri="{FF2B5EF4-FFF2-40B4-BE49-F238E27FC236}">
-                    <a16:creationId xmlns:a16="http://schemas.microsoft.com/office/drawing/2014/main" id="{DFC88FAC-0040-4BB7-88FC-D040183EBB3B}"/>
-                  </a:ext>
-                </a:extLst>
-              </p:cNvPr>
-              <p:cNvSpPr/>
-              <p:nvPr/>
-            </p:nvSpPr>
-            <p:spPr>
-              <a:xfrm>
-                <a:off x="1624562" y="4365931"/>
-                <a:ext cx="933386" cy="253916"/>
-              </a:xfrm>
-              <a:prstGeom prst="rect">
-                <a:avLst/>
-              </a:prstGeom>
-            </p:spPr>
-            <p:txBody>
-              <a:bodyPr wrap="square">
-                <a:spAutoFit/>
-              </a:bodyPr>
-              <a:lstStyle/>
-              <a:p>
-                <a:pPr algn="ctr"/>
-                <a:r>
-                  <a:rPr lang="cs-CZ" sz="1000" dirty="0">
-                    <a:solidFill>
-                      <a:schemeClr val="tx1">
-                        <a:lumMod val="65000"/>
-                        <a:lumOff val="35000"/>
-                      </a:schemeClr>
-                    </a:solidFill>
-                  </a:rPr>
-                  <a:t>QD</a:t>
-                </a:r>
-              </a:p>
-            </p:txBody>
-          </p:sp>
-        </p:grpSp>
-        <p:grpSp>
-          <p:nvGrpSpPr>
-            <p:cNvPr id="66" name="Skupina 65">
-              <a:extLst>
-                <a:ext uri="{FF2B5EF4-FFF2-40B4-BE49-F238E27FC236}">
-                  <a16:creationId xmlns:a16="http://schemas.microsoft.com/office/drawing/2014/main" id="{0FA60C95-F173-4475-A69B-8144BFDEE8E2}"/>
-                </a:ext>
-              </a:extLst>
-            </p:cNvPr>
-            <p:cNvGrpSpPr/>
-            <p:nvPr/>
-          </p:nvGrpSpPr>
-          <p:grpSpPr>
-            <a:xfrm>
-              <a:off x="5764128" y="3895971"/>
-              <a:ext cx="933386" cy="914400"/>
-              <a:chOff x="1624562" y="3908731"/>
-              <a:chExt cx="933386" cy="914400"/>
-            </a:xfrm>
-          </p:grpSpPr>
-          <p:pic>
-            <p:nvPicPr>
-              <p:cNvPr id="67" name="Grafický objekt 66" descr="Papír">
-                <a:extLst>
-                  <a:ext uri="{FF2B5EF4-FFF2-40B4-BE49-F238E27FC236}">
-                    <a16:creationId xmlns:a16="http://schemas.microsoft.com/office/drawing/2014/main" id="{E8F54818-42A8-4389-A274-82DFD038C2F4}"/>
-                  </a:ext>
-                </a:extLst>
-              </p:cNvPr>
-              <p:cNvPicPr>
-                <a:picLocks noChangeAspect="1"/>
-              </p:cNvPicPr>
-              <p:nvPr/>
-            </p:nvPicPr>
-            <p:blipFill>
-              <a:blip r:embed="rId6">
-                <a:extLst>
-                  <a:ext uri="{28A0092B-C50C-407E-A947-70E740481C1C}">
-                    <a14:useLocalDpi xmlns:a14="http://schemas.microsoft.com/office/drawing/2010/main" val="0"/>
-                  </a:ext>
-                  <a:ext uri="{96DAC541-7B7A-43D3-8B79-37D633B846F1}">
-                    <asvg:svgBlip xmlns:asvg="http://schemas.microsoft.com/office/drawing/2016/SVG/main" r:embed="rId7"/>
-                  </a:ext>
-                </a:extLst>
-              </a:blip>
-              <a:stretch>
-                <a:fillRect/>
-              </a:stretch>
-            </p:blipFill>
-            <p:spPr>
-              <a:xfrm>
-                <a:off x="1634055" y="3908731"/>
-                <a:ext cx="914400" cy="914400"/>
-              </a:xfrm>
-              <a:prstGeom prst="rect">
-                <a:avLst/>
-              </a:prstGeom>
-            </p:spPr>
-          </p:pic>
-          <p:sp>
-            <p:nvSpPr>
-              <p:cNvPr id="68" name="Obdélník 67">
-                <a:extLst>
-                  <a:ext uri="{FF2B5EF4-FFF2-40B4-BE49-F238E27FC236}">
-                    <a16:creationId xmlns:a16="http://schemas.microsoft.com/office/drawing/2014/main" id="{A998AF3E-E9F5-4EC5-923D-AEA45F75A5D6}"/>
-                  </a:ext>
-                </a:extLst>
-              </p:cNvPr>
-              <p:cNvSpPr/>
-              <p:nvPr/>
-            </p:nvSpPr>
-            <p:spPr>
-              <a:xfrm>
-                <a:off x="1624562" y="4274044"/>
-                <a:ext cx="933386" cy="415498"/>
-              </a:xfrm>
-              <a:prstGeom prst="rect">
-                <a:avLst/>
-              </a:prstGeom>
-            </p:spPr>
-            <p:txBody>
-              <a:bodyPr wrap="square">
-                <a:spAutoFit/>
-              </a:bodyPr>
-              <a:lstStyle/>
-              <a:p>
-                <a:pPr algn="ctr"/>
-                <a:r>
-                  <a:rPr lang="cs-CZ" sz="1050" dirty="0">
-                    <a:solidFill>
-                      <a:schemeClr val="tx1">
-                        <a:lumMod val="65000"/>
-                        <a:lumOff val="35000"/>
-                      </a:schemeClr>
-                    </a:solidFill>
-                  </a:rPr>
-                  <a:t>data</a:t>
-                </a:r>
-              </a:p>
-              <a:p>
-                <a:pPr algn="ctr"/>
-                <a:r>
-                  <a:rPr lang="cs-CZ" sz="1050" dirty="0">
-                    <a:solidFill>
-                      <a:schemeClr val="tx1">
-                        <a:lumMod val="65000"/>
-                        <a:lumOff val="35000"/>
-                      </a:schemeClr>
-                    </a:solidFill>
-                  </a:rPr>
-                  <a:t>validace</a:t>
-                </a:r>
-              </a:p>
-            </p:txBody>
-          </p:sp>
-        </p:grpSp>
-        <p:grpSp>
-          <p:nvGrpSpPr>
-            <p:cNvPr id="69" name="Skupina 68">
-              <a:extLst>
-                <a:ext uri="{FF2B5EF4-FFF2-40B4-BE49-F238E27FC236}">
-                  <a16:creationId xmlns:a16="http://schemas.microsoft.com/office/drawing/2014/main" id="{30545B47-C463-452E-BB84-0A287316A9AA}"/>
-                </a:ext>
-              </a:extLst>
-            </p:cNvPr>
-            <p:cNvGrpSpPr/>
-            <p:nvPr/>
-          </p:nvGrpSpPr>
-          <p:grpSpPr>
-            <a:xfrm>
-              <a:off x="6480334" y="5675124"/>
-              <a:ext cx="933386" cy="914400"/>
-              <a:chOff x="1631564" y="3908731"/>
-              <a:chExt cx="933386" cy="914400"/>
-            </a:xfrm>
-          </p:grpSpPr>
-          <p:pic>
-            <p:nvPicPr>
-              <p:cNvPr id="70" name="Grafický objekt 69" descr="Papír">
-                <a:extLst>
-                  <a:ext uri="{FF2B5EF4-FFF2-40B4-BE49-F238E27FC236}">
-                    <a16:creationId xmlns:a16="http://schemas.microsoft.com/office/drawing/2014/main" id="{9B740D24-18B2-40D7-9EDA-8435C51EE89E}"/>
-                  </a:ext>
-                </a:extLst>
-              </p:cNvPr>
-              <p:cNvPicPr>
-                <a:picLocks noChangeAspect="1"/>
-              </p:cNvPicPr>
-              <p:nvPr/>
-            </p:nvPicPr>
-            <p:blipFill>
-              <a:blip r:embed="rId6">
-                <a:extLst>
-                  <a:ext uri="{28A0092B-C50C-407E-A947-70E740481C1C}">
-                    <a14:useLocalDpi xmlns:a14="http://schemas.microsoft.com/office/drawing/2010/main" val="0"/>
-                  </a:ext>
-                  <a:ext uri="{96DAC541-7B7A-43D3-8B79-37D633B846F1}">
-                    <asvg:svgBlip xmlns:asvg="http://schemas.microsoft.com/office/drawing/2016/SVG/main" r:embed="rId7"/>
-                  </a:ext>
-                </a:extLst>
-              </a:blip>
-              <a:stretch>
-                <a:fillRect/>
-              </a:stretch>
-            </p:blipFill>
-            <p:spPr>
-              <a:xfrm>
-                <a:off x="1634055" y="3908731"/>
-                <a:ext cx="914400" cy="914400"/>
-              </a:xfrm>
-              <a:prstGeom prst="rect">
-                <a:avLst/>
-              </a:prstGeom>
-            </p:spPr>
-          </p:pic>
-          <p:sp>
-            <p:nvSpPr>
-              <p:cNvPr id="71" name="Obdélník 70">
-                <a:extLst>
-                  <a:ext uri="{FF2B5EF4-FFF2-40B4-BE49-F238E27FC236}">
-                    <a16:creationId xmlns:a16="http://schemas.microsoft.com/office/drawing/2014/main" id="{C69FCB58-4B48-444A-90D9-1057ABBA7BF3}"/>
-                  </a:ext>
-                </a:extLst>
-              </p:cNvPr>
-              <p:cNvSpPr/>
-              <p:nvPr/>
-            </p:nvSpPr>
-            <p:spPr>
-              <a:xfrm>
-                <a:off x="1631564" y="4275636"/>
-                <a:ext cx="933386" cy="369332"/>
-              </a:xfrm>
-              <a:prstGeom prst="rect">
-                <a:avLst/>
-              </a:prstGeom>
-            </p:spPr>
-            <p:txBody>
-              <a:bodyPr wrap="square">
-                <a:spAutoFit/>
-              </a:bodyPr>
-              <a:lstStyle/>
-              <a:p>
-                <a:pPr algn="ctr"/>
-                <a:r>
-                  <a:rPr lang="cs-CZ" sz="900" dirty="0">
-                    <a:solidFill>
-                      <a:schemeClr val="tx1">
-                        <a:lumMod val="65000"/>
-                        <a:lumOff val="35000"/>
-                      </a:schemeClr>
-                    </a:solidFill>
-                  </a:rPr>
-                  <a:t>uzivani na nahraz dt</a:t>
-                </a:r>
-              </a:p>
-            </p:txBody>
-          </p:sp>
-        </p:grpSp>
-        <p:grpSp>
-          <p:nvGrpSpPr>
-            <p:cNvPr id="75" name="Skupina 74">
-              <a:extLst>
-                <a:ext uri="{FF2B5EF4-FFF2-40B4-BE49-F238E27FC236}">
-                  <a16:creationId xmlns:a16="http://schemas.microsoft.com/office/drawing/2014/main" id="{5FC75446-AD8D-4C35-8DE9-7FC24817F1A9}"/>
-                </a:ext>
-              </a:extLst>
-            </p:cNvPr>
-            <p:cNvGrpSpPr/>
-            <p:nvPr/>
-          </p:nvGrpSpPr>
-          <p:grpSpPr>
-            <a:xfrm>
-              <a:off x="5735374" y="5675124"/>
-              <a:ext cx="933386" cy="914400"/>
-              <a:chOff x="1624562" y="3908731"/>
-              <a:chExt cx="933386" cy="914400"/>
-            </a:xfrm>
-          </p:grpSpPr>
-          <p:pic>
-            <p:nvPicPr>
-              <p:cNvPr id="76" name="Grafický objekt 75" descr="Papír">
-                <a:extLst>
-                  <a:ext uri="{FF2B5EF4-FFF2-40B4-BE49-F238E27FC236}">
-                    <a16:creationId xmlns:a16="http://schemas.microsoft.com/office/drawing/2014/main" id="{AA41BC07-9C40-4137-8B63-0E3E7E84003C}"/>
-                  </a:ext>
-                </a:extLst>
-              </p:cNvPr>
-              <p:cNvPicPr>
-                <a:picLocks noChangeAspect="1"/>
-              </p:cNvPicPr>
-              <p:nvPr/>
-            </p:nvPicPr>
-            <p:blipFill>
-              <a:blip r:embed="rId6">
-                <a:extLst>
-                  <a:ext uri="{28A0092B-C50C-407E-A947-70E740481C1C}">
-                    <a14:useLocalDpi xmlns:a14="http://schemas.microsoft.com/office/drawing/2010/main" val="0"/>
-                  </a:ext>
-                  <a:ext uri="{96DAC541-7B7A-43D3-8B79-37D633B846F1}">
-                    <asvg:svgBlip xmlns:asvg="http://schemas.microsoft.com/office/drawing/2016/SVG/main" r:embed="rId7"/>
-                  </a:ext>
-                </a:extLst>
-              </a:blip>
-              <a:stretch>
-                <a:fillRect/>
-              </a:stretch>
-            </p:blipFill>
-            <p:spPr>
-              <a:xfrm>
-                <a:off x="1634055" y="3908731"/>
-                <a:ext cx="914400" cy="914400"/>
-              </a:xfrm>
-              <a:prstGeom prst="rect">
-                <a:avLst/>
-              </a:prstGeom>
-            </p:spPr>
-          </p:pic>
-          <p:sp>
-            <p:nvSpPr>
-              <p:cNvPr id="77" name="Obdélník 76">
-                <a:extLst>
-                  <a:ext uri="{FF2B5EF4-FFF2-40B4-BE49-F238E27FC236}">
-                    <a16:creationId xmlns:a16="http://schemas.microsoft.com/office/drawing/2014/main" id="{FA37AFE2-C35A-4426-9CE9-F512FFFDEF4F}"/>
-                  </a:ext>
-                </a:extLst>
-              </p:cNvPr>
-              <p:cNvSpPr/>
-              <p:nvPr/>
-            </p:nvSpPr>
-            <p:spPr>
-              <a:xfrm>
-                <a:off x="1624562" y="4365931"/>
-                <a:ext cx="933386" cy="253916"/>
-              </a:xfrm>
-              <a:prstGeom prst="rect">
-                <a:avLst/>
-              </a:prstGeom>
-            </p:spPr>
-            <p:txBody>
-              <a:bodyPr wrap="square">
-                <a:spAutoFit/>
-              </a:bodyPr>
-              <a:lstStyle/>
-              <a:p>
-                <a:pPr algn="ctr"/>
-                <a:r>
-                  <a:rPr lang="cs-CZ" sz="1050" dirty="0">
-                    <a:solidFill>
-                      <a:schemeClr val="tx1">
-                        <a:lumMod val="65000"/>
-                        <a:lumOff val="35000"/>
-                      </a:schemeClr>
-                    </a:solidFill>
-                  </a:rPr>
-                  <a:t>u leaflet</a:t>
-                </a:r>
-              </a:p>
-            </p:txBody>
-          </p:sp>
-        </p:grpSp>
-        <p:grpSp>
-          <p:nvGrpSpPr>
-            <p:cNvPr id="78" name="Skupina 77">
-              <a:extLst>
-                <a:ext uri="{FF2B5EF4-FFF2-40B4-BE49-F238E27FC236}">
-                  <a16:creationId xmlns:a16="http://schemas.microsoft.com/office/drawing/2014/main" id="{F3549B9B-8AC5-4C8F-AE92-F60DA88336FB}"/>
-                </a:ext>
-              </a:extLst>
-            </p:cNvPr>
-            <p:cNvGrpSpPr/>
-            <p:nvPr/>
-          </p:nvGrpSpPr>
-          <p:grpSpPr>
-            <a:xfrm>
-              <a:off x="6509089" y="1300881"/>
-              <a:ext cx="933386" cy="914400"/>
-              <a:chOff x="1624562" y="3908731"/>
-              <a:chExt cx="933386" cy="914400"/>
-            </a:xfrm>
-          </p:grpSpPr>
-          <p:pic>
-            <p:nvPicPr>
-              <p:cNvPr id="79" name="Grafický objekt 78" descr="Papír">
-                <a:extLst>
-                  <a:ext uri="{FF2B5EF4-FFF2-40B4-BE49-F238E27FC236}">
-                    <a16:creationId xmlns:a16="http://schemas.microsoft.com/office/drawing/2014/main" id="{23293210-4B9F-44CE-BE69-7BF1282802C6}"/>
-                  </a:ext>
-                </a:extLst>
-              </p:cNvPr>
-              <p:cNvPicPr>
-                <a:picLocks noChangeAspect="1"/>
-              </p:cNvPicPr>
-              <p:nvPr/>
-            </p:nvPicPr>
-            <p:blipFill>
-              <a:blip r:embed="rId6">
-                <a:extLst>
-                  <a:ext uri="{28A0092B-C50C-407E-A947-70E740481C1C}">
-                    <a14:useLocalDpi xmlns:a14="http://schemas.microsoft.com/office/drawing/2010/main" val="0"/>
-                  </a:ext>
-                  <a:ext uri="{96DAC541-7B7A-43D3-8B79-37D633B846F1}">
-                    <asvg:svgBlip xmlns:asvg="http://schemas.microsoft.com/office/drawing/2016/SVG/main" r:embed="rId7"/>
-                  </a:ext>
-                </a:extLst>
-              </a:blip>
-              <a:stretch>
-                <a:fillRect/>
-              </a:stretch>
-            </p:blipFill>
-            <p:spPr>
-              <a:xfrm>
-                <a:off x="1634055" y="3908731"/>
-                <a:ext cx="914400" cy="914400"/>
-              </a:xfrm>
-              <a:prstGeom prst="rect">
-                <a:avLst/>
-              </a:prstGeom>
-            </p:spPr>
-          </p:pic>
-          <p:sp>
-            <p:nvSpPr>
-              <p:cNvPr id="80" name="Obdélník 79">
-                <a:extLst>
-                  <a:ext uri="{FF2B5EF4-FFF2-40B4-BE49-F238E27FC236}">
-                    <a16:creationId xmlns:a16="http://schemas.microsoft.com/office/drawing/2014/main" id="{EB9FC174-E4C4-4A92-82F7-27755E2E48DB}"/>
-                  </a:ext>
-                </a:extLst>
-              </p:cNvPr>
-              <p:cNvSpPr/>
-              <p:nvPr/>
-            </p:nvSpPr>
-            <p:spPr>
-              <a:xfrm>
-                <a:off x="1624562" y="4264320"/>
-                <a:ext cx="933386" cy="338554"/>
-              </a:xfrm>
-              <a:prstGeom prst="rect">
-                <a:avLst/>
-              </a:prstGeom>
-            </p:spPr>
-            <p:txBody>
-              <a:bodyPr wrap="square">
-                <a:spAutoFit/>
-              </a:bodyPr>
-              <a:lstStyle/>
-              <a:p>
-                <a:pPr algn="ctr"/>
-                <a:r>
-                  <a:rPr lang="cs-CZ" sz="800" dirty="0">
-                    <a:solidFill>
-                      <a:schemeClr val="tx1">
-                        <a:lumMod val="65000"/>
-                        <a:lumOff val="35000"/>
-                      </a:schemeClr>
-                    </a:solidFill>
-                  </a:rPr>
-                  <a:t>cara</a:t>
-                </a:r>
-              </a:p>
-              <a:p>
-                <a:pPr algn="ctr"/>
-                <a:r>
-                  <a:rPr lang="cs-CZ" sz="800" dirty="0">
-                    <a:solidFill>
-                      <a:schemeClr val="tx1">
-                        <a:lumMod val="65000"/>
-                        <a:lumOff val="35000"/>
-                      </a:schemeClr>
-                    </a:solidFill>
-                  </a:rPr>
-                  <a:t>prekroceni</a:t>
-                </a:r>
-              </a:p>
-            </p:txBody>
-          </p:sp>
-        </p:grpSp>
-        <p:grpSp>
-          <p:nvGrpSpPr>
-            <p:cNvPr id="81" name="Skupina 80">
-              <a:extLst>
-                <a:ext uri="{FF2B5EF4-FFF2-40B4-BE49-F238E27FC236}">
-                  <a16:creationId xmlns:a16="http://schemas.microsoft.com/office/drawing/2014/main" id="{358CF174-C3D9-4187-9111-A738F78851BA}"/>
-                </a:ext>
-              </a:extLst>
-            </p:cNvPr>
-            <p:cNvGrpSpPr/>
-            <p:nvPr/>
-          </p:nvGrpSpPr>
-          <p:grpSpPr>
-            <a:xfrm>
-              <a:off x="5761638" y="1300881"/>
-              <a:ext cx="933386" cy="914400"/>
-              <a:chOff x="1615069" y="3908731"/>
-              <a:chExt cx="933386" cy="914400"/>
-            </a:xfrm>
-          </p:grpSpPr>
-          <p:pic>
-            <p:nvPicPr>
-              <p:cNvPr id="82" name="Grafický objekt 81" descr="Papír">
-                <a:extLst>
-                  <a:ext uri="{FF2B5EF4-FFF2-40B4-BE49-F238E27FC236}">
-                    <a16:creationId xmlns:a16="http://schemas.microsoft.com/office/drawing/2014/main" id="{6DD8C593-4EF5-44AC-AD35-5F9004DF180E}"/>
-                  </a:ext>
-                </a:extLst>
-              </p:cNvPr>
-              <p:cNvPicPr>
-                <a:picLocks noChangeAspect="1"/>
-              </p:cNvPicPr>
-              <p:nvPr/>
-            </p:nvPicPr>
-            <p:blipFill>
-              <a:blip r:embed="rId6">
-                <a:extLst>
-                  <a:ext uri="{28A0092B-C50C-407E-A947-70E740481C1C}">
-                    <a14:useLocalDpi xmlns:a14="http://schemas.microsoft.com/office/drawing/2010/main" val="0"/>
-                  </a:ext>
-                  <a:ext uri="{96DAC541-7B7A-43D3-8B79-37D633B846F1}">
-                    <asvg:svgBlip xmlns:asvg="http://schemas.microsoft.com/office/drawing/2016/SVG/main" r:embed="rId7"/>
-                  </a:ext>
-                </a:extLst>
-              </a:blip>
-              <a:stretch>
-                <a:fillRect/>
-              </a:stretch>
-            </p:blipFill>
-            <p:spPr>
-              <a:xfrm>
-                <a:off x="1634055" y="3908731"/>
-                <a:ext cx="914400" cy="914400"/>
-              </a:xfrm>
-              <a:prstGeom prst="rect">
-                <a:avLst/>
-              </a:prstGeom>
-            </p:spPr>
-          </p:pic>
-          <p:sp>
-            <p:nvSpPr>
-              <p:cNvPr id="83" name="Obdélník 82">
-                <a:extLst>
-                  <a:ext uri="{FF2B5EF4-FFF2-40B4-BE49-F238E27FC236}">
-                    <a16:creationId xmlns:a16="http://schemas.microsoft.com/office/drawing/2014/main" id="{EC556278-266A-488B-A866-56A734ADC327}"/>
-                  </a:ext>
-                </a:extLst>
-              </p:cNvPr>
-              <p:cNvSpPr/>
-              <p:nvPr/>
-            </p:nvSpPr>
-            <p:spPr>
-              <a:xfrm>
-                <a:off x="1615069" y="4179681"/>
-                <a:ext cx="933386" cy="507831"/>
-              </a:xfrm>
-              <a:prstGeom prst="rect">
-                <a:avLst/>
-              </a:prstGeom>
-            </p:spPr>
-            <p:txBody>
-              <a:bodyPr wrap="square">
-                <a:spAutoFit/>
-              </a:bodyPr>
-              <a:lstStyle/>
-              <a:p>
-                <a:pPr algn="ctr"/>
-                <a:r>
-                  <a:rPr lang="cs-CZ" sz="900" dirty="0">
-                    <a:solidFill>
-                      <a:schemeClr val="tx1">
-                        <a:lumMod val="65000"/>
-                        <a:lumOff val="35000"/>
-                      </a:schemeClr>
-                    </a:solidFill>
-                  </a:rPr>
-                  <a:t>bilan </a:t>
-                </a:r>
-              </a:p>
-              <a:p>
-                <a:pPr algn="ctr"/>
-                <a:r>
-                  <a:rPr lang="cs-CZ" sz="900" dirty="0">
-                    <a:solidFill>
-                      <a:schemeClr val="tx1">
-                        <a:lumMod val="65000"/>
-                        <a:lumOff val="35000"/>
-                      </a:schemeClr>
-                    </a:solidFill>
-                  </a:rPr>
-                  <a:t>month</a:t>
-                </a:r>
-              </a:p>
-              <a:p>
-                <a:pPr algn="ctr"/>
-                <a:r>
-                  <a:rPr lang="cs-CZ" sz="900" dirty="0">
-                    <a:solidFill>
-                      <a:schemeClr val="tx1">
-                        <a:lumMod val="65000"/>
-                        <a:lumOff val="35000"/>
-                      </a:schemeClr>
-                    </a:solidFill>
-                  </a:rPr>
-                  <a:t> data table</a:t>
-                </a:r>
-              </a:p>
-            </p:txBody>
-          </p:sp>
-        </p:grpSp>
-        <p:sp>
-          <p:nvSpPr>
-            <p:cNvPr id="84" name="TextovéPole 83">
-              <a:extLst>
-                <a:ext uri="{FF2B5EF4-FFF2-40B4-BE49-F238E27FC236}">
-                  <a16:creationId xmlns:a16="http://schemas.microsoft.com/office/drawing/2014/main" id="{78340FC4-7F52-4894-AE18-BB1C5BAE4C49}"/>
-                </a:ext>
-              </a:extLst>
-            </p:cNvPr>
-            <p:cNvSpPr txBox="1"/>
-            <p:nvPr/>
-          </p:nvSpPr>
-          <p:spPr>
-            <a:xfrm>
-              <a:off x="6985674" y="774552"/>
-              <a:ext cx="1105586" cy="253916"/>
+              <a:off x="7473684" y="4139269"/>
+              <a:ext cx="559916" cy="553998"/>
             </a:xfrm>
             <a:prstGeom prst="rect">
               <a:avLst/>
             </a:prstGeom>
-            <a:noFill/>
           </p:spPr>
           <p:txBody>
-            <a:bodyPr wrap="square" rtlCol="0">
+            <a:bodyPr wrap="square">
               <a:spAutoFit/>
             </a:bodyPr>
             <a:lstStyle/>
             <a:p>
+              <a:pPr algn="ctr"/>
               <a:r>
-                <a:rPr lang="cs-CZ" sz="1050" dirty="0">
+                <a:rPr lang="cs-CZ" sz="1000" dirty="0">
                   <a:solidFill>
-                    <a:schemeClr val="tx2">
-                      <a:lumMod val="50000"/>
+                    <a:schemeClr val="tx1">
+                      <a:lumMod val="65000"/>
+                      <a:lumOff val="35000"/>
                     </a:schemeClr>
                   </a:solidFill>
                 </a:rPr>
-                <a:t>Prostorová data</a:t>
+                <a:t>chars</a:t>
+              </a:r>
+            </a:p>
+            <a:p>
+              <a:pPr algn="ctr"/>
+              <a:r>
+                <a:rPr lang="cs-CZ" sz="1000" dirty="0">
+                  <a:solidFill>
+                    <a:schemeClr val="tx1">
+                      <a:lumMod val="65000"/>
+                      <a:lumOff val="35000"/>
+                    </a:schemeClr>
+                  </a:solidFill>
+                </a:rPr>
+                <a:t>mm </a:t>
+              </a:r>
+            </a:p>
+            <a:p>
+              <a:pPr algn="ctr"/>
+              <a:r>
+                <a:rPr lang="cs-CZ" sz="1000" dirty="0">
+                  <a:solidFill>
+                    <a:schemeClr val="tx1">
+                      <a:lumMod val="65000"/>
+                      <a:lumOff val="35000"/>
+                    </a:schemeClr>
+                  </a:solidFill>
+                </a:rPr>
+                <a:t>sim</a:t>
               </a:r>
             </a:p>
           </p:txBody>
         </p:sp>
-        <p:sp>
-          <p:nvSpPr>
-            <p:cNvPr id="88" name="TextovéPole 87">
-              <a:extLst>
-                <a:ext uri="{FF2B5EF4-FFF2-40B4-BE49-F238E27FC236}">
-                  <a16:creationId xmlns:a16="http://schemas.microsoft.com/office/drawing/2014/main" id="{E51D3151-8D6A-4D9E-A666-B66BBA063E14}"/>
-                </a:ext>
-              </a:extLst>
-            </p:cNvPr>
-            <p:cNvSpPr txBox="1"/>
-            <p:nvPr/>
-          </p:nvSpPr>
-          <p:spPr>
-            <a:xfrm>
-              <a:off x="6771675" y="2319393"/>
-              <a:ext cx="1431928" cy="415498"/>
-            </a:xfrm>
-            <a:prstGeom prst="rect">
-              <a:avLst/>
-            </a:prstGeom>
-            <a:noFill/>
-          </p:spPr>
-          <p:txBody>
-            <a:bodyPr wrap="square" rtlCol="0">
-              <a:spAutoFit/>
-            </a:bodyPr>
-            <a:lstStyle/>
-            <a:p>
-              <a:r>
-                <a:rPr lang="cs-CZ" sz="1050" dirty="0">
-                  <a:solidFill>
-                    <a:schemeClr val="tx2">
-                      <a:lumMod val="50000"/>
-                    </a:schemeClr>
-                  </a:solidFill>
-                </a:rPr>
-                <a:t>Data pro vyhodnocení hydrologické bilance</a:t>
-              </a:r>
-            </a:p>
-          </p:txBody>
-        </p:sp>
-        <p:sp>
-          <p:nvSpPr>
-            <p:cNvPr id="92" name="TextovéPole 91">
-              <a:extLst>
-                <a:ext uri="{FF2B5EF4-FFF2-40B4-BE49-F238E27FC236}">
-                  <a16:creationId xmlns:a16="http://schemas.microsoft.com/office/drawing/2014/main" id="{C66F023F-811E-4AC8-A697-01BF7625349A}"/>
-                </a:ext>
-              </a:extLst>
-            </p:cNvPr>
-            <p:cNvSpPr txBox="1"/>
-            <p:nvPr/>
-          </p:nvSpPr>
-          <p:spPr>
-            <a:xfrm>
-              <a:off x="6693675" y="5063443"/>
-              <a:ext cx="1246708" cy="415498"/>
-            </a:xfrm>
-            <a:prstGeom prst="rect">
-              <a:avLst/>
-            </a:prstGeom>
-            <a:noFill/>
-          </p:spPr>
-          <p:txBody>
-            <a:bodyPr wrap="square" rtlCol="0">
-              <a:spAutoFit/>
-            </a:bodyPr>
-            <a:lstStyle/>
-            <a:p>
-              <a:r>
-                <a:rPr lang="cs-CZ" sz="1050" dirty="0">
-                  <a:solidFill>
-                    <a:schemeClr val="tx2">
-                      <a:lumMod val="50000"/>
-                    </a:schemeClr>
-                  </a:solidFill>
-                </a:rPr>
-                <a:t>Data pro vykreslení indikátorů sucha</a:t>
-              </a:r>
-            </a:p>
-          </p:txBody>
-        </p:sp>
-        <p:grpSp>
-          <p:nvGrpSpPr>
-            <p:cNvPr id="53" name="Skupina 52">
-              <a:extLst>
-                <a:ext uri="{FF2B5EF4-FFF2-40B4-BE49-F238E27FC236}">
-                  <a16:creationId xmlns:a16="http://schemas.microsoft.com/office/drawing/2014/main" id="{36126AD2-F820-40B2-B194-151BA6A678A1}"/>
-                </a:ext>
-              </a:extLst>
-            </p:cNvPr>
-            <p:cNvGrpSpPr/>
-            <p:nvPr/>
-          </p:nvGrpSpPr>
-          <p:grpSpPr>
-            <a:xfrm>
-              <a:off x="3593308" y="3438227"/>
-              <a:ext cx="933386" cy="914400"/>
-              <a:chOff x="1624562" y="3908731"/>
-              <a:chExt cx="933386" cy="914400"/>
-            </a:xfrm>
-          </p:grpSpPr>
-          <p:pic>
-            <p:nvPicPr>
-              <p:cNvPr id="49" name="Grafický objekt 48" descr="Papír">
-                <a:extLst>
-                  <a:ext uri="{FF2B5EF4-FFF2-40B4-BE49-F238E27FC236}">
-                    <a16:creationId xmlns:a16="http://schemas.microsoft.com/office/drawing/2014/main" id="{964A464B-674C-4046-9E71-F6F4CCB8B19C}"/>
-                  </a:ext>
-                </a:extLst>
-              </p:cNvPr>
-              <p:cNvPicPr>
-                <a:picLocks noChangeAspect="1"/>
-              </p:cNvPicPr>
-              <p:nvPr/>
-            </p:nvPicPr>
-            <p:blipFill>
-              <a:blip r:embed="rId6">
-                <a:extLst>
-                  <a:ext uri="{28A0092B-C50C-407E-A947-70E740481C1C}">
-                    <a14:useLocalDpi xmlns:a14="http://schemas.microsoft.com/office/drawing/2010/main" val="0"/>
-                  </a:ext>
-                  <a:ext uri="{96DAC541-7B7A-43D3-8B79-37D633B846F1}">
-                    <asvg:svgBlip xmlns:asvg="http://schemas.microsoft.com/office/drawing/2016/SVG/main" r:embed="rId7"/>
-                  </a:ext>
-                </a:extLst>
-              </a:blip>
-              <a:stretch>
-                <a:fillRect/>
-              </a:stretch>
-            </p:blipFill>
-            <p:spPr>
-              <a:xfrm>
-                <a:off x="1634055" y="3908731"/>
-                <a:ext cx="914400" cy="914400"/>
-              </a:xfrm>
-              <a:prstGeom prst="rect">
-                <a:avLst/>
-              </a:prstGeom>
-            </p:spPr>
-          </p:pic>
-          <p:sp>
-            <p:nvSpPr>
-              <p:cNvPr id="52" name="Obdélník 51">
-                <a:extLst>
-                  <a:ext uri="{FF2B5EF4-FFF2-40B4-BE49-F238E27FC236}">
-                    <a16:creationId xmlns:a16="http://schemas.microsoft.com/office/drawing/2014/main" id="{667EA078-4E52-434F-92CE-DD1C8861A286}"/>
-                  </a:ext>
-                </a:extLst>
-              </p:cNvPr>
-              <p:cNvSpPr/>
-              <p:nvPr/>
-            </p:nvSpPr>
-            <p:spPr>
-              <a:xfrm>
-                <a:off x="1624562" y="4365931"/>
-                <a:ext cx="933386" cy="253916"/>
-              </a:xfrm>
-              <a:prstGeom prst="rect">
-                <a:avLst/>
-              </a:prstGeom>
-            </p:spPr>
-            <p:txBody>
-              <a:bodyPr wrap="square">
-                <a:spAutoFit/>
-              </a:bodyPr>
-              <a:lstStyle/>
-              <a:p>
-                <a:pPr algn="ctr"/>
-                <a:r>
-                  <a:rPr lang="cs-CZ" sz="1050" dirty="0">
-                    <a:solidFill>
-                      <a:schemeClr val="tx1">
-                        <a:lumMod val="65000"/>
-                        <a:lumOff val="35000"/>
-                      </a:schemeClr>
-                    </a:solidFill>
-                  </a:rPr>
-                  <a:t>pars</a:t>
-                </a:r>
-              </a:p>
-            </p:txBody>
-          </p:sp>
-        </p:grpSp>
-        <p:sp>
-          <p:nvSpPr>
-            <p:cNvPr id="94" name="TextovéPole 93">
-              <a:extLst>
-                <a:ext uri="{FF2B5EF4-FFF2-40B4-BE49-F238E27FC236}">
-                  <a16:creationId xmlns:a16="http://schemas.microsoft.com/office/drawing/2014/main" id="{02386FBC-FC35-4DFC-A708-01045103243B}"/>
-                </a:ext>
-              </a:extLst>
-            </p:cNvPr>
-            <p:cNvSpPr txBox="1"/>
-            <p:nvPr/>
-          </p:nvSpPr>
-          <p:spPr>
-            <a:xfrm>
-              <a:off x="6722429" y="3319597"/>
-              <a:ext cx="1093859" cy="253916"/>
-            </a:xfrm>
-            <a:prstGeom prst="rect">
-              <a:avLst/>
-            </a:prstGeom>
-            <a:noFill/>
-          </p:spPr>
-          <p:txBody>
-            <a:bodyPr wrap="square" rtlCol="0">
-              <a:spAutoFit/>
-            </a:bodyPr>
-            <a:lstStyle/>
-            <a:p>
-              <a:r>
-                <a:rPr lang="cs-CZ" sz="1050" dirty="0">
-                  <a:solidFill>
-                    <a:schemeClr val="tx2">
-                      <a:lumMod val="50000"/>
-                    </a:schemeClr>
-                  </a:solidFill>
-                </a:rPr>
-                <a:t>Data pro validaci</a:t>
-              </a:r>
-            </a:p>
-          </p:txBody>
-        </p:sp>
-        <p:sp>
-          <p:nvSpPr>
-            <p:cNvPr id="95" name="TextovéPole 94">
-              <a:extLst>
-                <a:ext uri="{FF2B5EF4-FFF2-40B4-BE49-F238E27FC236}">
-                  <a16:creationId xmlns:a16="http://schemas.microsoft.com/office/drawing/2014/main" id="{123298FF-831A-4156-9862-96D8FDF57FC1}"/>
-                </a:ext>
-              </a:extLst>
-            </p:cNvPr>
-            <p:cNvSpPr txBox="1"/>
-            <p:nvPr/>
-          </p:nvSpPr>
-          <p:spPr>
-            <a:xfrm>
-              <a:off x="7387278" y="5939448"/>
-              <a:ext cx="920265" cy="415498"/>
-            </a:xfrm>
-            <a:prstGeom prst="rect">
-              <a:avLst/>
-            </a:prstGeom>
-            <a:noFill/>
-          </p:spPr>
-          <p:txBody>
-            <a:bodyPr wrap="square" rtlCol="0">
-              <a:spAutoFit/>
-            </a:bodyPr>
-            <a:lstStyle/>
-            <a:p>
-              <a:r>
-                <a:rPr lang="cs-CZ" sz="1050" dirty="0">
-                  <a:solidFill>
-                    <a:schemeClr val="tx2">
-                      <a:lumMod val="50000"/>
-                    </a:schemeClr>
-                  </a:solidFill>
-                </a:rPr>
-                <a:t>Data pro užívání vod</a:t>
-              </a:r>
-            </a:p>
-          </p:txBody>
-        </p:sp>
-        <p:grpSp>
-          <p:nvGrpSpPr>
-            <p:cNvPr id="40" name="Skupina 39">
-              <a:extLst>
-                <a:ext uri="{FF2B5EF4-FFF2-40B4-BE49-F238E27FC236}">
-                  <a16:creationId xmlns:a16="http://schemas.microsoft.com/office/drawing/2014/main" id="{66E4F320-2D6E-459D-8B9E-69F67D56D665}"/>
-                </a:ext>
-              </a:extLst>
-            </p:cNvPr>
-            <p:cNvGrpSpPr/>
-            <p:nvPr/>
-          </p:nvGrpSpPr>
-          <p:grpSpPr>
-            <a:xfrm>
-              <a:off x="4526178" y="5654868"/>
-              <a:ext cx="1088568" cy="1088568"/>
-              <a:chOff x="2386149" y="640084"/>
-              <a:chExt cx="1088568" cy="1088568"/>
-            </a:xfrm>
-          </p:grpSpPr>
-          <p:pic>
-            <p:nvPicPr>
-              <p:cNvPr id="41" name="Grafický objekt 40" descr="Složka">
-                <a:extLst>
-                  <a:ext uri="{FF2B5EF4-FFF2-40B4-BE49-F238E27FC236}">
-                    <a16:creationId xmlns:a16="http://schemas.microsoft.com/office/drawing/2014/main" id="{E9ABA2A0-BDD7-4CA1-9DBA-7AD906D1F23D}"/>
-                  </a:ext>
-                </a:extLst>
-              </p:cNvPr>
-              <p:cNvPicPr>
-                <a:picLocks noChangeAspect="1"/>
-              </p:cNvPicPr>
-              <p:nvPr/>
-            </p:nvPicPr>
-            <p:blipFill>
-              <a:blip r:embed="rId2">
-                <a:extLst>
-                  <a:ext uri="{28A0092B-C50C-407E-A947-70E740481C1C}">
-                    <a14:useLocalDpi xmlns:a14="http://schemas.microsoft.com/office/drawing/2010/main" val="0"/>
-                  </a:ext>
-                  <a:ext uri="{96DAC541-7B7A-43D3-8B79-37D633B846F1}">
-                    <asvg:svgBlip xmlns:asvg="http://schemas.microsoft.com/office/drawing/2016/SVG/main" r:embed="rId3"/>
-                  </a:ext>
-                </a:extLst>
-              </a:blip>
-              <a:stretch>
-                <a:fillRect/>
-              </a:stretch>
-            </p:blipFill>
-            <p:spPr>
-              <a:xfrm>
-                <a:off x="2386149" y="640084"/>
-                <a:ext cx="1088568" cy="1088568"/>
-              </a:xfrm>
-              <a:prstGeom prst="rect">
-                <a:avLst/>
-              </a:prstGeom>
-            </p:spPr>
-          </p:pic>
-          <p:sp>
-            <p:nvSpPr>
-              <p:cNvPr id="42" name="Obdélník 41">
-                <a:extLst>
-                  <a:ext uri="{FF2B5EF4-FFF2-40B4-BE49-F238E27FC236}">
-                    <a16:creationId xmlns:a16="http://schemas.microsoft.com/office/drawing/2014/main" id="{A928922C-D1F6-409B-8504-7F44F9170846}"/>
-                  </a:ext>
-                </a:extLst>
-              </p:cNvPr>
-              <p:cNvSpPr/>
-              <p:nvPr/>
-            </p:nvSpPr>
-            <p:spPr>
-              <a:xfrm>
-                <a:off x="2463740" y="1133398"/>
-                <a:ext cx="933386" cy="253916"/>
-              </a:xfrm>
-              <a:prstGeom prst="rect">
-                <a:avLst/>
-              </a:prstGeom>
-            </p:spPr>
-            <p:txBody>
-              <a:bodyPr wrap="square">
-                <a:spAutoFit/>
-              </a:bodyPr>
-              <a:lstStyle/>
-              <a:p>
-                <a:pPr algn="ctr"/>
-                <a:r>
-                  <a:rPr lang="cs-CZ" sz="1050" dirty="0">
-                    <a:solidFill>
-                      <a:schemeClr val="tx1">
-                        <a:lumMod val="65000"/>
-                        <a:lumOff val="35000"/>
-                      </a:schemeClr>
-                    </a:solidFill>
-                  </a:rPr>
-                  <a:t>uzivani</a:t>
-                </a:r>
-              </a:p>
-            </p:txBody>
-          </p:sp>
-        </p:grpSp>
       </p:grpSp>
     </p:spTree>
     <p:extLst>

--- a/fig/figs.pptx
+++ b/fig/figs.pptx
@@ -6,12 +6,13 @@
   </p:sldMasterIdLst>
   <p:sldIdLst>
     <p:sldId id="257" r:id="rId2"/>
-    <p:sldId id="258" r:id="rId3"/>
-    <p:sldId id="259" r:id="rId4"/>
-    <p:sldId id="260" r:id="rId5"/>
-    <p:sldId id="261" r:id="rId6"/>
-    <p:sldId id="262" r:id="rId7"/>
-    <p:sldId id="263" r:id="rId8"/>
+    <p:sldId id="265" r:id="rId3"/>
+    <p:sldId id="258" r:id="rId4"/>
+    <p:sldId id="259" r:id="rId5"/>
+    <p:sldId id="260" r:id="rId6"/>
+    <p:sldId id="261" r:id="rId7"/>
+    <p:sldId id="262" r:id="rId8"/>
+    <p:sldId id="263" r:id="rId9"/>
   </p:sldIdLst>
   <p:sldSz cx="12192000" cy="6858000"/>
   <p:notesSz cx="6858000" cy="9144000"/>
@@ -116,10 +117,6 @@
     </p:ext>
   </p:extLst>
 </p:presentation>
-</file>
-
-<file path=ppt/revisionInfo.xml><?xml version="1.0" encoding="utf-8"?>
-<p1510:revInfo xmlns:a="http://schemas.openxmlformats.org/drawingml/2006/main" xmlns:r="http://schemas.openxmlformats.org/officeDocument/2006/relationships" xmlns:p1510="http://schemas.microsoft.com/office/powerpoint/2015/10/main"/>
 </file>
 
 <file path=ppt/slideLayouts/slideLayout1.xml><?xml version="1.0" encoding="utf-8"?>
@@ -251,7 +248,7 @@
           <a:p>
             <a:fld id="{920EB18E-1134-4CD8-9A0C-0ED1BE90E7FD}" type="datetimeFigureOut">
               <a:rPr lang="cs-CZ" smtClean="0"/>
-              <a:t>22. 4. 2018</a:t>
+              <a:t>08.05.2018</a:t>
             </a:fld>
             <a:endParaRPr lang="cs-CZ"/>
           </a:p>
@@ -419,7 +416,7 @@
           <a:p>
             <a:fld id="{920EB18E-1134-4CD8-9A0C-0ED1BE90E7FD}" type="datetimeFigureOut">
               <a:rPr lang="cs-CZ" smtClean="0"/>
-              <a:t>22. 4. 2018</a:t>
+              <a:t>08.05.2018</a:t>
             </a:fld>
             <a:endParaRPr lang="cs-CZ"/>
           </a:p>
@@ -597,7 +594,7 @@
           <a:p>
             <a:fld id="{920EB18E-1134-4CD8-9A0C-0ED1BE90E7FD}" type="datetimeFigureOut">
               <a:rPr lang="cs-CZ" smtClean="0"/>
-              <a:t>22. 4. 2018</a:t>
+              <a:t>08.05.2018</a:t>
             </a:fld>
             <a:endParaRPr lang="cs-CZ"/>
           </a:p>
@@ -765,7 +762,7 @@
           <a:p>
             <a:fld id="{920EB18E-1134-4CD8-9A0C-0ED1BE90E7FD}" type="datetimeFigureOut">
               <a:rPr lang="cs-CZ" smtClean="0"/>
-              <a:t>22. 4. 2018</a:t>
+              <a:t>08.05.2018</a:t>
             </a:fld>
             <a:endParaRPr lang="cs-CZ"/>
           </a:p>
@@ -1010,7 +1007,7 @@
           <a:p>
             <a:fld id="{920EB18E-1134-4CD8-9A0C-0ED1BE90E7FD}" type="datetimeFigureOut">
               <a:rPr lang="cs-CZ" smtClean="0"/>
-              <a:t>22. 4. 2018</a:t>
+              <a:t>08.05.2018</a:t>
             </a:fld>
             <a:endParaRPr lang="cs-CZ"/>
           </a:p>
@@ -1239,7 +1236,7 @@
           <a:p>
             <a:fld id="{920EB18E-1134-4CD8-9A0C-0ED1BE90E7FD}" type="datetimeFigureOut">
               <a:rPr lang="cs-CZ" smtClean="0"/>
-              <a:t>22. 4. 2018</a:t>
+              <a:t>08.05.2018</a:t>
             </a:fld>
             <a:endParaRPr lang="cs-CZ"/>
           </a:p>
@@ -1603,7 +1600,7 @@
           <a:p>
             <a:fld id="{920EB18E-1134-4CD8-9A0C-0ED1BE90E7FD}" type="datetimeFigureOut">
               <a:rPr lang="cs-CZ" smtClean="0"/>
-              <a:t>22. 4. 2018</a:t>
+              <a:t>08.05.2018</a:t>
             </a:fld>
             <a:endParaRPr lang="cs-CZ"/>
           </a:p>
@@ -1720,7 +1717,7 @@
           <a:p>
             <a:fld id="{920EB18E-1134-4CD8-9A0C-0ED1BE90E7FD}" type="datetimeFigureOut">
               <a:rPr lang="cs-CZ" smtClean="0"/>
-              <a:t>22. 4. 2018</a:t>
+              <a:t>08.05.2018</a:t>
             </a:fld>
             <a:endParaRPr lang="cs-CZ"/>
           </a:p>
@@ -1815,7 +1812,7 @@
           <a:p>
             <a:fld id="{920EB18E-1134-4CD8-9A0C-0ED1BE90E7FD}" type="datetimeFigureOut">
               <a:rPr lang="cs-CZ" smtClean="0"/>
-              <a:t>22. 4. 2018</a:t>
+              <a:t>08.05.2018</a:t>
             </a:fld>
             <a:endParaRPr lang="cs-CZ"/>
           </a:p>
@@ -2090,7 +2087,7 @@
           <a:p>
             <a:fld id="{920EB18E-1134-4CD8-9A0C-0ED1BE90E7FD}" type="datetimeFigureOut">
               <a:rPr lang="cs-CZ" smtClean="0"/>
-              <a:t>22. 4. 2018</a:t>
+              <a:t>08.05.2018</a:t>
             </a:fld>
             <a:endParaRPr lang="cs-CZ"/>
           </a:p>
@@ -2342,7 +2339,7 @@
           <a:p>
             <a:fld id="{920EB18E-1134-4CD8-9A0C-0ED1BE90E7FD}" type="datetimeFigureOut">
               <a:rPr lang="cs-CZ" smtClean="0"/>
-              <a:t>22. 4. 2018</a:t>
+              <a:t>08.05.2018</a:t>
             </a:fld>
             <a:endParaRPr lang="cs-CZ"/>
           </a:p>
@@ -2553,7 +2550,7 @@
           <a:p>
             <a:fld id="{920EB18E-1134-4CD8-9A0C-0ED1BE90E7FD}" type="datetimeFigureOut">
               <a:rPr lang="cs-CZ" smtClean="0"/>
-              <a:t>22. 4. 2018</a:t>
+              <a:t>08.05.2018</a:t>
             </a:fld>
             <a:endParaRPr lang="cs-CZ"/>
           </a:p>
@@ -4192,6 +4189,2262 @@
 <file path=ppt/slides/slide2.xml><?xml version="1.0" encoding="utf-8"?>
 <p:sld xmlns:a="http://schemas.openxmlformats.org/drawingml/2006/main" xmlns:r="http://schemas.openxmlformats.org/officeDocument/2006/relationships" xmlns:p="http://schemas.openxmlformats.org/presentationml/2006/main">
   <p:cSld>
+    <p:bg>
+      <p:bgPr>
+        <a:solidFill>
+          <a:schemeClr val="bg1"/>
+        </a:solidFill>
+        <a:effectLst/>
+      </p:bgPr>
+    </p:bg>
+    <p:spTree>
+      <p:nvGrpSpPr>
+        <p:cNvPr id="1" name=""/>
+        <p:cNvGrpSpPr/>
+        <p:nvPr/>
+      </p:nvGrpSpPr>
+      <p:grpSpPr>
+        <a:xfrm>
+          <a:off x="0" y="0"/>
+          <a:ext cx="0" cy="0"/>
+          <a:chOff x="0" y="0"/>
+          <a:chExt cx="0" cy="0"/>
+        </a:xfrm>
+      </p:grpSpPr>
+      <p:grpSp>
+        <p:nvGrpSpPr>
+          <p:cNvPr id="121" name="Skupina 120">
+            <a:extLst>
+              <a:ext uri="{FF2B5EF4-FFF2-40B4-BE49-F238E27FC236}">
+                <a16:creationId xmlns:a16="http://schemas.microsoft.com/office/drawing/2014/main" id="{0B16F049-4063-45F4-BF9F-B67AC55DAE2B}"/>
+              </a:ext>
+            </a:extLst>
+          </p:cNvPr>
+          <p:cNvGrpSpPr/>
+          <p:nvPr/>
+        </p:nvGrpSpPr>
+        <p:grpSpPr>
+          <a:xfrm>
+            <a:off x="2619190" y="1222958"/>
+            <a:ext cx="6338805" cy="4124490"/>
+            <a:chOff x="2619190" y="1222958"/>
+            <a:chExt cx="6338805" cy="4124490"/>
+          </a:xfrm>
+        </p:grpSpPr>
+        <p:grpSp>
+          <p:nvGrpSpPr>
+            <p:cNvPr id="69" name="Skupina 68"/>
+            <p:cNvGrpSpPr/>
+            <p:nvPr/>
+          </p:nvGrpSpPr>
+          <p:grpSpPr>
+            <a:xfrm rot="16200000">
+              <a:off x="4176684" y="344950"/>
+              <a:ext cx="3228990" cy="5656094"/>
+              <a:chOff x="2735278" y="388030"/>
+              <a:chExt cx="3515181" cy="6047555"/>
+            </a:xfrm>
+          </p:grpSpPr>
+          <p:sp>
+            <p:nvSpPr>
+              <p:cNvPr id="2" name="Obdélník 1"/>
+              <p:cNvSpPr/>
+              <p:nvPr/>
+            </p:nvSpPr>
+            <p:spPr>
+              <a:xfrm>
+                <a:off x="2739415" y="2325190"/>
+                <a:ext cx="1205567" cy="2534194"/>
+              </a:xfrm>
+              <a:prstGeom prst="rect">
+                <a:avLst/>
+              </a:prstGeom>
+              <a:solidFill>
+                <a:schemeClr val="bg1"/>
+              </a:solidFill>
+              <a:ln>
+                <a:solidFill>
+                  <a:schemeClr val="tx1"/>
+                </a:solidFill>
+              </a:ln>
+            </p:spPr>
+            <p:style>
+              <a:lnRef idx="2">
+                <a:schemeClr val="accent1">
+                  <a:shade val="50000"/>
+                </a:schemeClr>
+              </a:lnRef>
+              <a:fillRef idx="1">
+                <a:schemeClr val="accent1"/>
+              </a:fillRef>
+              <a:effectRef idx="0">
+                <a:schemeClr val="accent1"/>
+              </a:effectRef>
+              <a:fontRef idx="minor">
+                <a:schemeClr val="lt1"/>
+              </a:fontRef>
+            </p:style>
+            <p:txBody>
+              <a:bodyPr rtlCol="0" anchor="ctr"/>
+              <a:lstStyle/>
+              <a:p>
+                <a:pPr marL="0" marR="0" lvl="0" indent="0" algn="ctr" defTabSz="914400" rtl="0" eaLnBrk="1" fontAlgn="auto" latinLnBrk="0" hangingPunct="1">
+                  <a:lnSpc>
+                    <a:spcPct val="100000"/>
+                  </a:lnSpc>
+                  <a:spcBef>
+                    <a:spcPts val="0"/>
+                  </a:spcBef>
+                  <a:spcAft>
+                    <a:spcPts val="0"/>
+                  </a:spcAft>
+                  <a:buClrTx/>
+                  <a:buSzTx/>
+                  <a:buFontTx/>
+                  <a:buNone/>
+                  <a:tabLst/>
+                  <a:defRPr/>
+                </a:pPr>
+                <a:endParaRPr kumimoji="0" lang="cs-CZ" sz="1800" b="0" i="0" u="none" strike="noStrike" kern="1200" cap="none" spc="0" normalizeH="0" baseline="0" noProof="0">
+                  <a:ln>
+                    <a:noFill/>
+                  </a:ln>
+                  <a:solidFill>
+                    <a:prstClr val="white"/>
+                  </a:solidFill>
+                  <a:effectLst/>
+                  <a:uLnTx/>
+                  <a:uFillTx/>
+                  <a:latin typeface="Calibri" panose="020F0502020204030204"/>
+                  <a:ea typeface="+mn-ea"/>
+                  <a:cs typeface="+mn-cs"/>
+                </a:endParaRPr>
+              </a:p>
+            </p:txBody>
+          </p:sp>
+          <p:cxnSp>
+            <p:nvCxnSpPr>
+              <p:cNvPr id="4" name="Přímá spojnice 3"/>
+              <p:cNvCxnSpPr>
+                <a:cxnSpLocks/>
+                <a:endCxn id="2" idx="0"/>
+              </p:cNvCxnSpPr>
+              <p:nvPr/>
+            </p:nvCxnSpPr>
+            <p:spPr>
+              <a:xfrm rot="5400000">
+                <a:off x="2705903" y="1688895"/>
+                <a:ext cx="1272591" cy="0"/>
+              </a:xfrm>
+              <a:prstGeom prst="line">
+                <a:avLst/>
+              </a:prstGeom>
+            </p:spPr>
+            <p:style>
+              <a:lnRef idx="1">
+                <a:schemeClr val="dk1"/>
+              </a:lnRef>
+              <a:fillRef idx="0">
+                <a:schemeClr val="dk1"/>
+              </a:fillRef>
+              <a:effectRef idx="0">
+                <a:schemeClr val="dk1"/>
+              </a:effectRef>
+              <a:fontRef idx="minor">
+                <a:schemeClr val="tx1"/>
+              </a:fontRef>
+            </p:style>
+          </p:cxnSp>
+          <p:cxnSp>
+            <p:nvCxnSpPr>
+              <p:cNvPr id="6" name="Přímá spojnice 5"/>
+              <p:cNvCxnSpPr>
+                <a:cxnSpLocks/>
+                <a:stCxn id="2" idx="2"/>
+              </p:cNvCxnSpPr>
+              <p:nvPr/>
+            </p:nvCxnSpPr>
+            <p:spPr>
+              <a:xfrm rot="5400000">
+                <a:off x="2898063" y="5303520"/>
+                <a:ext cx="888272" cy="0"/>
+              </a:xfrm>
+              <a:prstGeom prst="line">
+                <a:avLst/>
+              </a:prstGeom>
+            </p:spPr>
+            <p:style>
+              <a:lnRef idx="1">
+                <a:schemeClr val="dk1"/>
+              </a:lnRef>
+              <a:fillRef idx="0">
+                <a:schemeClr val="dk1"/>
+              </a:fillRef>
+              <a:effectRef idx="0">
+                <a:schemeClr val="dk1"/>
+              </a:effectRef>
+              <a:fontRef idx="minor">
+                <a:schemeClr val="tx1"/>
+              </a:fontRef>
+            </p:style>
+          </p:cxnSp>
+          <p:cxnSp>
+            <p:nvCxnSpPr>
+              <p:cNvPr id="10" name="Přímá spojnice 9"/>
+              <p:cNvCxnSpPr>
+                <a:cxnSpLocks/>
+              </p:cNvCxnSpPr>
+              <p:nvPr/>
+            </p:nvCxnSpPr>
+            <p:spPr>
+              <a:xfrm rot="5400000" flipH="1" flipV="1">
+                <a:off x="3342200" y="796308"/>
+                <a:ext cx="2" cy="512586"/>
+              </a:xfrm>
+              <a:prstGeom prst="line">
+                <a:avLst/>
+              </a:prstGeom>
+            </p:spPr>
+            <p:style>
+              <a:lnRef idx="1">
+                <a:schemeClr val="dk1"/>
+              </a:lnRef>
+              <a:fillRef idx="0">
+                <a:schemeClr val="dk1"/>
+              </a:fillRef>
+              <a:effectRef idx="0">
+                <a:schemeClr val="dk1"/>
+              </a:effectRef>
+              <a:fontRef idx="minor">
+                <a:schemeClr val="tx1"/>
+              </a:fontRef>
+            </p:style>
+          </p:cxnSp>
+          <p:cxnSp>
+            <p:nvCxnSpPr>
+              <p:cNvPr id="12" name="Přímá spojnice 11"/>
+              <p:cNvCxnSpPr>
+                <a:cxnSpLocks/>
+              </p:cNvCxnSpPr>
+              <p:nvPr/>
+            </p:nvCxnSpPr>
+            <p:spPr>
+              <a:xfrm rot="5400000" flipH="1" flipV="1">
+                <a:off x="3342199" y="5491364"/>
+                <a:ext cx="2" cy="512586"/>
+              </a:xfrm>
+              <a:prstGeom prst="line">
+                <a:avLst/>
+              </a:prstGeom>
+            </p:spPr>
+            <p:style>
+              <a:lnRef idx="1">
+                <a:schemeClr val="dk1"/>
+              </a:lnRef>
+              <a:fillRef idx="0">
+                <a:schemeClr val="dk1"/>
+              </a:fillRef>
+              <a:effectRef idx="0">
+                <a:schemeClr val="dk1"/>
+              </a:effectRef>
+              <a:fontRef idx="minor">
+                <a:schemeClr val="tx1"/>
+              </a:fontRef>
+            </p:style>
+          </p:cxnSp>
+          <p:cxnSp>
+            <p:nvCxnSpPr>
+              <p:cNvPr id="14" name="Přímá spojnice 13"/>
+              <p:cNvCxnSpPr>
+                <a:cxnSpLocks/>
+              </p:cNvCxnSpPr>
+              <p:nvPr/>
+            </p:nvCxnSpPr>
+            <p:spPr>
+              <a:xfrm rot="5400000" flipH="1" flipV="1">
+                <a:off x="3340128" y="3523013"/>
+                <a:ext cx="2" cy="1209702"/>
+              </a:xfrm>
+              <a:prstGeom prst="line">
+                <a:avLst/>
+              </a:prstGeom>
+              <a:ln w="38100">
+                <a:solidFill>
+                  <a:schemeClr val="tx1"/>
+                </a:solidFill>
+                <a:prstDash val="solid"/>
+              </a:ln>
+            </p:spPr>
+            <p:style>
+              <a:lnRef idx="1">
+                <a:schemeClr val="dk1"/>
+              </a:lnRef>
+              <a:fillRef idx="0">
+                <a:schemeClr val="dk1"/>
+              </a:fillRef>
+              <a:effectRef idx="0">
+                <a:schemeClr val="dk1"/>
+              </a:effectRef>
+              <a:fontRef idx="minor">
+                <a:schemeClr val="tx1"/>
+              </a:fontRef>
+            </p:style>
+          </p:cxnSp>
+          <p:sp>
+            <p:nvSpPr>
+              <p:cNvPr id="19" name="Vývojový diagram: spojnice 18"/>
+              <p:cNvSpPr/>
+              <p:nvPr/>
+            </p:nvSpPr>
+            <p:spPr>
+              <a:xfrm>
+                <a:off x="3279900" y="470127"/>
+                <a:ext cx="140064" cy="137341"/>
+              </a:xfrm>
+              <a:prstGeom prst="flowChartConnector">
+                <a:avLst/>
+              </a:prstGeom>
+              <a:noFill/>
+              <a:ln>
+                <a:solidFill>
+                  <a:schemeClr val="tx1"/>
+                </a:solidFill>
+              </a:ln>
+            </p:spPr>
+            <p:style>
+              <a:lnRef idx="2">
+                <a:schemeClr val="dk1">
+                  <a:shade val="50000"/>
+                </a:schemeClr>
+              </a:lnRef>
+              <a:fillRef idx="1">
+                <a:schemeClr val="dk1"/>
+              </a:fillRef>
+              <a:effectRef idx="0">
+                <a:schemeClr val="dk1"/>
+              </a:effectRef>
+              <a:fontRef idx="minor">
+                <a:schemeClr val="lt1"/>
+              </a:fontRef>
+            </p:style>
+            <p:txBody>
+              <a:bodyPr rtlCol="0" anchor="ctr"/>
+              <a:lstStyle/>
+              <a:p>
+                <a:pPr marL="0" marR="0" lvl="0" indent="0" algn="ctr" defTabSz="914400" rtl="0" eaLnBrk="1" fontAlgn="auto" latinLnBrk="0" hangingPunct="1">
+                  <a:lnSpc>
+                    <a:spcPct val="100000"/>
+                  </a:lnSpc>
+                  <a:spcBef>
+                    <a:spcPts val="0"/>
+                  </a:spcBef>
+                  <a:spcAft>
+                    <a:spcPts val="0"/>
+                  </a:spcAft>
+                  <a:buClrTx/>
+                  <a:buSzTx/>
+                  <a:buFontTx/>
+                  <a:buNone/>
+                  <a:tabLst/>
+                  <a:defRPr/>
+                </a:pPr>
+                <a:endParaRPr kumimoji="0" lang="cs-CZ" sz="1800" b="0" i="0" u="none" strike="noStrike" kern="1200" cap="none" spc="0" normalizeH="0" baseline="0" noProof="0">
+                  <a:ln>
+                    <a:noFill/>
+                  </a:ln>
+                  <a:solidFill>
+                    <a:prstClr val="white"/>
+                  </a:solidFill>
+                  <a:effectLst/>
+                  <a:uLnTx/>
+                  <a:uFillTx/>
+                  <a:latin typeface="Calibri" panose="020F0502020204030204"/>
+                  <a:ea typeface="+mn-ea"/>
+                  <a:cs typeface="+mn-cs"/>
+                </a:endParaRPr>
+              </a:p>
+            </p:txBody>
+          </p:sp>
+          <p:sp>
+            <p:nvSpPr>
+              <p:cNvPr id="21" name="Vývojový diagram: spojnice 20"/>
+              <p:cNvSpPr/>
+              <p:nvPr/>
+            </p:nvSpPr>
+            <p:spPr>
+              <a:xfrm>
+                <a:off x="3279900" y="388030"/>
+                <a:ext cx="140064" cy="137341"/>
+              </a:xfrm>
+              <a:prstGeom prst="flowChartConnector">
+                <a:avLst/>
+              </a:prstGeom>
+              <a:noFill/>
+              <a:ln>
+                <a:solidFill>
+                  <a:schemeClr val="tx1"/>
+                </a:solidFill>
+              </a:ln>
+            </p:spPr>
+            <p:style>
+              <a:lnRef idx="2">
+                <a:schemeClr val="dk1">
+                  <a:shade val="50000"/>
+                </a:schemeClr>
+              </a:lnRef>
+              <a:fillRef idx="1">
+                <a:schemeClr val="dk1"/>
+              </a:fillRef>
+              <a:effectRef idx="0">
+                <a:schemeClr val="dk1"/>
+              </a:effectRef>
+              <a:fontRef idx="minor">
+                <a:schemeClr val="lt1"/>
+              </a:fontRef>
+            </p:style>
+            <p:txBody>
+              <a:bodyPr rtlCol="0" anchor="ctr"/>
+              <a:lstStyle/>
+              <a:p>
+                <a:pPr marL="0" marR="0" lvl="0" indent="0" algn="ctr" defTabSz="914400" rtl="0" eaLnBrk="1" fontAlgn="auto" latinLnBrk="0" hangingPunct="1">
+                  <a:lnSpc>
+                    <a:spcPct val="100000"/>
+                  </a:lnSpc>
+                  <a:spcBef>
+                    <a:spcPts val="0"/>
+                  </a:spcBef>
+                  <a:spcAft>
+                    <a:spcPts val="0"/>
+                  </a:spcAft>
+                  <a:buClrTx/>
+                  <a:buSzTx/>
+                  <a:buFontTx/>
+                  <a:buNone/>
+                  <a:tabLst/>
+                  <a:defRPr/>
+                </a:pPr>
+                <a:endParaRPr kumimoji="0" lang="cs-CZ" sz="1800" b="0" i="0" u="none" strike="noStrike" kern="1200" cap="none" spc="0" normalizeH="0" baseline="0" noProof="0">
+                  <a:ln>
+                    <a:noFill/>
+                  </a:ln>
+                  <a:solidFill>
+                    <a:prstClr val="white"/>
+                  </a:solidFill>
+                  <a:effectLst/>
+                  <a:uLnTx/>
+                  <a:uFillTx/>
+                  <a:latin typeface="Calibri" panose="020F0502020204030204"/>
+                  <a:ea typeface="+mn-ea"/>
+                  <a:cs typeface="+mn-cs"/>
+                </a:endParaRPr>
+              </a:p>
+            </p:txBody>
+          </p:sp>
+          <p:sp>
+            <p:nvSpPr>
+              <p:cNvPr id="22" name="Vývojový diagram: spojnice 21"/>
+              <p:cNvSpPr/>
+              <p:nvPr/>
+            </p:nvSpPr>
+            <p:spPr>
+              <a:xfrm>
+                <a:off x="3279900" y="6298244"/>
+                <a:ext cx="140064" cy="137341"/>
+              </a:xfrm>
+              <a:prstGeom prst="flowChartConnector">
+                <a:avLst/>
+              </a:prstGeom>
+              <a:noFill/>
+              <a:ln>
+                <a:solidFill>
+                  <a:schemeClr val="tx1"/>
+                </a:solidFill>
+              </a:ln>
+            </p:spPr>
+            <p:style>
+              <a:lnRef idx="2">
+                <a:schemeClr val="dk1">
+                  <a:shade val="50000"/>
+                </a:schemeClr>
+              </a:lnRef>
+              <a:fillRef idx="1">
+                <a:schemeClr val="dk1"/>
+              </a:fillRef>
+              <a:effectRef idx="0">
+                <a:schemeClr val="dk1"/>
+              </a:effectRef>
+              <a:fontRef idx="minor">
+                <a:schemeClr val="lt1"/>
+              </a:fontRef>
+            </p:style>
+            <p:txBody>
+              <a:bodyPr rtlCol="0" anchor="ctr"/>
+              <a:lstStyle/>
+              <a:p>
+                <a:pPr marL="0" marR="0" lvl="0" indent="0" algn="ctr" defTabSz="914400" rtl="0" eaLnBrk="1" fontAlgn="auto" latinLnBrk="0" hangingPunct="1">
+                  <a:lnSpc>
+                    <a:spcPct val="100000"/>
+                  </a:lnSpc>
+                  <a:spcBef>
+                    <a:spcPts val="0"/>
+                  </a:spcBef>
+                  <a:spcAft>
+                    <a:spcPts val="0"/>
+                  </a:spcAft>
+                  <a:buClrTx/>
+                  <a:buSzTx/>
+                  <a:buFontTx/>
+                  <a:buNone/>
+                  <a:tabLst/>
+                  <a:defRPr/>
+                </a:pPr>
+                <a:endParaRPr kumimoji="0" lang="cs-CZ" sz="1800" b="0" i="0" u="none" strike="noStrike" kern="1200" cap="none" spc="0" normalizeH="0" baseline="0" noProof="0">
+                  <a:ln>
+                    <a:noFill/>
+                  </a:ln>
+                  <a:solidFill>
+                    <a:prstClr val="white"/>
+                  </a:solidFill>
+                  <a:effectLst/>
+                  <a:uLnTx/>
+                  <a:uFillTx/>
+                  <a:latin typeface="Calibri" panose="020F0502020204030204"/>
+                  <a:ea typeface="+mn-ea"/>
+                  <a:cs typeface="+mn-cs"/>
+                </a:endParaRPr>
+              </a:p>
+            </p:txBody>
+          </p:sp>
+          <p:sp>
+            <p:nvSpPr>
+              <p:cNvPr id="23" name="Vývojový diagram: spojnice 22"/>
+              <p:cNvSpPr/>
+              <p:nvPr/>
+            </p:nvSpPr>
+            <p:spPr>
+              <a:xfrm>
+                <a:off x="3279901" y="6017390"/>
+                <a:ext cx="140064" cy="137341"/>
+              </a:xfrm>
+              <a:prstGeom prst="flowChartConnector">
+                <a:avLst/>
+              </a:prstGeom>
+              <a:noFill/>
+              <a:ln>
+                <a:solidFill>
+                  <a:schemeClr val="tx1"/>
+                </a:solidFill>
+              </a:ln>
+            </p:spPr>
+            <p:style>
+              <a:lnRef idx="2">
+                <a:schemeClr val="dk1">
+                  <a:shade val="50000"/>
+                </a:schemeClr>
+              </a:lnRef>
+              <a:fillRef idx="1">
+                <a:schemeClr val="dk1"/>
+              </a:fillRef>
+              <a:effectRef idx="0">
+                <a:schemeClr val="dk1"/>
+              </a:effectRef>
+              <a:fontRef idx="minor">
+                <a:schemeClr val="lt1"/>
+              </a:fontRef>
+            </p:style>
+            <p:txBody>
+              <a:bodyPr rtlCol="0" anchor="ctr"/>
+              <a:lstStyle/>
+              <a:p>
+                <a:pPr marL="0" marR="0" lvl="0" indent="0" algn="ctr" defTabSz="914400" rtl="0" eaLnBrk="1" fontAlgn="auto" latinLnBrk="0" hangingPunct="1">
+                  <a:lnSpc>
+                    <a:spcPct val="100000"/>
+                  </a:lnSpc>
+                  <a:spcBef>
+                    <a:spcPts val="0"/>
+                  </a:spcBef>
+                  <a:spcAft>
+                    <a:spcPts val="0"/>
+                  </a:spcAft>
+                  <a:buClrTx/>
+                  <a:buSzTx/>
+                  <a:buFontTx/>
+                  <a:buNone/>
+                  <a:tabLst/>
+                  <a:defRPr/>
+                </a:pPr>
+                <a:endParaRPr kumimoji="0" lang="cs-CZ" sz="1800" b="0" i="0" u="none" strike="noStrike" kern="1200" cap="none" spc="0" normalizeH="0" baseline="0" noProof="0">
+                  <a:ln>
+                    <a:noFill/>
+                  </a:ln>
+                  <a:solidFill>
+                    <a:prstClr val="white"/>
+                  </a:solidFill>
+                  <a:effectLst/>
+                  <a:uLnTx/>
+                  <a:uFillTx/>
+                  <a:latin typeface="Calibri" panose="020F0502020204030204"/>
+                  <a:ea typeface="+mn-ea"/>
+                  <a:cs typeface="+mn-cs"/>
+                </a:endParaRPr>
+              </a:p>
+            </p:txBody>
+          </p:sp>
+          <p:cxnSp>
+            <p:nvCxnSpPr>
+              <p:cNvPr id="26" name="Přímá spojnice se šipkou 25"/>
+              <p:cNvCxnSpPr>
+                <a:cxnSpLocks/>
+              </p:cNvCxnSpPr>
+              <p:nvPr/>
+            </p:nvCxnSpPr>
+            <p:spPr>
+              <a:xfrm rot="5400000">
+                <a:off x="5179000" y="-578107"/>
+                <a:ext cx="1" cy="2142917"/>
+              </a:xfrm>
+              <a:prstGeom prst="straightConnector1">
+                <a:avLst/>
+              </a:prstGeom>
+              <a:ln>
+                <a:tailEnd type="arrow" w="sm" len="lg"/>
+              </a:ln>
+            </p:spPr>
+            <p:style>
+              <a:lnRef idx="1">
+                <a:schemeClr val="dk1"/>
+              </a:lnRef>
+              <a:fillRef idx="0">
+                <a:schemeClr val="dk1"/>
+              </a:fillRef>
+              <a:effectRef idx="0">
+                <a:schemeClr val="dk1"/>
+              </a:effectRef>
+              <a:fontRef idx="minor">
+                <a:schemeClr val="tx1"/>
+              </a:fontRef>
+            </p:style>
+          </p:cxnSp>
+          <p:cxnSp>
+            <p:nvCxnSpPr>
+              <p:cNvPr id="36" name="Přímá spojnice se šipkou 35"/>
+              <p:cNvCxnSpPr>
+                <a:cxnSpLocks/>
+              </p:cNvCxnSpPr>
+              <p:nvPr/>
+            </p:nvCxnSpPr>
+            <p:spPr>
+              <a:xfrm rot="5400000">
+                <a:off x="4753384" y="399186"/>
+                <a:ext cx="3" cy="1291685"/>
+              </a:xfrm>
+              <a:prstGeom prst="straightConnector1">
+                <a:avLst/>
+              </a:prstGeom>
+              <a:ln>
+                <a:tailEnd type="arrow" w="sm" len="lg"/>
+              </a:ln>
+            </p:spPr>
+            <p:style>
+              <a:lnRef idx="1">
+                <a:schemeClr val="dk1"/>
+              </a:lnRef>
+              <a:fillRef idx="0">
+                <a:schemeClr val="dk1"/>
+              </a:fillRef>
+              <a:effectRef idx="0">
+                <a:schemeClr val="dk1"/>
+              </a:effectRef>
+              <a:fontRef idx="minor">
+                <a:schemeClr val="tx1"/>
+              </a:fontRef>
+            </p:style>
+          </p:cxnSp>
+          <p:cxnSp>
+            <p:nvCxnSpPr>
+              <p:cNvPr id="37" name="Přímá spojnice se šipkou 36"/>
+              <p:cNvCxnSpPr>
+                <a:cxnSpLocks/>
+              </p:cNvCxnSpPr>
+              <p:nvPr/>
+            </p:nvCxnSpPr>
+            <p:spPr>
+              <a:xfrm rot="5400000">
+                <a:off x="4753386" y="1704545"/>
+                <a:ext cx="0" cy="1291685"/>
+              </a:xfrm>
+              <a:prstGeom prst="straightConnector1">
+                <a:avLst/>
+              </a:prstGeom>
+              <a:ln>
+                <a:tailEnd type="arrow" w="sm" len="lg"/>
+              </a:ln>
+            </p:spPr>
+            <p:style>
+              <a:lnRef idx="1">
+                <a:schemeClr val="dk1"/>
+              </a:lnRef>
+              <a:fillRef idx="0">
+                <a:schemeClr val="dk1"/>
+              </a:fillRef>
+              <a:effectRef idx="0">
+                <a:schemeClr val="dk1"/>
+              </a:effectRef>
+              <a:fontRef idx="minor">
+                <a:schemeClr val="tx1"/>
+              </a:fontRef>
+            </p:style>
+          </p:cxnSp>
+          <p:cxnSp>
+            <p:nvCxnSpPr>
+              <p:cNvPr id="39" name="Přímá spojnice se šipkou 38"/>
+              <p:cNvCxnSpPr>
+                <a:cxnSpLocks/>
+              </p:cNvCxnSpPr>
+              <p:nvPr/>
+            </p:nvCxnSpPr>
+            <p:spPr>
+              <a:xfrm rot="5400000">
+                <a:off x="5191214" y="5181447"/>
+                <a:ext cx="1" cy="2118487"/>
+              </a:xfrm>
+              <a:prstGeom prst="straightConnector1">
+                <a:avLst/>
+              </a:prstGeom>
+              <a:ln>
+                <a:tailEnd type="arrow" w="sm" len="lg"/>
+              </a:ln>
+            </p:spPr>
+            <p:style>
+              <a:lnRef idx="1">
+                <a:schemeClr val="dk1"/>
+              </a:lnRef>
+              <a:fillRef idx="0">
+                <a:schemeClr val="dk1"/>
+              </a:fillRef>
+              <a:effectRef idx="0">
+                <a:schemeClr val="dk1"/>
+              </a:effectRef>
+              <a:fontRef idx="minor">
+                <a:schemeClr val="tx1"/>
+              </a:fontRef>
+            </p:style>
+          </p:cxnSp>
+          <p:cxnSp>
+            <p:nvCxnSpPr>
+              <p:cNvPr id="40" name="Přímá spojnice se šipkou 39"/>
+              <p:cNvCxnSpPr>
+                <a:cxnSpLocks/>
+              </p:cNvCxnSpPr>
+              <p:nvPr/>
+            </p:nvCxnSpPr>
+            <p:spPr>
+              <a:xfrm rot="5400000">
+                <a:off x="4765600" y="3494235"/>
+                <a:ext cx="0" cy="1267256"/>
+              </a:xfrm>
+              <a:prstGeom prst="straightConnector1">
+                <a:avLst/>
+              </a:prstGeom>
+              <a:ln>
+                <a:tailEnd type="arrow" w="sm" len="lg"/>
+              </a:ln>
+            </p:spPr>
+            <p:style>
+              <a:lnRef idx="1">
+                <a:schemeClr val="dk1"/>
+              </a:lnRef>
+              <a:fillRef idx="0">
+                <a:schemeClr val="dk1"/>
+              </a:fillRef>
+              <a:effectRef idx="0">
+                <a:schemeClr val="dk1"/>
+              </a:effectRef>
+              <a:fontRef idx="minor">
+                <a:schemeClr val="tx1"/>
+              </a:fontRef>
+            </p:style>
+          </p:cxnSp>
+          <p:cxnSp>
+            <p:nvCxnSpPr>
+              <p:cNvPr id="41" name="Přímá spojnice se šipkou 40"/>
+              <p:cNvCxnSpPr>
+                <a:cxnSpLocks/>
+              </p:cNvCxnSpPr>
+              <p:nvPr/>
+            </p:nvCxnSpPr>
+            <p:spPr>
+              <a:xfrm rot="5400000">
+                <a:off x="4765599" y="4225755"/>
+                <a:ext cx="2" cy="1267256"/>
+              </a:xfrm>
+              <a:prstGeom prst="straightConnector1">
+                <a:avLst/>
+              </a:prstGeom>
+              <a:ln>
+                <a:tailEnd type="arrow" w="sm" len="lg"/>
+              </a:ln>
+            </p:spPr>
+            <p:style>
+              <a:lnRef idx="1">
+                <a:schemeClr val="dk1"/>
+              </a:lnRef>
+              <a:fillRef idx="0">
+                <a:schemeClr val="dk1"/>
+              </a:fillRef>
+              <a:effectRef idx="0">
+                <a:schemeClr val="dk1"/>
+              </a:effectRef>
+              <a:fontRef idx="minor">
+                <a:schemeClr val="tx1"/>
+              </a:fontRef>
+            </p:style>
+          </p:cxnSp>
+          <p:cxnSp>
+            <p:nvCxnSpPr>
+              <p:cNvPr id="42" name="Přímá spojnice se šipkou 41"/>
+              <p:cNvCxnSpPr>
+                <a:cxnSpLocks/>
+              </p:cNvCxnSpPr>
+              <p:nvPr/>
+            </p:nvCxnSpPr>
+            <p:spPr>
+              <a:xfrm rot="5400000">
+                <a:off x="4765600" y="5114031"/>
+                <a:ext cx="0" cy="1267256"/>
+              </a:xfrm>
+              <a:prstGeom prst="straightConnector1">
+                <a:avLst/>
+              </a:prstGeom>
+              <a:ln>
+                <a:tailEnd type="arrow" w="sm" len="lg"/>
+              </a:ln>
+            </p:spPr>
+            <p:style>
+              <a:lnRef idx="1">
+                <a:schemeClr val="dk1"/>
+              </a:lnRef>
+              <a:fillRef idx="0">
+                <a:schemeClr val="dk1"/>
+              </a:fillRef>
+              <a:effectRef idx="0">
+                <a:schemeClr val="dk1"/>
+              </a:effectRef>
+              <a:fontRef idx="minor">
+                <a:schemeClr val="tx1"/>
+              </a:fontRef>
+            </p:style>
+          </p:cxnSp>
+          <mc:AlternateContent xmlns:mc="http://schemas.openxmlformats.org/markup-compatibility/2006">
+            <mc:Choice xmlns:a14="http://schemas.microsoft.com/office/drawing/2010/main" Requires="a14">
+              <p:sp>
+                <p:nvSpPr>
+                  <p:cNvPr id="45" name="TextovéPole 44"/>
+                  <p:cNvSpPr txBox="1"/>
+                  <p:nvPr/>
+                </p:nvSpPr>
+                <p:spPr>
+                  <a:xfrm rot="5400000">
+                    <a:off x="5374478" y="5546624"/>
+                    <a:ext cx="749954" cy="402067"/>
+                  </a:xfrm>
+                  <a:prstGeom prst="rect">
+                    <a:avLst/>
+                  </a:prstGeom>
+                  <a:noFill/>
+                </p:spPr>
+                <p:txBody>
+                  <a:bodyPr wrap="none" rtlCol="0">
+                    <a:spAutoFit/>
+                  </a:bodyPr>
+                  <a:lstStyle/>
+                  <a:p>
+                    <a:pPr marL="0" marR="0" lvl="0" indent="0" algn="l" defTabSz="914400" rtl="0" eaLnBrk="1" fontAlgn="auto" latinLnBrk="0" hangingPunct="1">
+                      <a:lnSpc>
+                        <a:spcPct val="100000"/>
+                      </a:lnSpc>
+                      <a:spcBef>
+                        <a:spcPts val="0"/>
+                      </a:spcBef>
+                      <a:spcAft>
+                        <a:spcPts val="0"/>
+                      </a:spcAft>
+                      <a:buClrTx/>
+                      <a:buSzTx/>
+                      <a:buFontTx/>
+                      <a:buNone/>
+                      <a:tabLst/>
+                      <a:defRPr/>
+                    </a:pPr>
+                    <a14:m>
+                      <m:oMathPara xmlns:m="http://schemas.openxmlformats.org/officeDocument/2006/math">
+                        <m:oMathParaPr>
+                          <m:jc m:val="centerGroup"/>
+                        </m:oMathParaPr>
+                        <m:oMath xmlns:m="http://schemas.openxmlformats.org/officeDocument/2006/math">
+                          <m:r>
+                            <a:rPr kumimoji="0" lang="cs-CZ" b="0" i="1" u="none" strike="noStrike" kern="1200" cap="none" spc="0" normalizeH="0" baseline="0" noProof="0" smtClean="0">
+                              <a:ln>
+                                <a:noFill/>
+                              </a:ln>
+                              <a:solidFill>
+                                <a:prstClr val="black"/>
+                              </a:solidFill>
+                              <a:effectLst/>
+                              <a:uLnTx/>
+                              <a:uFillTx/>
+                              <a:latin typeface="Cambria Math" panose="02040503050406030204" pitchFamily="18" charset="0"/>
+                              <a:ea typeface="+mn-ea"/>
+                              <a:cs typeface="Arial" panose="020B0604020202020204" pitchFamily="34" charset="0"/>
+                            </a:rPr>
+                            <m:t>𝑚𝑎𝑥</m:t>
+                          </m:r>
+                        </m:oMath>
+                      </m:oMathPara>
+                    </a14:m>
+                    <a:endParaRPr kumimoji="0" lang="cs-CZ" b="0" i="0" u="none" strike="noStrike" kern="1200" cap="none" spc="0" normalizeH="0" baseline="0" noProof="0" dirty="0">
+                      <a:ln>
+                        <a:noFill/>
+                      </a:ln>
+                      <a:solidFill>
+                        <a:prstClr val="black"/>
+                      </a:solidFill>
+                      <a:effectLst/>
+                      <a:uLnTx/>
+                      <a:uFillTx/>
+                      <a:latin typeface="Arial" panose="020B0604020202020204" pitchFamily="34" charset="0"/>
+                      <a:ea typeface="+mn-ea"/>
+                      <a:cs typeface="Arial" panose="020B0604020202020204" pitchFamily="34" charset="0"/>
+                    </a:endParaRPr>
+                  </a:p>
+                </p:txBody>
+              </p:sp>
+            </mc:Choice>
+            <mc:Fallback>
+              <p:sp>
+                <p:nvSpPr>
+                  <p:cNvPr id="45" name="TextovéPole 44"/>
+                  <p:cNvSpPr txBox="1">
+                    <a:spLocks noRot="1" noChangeAspect="1" noMove="1" noResize="1" noEditPoints="1" noAdjustHandles="1" noChangeArrowheads="1" noChangeShapeType="1" noTextEdit="1"/>
+                  </p:cNvSpPr>
+                  <p:nvPr/>
+                </p:nvSpPr>
+                <p:spPr>
+                  <a:xfrm rot="5400000">
+                    <a:off x="5374478" y="5546624"/>
+                    <a:ext cx="749954" cy="402067"/>
+                  </a:xfrm>
+                  <a:prstGeom prst="rect">
+                    <a:avLst/>
+                  </a:prstGeom>
+                  <a:blipFill>
+                    <a:blip r:embed="rId2"/>
+                    <a:stretch>
+                      <a:fillRect/>
+                    </a:stretch>
+                  </a:blipFill>
+                </p:spPr>
+                <p:txBody>
+                  <a:bodyPr/>
+                  <a:lstStyle/>
+                  <a:p>
+                    <a:r>
+                      <a:rPr lang="cs-CZ">
+                        <a:noFill/>
+                      </a:rPr>
+                      <a:t> </a:t>
+                    </a:r>
+                  </a:p>
+                </p:txBody>
+              </p:sp>
+            </mc:Fallback>
+          </mc:AlternateContent>
+          <mc:AlternateContent xmlns:mc="http://schemas.openxmlformats.org/markup-compatibility/2006">
+            <mc:Choice xmlns:a14="http://schemas.microsoft.com/office/drawing/2010/main" Requires="a14">
+              <p:sp>
+                <p:nvSpPr>
+                  <p:cNvPr id="46" name="TextovéPole 45"/>
+                  <p:cNvSpPr txBox="1"/>
+                  <p:nvPr/>
+                </p:nvSpPr>
+                <p:spPr>
+                  <a:xfrm rot="5400000">
+                    <a:off x="5313141" y="2149354"/>
+                    <a:ext cx="1232808" cy="402067"/>
+                  </a:xfrm>
+                  <a:prstGeom prst="rect">
+                    <a:avLst/>
+                  </a:prstGeom>
+                  <a:noFill/>
+                </p:spPr>
+                <p:txBody>
+                  <a:bodyPr wrap="none" rtlCol="0">
+                    <a:spAutoFit/>
+                  </a:bodyPr>
+                  <a:lstStyle/>
+                  <a:p>
+                    <a:pPr marL="0" marR="0" lvl="0" indent="0" algn="l" defTabSz="914400" rtl="0" eaLnBrk="1" fontAlgn="auto" latinLnBrk="0" hangingPunct="1">
+                      <a:lnSpc>
+                        <a:spcPct val="100000"/>
+                      </a:lnSpc>
+                      <a:spcBef>
+                        <a:spcPts val="0"/>
+                      </a:spcBef>
+                      <a:spcAft>
+                        <a:spcPts val="0"/>
+                      </a:spcAft>
+                      <a:buClrTx/>
+                      <a:buSzTx/>
+                      <a:buFontTx/>
+                      <a:buNone/>
+                      <a:tabLst/>
+                      <a:defRPr/>
+                    </a:pPr>
+                    <a14:m>
+                      <m:oMathPara xmlns:m="http://schemas.openxmlformats.org/officeDocument/2006/math">
+                        <m:oMathParaPr>
+                          <m:jc m:val="centerGroup"/>
+                        </m:oMathParaPr>
+                        <m:oMath xmlns:m="http://schemas.openxmlformats.org/officeDocument/2006/math">
+                          <m:sSub>
+                            <m:sSubPr>
+                              <m:ctrlPr>
+                                <a:rPr kumimoji="0" lang="cs-CZ" b="0" i="1" u="none" strike="noStrike" kern="1200" cap="none" spc="0" normalizeH="0" baseline="0" noProof="0" smtClean="0">
+                                  <a:ln>
+                                    <a:noFill/>
+                                  </a:ln>
+                                  <a:solidFill>
+                                    <a:prstClr val="black"/>
+                                  </a:solidFill>
+                                  <a:effectLst/>
+                                  <a:uLnTx/>
+                                  <a:uFillTx/>
+                                  <a:latin typeface="Cambria Math" panose="02040503050406030204" pitchFamily="18" charset="0"/>
+                                  <a:ea typeface="+mn-ea"/>
+                                  <a:cs typeface="Arial" panose="020B0604020202020204" pitchFamily="34" charset="0"/>
+                                </a:rPr>
+                              </m:ctrlPr>
+                            </m:sSubPr>
+                            <m:e>
+                              <m:r>
+                                <a:rPr kumimoji="0" lang="cs-CZ" b="0" i="1" u="none" strike="noStrike" kern="1200" cap="none" spc="0" normalizeH="0" baseline="0" noProof="0" smtClean="0">
+                                  <a:ln>
+                                    <a:noFill/>
+                                  </a:ln>
+                                  <a:solidFill>
+                                    <a:prstClr val="black"/>
+                                  </a:solidFill>
+                                  <a:effectLst/>
+                                  <a:uLnTx/>
+                                  <a:uFillTx/>
+                                  <a:latin typeface="Cambria Math" panose="02040503050406030204" pitchFamily="18" charset="0"/>
+                                  <a:ea typeface="+mn-ea"/>
+                                  <a:cs typeface="Arial" panose="020B0604020202020204" pitchFamily="34" charset="0"/>
+                                </a:rPr>
+                                <m:t>𝑄</m:t>
+                              </m:r>
+                            </m:e>
+                            <m:sub>
+                              <m:r>
+                                <a:rPr kumimoji="0" lang="cs-CZ" b="0" i="1" u="none" strike="noStrike" kern="1200" cap="none" spc="0" normalizeH="0" baseline="0" noProof="0" smtClean="0">
+                                  <a:ln>
+                                    <a:noFill/>
+                                  </a:ln>
+                                  <a:solidFill>
+                                    <a:prstClr val="black"/>
+                                  </a:solidFill>
+                                  <a:effectLst/>
+                                  <a:uLnTx/>
+                                  <a:uFillTx/>
+                                  <a:latin typeface="Cambria Math" panose="02040503050406030204" pitchFamily="18" charset="0"/>
+                                  <a:ea typeface="+mn-ea"/>
+                                  <a:cs typeface="Arial" panose="020B0604020202020204" pitchFamily="34" charset="0"/>
+                                </a:rPr>
+                                <m:t>1</m:t>
+                              </m:r>
+                            </m:sub>
+                          </m:sSub>
+                          <m:r>
+                            <a:rPr kumimoji="0" lang="cs-CZ" b="0" i="1" u="none" strike="noStrike" kern="1200" cap="none" spc="0" normalizeH="0" baseline="0" noProof="0" smtClean="0">
+                              <a:ln>
+                                <a:noFill/>
+                              </a:ln>
+                              <a:solidFill>
+                                <a:prstClr val="black"/>
+                              </a:solidFill>
+                              <a:effectLst/>
+                              <a:uLnTx/>
+                              <a:uFillTx/>
+                              <a:latin typeface="Cambria Math" panose="02040503050406030204" pitchFamily="18" charset="0"/>
+                              <a:ea typeface="+mn-ea"/>
+                              <a:cs typeface="Arial" panose="020B0604020202020204" pitchFamily="34" charset="0"/>
+                            </a:rPr>
+                            <m:t>(25%)</m:t>
+                          </m:r>
+                        </m:oMath>
+                      </m:oMathPara>
+                    </a14:m>
+                    <a:endParaRPr kumimoji="0" lang="cs-CZ" sz="2800" b="0" i="0" u="none" strike="noStrike" kern="1200" cap="none" spc="0" normalizeH="0" baseline="0" noProof="0" dirty="0">
+                      <a:ln>
+                        <a:noFill/>
+                      </a:ln>
+                      <a:solidFill>
+                        <a:prstClr val="black"/>
+                      </a:solidFill>
+                      <a:effectLst/>
+                      <a:uLnTx/>
+                      <a:uFillTx/>
+                      <a:latin typeface="Arial" panose="020B0604020202020204" pitchFamily="34" charset="0"/>
+                      <a:ea typeface="+mn-ea"/>
+                      <a:cs typeface="Arial" panose="020B0604020202020204" pitchFamily="34" charset="0"/>
+                    </a:endParaRPr>
+                  </a:p>
+                </p:txBody>
+              </p:sp>
+            </mc:Choice>
+            <mc:Fallback>
+              <p:sp>
+                <p:nvSpPr>
+                  <p:cNvPr id="46" name="TextovéPole 45"/>
+                  <p:cNvSpPr txBox="1">
+                    <a:spLocks noRot="1" noChangeAspect="1" noMove="1" noResize="1" noEditPoints="1" noAdjustHandles="1" noChangeArrowheads="1" noChangeShapeType="1" noTextEdit="1"/>
+                  </p:cNvSpPr>
+                  <p:nvPr/>
+                </p:nvSpPr>
+                <p:spPr>
+                  <a:xfrm rot="5400000">
+                    <a:off x="5313141" y="2149354"/>
+                    <a:ext cx="1232808" cy="402067"/>
+                  </a:xfrm>
+                  <a:prstGeom prst="rect">
+                    <a:avLst/>
+                  </a:prstGeom>
+                  <a:blipFill>
+                    <a:blip r:embed="rId3"/>
+                    <a:stretch>
+                      <a:fillRect b="-15000"/>
+                    </a:stretch>
+                  </a:blipFill>
+                </p:spPr>
+                <p:txBody>
+                  <a:bodyPr/>
+                  <a:lstStyle/>
+                  <a:p>
+                    <a:r>
+                      <a:rPr lang="cs-CZ">
+                        <a:noFill/>
+                      </a:rPr>
+                      <a:t> </a:t>
+                    </a:r>
+                  </a:p>
+                </p:txBody>
+              </p:sp>
+            </mc:Fallback>
+          </mc:AlternateContent>
+          <mc:AlternateContent xmlns:mc="http://schemas.openxmlformats.org/markup-compatibility/2006">
+            <mc:Choice xmlns:a14="http://schemas.microsoft.com/office/drawing/2010/main" Requires="a14">
+              <p:sp>
+                <p:nvSpPr>
+                  <p:cNvPr id="47" name="TextovéPole 46"/>
+                  <p:cNvSpPr txBox="1"/>
+                  <p:nvPr/>
+                </p:nvSpPr>
+                <p:spPr>
+                  <a:xfrm rot="5400000">
+                    <a:off x="5307584" y="4700140"/>
+                    <a:ext cx="1238499" cy="402067"/>
+                  </a:xfrm>
+                  <a:prstGeom prst="rect">
+                    <a:avLst/>
+                  </a:prstGeom>
+                  <a:noFill/>
+                </p:spPr>
+                <p:txBody>
+                  <a:bodyPr wrap="none" rtlCol="0">
+                    <a:spAutoFit/>
+                  </a:bodyPr>
+                  <a:lstStyle/>
+                  <a:p>
+                    <a:pPr marL="0" marR="0" lvl="0" indent="0" algn="l" defTabSz="914400" rtl="0" eaLnBrk="1" fontAlgn="auto" latinLnBrk="0" hangingPunct="1">
+                      <a:lnSpc>
+                        <a:spcPct val="100000"/>
+                      </a:lnSpc>
+                      <a:spcBef>
+                        <a:spcPts val="0"/>
+                      </a:spcBef>
+                      <a:spcAft>
+                        <a:spcPts val="0"/>
+                      </a:spcAft>
+                      <a:buClrTx/>
+                      <a:buSzTx/>
+                      <a:buFontTx/>
+                      <a:buNone/>
+                      <a:tabLst/>
+                      <a:defRPr/>
+                    </a:pPr>
+                    <a14:m>
+                      <m:oMathPara xmlns:m="http://schemas.openxmlformats.org/officeDocument/2006/math">
+                        <m:oMathParaPr>
+                          <m:jc m:val="centerGroup"/>
+                        </m:oMathParaPr>
+                        <m:oMath xmlns:m="http://schemas.openxmlformats.org/officeDocument/2006/math">
+                          <m:sSub>
+                            <m:sSubPr>
+                              <m:ctrlPr>
+                                <a:rPr kumimoji="0" lang="cs-CZ" b="0" i="1" u="none" strike="noStrike" kern="1200" cap="none" spc="0" normalizeH="0" baseline="0" noProof="0" smtClean="0">
+                                  <a:ln>
+                                    <a:noFill/>
+                                  </a:ln>
+                                  <a:solidFill>
+                                    <a:prstClr val="black"/>
+                                  </a:solidFill>
+                                  <a:effectLst/>
+                                  <a:uLnTx/>
+                                  <a:uFillTx/>
+                                  <a:latin typeface="Cambria Math" panose="02040503050406030204" pitchFamily="18" charset="0"/>
+                                  <a:ea typeface="+mn-ea"/>
+                                  <a:cs typeface="Arial" panose="020B0604020202020204" pitchFamily="34" charset="0"/>
+                                </a:rPr>
+                              </m:ctrlPr>
+                            </m:sSubPr>
+                            <m:e>
+                              <m:r>
+                                <a:rPr kumimoji="0" lang="cs-CZ" b="0" i="1" u="none" strike="noStrike" kern="1200" cap="none" spc="0" normalizeH="0" baseline="0" noProof="0" smtClean="0">
+                                  <a:ln>
+                                    <a:noFill/>
+                                  </a:ln>
+                                  <a:solidFill>
+                                    <a:prstClr val="black"/>
+                                  </a:solidFill>
+                                  <a:effectLst/>
+                                  <a:uLnTx/>
+                                  <a:uFillTx/>
+                                  <a:latin typeface="Cambria Math" panose="02040503050406030204" pitchFamily="18" charset="0"/>
+                                  <a:ea typeface="+mn-ea"/>
+                                  <a:cs typeface="Arial" panose="020B0604020202020204" pitchFamily="34" charset="0"/>
+                                </a:rPr>
+                                <m:t>𝑄</m:t>
+                              </m:r>
+                            </m:e>
+                            <m:sub>
+                              <m:r>
+                                <a:rPr kumimoji="0" lang="cs-CZ" b="0" i="1" u="none" strike="noStrike" kern="1200" cap="none" spc="0" normalizeH="0" baseline="0" noProof="0" smtClean="0">
+                                  <a:ln>
+                                    <a:noFill/>
+                                  </a:ln>
+                                  <a:solidFill>
+                                    <a:prstClr val="black"/>
+                                  </a:solidFill>
+                                  <a:effectLst/>
+                                  <a:uLnTx/>
+                                  <a:uFillTx/>
+                                  <a:latin typeface="Cambria Math" panose="02040503050406030204" pitchFamily="18" charset="0"/>
+                                  <a:ea typeface="+mn-ea"/>
+                                  <a:cs typeface="Arial" panose="020B0604020202020204" pitchFamily="34" charset="0"/>
+                                </a:rPr>
+                                <m:t>3</m:t>
+                              </m:r>
+                            </m:sub>
+                          </m:sSub>
+                          <m:r>
+                            <a:rPr kumimoji="0" lang="cs-CZ" b="0" i="1" u="none" strike="noStrike" kern="1200" cap="none" spc="0" normalizeH="0" baseline="0" noProof="0" smtClean="0">
+                              <a:ln>
+                                <a:noFill/>
+                              </a:ln>
+                              <a:solidFill>
+                                <a:prstClr val="black"/>
+                              </a:solidFill>
+                              <a:effectLst/>
+                              <a:uLnTx/>
+                              <a:uFillTx/>
+                              <a:latin typeface="Cambria Math" panose="02040503050406030204" pitchFamily="18" charset="0"/>
+                              <a:ea typeface="+mn-ea"/>
+                              <a:cs typeface="Arial" panose="020B0604020202020204" pitchFamily="34" charset="0"/>
+                            </a:rPr>
+                            <m:t>(75%)</m:t>
+                          </m:r>
+                        </m:oMath>
+                      </m:oMathPara>
+                    </a14:m>
+                    <a:endParaRPr kumimoji="0" lang="cs-CZ" b="0" i="0" u="none" strike="noStrike" kern="1200" cap="none" spc="0" normalizeH="0" baseline="0" noProof="0" dirty="0">
+                      <a:ln>
+                        <a:noFill/>
+                      </a:ln>
+                      <a:solidFill>
+                        <a:prstClr val="black"/>
+                      </a:solidFill>
+                      <a:effectLst/>
+                      <a:uLnTx/>
+                      <a:uFillTx/>
+                      <a:latin typeface="Arial" panose="020B0604020202020204" pitchFamily="34" charset="0"/>
+                      <a:ea typeface="+mn-ea"/>
+                      <a:cs typeface="Arial" panose="020B0604020202020204" pitchFamily="34" charset="0"/>
+                    </a:endParaRPr>
+                  </a:p>
+                </p:txBody>
+              </p:sp>
+            </mc:Choice>
+            <mc:Fallback>
+              <p:sp>
+                <p:nvSpPr>
+                  <p:cNvPr id="47" name="TextovéPole 46"/>
+                  <p:cNvSpPr txBox="1">
+                    <a:spLocks noRot="1" noChangeAspect="1" noMove="1" noResize="1" noEditPoints="1" noAdjustHandles="1" noChangeArrowheads="1" noChangeShapeType="1" noTextEdit="1"/>
+                  </p:cNvSpPr>
+                  <p:nvPr/>
+                </p:nvSpPr>
+                <p:spPr>
+                  <a:xfrm rot="5400000">
+                    <a:off x="5307584" y="4700140"/>
+                    <a:ext cx="1238499" cy="402067"/>
+                  </a:xfrm>
+                  <a:prstGeom prst="rect">
+                    <a:avLst/>
+                  </a:prstGeom>
+                  <a:blipFill>
+                    <a:blip r:embed="rId4"/>
+                    <a:stretch>
+                      <a:fillRect b="-14754"/>
+                    </a:stretch>
+                  </a:blipFill>
+                </p:spPr>
+                <p:txBody>
+                  <a:bodyPr/>
+                  <a:lstStyle/>
+                  <a:p>
+                    <a:r>
+                      <a:rPr lang="cs-CZ">
+                        <a:noFill/>
+                      </a:rPr>
+                      <a:t> </a:t>
+                    </a:r>
+                  </a:p>
+                </p:txBody>
+              </p:sp>
+            </mc:Fallback>
+          </mc:AlternateContent>
+          <p:cxnSp>
+            <p:nvCxnSpPr>
+              <p:cNvPr id="49" name="Přímá spojnice se šipkou 48"/>
+              <p:cNvCxnSpPr>
+                <a:cxnSpLocks/>
+              </p:cNvCxnSpPr>
+              <p:nvPr/>
+            </p:nvCxnSpPr>
+            <p:spPr>
+              <a:xfrm rot="5400000">
+                <a:off x="4764977" y="2958034"/>
+                <a:ext cx="1246" cy="1267256"/>
+              </a:xfrm>
+              <a:prstGeom prst="straightConnector1">
+                <a:avLst/>
+              </a:prstGeom>
+              <a:ln>
+                <a:tailEnd type="arrow" w="sm" len="lg"/>
+              </a:ln>
+            </p:spPr>
+            <p:style>
+              <a:lnRef idx="1">
+                <a:schemeClr val="dk1"/>
+              </a:lnRef>
+              <a:fillRef idx="0">
+                <a:schemeClr val="dk1"/>
+              </a:fillRef>
+              <a:effectRef idx="0">
+                <a:schemeClr val="dk1"/>
+              </a:effectRef>
+              <a:fontRef idx="minor">
+                <a:schemeClr val="tx1"/>
+              </a:fontRef>
+            </p:style>
+          </p:cxnSp>
+        </p:grpSp>
+        <p:grpSp>
+          <p:nvGrpSpPr>
+            <p:cNvPr id="17" name="Skupina 16">
+              <a:extLst>
+                <a:ext uri="{FF2B5EF4-FFF2-40B4-BE49-F238E27FC236}">
+                  <a16:creationId xmlns:a16="http://schemas.microsoft.com/office/drawing/2014/main" id="{D5E23170-1D92-4067-9AA7-CF38369E8241}"/>
+                </a:ext>
+              </a:extLst>
+            </p:cNvPr>
+            <p:cNvGrpSpPr/>
+            <p:nvPr/>
+          </p:nvGrpSpPr>
+          <p:grpSpPr>
+            <a:xfrm rot="5400000">
+              <a:off x="5775306" y="3977709"/>
+              <a:ext cx="369332" cy="2370146"/>
+              <a:chOff x="2405480" y="2427371"/>
+              <a:chExt cx="369332" cy="2346588"/>
+            </a:xfrm>
+          </p:grpSpPr>
+          <p:cxnSp>
+            <p:nvCxnSpPr>
+              <p:cNvPr id="5" name="Přímá spojnice se šipkou 4"/>
+              <p:cNvCxnSpPr>
+                <a:cxnSpLocks/>
+              </p:cNvCxnSpPr>
+              <p:nvPr/>
+            </p:nvCxnSpPr>
+            <p:spPr>
+              <a:xfrm flipH="1">
+                <a:off x="2611526" y="2427371"/>
+                <a:ext cx="4838" cy="2346588"/>
+              </a:xfrm>
+              <a:prstGeom prst="straightConnector1">
+                <a:avLst/>
+              </a:prstGeom>
+              <a:ln>
+                <a:headEnd type="stealth" w="sm" len="lg"/>
+                <a:tailEnd type="stealth" w="sm" len="lg"/>
+              </a:ln>
+            </p:spPr>
+            <p:style>
+              <a:lnRef idx="1">
+                <a:schemeClr val="dk1"/>
+              </a:lnRef>
+              <a:fillRef idx="0">
+                <a:schemeClr val="dk1"/>
+              </a:fillRef>
+              <a:effectRef idx="0">
+                <a:schemeClr val="dk1"/>
+              </a:effectRef>
+              <a:fontRef idx="minor">
+                <a:schemeClr val="tx1"/>
+              </a:fontRef>
+            </p:style>
+          </p:cxnSp>
+          <p:cxnSp>
+            <p:nvCxnSpPr>
+              <p:cNvPr id="8" name="Přímá spojnice 7"/>
+              <p:cNvCxnSpPr>
+                <a:cxnSpLocks/>
+              </p:cNvCxnSpPr>
+              <p:nvPr/>
+            </p:nvCxnSpPr>
+            <p:spPr>
+              <a:xfrm>
+                <a:off x="2448240" y="2431243"/>
+                <a:ext cx="326571" cy="0"/>
+              </a:xfrm>
+              <a:prstGeom prst="line">
+                <a:avLst/>
+              </a:prstGeom>
+            </p:spPr>
+            <p:style>
+              <a:lnRef idx="1">
+                <a:schemeClr val="dk1"/>
+              </a:lnRef>
+              <a:fillRef idx="0">
+                <a:schemeClr val="dk1"/>
+              </a:fillRef>
+              <a:effectRef idx="0">
+                <a:schemeClr val="dk1"/>
+              </a:effectRef>
+              <a:fontRef idx="minor">
+                <a:schemeClr val="tx1"/>
+              </a:fontRef>
+            </p:style>
+          </p:cxnSp>
+          <p:cxnSp>
+            <p:nvCxnSpPr>
+              <p:cNvPr id="38" name="Přímá spojnice 37"/>
+              <p:cNvCxnSpPr>
+                <a:cxnSpLocks/>
+              </p:cNvCxnSpPr>
+              <p:nvPr/>
+            </p:nvCxnSpPr>
+            <p:spPr>
+              <a:xfrm>
+                <a:off x="2448240" y="4773959"/>
+                <a:ext cx="326571" cy="0"/>
+              </a:xfrm>
+              <a:prstGeom prst="line">
+                <a:avLst/>
+              </a:prstGeom>
+            </p:spPr>
+            <p:style>
+              <a:lnRef idx="1">
+                <a:schemeClr val="dk1"/>
+              </a:lnRef>
+              <a:fillRef idx="0">
+                <a:schemeClr val="dk1"/>
+              </a:fillRef>
+              <a:effectRef idx="0">
+                <a:schemeClr val="dk1"/>
+              </a:effectRef>
+              <a:fontRef idx="minor">
+                <a:schemeClr val="tx1"/>
+              </a:fontRef>
+            </p:style>
+          </p:cxnSp>
+          <mc:AlternateContent xmlns:mc="http://schemas.openxmlformats.org/markup-compatibility/2006">
+            <mc:Choice xmlns:a14="http://schemas.microsoft.com/office/drawing/2010/main" Requires="a14">
+              <p:sp>
+                <p:nvSpPr>
+                  <p:cNvPr id="43" name="TextovéPole 42"/>
+                  <p:cNvSpPr txBox="1"/>
+                  <p:nvPr/>
+                </p:nvSpPr>
+                <p:spPr>
+                  <a:xfrm rot="16200000">
+                    <a:off x="2266820" y="3417164"/>
+                    <a:ext cx="646652" cy="369332"/>
+                  </a:xfrm>
+                  <a:prstGeom prst="rect">
+                    <a:avLst/>
+                  </a:prstGeom>
+                  <a:solidFill>
+                    <a:schemeClr val="bg1"/>
+                  </a:solidFill>
+                  <a:ln>
+                    <a:noFill/>
+                  </a:ln>
+                </p:spPr>
+                <p:txBody>
+                  <a:bodyPr wrap="none" rtlCol="0">
+                    <a:spAutoFit/>
+                  </a:bodyPr>
+                  <a:lstStyle/>
+                  <a:p>
+                    <a:pPr marL="0" marR="0" lvl="0" indent="0" algn="l" defTabSz="914400" rtl="0" eaLnBrk="1" fontAlgn="auto" latinLnBrk="0" hangingPunct="1">
+                      <a:lnSpc>
+                        <a:spcPct val="100000"/>
+                      </a:lnSpc>
+                      <a:spcBef>
+                        <a:spcPts val="0"/>
+                      </a:spcBef>
+                      <a:spcAft>
+                        <a:spcPts val="0"/>
+                      </a:spcAft>
+                      <a:buClrTx/>
+                      <a:buSzTx/>
+                      <a:buFontTx/>
+                      <a:buNone/>
+                      <a:tabLst/>
+                      <a:defRPr/>
+                    </a:pPr>
+                    <a14:m>
+                      <m:oMathPara xmlns:m="http://schemas.openxmlformats.org/officeDocument/2006/math">
+                        <m:oMathParaPr>
+                          <m:jc m:val="centerGroup"/>
+                        </m:oMathParaPr>
+                        <m:oMath xmlns:m="http://schemas.openxmlformats.org/officeDocument/2006/math">
+                          <m:r>
+                            <a:rPr kumimoji="0" lang="cs-CZ" b="0" i="1" u="none" strike="noStrike" kern="1200" cap="none" spc="0" normalizeH="0" baseline="0" noProof="0" smtClean="0">
+                              <a:ln>
+                                <a:noFill/>
+                              </a:ln>
+                              <a:solidFill>
+                                <a:prstClr val="black"/>
+                              </a:solidFill>
+                              <a:effectLst/>
+                              <a:uLnTx/>
+                              <a:uFillTx/>
+                              <a:latin typeface="Cambria Math" panose="02040503050406030204" pitchFamily="18" charset="0"/>
+                              <a:ea typeface="+mn-ea"/>
+                              <a:cs typeface="Arial" panose="020B0604020202020204" pitchFamily="34" charset="0"/>
+                            </a:rPr>
+                            <m:t>𝐼𝑄𝑅</m:t>
+                          </m:r>
+                        </m:oMath>
+                      </m:oMathPara>
+                    </a14:m>
+                    <a:endParaRPr kumimoji="0" lang="cs-CZ" b="0" i="0" u="none" strike="noStrike" kern="1200" cap="none" spc="0" normalizeH="0" baseline="0" noProof="0" dirty="0">
+                      <a:ln>
+                        <a:noFill/>
+                      </a:ln>
+                      <a:solidFill>
+                        <a:prstClr val="black"/>
+                      </a:solidFill>
+                      <a:effectLst/>
+                      <a:uLnTx/>
+                      <a:uFillTx/>
+                      <a:latin typeface="Arial" panose="020B0604020202020204" pitchFamily="34" charset="0"/>
+                      <a:ea typeface="+mn-ea"/>
+                      <a:cs typeface="Arial" panose="020B0604020202020204" pitchFamily="34" charset="0"/>
+                    </a:endParaRPr>
+                  </a:p>
+                </p:txBody>
+              </p:sp>
+            </mc:Choice>
+            <mc:Fallback>
+              <p:sp>
+                <p:nvSpPr>
+                  <p:cNvPr id="43" name="TextovéPole 42"/>
+                  <p:cNvSpPr txBox="1">
+                    <a:spLocks noRot="1" noChangeAspect="1" noMove="1" noResize="1" noEditPoints="1" noAdjustHandles="1" noChangeArrowheads="1" noChangeShapeType="1" noTextEdit="1"/>
+                  </p:cNvSpPr>
+                  <p:nvPr/>
+                </p:nvSpPr>
+                <p:spPr>
+                  <a:xfrm rot="16200000">
+                    <a:off x="2266820" y="3417164"/>
+                    <a:ext cx="646652" cy="369332"/>
+                  </a:xfrm>
+                  <a:prstGeom prst="rect">
+                    <a:avLst/>
+                  </a:prstGeom>
+                  <a:blipFill>
+                    <a:blip r:embed="rId5"/>
+                    <a:stretch>
+                      <a:fillRect b="-11667"/>
+                    </a:stretch>
+                  </a:blipFill>
+                  <a:ln>
+                    <a:noFill/>
+                  </a:ln>
+                </p:spPr>
+                <p:txBody>
+                  <a:bodyPr/>
+                  <a:lstStyle/>
+                  <a:p>
+                    <a:r>
+                      <a:rPr lang="cs-CZ">
+                        <a:noFill/>
+                      </a:rPr>
+                      <a:t> </a:t>
+                    </a:r>
+                  </a:p>
+                </p:txBody>
+              </p:sp>
+            </mc:Fallback>
+          </mc:AlternateContent>
+        </p:grpSp>
+        <mc:AlternateContent xmlns:mc="http://schemas.openxmlformats.org/markup-compatibility/2006">
+          <mc:Choice xmlns:a14="http://schemas.microsoft.com/office/drawing/2010/main" Requires="a14">
+            <p:sp>
+              <p:nvSpPr>
+                <p:cNvPr id="82" name="TextovéPole 81">
+                  <a:extLst>
+                    <a:ext uri="{FF2B5EF4-FFF2-40B4-BE49-F238E27FC236}">
+                      <a16:creationId xmlns:a16="http://schemas.microsoft.com/office/drawing/2014/main" id="{9AD67519-CC8E-4600-965C-6C26E4EB34D1}"/>
+                    </a:ext>
+                  </a:extLst>
+                </p:cNvPr>
+                <p:cNvSpPr txBox="1"/>
+                <p:nvPr/>
+              </p:nvSpPr>
+              <p:spPr>
+                <a:xfrm>
+                  <a:off x="5857946" y="1957989"/>
+                  <a:ext cx="201722" cy="307777"/>
+                </a:xfrm>
+                <a:prstGeom prst="rect">
+                  <a:avLst/>
+                </a:prstGeom>
+                <a:noFill/>
+              </p:spPr>
+              <p:txBody>
+                <a:bodyPr wrap="none" lIns="0" tIns="0" rIns="0" bIns="0" rtlCol="0">
+                  <a:spAutoFit/>
+                </a:bodyPr>
+                <a:lstStyle/>
+                <a:p>
+                  <a14:m>
+                    <m:oMathPara xmlns:m="http://schemas.openxmlformats.org/officeDocument/2006/math">
+                      <m:oMathParaPr>
+                        <m:jc m:val="centerGroup"/>
+                      </m:oMathParaPr>
+                      <m:oMath xmlns:m="http://schemas.openxmlformats.org/officeDocument/2006/math">
+                        <m:acc>
+                          <m:accPr>
+                            <m:chr m:val="̅"/>
+                            <m:ctrlPr>
+                              <a:rPr lang="cs-CZ" sz="2000" b="0" i="1" smtClean="0">
+                                <a:latin typeface="Cambria Math" panose="02040503050406030204" pitchFamily="18" charset="0"/>
+                              </a:rPr>
+                            </m:ctrlPr>
+                          </m:accPr>
+                          <m:e>
+                            <m:r>
+                              <a:rPr lang="cs-CZ" sz="2000" b="0" i="1" smtClean="0">
+                                <a:latin typeface="Cambria Math" panose="02040503050406030204" pitchFamily="18" charset="0"/>
+                              </a:rPr>
+                              <m:t>𝑥</m:t>
+                            </m:r>
+                          </m:e>
+                        </m:acc>
+                      </m:oMath>
+                    </m:oMathPara>
+                  </a14:m>
+                  <a:endParaRPr lang="cs-CZ" sz="2000" dirty="0"/>
+                </a:p>
+              </p:txBody>
+            </p:sp>
+          </mc:Choice>
+          <mc:Fallback>
+            <p:sp>
+              <p:nvSpPr>
+                <p:cNvPr id="82" name="TextovéPole 81">
+                  <a:extLst>
+                    <a:ext uri="{FF2B5EF4-FFF2-40B4-BE49-F238E27FC236}">
+                      <a16:creationId xmlns:a16="http://schemas.microsoft.com/office/drawing/2014/main" id="{9AD67519-CC8E-4600-965C-6C26E4EB34D1}"/>
+                    </a:ext>
+                  </a:extLst>
+                </p:cNvPr>
+                <p:cNvSpPr txBox="1">
+                  <a:spLocks noRot="1" noChangeAspect="1" noMove="1" noResize="1" noEditPoints="1" noAdjustHandles="1" noChangeArrowheads="1" noChangeShapeType="1" noTextEdit="1"/>
+                </p:cNvSpPr>
+                <p:nvPr/>
+              </p:nvSpPr>
+              <p:spPr>
+                <a:xfrm>
+                  <a:off x="5857946" y="1957989"/>
+                  <a:ext cx="201722" cy="307777"/>
+                </a:xfrm>
+                <a:prstGeom prst="rect">
+                  <a:avLst/>
+                </a:prstGeom>
+                <a:blipFill>
+                  <a:blip r:embed="rId6"/>
+                  <a:stretch>
+                    <a:fillRect l="-18182" r="-90909"/>
+                  </a:stretch>
+                </a:blipFill>
+              </p:spPr>
+              <p:txBody>
+                <a:bodyPr/>
+                <a:lstStyle/>
+                <a:p>
+                  <a:r>
+                    <a:rPr lang="cs-CZ">
+                      <a:noFill/>
+                    </a:rPr>
+                    <a:t> </a:t>
+                  </a:r>
+                </a:p>
+              </p:txBody>
+            </p:sp>
+          </mc:Fallback>
+        </mc:AlternateContent>
+        <mc:AlternateContent xmlns:mc="http://schemas.openxmlformats.org/markup-compatibility/2006">
+          <mc:Choice xmlns:a14="http://schemas.microsoft.com/office/drawing/2010/main" Requires="a14">
+            <p:sp>
+              <p:nvSpPr>
+                <p:cNvPr id="83" name="TextovéPole 82">
+                  <a:extLst>
+                    <a:ext uri="{FF2B5EF4-FFF2-40B4-BE49-F238E27FC236}">
+                      <a16:creationId xmlns:a16="http://schemas.microsoft.com/office/drawing/2014/main" id="{398A53B8-07C0-41CA-B10E-0EBE84DF0B4F}"/>
+                    </a:ext>
+                  </a:extLst>
+                </p:cNvPr>
+                <p:cNvSpPr txBox="1"/>
+                <p:nvPr/>
+              </p:nvSpPr>
+              <p:spPr>
+                <a:xfrm>
+                  <a:off x="6360020" y="1957989"/>
+                  <a:ext cx="201722" cy="307777"/>
+                </a:xfrm>
+                <a:prstGeom prst="rect">
+                  <a:avLst/>
+                </a:prstGeom>
+                <a:noFill/>
+              </p:spPr>
+              <p:txBody>
+                <a:bodyPr wrap="none" lIns="0" tIns="0" rIns="0" bIns="0" rtlCol="0">
+                  <a:spAutoFit/>
+                </a:bodyPr>
+                <a:lstStyle/>
+                <a:p>
+                  <a14:m>
+                    <m:oMathPara xmlns:m="http://schemas.openxmlformats.org/officeDocument/2006/math">
+                      <m:oMathParaPr>
+                        <m:jc m:val="centerGroup"/>
+                      </m:oMathParaPr>
+                      <m:oMath xmlns:m="http://schemas.openxmlformats.org/officeDocument/2006/math">
+                        <m:acc>
+                          <m:accPr>
+                            <m:chr m:val="̃"/>
+                            <m:ctrlPr>
+                              <a:rPr lang="cs-CZ" sz="2000" b="0" i="1" smtClean="0">
+                                <a:latin typeface="Cambria Math" panose="02040503050406030204" pitchFamily="18" charset="0"/>
+                              </a:rPr>
+                            </m:ctrlPr>
+                          </m:accPr>
+                          <m:e>
+                            <m:r>
+                              <a:rPr lang="cs-CZ" sz="2000" b="0" i="1" smtClean="0">
+                                <a:latin typeface="Cambria Math" panose="02040503050406030204" pitchFamily="18" charset="0"/>
+                              </a:rPr>
+                              <m:t>𝑥</m:t>
+                            </m:r>
+                          </m:e>
+                        </m:acc>
+                      </m:oMath>
+                    </m:oMathPara>
+                  </a14:m>
+                  <a:endParaRPr lang="cs-CZ" sz="2000" b="0" dirty="0"/>
+                </a:p>
+              </p:txBody>
+            </p:sp>
+          </mc:Choice>
+          <mc:Fallback>
+            <p:sp>
+              <p:nvSpPr>
+                <p:cNvPr id="83" name="TextovéPole 82">
+                  <a:extLst>
+                    <a:ext uri="{FF2B5EF4-FFF2-40B4-BE49-F238E27FC236}">
+                      <a16:creationId xmlns:a16="http://schemas.microsoft.com/office/drawing/2014/main" id="{398A53B8-07C0-41CA-B10E-0EBE84DF0B4F}"/>
+                    </a:ext>
+                  </a:extLst>
+                </p:cNvPr>
+                <p:cNvSpPr txBox="1">
+                  <a:spLocks noRot="1" noChangeAspect="1" noMove="1" noResize="1" noEditPoints="1" noAdjustHandles="1" noChangeArrowheads="1" noChangeShapeType="1" noTextEdit="1"/>
+                </p:cNvSpPr>
+                <p:nvPr/>
+              </p:nvSpPr>
+              <p:spPr>
+                <a:xfrm>
+                  <a:off x="6360020" y="1957989"/>
+                  <a:ext cx="201722" cy="307777"/>
+                </a:xfrm>
+                <a:prstGeom prst="rect">
+                  <a:avLst/>
+                </a:prstGeom>
+                <a:blipFill>
+                  <a:blip r:embed="rId7"/>
+                  <a:stretch>
+                    <a:fillRect l="-15152" t="-9804" r="-72727"/>
+                  </a:stretch>
+                </a:blipFill>
+              </p:spPr>
+              <p:txBody>
+                <a:bodyPr/>
+                <a:lstStyle/>
+                <a:p>
+                  <a:r>
+                    <a:rPr lang="cs-CZ">
+                      <a:noFill/>
+                    </a:rPr>
+                    <a:t> </a:t>
+                  </a:r>
+                </a:p>
+              </p:txBody>
+            </p:sp>
+          </mc:Fallback>
+        </mc:AlternateContent>
+        <mc:AlternateContent xmlns:mc="http://schemas.openxmlformats.org/markup-compatibility/2006">
+          <mc:Choice xmlns:a14="http://schemas.microsoft.com/office/drawing/2010/main" Requires="a14">
+            <p:sp>
+              <p:nvSpPr>
+                <p:cNvPr id="84" name="TextovéPole 83">
+                  <a:extLst>
+                    <a:ext uri="{FF2B5EF4-FFF2-40B4-BE49-F238E27FC236}">
+                      <a16:creationId xmlns:a16="http://schemas.microsoft.com/office/drawing/2014/main" id="{AC3EB858-DC8B-49FF-88CD-221A0DCFF239}"/>
+                    </a:ext>
+                  </a:extLst>
+                </p:cNvPr>
+                <p:cNvSpPr txBox="1"/>
+                <p:nvPr/>
+              </p:nvSpPr>
+              <p:spPr>
+                <a:xfrm>
+                  <a:off x="3304903" y="1896434"/>
+                  <a:ext cx="653512" cy="369332"/>
+                </a:xfrm>
+                <a:prstGeom prst="rect">
+                  <a:avLst/>
+                </a:prstGeom>
+                <a:noFill/>
+              </p:spPr>
+              <p:txBody>
+                <a:bodyPr wrap="none" rtlCol="0">
+                  <a:spAutoFit/>
+                </a:bodyPr>
+                <a:lstStyle/>
+                <a:p>
+                  <a:pPr marL="0" marR="0" lvl="0" indent="0" algn="l" defTabSz="914400" rtl="0" eaLnBrk="1" fontAlgn="auto" latinLnBrk="0" hangingPunct="1">
+                    <a:lnSpc>
+                      <a:spcPct val="100000"/>
+                    </a:lnSpc>
+                    <a:spcBef>
+                      <a:spcPts val="0"/>
+                    </a:spcBef>
+                    <a:spcAft>
+                      <a:spcPts val="0"/>
+                    </a:spcAft>
+                    <a:buClrTx/>
+                    <a:buSzTx/>
+                    <a:buFontTx/>
+                    <a:buNone/>
+                    <a:tabLst/>
+                    <a:defRPr/>
+                  </a:pPr>
+                  <a14:m>
+                    <m:oMathPara xmlns:m="http://schemas.openxmlformats.org/officeDocument/2006/math">
+                      <m:oMathParaPr>
+                        <m:jc m:val="centerGroup"/>
+                      </m:oMathParaPr>
+                      <m:oMath xmlns:m="http://schemas.openxmlformats.org/officeDocument/2006/math">
+                        <m:r>
+                          <a:rPr kumimoji="0" lang="cs-CZ" b="0" i="1" u="none" strike="noStrike" kern="1200" cap="none" spc="0" normalizeH="0" baseline="0" noProof="0" smtClean="0">
+                            <a:ln>
+                              <a:noFill/>
+                            </a:ln>
+                            <a:solidFill>
+                              <a:prstClr val="black"/>
+                            </a:solidFill>
+                            <a:effectLst/>
+                            <a:uLnTx/>
+                            <a:uFillTx/>
+                            <a:latin typeface="Cambria Math" panose="02040503050406030204" pitchFamily="18" charset="0"/>
+                            <a:ea typeface="+mn-ea"/>
+                            <a:cs typeface="Arial" panose="020B0604020202020204" pitchFamily="34" charset="0"/>
+                          </a:rPr>
+                          <m:t>𝑚𝑖𝑛</m:t>
+                        </m:r>
+                      </m:oMath>
+                    </m:oMathPara>
+                  </a14:m>
+                  <a:endParaRPr kumimoji="0" lang="cs-CZ" b="0" i="0" u="none" strike="noStrike" kern="1200" cap="none" spc="0" normalizeH="0" baseline="0" noProof="0" dirty="0">
+                    <a:ln>
+                      <a:noFill/>
+                    </a:ln>
+                    <a:solidFill>
+                      <a:prstClr val="black"/>
+                    </a:solidFill>
+                    <a:effectLst/>
+                    <a:uLnTx/>
+                    <a:uFillTx/>
+                    <a:latin typeface="Arial" panose="020B0604020202020204" pitchFamily="34" charset="0"/>
+                    <a:ea typeface="+mn-ea"/>
+                    <a:cs typeface="Arial" panose="020B0604020202020204" pitchFamily="34" charset="0"/>
+                  </a:endParaRPr>
+                </a:p>
+              </p:txBody>
+            </p:sp>
+          </mc:Choice>
+          <mc:Fallback>
+            <p:sp>
+              <p:nvSpPr>
+                <p:cNvPr id="84" name="TextovéPole 83">
+                  <a:extLst>
+                    <a:ext uri="{FF2B5EF4-FFF2-40B4-BE49-F238E27FC236}">
+                      <a16:creationId xmlns:a16="http://schemas.microsoft.com/office/drawing/2014/main" id="{AC3EB858-DC8B-49FF-88CD-221A0DCFF239}"/>
+                    </a:ext>
+                  </a:extLst>
+                </p:cNvPr>
+                <p:cNvSpPr txBox="1">
+                  <a:spLocks noRot="1" noChangeAspect="1" noMove="1" noResize="1" noEditPoints="1" noAdjustHandles="1" noChangeArrowheads="1" noChangeShapeType="1" noTextEdit="1"/>
+                </p:cNvSpPr>
+                <p:nvPr/>
+              </p:nvSpPr>
+              <p:spPr>
+                <a:xfrm>
+                  <a:off x="3304903" y="1896434"/>
+                  <a:ext cx="653512" cy="369332"/>
+                </a:xfrm>
+                <a:prstGeom prst="rect">
+                  <a:avLst/>
+                </a:prstGeom>
+                <a:blipFill>
+                  <a:blip r:embed="rId8"/>
+                  <a:stretch>
+                    <a:fillRect/>
+                  </a:stretch>
+                </a:blipFill>
+              </p:spPr>
+              <p:txBody>
+                <a:bodyPr/>
+                <a:lstStyle/>
+                <a:p>
+                  <a:r>
+                    <a:rPr lang="cs-CZ">
+                      <a:noFill/>
+                    </a:rPr>
+                    <a:t> </a:t>
+                  </a:r>
+                </a:p>
+              </p:txBody>
+            </p:sp>
+          </mc:Fallback>
+        </mc:AlternateContent>
+        <mc:AlternateContent xmlns:mc="http://schemas.openxmlformats.org/markup-compatibility/2006">
+          <mc:Choice xmlns:a14="http://schemas.microsoft.com/office/drawing/2010/main" Requires="a14">
+            <p:sp>
+              <p:nvSpPr>
+                <p:cNvPr id="85" name="TextovéPole 84">
+                  <a:extLst>
+                    <a:ext uri="{FF2B5EF4-FFF2-40B4-BE49-F238E27FC236}">
+                      <a16:creationId xmlns:a16="http://schemas.microsoft.com/office/drawing/2014/main" id="{72F01010-F288-48A2-8751-F827DD124690}"/>
+                    </a:ext>
+                  </a:extLst>
+                </p:cNvPr>
+                <p:cNvSpPr txBox="1"/>
+                <p:nvPr/>
+              </p:nvSpPr>
+              <p:spPr>
+                <a:xfrm>
+                  <a:off x="2619190" y="1222958"/>
+                  <a:ext cx="913648" cy="276999"/>
+                </a:xfrm>
+                <a:prstGeom prst="rect">
+                  <a:avLst/>
+                </a:prstGeom>
+                <a:noFill/>
+              </p:spPr>
+              <p:txBody>
+                <a:bodyPr wrap="none" lIns="0" tIns="0" rIns="0" bIns="0" rtlCol="0">
+                  <a:spAutoFit/>
+                </a:bodyPr>
+                <a:lstStyle/>
+                <a:p>
+                  <a14:m>
+                    <m:oMathPara xmlns:m="http://schemas.openxmlformats.org/officeDocument/2006/math">
+                      <m:oMathParaPr>
+                        <m:jc m:val="centerGroup"/>
+                      </m:oMathParaPr>
+                      <m:oMath xmlns:m="http://schemas.openxmlformats.org/officeDocument/2006/math">
+                        <m:r>
+                          <a:rPr lang="cs-CZ" b="0" i="1" smtClean="0">
+                            <a:latin typeface="Cambria Math" panose="02040503050406030204" pitchFamily="18" charset="0"/>
+                          </a:rPr>
+                          <m:t>𝑂𝑢𝑡𝑙𝑖𝑒𝑟𝑠</m:t>
+                        </m:r>
+                      </m:oMath>
+                    </m:oMathPara>
+                  </a14:m>
+                  <a:endParaRPr lang="cs-CZ" dirty="0"/>
+                </a:p>
+              </p:txBody>
+            </p:sp>
+          </mc:Choice>
+          <mc:Fallback>
+            <p:sp>
+              <p:nvSpPr>
+                <p:cNvPr id="85" name="TextovéPole 84">
+                  <a:extLst>
+                    <a:ext uri="{FF2B5EF4-FFF2-40B4-BE49-F238E27FC236}">
+                      <a16:creationId xmlns:a16="http://schemas.microsoft.com/office/drawing/2014/main" id="{72F01010-F288-48A2-8751-F827DD124690}"/>
+                    </a:ext>
+                  </a:extLst>
+                </p:cNvPr>
+                <p:cNvSpPr txBox="1">
+                  <a:spLocks noRot="1" noChangeAspect="1" noMove="1" noResize="1" noEditPoints="1" noAdjustHandles="1" noChangeArrowheads="1" noChangeShapeType="1" noTextEdit="1"/>
+                </p:cNvSpPr>
+                <p:nvPr/>
+              </p:nvSpPr>
+              <p:spPr>
+                <a:xfrm>
+                  <a:off x="2619190" y="1222958"/>
+                  <a:ext cx="913648" cy="276999"/>
+                </a:xfrm>
+                <a:prstGeom prst="rect">
+                  <a:avLst/>
+                </a:prstGeom>
+                <a:blipFill>
+                  <a:blip r:embed="rId9"/>
+                  <a:stretch>
+                    <a:fillRect l="-6000" r="-6000" b="-8889"/>
+                  </a:stretch>
+                </a:blipFill>
+              </p:spPr>
+              <p:txBody>
+                <a:bodyPr/>
+                <a:lstStyle/>
+                <a:p>
+                  <a:r>
+                    <a:rPr lang="cs-CZ">
+                      <a:noFill/>
+                    </a:rPr>
+                    <a:t> </a:t>
+                  </a:r>
+                </a:p>
+              </p:txBody>
+            </p:sp>
+          </mc:Fallback>
+        </mc:AlternateContent>
+        <mc:AlternateContent xmlns:mc="http://schemas.openxmlformats.org/markup-compatibility/2006">
+          <mc:Choice xmlns:a14="http://schemas.microsoft.com/office/drawing/2010/main" Requires="a14">
+            <p:sp>
+              <p:nvSpPr>
+                <p:cNvPr id="86" name="TextovéPole 85">
+                  <a:extLst>
+                    <a:ext uri="{FF2B5EF4-FFF2-40B4-BE49-F238E27FC236}">
+                      <a16:creationId xmlns:a16="http://schemas.microsoft.com/office/drawing/2014/main" id="{8C93CB59-23BE-4B18-96A0-B8FCB3035DE5}"/>
+                    </a:ext>
+                  </a:extLst>
+                </p:cNvPr>
+                <p:cNvSpPr txBox="1"/>
+                <p:nvPr/>
+              </p:nvSpPr>
+              <p:spPr>
+                <a:xfrm>
+                  <a:off x="8044347" y="1222958"/>
+                  <a:ext cx="913648" cy="276999"/>
+                </a:xfrm>
+                <a:prstGeom prst="rect">
+                  <a:avLst/>
+                </a:prstGeom>
+                <a:noFill/>
+              </p:spPr>
+              <p:txBody>
+                <a:bodyPr wrap="none" lIns="0" tIns="0" rIns="0" bIns="0" rtlCol="0">
+                  <a:spAutoFit/>
+                </a:bodyPr>
+                <a:lstStyle/>
+                <a:p>
+                  <a14:m>
+                    <m:oMathPara xmlns:m="http://schemas.openxmlformats.org/officeDocument/2006/math">
+                      <m:oMathParaPr>
+                        <m:jc m:val="centerGroup"/>
+                      </m:oMathParaPr>
+                      <m:oMath xmlns:m="http://schemas.openxmlformats.org/officeDocument/2006/math">
+                        <m:r>
+                          <a:rPr lang="cs-CZ" b="0" i="1" smtClean="0">
+                            <a:latin typeface="Cambria Math" panose="02040503050406030204" pitchFamily="18" charset="0"/>
+                          </a:rPr>
+                          <m:t>𝑂𝑢𝑡𝑙𝑖𝑒𝑟𝑠</m:t>
+                        </m:r>
+                      </m:oMath>
+                    </m:oMathPara>
+                  </a14:m>
+                  <a:endParaRPr lang="cs-CZ" dirty="0"/>
+                </a:p>
+              </p:txBody>
+            </p:sp>
+          </mc:Choice>
+          <mc:Fallback>
+            <p:sp>
+              <p:nvSpPr>
+                <p:cNvPr id="86" name="TextovéPole 85">
+                  <a:extLst>
+                    <a:ext uri="{FF2B5EF4-FFF2-40B4-BE49-F238E27FC236}">
+                      <a16:creationId xmlns:a16="http://schemas.microsoft.com/office/drawing/2014/main" id="{8C93CB59-23BE-4B18-96A0-B8FCB3035DE5}"/>
+                    </a:ext>
+                  </a:extLst>
+                </p:cNvPr>
+                <p:cNvSpPr txBox="1">
+                  <a:spLocks noRot="1" noChangeAspect="1" noMove="1" noResize="1" noEditPoints="1" noAdjustHandles="1" noChangeArrowheads="1" noChangeShapeType="1" noTextEdit="1"/>
+                </p:cNvSpPr>
+                <p:nvPr/>
+              </p:nvSpPr>
+              <p:spPr>
+                <a:xfrm>
+                  <a:off x="8044347" y="1222958"/>
+                  <a:ext cx="913648" cy="276999"/>
+                </a:xfrm>
+                <a:prstGeom prst="rect">
+                  <a:avLst/>
+                </a:prstGeom>
+                <a:blipFill>
+                  <a:blip r:embed="rId10"/>
+                  <a:stretch>
+                    <a:fillRect l="-6040" r="-6711" b="-8889"/>
+                  </a:stretch>
+                </a:blipFill>
+              </p:spPr>
+              <p:txBody>
+                <a:bodyPr/>
+                <a:lstStyle/>
+                <a:p>
+                  <a:r>
+                    <a:rPr lang="cs-CZ">
+                      <a:noFill/>
+                    </a:rPr>
+                    <a:t> </a:t>
+                  </a:r>
+                </a:p>
+              </p:txBody>
+            </p:sp>
+          </mc:Fallback>
+        </mc:AlternateContent>
+        <p:cxnSp>
+          <p:nvCxnSpPr>
+            <p:cNvPr id="114" name="Přímá spojnice 113">
+              <a:extLst>
+                <a:ext uri="{FF2B5EF4-FFF2-40B4-BE49-F238E27FC236}">
+                  <a16:creationId xmlns:a16="http://schemas.microsoft.com/office/drawing/2014/main" id="{D5602247-4A39-4007-9EE1-70F550C8EA32}"/>
+                </a:ext>
+              </a:extLst>
+            </p:cNvPr>
+            <p:cNvCxnSpPr>
+              <a:cxnSpLocks/>
+            </p:cNvCxnSpPr>
+            <p:nvPr/>
+          </p:nvCxnSpPr>
+          <p:spPr>
+            <a:xfrm>
+              <a:off x="5850809" y="4229984"/>
+              <a:ext cx="216000" cy="0"/>
+            </a:xfrm>
+            <a:prstGeom prst="line">
+              <a:avLst/>
+            </a:prstGeom>
+          </p:spPr>
+          <p:style>
+            <a:lnRef idx="1">
+              <a:schemeClr val="dk1"/>
+            </a:lnRef>
+            <a:fillRef idx="0">
+              <a:schemeClr val="dk1"/>
+            </a:fillRef>
+            <a:effectRef idx="0">
+              <a:schemeClr val="dk1"/>
+            </a:effectRef>
+            <a:fontRef idx="minor">
+              <a:schemeClr val="tx1"/>
+            </a:fontRef>
+          </p:style>
+        </p:cxnSp>
+        <p:cxnSp>
+          <p:nvCxnSpPr>
+            <p:cNvPr id="115" name="Přímá spojnice 114">
+              <a:extLst>
+                <a:ext uri="{FF2B5EF4-FFF2-40B4-BE49-F238E27FC236}">
+                  <a16:creationId xmlns:a16="http://schemas.microsoft.com/office/drawing/2014/main" id="{BD7EF500-2BE3-48CC-AA98-593388C81672}"/>
+                </a:ext>
+              </a:extLst>
+            </p:cNvPr>
+            <p:cNvCxnSpPr>
+              <a:cxnSpLocks/>
+            </p:cNvCxnSpPr>
+            <p:nvPr/>
+          </p:nvCxnSpPr>
+          <p:spPr>
+            <a:xfrm flipH="1" flipV="1">
+              <a:off x="5957891" y="4121984"/>
+              <a:ext cx="918" cy="216000"/>
+            </a:xfrm>
+            <a:prstGeom prst="line">
+              <a:avLst/>
+            </a:prstGeom>
+          </p:spPr>
+          <p:style>
+            <a:lnRef idx="1">
+              <a:schemeClr val="dk1"/>
+            </a:lnRef>
+            <a:fillRef idx="0">
+              <a:schemeClr val="dk1"/>
+            </a:fillRef>
+            <a:effectRef idx="0">
+              <a:schemeClr val="dk1"/>
+            </a:effectRef>
+            <a:fontRef idx="minor">
+              <a:schemeClr val="tx1"/>
+            </a:fontRef>
+          </p:style>
+        </p:cxnSp>
+      </p:grpSp>
+    </p:spTree>
+    <p:extLst>
+      <p:ext uri="{BB962C8B-B14F-4D97-AF65-F5344CB8AC3E}">
+        <p14:creationId xmlns:p14="http://schemas.microsoft.com/office/powerpoint/2010/main" val="144008153"/>
+      </p:ext>
+    </p:extLst>
+  </p:cSld>
+  <p:clrMapOvr>
+    <a:masterClrMapping/>
+  </p:clrMapOvr>
+</p:sld>
+</file>
+
+<file path=ppt/slides/slide3.xml><?xml version="1.0" encoding="utf-8"?>
+<p:sld xmlns:a="http://schemas.openxmlformats.org/drawingml/2006/main" xmlns:r="http://schemas.openxmlformats.org/officeDocument/2006/relationships" xmlns:p="http://schemas.openxmlformats.org/presentationml/2006/main">
+  <p:cSld>
     <p:spTree>
       <p:nvGrpSpPr>
         <p:cNvPr id="1" name=""/>
@@ -5077,7 +7330,7 @@
 </p:sld>
 </file>
 
-<file path=ppt/slides/slide3.xml><?xml version="1.0" encoding="utf-8"?>
+<file path=ppt/slides/slide4.xml><?xml version="1.0" encoding="utf-8"?>
 <p:sld xmlns:a="http://schemas.openxmlformats.org/drawingml/2006/main" xmlns:r="http://schemas.openxmlformats.org/officeDocument/2006/relationships" xmlns:p="http://schemas.openxmlformats.org/presentationml/2006/main">
   <p:cSld>
     <p:spTree>
@@ -6140,7 +8393,7 @@
 </p:sld>
 </file>
 
-<file path=ppt/slides/slide4.xml><?xml version="1.0" encoding="utf-8"?>
+<file path=ppt/slides/slide5.xml><?xml version="1.0" encoding="utf-8"?>
 <p:sld xmlns:a="http://schemas.openxmlformats.org/drawingml/2006/main" xmlns:r="http://schemas.openxmlformats.org/officeDocument/2006/relationships" xmlns:p="http://schemas.openxmlformats.org/presentationml/2006/main">
   <p:cSld>
     <p:spTree>
@@ -8620,7 +10873,7 @@
 </p:sld>
 </file>
 
-<file path=ppt/slides/slide5.xml><?xml version="1.0" encoding="utf-8"?>
+<file path=ppt/slides/slide6.xml><?xml version="1.0" encoding="utf-8"?>
 <p:sld xmlns:a="http://schemas.openxmlformats.org/drawingml/2006/main" xmlns:r="http://schemas.openxmlformats.org/officeDocument/2006/relationships" xmlns:p="http://schemas.openxmlformats.org/presentationml/2006/main">
   <p:cSld>
     <p:spTree>
@@ -9168,7 +11421,7 @@
 </p:sld>
 </file>
 
-<file path=ppt/slides/slide6.xml><?xml version="1.0" encoding="utf-8"?>
+<file path=ppt/slides/slide7.xml><?xml version="1.0" encoding="utf-8"?>
 <p:sld xmlns:a="http://schemas.openxmlformats.org/drawingml/2006/main" xmlns:r="http://schemas.openxmlformats.org/officeDocument/2006/relationships" xmlns:p="http://schemas.openxmlformats.org/presentationml/2006/main">
   <p:cSld>
     <p:spTree>
@@ -11760,7 +14013,7 @@
 </p:sld>
 </file>
 
-<file path=ppt/slides/slide7.xml><?xml version="1.0" encoding="utf-8"?>
+<file path=ppt/slides/slide8.xml><?xml version="1.0" encoding="utf-8"?>
 <p:sld xmlns:a="http://schemas.openxmlformats.org/drawingml/2006/main" xmlns:r="http://schemas.openxmlformats.org/officeDocument/2006/relationships" xmlns:p="http://schemas.openxmlformats.org/presentationml/2006/main">
   <p:cSld>
     <p:spTree>
